--- a/YUMMY-NTUST.pptx
+++ b/YUMMY-NTUST.pptx
@@ -9,27 +9,29 @@
     <p:sldId id="258" r:id="rId3"/>
     <p:sldId id="260" r:id="rId4"/>
     <p:sldId id="261" r:id="rId5"/>
-    <p:sldId id="262" r:id="rId6"/>
-    <p:sldId id="266" r:id="rId7"/>
-    <p:sldId id="279" r:id="rId8"/>
-    <p:sldId id="267" r:id="rId9"/>
-    <p:sldId id="268" r:id="rId10"/>
-    <p:sldId id="264" r:id="rId11"/>
-    <p:sldId id="256" r:id="rId12"/>
-    <p:sldId id="281" r:id="rId13"/>
-    <p:sldId id="274" r:id="rId14"/>
-    <p:sldId id="282" r:id="rId15"/>
-    <p:sldId id="269" r:id="rId16"/>
-    <p:sldId id="283" r:id="rId17"/>
-    <p:sldId id="257" r:id="rId18"/>
-    <p:sldId id="270" r:id="rId19"/>
-    <p:sldId id="273" r:id="rId20"/>
-    <p:sldId id="271" r:id="rId21"/>
-    <p:sldId id="280" r:id="rId22"/>
-    <p:sldId id="272" r:id="rId23"/>
-    <p:sldId id="285" r:id="rId24"/>
-    <p:sldId id="276" r:id="rId25"/>
-    <p:sldId id="284" r:id="rId26"/>
+    <p:sldId id="287" r:id="rId6"/>
+    <p:sldId id="288" r:id="rId7"/>
+    <p:sldId id="262" r:id="rId8"/>
+    <p:sldId id="266" r:id="rId9"/>
+    <p:sldId id="279" r:id="rId10"/>
+    <p:sldId id="267" r:id="rId11"/>
+    <p:sldId id="268" r:id="rId12"/>
+    <p:sldId id="264" r:id="rId13"/>
+    <p:sldId id="256" r:id="rId14"/>
+    <p:sldId id="281" r:id="rId15"/>
+    <p:sldId id="274" r:id="rId16"/>
+    <p:sldId id="282" r:id="rId17"/>
+    <p:sldId id="269" r:id="rId18"/>
+    <p:sldId id="283" r:id="rId19"/>
+    <p:sldId id="257" r:id="rId20"/>
+    <p:sldId id="270" r:id="rId21"/>
+    <p:sldId id="273" r:id="rId22"/>
+    <p:sldId id="271" r:id="rId23"/>
+    <p:sldId id="280" r:id="rId24"/>
+    <p:sldId id="272" r:id="rId25"/>
+    <p:sldId id="285" r:id="rId26"/>
+    <p:sldId id="276" r:id="rId27"/>
+    <p:sldId id="284" r:id="rId28"/>
   </p:sldIdLst>
   <p:sldSz cx="12192000" cy="6858000"/>
   <p:notesSz cx="6858000" cy="9144000"/>
@@ -130,7 +132,7 @@
   </p:defaultTextStyle>
   <p:extLst>
     <p:ext uri="{EFAFB233-063F-42B5-8137-9DF3F51BA10A}">
-      <p15:sldGuideLst xmlns:p15="http://schemas.microsoft.com/office/powerpoint/2012/main" xmlns="">
+      <p15:sldGuideLst xmlns:p15="http://schemas.microsoft.com/office/powerpoint/2012/main">
         <p15:guide id="1" orient="horz" pos="2160">
           <p15:clr>
             <a:srgbClr val="A4A3A4"/>
@@ -190,7 +192,7 @@
             <a:blip r:embed="rId2">
               <a:extLst>
                 <a:ext uri="{28A0092B-C50C-407E-A947-70E740481C1C}">
-                  <a14:useLocalDpi xmlns:a14="http://schemas.microsoft.com/office/drawing/2010/main" xmlns="" val="0"/>
+                  <a14:useLocalDpi xmlns:a14="http://schemas.microsoft.com/office/drawing/2010/main" val="0"/>
                 </a:ext>
               </a:extLst>
             </a:blip>
@@ -254,7 +256,7 @@
             <a:blip r:embed="rId3">
               <a:extLst>
                 <a:ext uri="{28A0092B-C50C-407E-A947-70E740481C1C}">
-                  <a14:useLocalDpi xmlns:a14="http://schemas.microsoft.com/office/drawing/2010/main" xmlns="" val="0"/>
+                  <a14:useLocalDpi xmlns:a14="http://schemas.microsoft.com/office/drawing/2010/main" val="0"/>
                 </a:ext>
               </a:extLst>
             </a:blip>
@@ -283,7 +285,7 @@
             <a:blip r:embed="rId3">
               <a:extLst>
                 <a:ext uri="{28A0092B-C50C-407E-A947-70E740481C1C}">
-                  <a14:useLocalDpi xmlns:a14="http://schemas.microsoft.com/office/drawing/2010/main" xmlns="" val="0"/>
+                  <a14:useLocalDpi xmlns:a14="http://schemas.microsoft.com/office/drawing/2010/main" val="0"/>
                 </a:ext>
               </a:extLst>
             </a:blip>
@@ -479,7 +481,7 @@
             <a:fld id="{7C611980-21BF-4ACA-93B7-1A807F4393B9}" type="datetimeFigureOut">
               <a:rPr lang="zh-TW" altLang="en-US" smtClean="0"/>
               <a:pPr/>
-              <a:t>2015/4/18</a:t>
+              <a:t>2015/4/21</a:t>
             </a:fld>
             <a:endParaRPr lang="zh-TW" altLang="en-US"/>
           </a:p>
@@ -571,7 +573,7 @@
     </p:spTree>
     <p:extLst>
       <p:ext uri="{BB962C8B-B14F-4D97-AF65-F5344CB8AC3E}">
-        <p14:creationId xmlns:p14="http://schemas.microsoft.com/office/powerpoint/2010/main" xmlns="" val="3673856549"/>
+        <p14:creationId xmlns:p14="http://schemas.microsoft.com/office/powerpoint/2010/main" val="3673856549"/>
       </p:ext>
     </p:extLst>
   </p:cSld>
@@ -805,7 +807,7 @@
             <a:fld id="{7C611980-21BF-4ACA-93B7-1A807F4393B9}" type="datetimeFigureOut">
               <a:rPr lang="zh-TW" altLang="en-US" smtClean="0"/>
               <a:pPr/>
-              <a:t>2015/4/18</a:t>
+              <a:t>2015/4/21</a:t>
             </a:fld>
             <a:endParaRPr lang="zh-TW" altLang="en-US"/>
           </a:p>
@@ -857,7 +859,7 @@
     </p:spTree>
     <p:extLst>
       <p:ext uri="{BB962C8B-B14F-4D97-AF65-F5344CB8AC3E}">
-        <p14:creationId xmlns:p14="http://schemas.microsoft.com/office/powerpoint/2010/main" xmlns="" val="3744591005"/>
+        <p14:creationId xmlns:p14="http://schemas.microsoft.com/office/powerpoint/2010/main" val="3744591005"/>
       </p:ext>
     </p:extLst>
   </p:cSld>
@@ -1055,7 +1057,7 @@
             <a:fld id="{7C611980-21BF-4ACA-93B7-1A807F4393B9}" type="datetimeFigureOut">
               <a:rPr lang="zh-TW" altLang="en-US" smtClean="0"/>
               <a:pPr/>
-              <a:t>2015/4/18</a:t>
+              <a:t>2015/4/21</a:t>
             </a:fld>
             <a:endParaRPr lang="zh-TW" altLang="en-US"/>
           </a:p>
@@ -1138,7 +1140,7 @@
     </p:spTree>
     <p:extLst>
       <p:ext uri="{BB962C8B-B14F-4D97-AF65-F5344CB8AC3E}">
-        <p14:creationId xmlns:p14="http://schemas.microsoft.com/office/powerpoint/2010/main" xmlns="" val="2069004645"/>
+        <p14:creationId xmlns:p14="http://schemas.microsoft.com/office/powerpoint/2010/main" val="2069004645"/>
       </p:ext>
     </p:extLst>
   </p:cSld>
@@ -1396,7 +1398,7 @@
             <a:fld id="{7C611980-21BF-4ACA-93B7-1A807F4393B9}" type="datetimeFigureOut">
               <a:rPr lang="zh-TW" altLang="en-US" smtClean="0"/>
               <a:pPr/>
-              <a:t>2015/4/18</a:t>
+              <a:t>2015/4/21</a:t>
             </a:fld>
             <a:endParaRPr lang="zh-TW" altLang="en-US"/>
           </a:p>
@@ -1547,7 +1549,7 @@
     </p:spTree>
     <p:extLst>
       <p:ext uri="{BB962C8B-B14F-4D97-AF65-F5344CB8AC3E}">
-        <p14:creationId xmlns:p14="http://schemas.microsoft.com/office/powerpoint/2010/main" xmlns="" val="1346380035"/>
+        <p14:creationId xmlns:p14="http://schemas.microsoft.com/office/powerpoint/2010/main" val="1346380035"/>
       </p:ext>
     </p:extLst>
   </p:cSld>
@@ -1745,7 +1747,7 @@
             <a:fld id="{7C611980-21BF-4ACA-93B7-1A807F4393B9}" type="datetimeFigureOut">
               <a:rPr lang="zh-TW" altLang="en-US" smtClean="0"/>
               <a:pPr/>
-              <a:t>2015/4/18</a:t>
+              <a:t>2015/4/21</a:t>
             </a:fld>
             <a:endParaRPr lang="zh-TW" altLang="en-US"/>
           </a:p>
@@ -1797,7 +1799,7 @@
     </p:spTree>
     <p:extLst>
       <p:ext uri="{BB962C8B-B14F-4D97-AF65-F5344CB8AC3E}">
-        <p14:creationId xmlns:p14="http://schemas.microsoft.com/office/powerpoint/2010/main" xmlns="" val="2328989371"/>
+        <p14:creationId xmlns:p14="http://schemas.microsoft.com/office/powerpoint/2010/main" val="2328989371"/>
       </p:ext>
     </p:extLst>
   </p:cSld>
@@ -2121,7 +2123,7 @@
             <a:fld id="{7C611980-21BF-4ACA-93B7-1A807F4393B9}" type="datetimeFigureOut">
               <a:rPr lang="zh-TW" altLang="en-US" smtClean="0"/>
               <a:pPr/>
-              <a:t>2015/4/18</a:t>
+              <a:t>2015/4/21</a:t>
             </a:fld>
             <a:endParaRPr lang="zh-TW" altLang="en-US"/>
           </a:p>
@@ -2272,7 +2274,7 @@
     </p:spTree>
     <p:extLst>
       <p:ext uri="{BB962C8B-B14F-4D97-AF65-F5344CB8AC3E}">
-        <p14:creationId xmlns:p14="http://schemas.microsoft.com/office/powerpoint/2010/main" xmlns="" val="879164212"/>
+        <p14:creationId xmlns:p14="http://schemas.microsoft.com/office/powerpoint/2010/main" val="879164212"/>
       </p:ext>
     </p:extLst>
   </p:cSld>
@@ -2593,7 +2595,7 @@
             <a:fld id="{7C611980-21BF-4ACA-93B7-1A807F4393B9}" type="datetimeFigureOut">
               <a:rPr lang="zh-TW" altLang="en-US" smtClean="0"/>
               <a:pPr/>
-              <a:t>2015/4/18</a:t>
+              <a:t>2015/4/21</a:t>
             </a:fld>
             <a:endParaRPr lang="zh-TW" altLang="en-US"/>
           </a:p>
@@ -2676,7 +2678,7 @@
     </p:spTree>
     <p:extLst>
       <p:ext uri="{BB962C8B-B14F-4D97-AF65-F5344CB8AC3E}">
-        <p14:creationId xmlns:p14="http://schemas.microsoft.com/office/powerpoint/2010/main" xmlns="" val="4122772321"/>
+        <p14:creationId xmlns:p14="http://schemas.microsoft.com/office/powerpoint/2010/main" val="4122772321"/>
       </p:ext>
     </p:extLst>
   </p:cSld>
@@ -2800,7 +2802,7 @@
             <a:fld id="{7C611980-21BF-4ACA-93B7-1A807F4393B9}" type="datetimeFigureOut">
               <a:rPr lang="zh-TW" altLang="en-US" smtClean="0"/>
               <a:pPr/>
-              <a:t>2015/4/18</a:t>
+              <a:t>2015/4/21</a:t>
             </a:fld>
             <a:endParaRPr lang="zh-TW" altLang="en-US"/>
           </a:p>
@@ -2883,7 +2885,7 @@
     </p:spTree>
     <p:extLst>
       <p:ext uri="{BB962C8B-B14F-4D97-AF65-F5344CB8AC3E}">
-        <p14:creationId xmlns:p14="http://schemas.microsoft.com/office/powerpoint/2010/main" xmlns="" val="342085621"/>
+        <p14:creationId xmlns:p14="http://schemas.microsoft.com/office/powerpoint/2010/main" val="342085621"/>
       </p:ext>
     </p:extLst>
   </p:cSld>
@@ -3013,7 +3015,7 @@
             <a:fld id="{7C611980-21BF-4ACA-93B7-1A807F4393B9}" type="datetimeFigureOut">
               <a:rPr lang="zh-TW" altLang="en-US" smtClean="0"/>
               <a:pPr/>
-              <a:t>2015/4/18</a:t>
+              <a:t>2015/4/21</a:t>
             </a:fld>
             <a:endParaRPr lang="zh-TW" altLang="en-US"/>
           </a:p>
@@ -3096,7 +3098,7 @@
     </p:spTree>
     <p:extLst>
       <p:ext uri="{BB962C8B-B14F-4D97-AF65-F5344CB8AC3E}">
-        <p14:creationId xmlns:p14="http://schemas.microsoft.com/office/powerpoint/2010/main" xmlns="" val="3170779513"/>
+        <p14:creationId xmlns:p14="http://schemas.microsoft.com/office/powerpoint/2010/main" val="3170779513"/>
       </p:ext>
     </p:extLst>
   </p:cSld>
@@ -3247,7 +3249,7 @@
             <a:fld id="{7C611980-21BF-4ACA-93B7-1A807F4393B9}" type="datetimeFigureOut">
               <a:rPr lang="zh-TW" altLang="en-US" smtClean="0"/>
               <a:pPr/>
-              <a:t>2015/4/18</a:t>
+              <a:t>2015/4/21</a:t>
             </a:fld>
             <a:endParaRPr lang="zh-TW" altLang="en-US"/>
           </a:p>
@@ -3299,7 +3301,7 @@
     </p:spTree>
     <p:extLst>
       <p:ext uri="{BB962C8B-B14F-4D97-AF65-F5344CB8AC3E}">
-        <p14:creationId xmlns:p14="http://schemas.microsoft.com/office/powerpoint/2010/main" xmlns="" val="2188872775"/>
+        <p14:creationId xmlns:p14="http://schemas.microsoft.com/office/powerpoint/2010/main" val="2188872775"/>
       </p:ext>
     </p:extLst>
   </p:cSld>
@@ -3497,7 +3499,7 @@
             <a:fld id="{7C611980-21BF-4ACA-93B7-1A807F4393B9}" type="datetimeFigureOut">
               <a:rPr lang="zh-TW" altLang="en-US" smtClean="0"/>
               <a:pPr/>
-              <a:t>2015/4/18</a:t>
+              <a:t>2015/4/21</a:t>
             </a:fld>
             <a:endParaRPr lang="zh-TW" altLang="en-US"/>
           </a:p>
@@ -3580,7 +3582,7 @@
     </p:spTree>
     <p:extLst>
       <p:ext uri="{BB962C8B-B14F-4D97-AF65-F5344CB8AC3E}">
-        <p14:creationId xmlns:p14="http://schemas.microsoft.com/office/powerpoint/2010/main" xmlns="" val="1442274927"/>
+        <p14:creationId xmlns:p14="http://schemas.microsoft.com/office/powerpoint/2010/main" val="1442274927"/>
       </p:ext>
     </p:extLst>
   </p:cSld>
@@ -3797,7 +3799,7 @@
             <a:fld id="{7C611980-21BF-4ACA-93B7-1A807F4393B9}" type="datetimeFigureOut">
               <a:rPr lang="zh-TW" altLang="en-US" smtClean="0"/>
               <a:pPr/>
-              <a:t>2015/4/18</a:t>
+              <a:t>2015/4/21</a:t>
             </a:fld>
             <a:endParaRPr lang="zh-TW" altLang="en-US"/>
           </a:p>
@@ -3849,7 +3851,7 @@
     </p:spTree>
     <p:extLst>
       <p:ext uri="{BB962C8B-B14F-4D97-AF65-F5344CB8AC3E}">
-        <p14:creationId xmlns:p14="http://schemas.microsoft.com/office/powerpoint/2010/main" xmlns="" val="261759670"/>
+        <p14:creationId xmlns:p14="http://schemas.microsoft.com/office/powerpoint/2010/main" val="261759670"/>
       </p:ext>
     </p:extLst>
   </p:cSld>
@@ -4193,7 +4195,7 @@
             <a:fld id="{7C611980-21BF-4ACA-93B7-1A807F4393B9}" type="datetimeFigureOut">
               <a:rPr lang="zh-TW" altLang="en-US" smtClean="0"/>
               <a:pPr/>
-              <a:t>2015/4/18</a:t>
+              <a:t>2015/4/21</a:t>
             </a:fld>
             <a:endParaRPr lang="zh-TW" altLang="en-US"/>
           </a:p>
@@ -4276,7 +4278,7 @@
     </p:spTree>
     <p:extLst>
       <p:ext uri="{BB962C8B-B14F-4D97-AF65-F5344CB8AC3E}">
-        <p14:creationId xmlns:p14="http://schemas.microsoft.com/office/powerpoint/2010/main" xmlns="" val="2164916606"/>
+        <p14:creationId xmlns:p14="http://schemas.microsoft.com/office/powerpoint/2010/main" val="2164916606"/>
       </p:ext>
     </p:extLst>
   </p:cSld>
@@ -4344,7 +4346,7 @@
             <a:fld id="{7C611980-21BF-4ACA-93B7-1A807F4393B9}" type="datetimeFigureOut">
               <a:rPr lang="zh-TW" altLang="en-US" smtClean="0"/>
               <a:pPr/>
-              <a:t>2015/4/18</a:t>
+              <a:t>2015/4/21</a:t>
             </a:fld>
             <a:endParaRPr lang="zh-TW" altLang="en-US"/>
           </a:p>
@@ -4427,7 +4429,7 @@
     </p:spTree>
     <p:extLst>
       <p:ext uri="{BB962C8B-B14F-4D97-AF65-F5344CB8AC3E}">
-        <p14:creationId xmlns:p14="http://schemas.microsoft.com/office/powerpoint/2010/main" xmlns="" val="2294780404"/>
+        <p14:creationId xmlns:p14="http://schemas.microsoft.com/office/powerpoint/2010/main" val="2294780404"/>
       </p:ext>
     </p:extLst>
   </p:cSld>
@@ -4472,7 +4474,7 @@
             <a:fld id="{7C611980-21BF-4ACA-93B7-1A807F4393B9}" type="datetimeFigureOut">
               <a:rPr lang="zh-TW" altLang="en-US" smtClean="0"/>
               <a:pPr/>
-              <a:t>2015/4/18</a:t>
+              <a:t>2015/4/21</a:t>
             </a:fld>
             <a:endParaRPr lang="zh-TW" altLang="en-US"/>
           </a:p>
@@ -4524,7 +4526,7 @@
     </p:spTree>
     <p:extLst>
       <p:ext uri="{BB962C8B-B14F-4D97-AF65-F5344CB8AC3E}">
-        <p14:creationId xmlns:p14="http://schemas.microsoft.com/office/powerpoint/2010/main" xmlns="" val="2908437411"/>
+        <p14:creationId xmlns:p14="http://schemas.microsoft.com/office/powerpoint/2010/main" val="2908437411"/>
       </p:ext>
     </p:extLst>
   </p:cSld>
@@ -4729,7 +4731,7 @@
             <a:fld id="{7C611980-21BF-4ACA-93B7-1A807F4393B9}" type="datetimeFigureOut">
               <a:rPr lang="zh-TW" altLang="en-US" smtClean="0"/>
               <a:pPr/>
-              <a:t>2015/4/18</a:t>
+              <a:t>2015/4/21</a:t>
             </a:fld>
             <a:endParaRPr lang="zh-TW" altLang="en-US"/>
           </a:p>
@@ -4812,7 +4814,7 @@
     </p:spTree>
     <p:extLst>
       <p:ext uri="{BB962C8B-B14F-4D97-AF65-F5344CB8AC3E}">
-        <p14:creationId xmlns:p14="http://schemas.microsoft.com/office/powerpoint/2010/main" xmlns="" val="2879050331"/>
+        <p14:creationId xmlns:p14="http://schemas.microsoft.com/office/powerpoint/2010/main" val="2879050331"/>
       </p:ext>
     </p:extLst>
   </p:cSld>
@@ -5046,7 +5048,7 @@
             <a:fld id="{7C611980-21BF-4ACA-93B7-1A807F4393B9}" type="datetimeFigureOut">
               <a:rPr lang="zh-TW" altLang="en-US" smtClean="0"/>
               <a:pPr/>
-              <a:t>2015/4/18</a:t>
+              <a:t>2015/4/21</a:t>
             </a:fld>
             <a:endParaRPr lang="zh-TW" altLang="en-US"/>
           </a:p>
@@ -5098,7 +5100,7 @@
     </p:spTree>
     <p:extLst>
       <p:ext uri="{BB962C8B-B14F-4D97-AF65-F5344CB8AC3E}">
-        <p14:creationId xmlns:p14="http://schemas.microsoft.com/office/powerpoint/2010/main" xmlns="" val="1124889447"/>
+        <p14:creationId xmlns:p14="http://schemas.microsoft.com/office/powerpoint/2010/main" val="1124889447"/>
       </p:ext>
     </p:extLst>
   </p:cSld>
@@ -5156,7 +5158,7 @@
             <a:blip r:embed="rId19">
               <a:extLst>
                 <a:ext uri="{28A0092B-C50C-407E-A947-70E740481C1C}">
-                  <a14:useLocalDpi xmlns:a14="http://schemas.microsoft.com/office/drawing/2010/main" xmlns="" val="0"/>
+                  <a14:useLocalDpi xmlns:a14="http://schemas.microsoft.com/office/drawing/2010/main" val="0"/>
                 </a:ext>
               </a:extLst>
             </a:blip>
@@ -5220,7 +5222,7 @@
             <a:blip r:embed="rId20">
               <a:extLst>
                 <a:ext uri="{28A0092B-C50C-407E-A947-70E740481C1C}">
-                  <a14:useLocalDpi xmlns:a14="http://schemas.microsoft.com/office/drawing/2010/main" xmlns="" val="0"/>
+                  <a14:useLocalDpi xmlns:a14="http://schemas.microsoft.com/office/drawing/2010/main" val="0"/>
                 </a:ext>
               </a:extLst>
             </a:blip>
@@ -5249,7 +5251,7 @@
             <a:blip r:embed="rId20">
               <a:extLst>
                 <a:ext uri="{28A0092B-C50C-407E-A947-70E740481C1C}">
-                  <a14:useLocalDpi xmlns:a14="http://schemas.microsoft.com/office/drawing/2010/main" xmlns="" val="0"/>
+                  <a14:useLocalDpi xmlns:a14="http://schemas.microsoft.com/office/drawing/2010/main" val="0"/>
                 </a:ext>
               </a:extLst>
             </a:blip>
@@ -5399,7 +5401,7 @@
             <a:fld id="{7C611980-21BF-4ACA-93B7-1A807F4393B9}" type="datetimeFigureOut">
               <a:rPr lang="zh-TW" altLang="en-US" smtClean="0"/>
               <a:pPr/>
-              <a:t>2015/4/18</a:t>
+              <a:t>2015/4/21</a:t>
             </a:fld>
             <a:endParaRPr lang="zh-TW" altLang="en-US"/>
           </a:p>
@@ -5487,7 +5489,7 @@
     </p:spTree>
     <p:extLst>
       <p:ext uri="{BB962C8B-B14F-4D97-AF65-F5344CB8AC3E}">
-        <p14:creationId xmlns:p14="http://schemas.microsoft.com/office/powerpoint/2010/main" xmlns="" val="188462130"/>
+        <p14:creationId xmlns:p14="http://schemas.microsoft.com/office/powerpoint/2010/main" val="188462130"/>
       </p:ext>
     </p:extLst>
   </p:cSld>
@@ -6190,6 +6192,615 @@
       </p:grpSpPr>
       <p:sp>
         <p:nvSpPr>
+          <p:cNvPr id="2" name="標題 1"/>
+          <p:cNvSpPr>
+            <a:spLocks noGrp="1"/>
+          </p:cNvSpPr>
+          <p:nvPr>
+            <p:ph type="title"/>
+          </p:nvPr>
+        </p:nvSpPr>
+        <p:spPr/>
+        <p:txBody>
+          <a:bodyPr/>
+          <a:lstStyle/>
+          <a:p>
+            <a:pPr algn="l"/>
+            <a:r>
+              <a:rPr lang="zh-TW" altLang="en-US" dirty="0" smtClean="0">
+                <a:solidFill>
+                  <a:schemeClr val="tx1"/>
+                </a:solidFill>
+                <a:latin typeface="標楷體" pitchFamily="65" charset="-120"/>
+                <a:ea typeface="標楷體" pitchFamily="65" charset="-120"/>
+              </a:rPr>
+              <a:t>會議紀錄</a:t>
+            </a:r>
+            <a:endParaRPr lang="zh-TW" altLang="en-US" dirty="0">
+              <a:solidFill>
+                <a:schemeClr val="tx1"/>
+              </a:solidFill>
+            </a:endParaRPr>
+          </a:p>
+        </p:txBody>
+      </p:sp>
+      <p:sp>
+        <p:nvSpPr>
+          <p:cNvPr id="3" name="直排文字版面配置區 2"/>
+          <p:cNvSpPr>
+            <a:spLocks noGrp="1"/>
+          </p:cNvSpPr>
+          <p:nvPr>
+            <p:ph type="body" orient="vert" idx="1"/>
+          </p:nvPr>
+        </p:nvSpPr>
+        <p:spPr>
+          <a:xfrm>
+            <a:off x="1059785" y="2599361"/>
+            <a:ext cx="10260000" cy="5220000"/>
+          </a:xfrm>
+        </p:spPr>
+        <p:txBody>
+          <a:bodyPr vert="horz">
+            <a:normAutofit/>
+          </a:bodyPr>
+          <a:lstStyle/>
+          <a:p>
+            <a:pPr>
+              <a:buClr>
+                <a:schemeClr val="tx1"/>
+              </a:buClr>
+              <a:buFont typeface="Wingdings" pitchFamily="2" charset="2"/>
+              <a:buChar char="l"/>
+            </a:pPr>
+            <a:r>
+              <a:rPr lang="en-US" altLang="zh-TW" dirty="0" smtClean="0">
+                <a:solidFill>
+                  <a:schemeClr val="tx1"/>
+                </a:solidFill>
+                <a:latin typeface="標楷體" pitchFamily="65" charset="-120"/>
+                <a:ea typeface="標楷體" pitchFamily="65" charset="-120"/>
+              </a:rPr>
+              <a:t>4/7 </a:t>
+            </a:r>
+          </a:p>
+          <a:p>
+            <a:pPr lvl="1">
+              <a:buClrTx/>
+              <a:buFont typeface="Wingdings" pitchFamily="2" charset="2"/>
+              <a:buChar char="Ø"/>
+            </a:pPr>
+            <a:r>
+              <a:rPr lang="zh-TW" altLang="en-US" sz="2400" dirty="0" smtClean="0">
+                <a:solidFill>
+                  <a:schemeClr val="tx1"/>
+                </a:solidFill>
+                <a:latin typeface="標楷體" pitchFamily="65" charset="-120"/>
+                <a:ea typeface="標楷體" pitchFamily="65" charset="-120"/>
+              </a:rPr>
+              <a:t>製作網頁雛形、討論開發動機、平台介紹、平台功能、時程規劃、會議記錄。</a:t>
+            </a:r>
+          </a:p>
+        </p:txBody>
+      </p:sp>
+    </p:spTree>
+  </p:cSld>
+  <p:clrMapOvr>
+    <a:masterClrMapping/>
+  </p:clrMapOvr>
+  <p:timing>
+    <p:tnLst>
+      <p:par>
+        <p:cTn id="1" dur="indefinite" restart="never" nodeType="tmRoot"/>
+      </p:par>
+    </p:tnLst>
+  </p:timing>
+</p:sld>
+</file>
+
+<file path=ppt/slides/slide11.xml><?xml version="1.0" encoding="utf-8"?>
+<p:sld xmlns:a="http://schemas.openxmlformats.org/drawingml/2006/main" xmlns:r="http://schemas.openxmlformats.org/officeDocument/2006/relationships" xmlns:p="http://schemas.openxmlformats.org/presentationml/2006/main">
+  <p:cSld>
+    <p:spTree>
+      <p:nvGrpSpPr>
+        <p:cNvPr id="1" name=""/>
+        <p:cNvGrpSpPr/>
+        <p:nvPr/>
+      </p:nvGrpSpPr>
+      <p:grpSpPr>
+        <a:xfrm>
+          <a:off x="0" y="0"/>
+          <a:ext cx="0" cy="0"/>
+          <a:chOff x="0" y="0"/>
+          <a:chExt cx="0" cy="0"/>
+        </a:xfrm>
+      </p:grpSpPr>
+      <p:sp>
+        <p:nvSpPr>
+          <p:cNvPr id="2" name="標題 1"/>
+          <p:cNvSpPr>
+            <a:spLocks noGrp="1"/>
+          </p:cNvSpPr>
+          <p:nvPr>
+            <p:ph type="title"/>
+          </p:nvPr>
+        </p:nvSpPr>
+        <p:spPr/>
+        <p:txBody>
+          <a:bodyPr>
+            <a:normAutofit/>
+          </a:bodyPr>
+          <a:lstStyle/>
+          <a:p>
+            <a:pPr algn="l"/>
+            <a:r>
+              <a:rPr lang="zh-TW" altLang="en-US" dirty="0" smtClean="0">
+                <a:solidFill>
+                  <a:schemeClr val="tx1"/>
+                </a:solidFill>
+                <a:latin typeface="標楷體" pitchFamily="65" charset="-120"/>
+                <a:ea typeface="標楷體" pitchFamily="65" charset="-120"/>
+              </a:rPr>
+              <a:t>團隊負責</a:t>
+            </a:r>
+            <a:endParaRPr lang="zh-TW" altLang="en-US" dirty="0">
+              <a:solidFill>
+                <a:schemeClr val="tx1"/>
+              </a:solidFill>
+              <a:latin typeface="標楷體" pitchFamily="65" charset="-120"/>
+              <a:ea typeface="標楷體" pitchFamily="65" charset="-120"/>
+            </a:endParaRPr>
+          </a:p>
+        </p:txBody>
+      </p:sp>
+      <p:grpSp>
+        <p:nvGrpSpPr>
+          <p:cNvPr id="12" name="群組 11"/>
+          <p:cNvGrpSpPr/>
+          <p:nvPr/>
+        </p:nvGrpSpPr>
+        <p:grpSpPr>
+          <a:xfrm>
+            <a:off x="1463501" y="2776006"/>
+            <a:ext cx="5636249" cy="2603851"/>
+            <a:chOff x="1299378" y="2471206"/>
+            <a:chExt cx="5636249" cy="2603851"/>
+          </a:xfrm>
+        </p:grpSpPr>
+        <p:sp>
+          <p:nvSpPr>
+            <p:cNvPr id="5" name="文字方塊 4"/>
+            <p:cNvSpPr txBox="1"/>
+            <p:nvPr/>
+          </p:nvSpPr>
+          <p:spPr>
+            <a:xfrm>
+              <a:off x="1299378" y="2826972"/>
+              <a:ext cx="2111475" cy="1261884"/>
+            </a:xfrm>
+            <a:prstGeom prst="rect">
+              <a:avLst/>
+            </a:prstGeom>
+            <a:noFill/>
+          </p:spPr>
+          <p:txBody>
+            <a:bodyPr wrap="none" rtlCol="0">
+              <a:spAutoFit/>
+            </a:bodyPr>
+            <a:lstStyle/>
+            <a:p>
+              <a:pPr lvl="1">
+                <a:buClr>
+                  <a:schemeClr val="tx1"/>
+                </a:buClr>
+                <a:buFont typeface="Wingdings" pitchFamily="2" charset="2"/>
+                <a:buChar char="Ø"/>
+              </a:pPr>
+              <a:r>
+                <a:rPr lang="zh-TW" altLang="en-US" sz="2000" dirty="0" smtClean="0">
+                  <a:latin typeface="標楷體" pitchFamily="65" charset="-120"/>
+                  <a:ea typeface="標楷體" pitchFamily="65" charset="-120"/>
+                </a:rPr>
+                <a:t>珮</a:t>
+              </a:r>
+              <a:r>
+                <a:rPr lang="zh-TW" altLang="en-US" sz="2000" dirty="0">
+                  <a:latin typeface="標楷體" pitchFamily="65" charset="-120"/>
+                  <a:ea typeface="標楷體" pitchFamily="65" charset="-120"/>
+                </a:rPr>
+                <a:t>妤</a:t>
+              </a:r>
+              <a:endParaRPr lang="en-US" altLang="zh-TW" sz="2000" dirty="0">
+                <a:latin typeface="標楷體" pitchFamily="65" charset="-120"/>
+                <a:ea typeface="標楷體" pitchFamily="65" charset="-120"/>
+              </a:endParaRPr>
+            </a:p>
+            <a:p>
+              <a:pPr lvl="2">
+                <a:buClr>
+                  <a:schemeClr val="tx1"/>
+                </a:buClr>
+                <a:buFont typeface="Arial" pitchFamily="34" charset="0"/>
+                <a:buChar char="•"/>
+              </a:pPr>
+              <a:r>
+                <a:rPr lang="zh-TW" altLang="en-US" dirty="0">
+                  <a:latin typeface="標楷體" pitchFamily="65" charset="-120"/>
+                  <a:ea typeface="標楷體" pitchFamily="65" charset="-120"/>
+                </a:rPr>
+                <a:t>動機</a:t>
+              </a:r>
+              <a:endParaRPr lang="en-US" altLang="zh-TW" dirty="0">
+                <a:latin typeface="標楷體" pitchFamily="65" charset="-120"/>
+                <a:ea typeface="標楷體" pitchFamily="65" charset="-120"/>
+              </a:endParaRPr>
+            </a:p>
+            <a:p>
+              <a:pPr lvl="2">
+                <a:buClr>
+                  <a:schemeClr val="tx1"/>
+                </a:buClr>
+                <a:buFont typeface="Arial" pitchFamily="34" charset="0"/>
+                <a:buChar char="•"/>
+              </a:pPr>
+              <a:r>
+                <a:rPr lang="zh-TW" altLang="en-US" dirty="0">
+                  <a:latin typeface="標楷體" pitchFamily="65" charset="-120"/>
+                  <a:ea typeface="標楷體" pitchFamily="65" charset="-120"/>
+                </a:rPr>
+                <a:t>平台介紹</a:t>
+              </a:r>
+              <a:endParaRPr lang="en-US" altLang="zh-TW" dirty="0">
+                <a:latin typeface="標楷體" pitchFamily="65" charset="-120"/>
+                <a:ea typeface="標楷體" pitchFamily="65" charset="-120"/>
+              </a:endParaRPr>
+            </a:p>
+            <a:p>
+              <a:endParaRPr lang="zh-TW" altLang="en-US" sz="2000" dirty="0"/>
+            </a:p>
+          </p:txBody>
+        </p:sp>
+        <p:sp>
+          <p:nvSpPr>
+            <p:cNvPr id="7" name="矩形 6"/>
+            <p:cNvSpPr/>
+            <p:nvPr/>
+          </p:nvSpPr>
+          <p:spPr>
+            <a:xfrm>
+              <a:off x="2970908" y="2833106"/>
+              <a:ext cx="2342964" cy="1231106"/>
+            </a:xfrm>
+            <a:prstGeom prst="rect">
+              <a:avLst/>
+            </a:prstGeom>
+          </p:spPr>
+          <p:txBody>
+            <a:bodyPr wrap="square">
+              <a:spAutoFit/>
+            </a:bodyPr>
+            <a:lstStyle/>
+            <a:p>
+              <a:pPr lvl="1">
+                <a:buClr>
+                  <a:schemeClr val="tx1"/>
+                </a:buClr>
+                <a:buFont typeface="Wingdings" pitchFamily="2" charset="2"/>
+                <a:buChar char="Ø"/>
+              </a:pPr>
+              <a:r>
+                <a:rPr lang="zh-TW" altLang="en-US" sz="2000" dirty="0">
+                  <a:latin typeface="標楷體" pitchFamily="65" charset="-120"/>
+                  <a:ea typeface="標楷體" pitchFamily="65" charset="-120"/>
+                </a:rPr>
+                <a:t>靖倫</a:t>
+              </a:r>
+              <a:endParaRPr lang="en-US" altLang="zh-TW" sz="2000" dirty="0">
+                <a:latin typeface="標楷體" pitchFamily="65" charset="-120"/>
+                <a:ea typeface="標楷體" pitchFamily="65" charset="-120"/>
+              </a:endParaRPr>
+            </a:p>
+            <a:p>
+              <a:pPr lvl="2">
+                <a:buClr>
+                  <a:schemeClr val="tx1"/>
+                </a:buClr>
+                <a:buFont typeface="Arial" pitchFamily="34" charset="0"/>
+                <a:buChar char="•"/>
+              </a:pPr>
+              <a:r>
+                <a:rPr lang="zh-TW" altLang="en-US" dirty="0">
+                  <a:latin typeface="標楷體" pitchFamily="65" charset="-120"/>
+                  <a:ea typeface="標楷體" pitchFamily="65" charset="-120"/>
+                </a:rPr>
+                <a:t>平台功能</a:t>
+              </a:r>
+              <a:endParaRPr lang="en-US" altLang="zh-TW" dirty="0">
+                <a:latin typeface="標楷體" pitchFamily="65" charset="-120"/>
+                <a:ea typeface="標楷體" pitchFamily="65" charset="-120"/>
+              </a:endParaRPr>
+            </a:p>
+            <a:p>
+              <a:pPr lvl="2">
+                <a:buClr>
+                  <a:schemeClr val="tx1"/>
+                </a:buClr>
+                <a:buFont typeface="Arial" pitchFamily="34" charset="0"/>
+                <a:buChar char="•"/>
+              </a:pPr>
+              <a:r>
+                <a:rPr lang="zh-TW" altLang="en-US" dirty="0">
+                  <a:latin typeface="標楷體" pitchFamily="65" charset="-120"/>
+                  <a:ea typeface="標楷體" pitchFamily="65" charset="-120"/>
+                </a:rPr>
+                <a:t>時程規劃</a:t>
+              </a:r>
+              <a:endParaRPr lang="en-US" altLang="zh-TW" dirty="0">
+                <a:latin typeface="標楷體" pitchFamily="65" charset="-120"/>
+                <a:ea typeface="標楷體" pitchFamily="65" charset="-120"/>
+              </a:endParaRPr>
+            </a:p>
+            <a:p>
+              <a:pPr lvl="2">
+                <a:buClr>
+                  <a:schemeClr val="tx1"/>
+                </a:buClr>
+                <a:buFont typeface="Arial" pitchFamily="34" charset="0"/>
+                <a:buChar char="•"/>
+              </a:pPr>
+              <a:r>
+                <a:rPr lang="zh-TW" altLang="en-US" dirty="0">
+                  <a:latin typeface="標楷體" pitchFamily="65" charset="-120"/>
+                  <a:ea typeface="標楷體" pitchFamily="65" charset="-120"/>
+                </a:rPr>
+                <a:t>內容整合</a:t>
+              </a:r>
+              <a:endParaRPr lang="en-US" altLang="zh-TW" dirty="0">
+                <a:latin typeface="標楷體" pitchFamily="65" charset="-120"/>
+                <a:ea typeface="標楷體" pitchFamily="65" charset="-120"/>
+              </a:endParaRPr>
+            </a:p>
+          </p:txBody>
+        </p:sp>
+        <p:sp>
+          <p:nvSpPr>
+            <p:cNvPr id="8" name="矩形 7"/>
+            <p:cNvSpPr/>
+            <p:nvPr/>
+          </p:nvSpPr>
+          <p:spPr>
+            <a:xfrm>
+              <a:off x="1299378" y="2471206"/>
+              <a:ext cx="1401346" cy="400110"/>
+            </a:xfrm>
+            <a:prstGeom prst="rect">
+              <a:avLst/>
+            </a:prstGeom>
+          </p:spPr>
+          <p:txBody>
+            <a:bodyPr wrap="none">
+              <a:spAutoFit/>
+            </a:bodyPr>
+            <a:lstStyle/>
+            <a:p>
+              <a:pPr>
+                <a:buClr>
+                  <a:schemeClr val="tx1"/>
+                </a:buClr>
+                <a:buFont typeface="Wingdings" pitchFamily="2" charset="2"/>
+                <a:buChar char="l"/>
+              </a:pPr>
+              <a:r>
+                <a:rPr lang="zh-TW" altLang="en-US" sz="2000" dirty="0">
+                  <a:latin typeface="標楷體" pitchFamily="65" charset="-120"/>
+                  <a:ea typeface="標楷體" pitchFamily="65" charset="-120"/>
+                </a:rPr>
+                <a:t>文案內容</a:t>
+              </a:r>
+              <a:endParaRPr lang="en-US" altLang="zh-TW" sz="2000" dirty="0">
+                <a:latin typeface="標楷體" pitchFamily="65" charset="-120"/>
+                <a:ea typeface="標楷體" pitchFamily="65" charset="-120"/>
+              </a:endParaRPr>
+            </a:p>
+          </p:txBody>
+        </p:sp>
+        <p:sp>
+          <p:nvSpPr>
+            <p:cNvPr id="9" name="矩形 8"/>
+            <p:cNvSpPr/>
+            <p:nvPr/>
+          </p:nvSpPr>
+          <p:spPr>
+            <a:xfrm>
+              <a:off x="4730140" y="2840538"/>
+              <a:ext cx="2205487" cy="954107"/>
+            </a:xfrm>
+            <a:prstGeom prst="rect">
+              <a:avLst/>
+            </a:prstGeom>
+          </p:spPr>
+          <p:txBody>
+            <a:bodyPr wrap="square">
+              <a:spAutoFit/>
+            </a:bodyPr>
+            <a:lstStyle/>
+            <a:p>
+              <a:pPr lvl="1">
+                <a:buClr>
+                  <a:schemeClr val="tx1"/>
+                </a:buClr>
+                <a:buFont typeface="Wingdings" pitchFamily="2" charset="2"/>
+                <a:buChar char="Ø"/>
+              </a:pPr>
+              <a:r>
+                <a:rPr lang="zh-TW" altLang="en-US" sz="2000" dirty="0">
+                  <a:latin typeface="標楷體" pitchFamily="65" charset="-120"/>
+                  <a:ea typeface="標楷體" pitchFamily="65" charset="-120"/>
+                </a:rPr>
+                <a:t>郁絜</a:t>
+              </a:r>
+              <a:endParaRPr lang="en-US" altLang="zh-TW" sz="2000" dirty="0">
+                <a:latin typeface="標楷體" pitchFamily="65" charset="-120"/>
+                <a:ea typeface="標楷體" pitchFamily="65" charset="-120"/>
+              </a:endParaRPr>
+            </a:p>
+            <a:p>
+              <a:pPr lvl="2">
+                <a:buClr>
+                  <a:schemeClr val="tx1"/>
+                </a:buClr>
+                <a:buFont typeface="Arial" pitchFamily="34" charset="0"/>
+                <a:buChar char="•"/>
+              </a:pPr>
+              <a:r>
+                <a:rPr lang="zh-TW" altLang="en-US" dirty="0">
+                  <a:latin typeface="標楷體" pitchFamily="65" charset="-120"/>
+                  <a:ea typeface="標楷體" pitchFamily="65" charset="-120"/>
+                </a:rPr>
+                <a:t>會議紀錄</a:t>
+              </a:r>
+              <a:endParaRPr lang="en-US" altLang="zh-TW" dirty="0">
+                <a:latin typeface="標楷體" pitchFamily="65" charset="-120"/>
+                <a:ea typeface="標楷體" pitchFamily="65" charset="-120"/>
+              </a:endParaRPr>
+            </a:p>
+            <a:p>
+              <a:pPr lvl="2">
+                <a:buClr>
+                  <a:schemeClr val="tx1"/>
+                </a:buClr>
+                <a:buFont typeface="Arial" pitchFamily="34" charset="0"/>
+                <a:buChar char="•"/>
+              </a:pPr>
+              <a:r>
+                <a:rPr lang="zh-TW" altLang="en-US" dirty="0">
+                  <a:latin typeface="標楷體" pitchFamily="65" charset="-120"/>
+                  <a:ea typeface="標楷體" pitchFamily="65" charset="-120"/>
+                </a:rPr>
+                <a:t>團隊負責</a:t>
+              </a:r>
+              <a:endParaRPr lang="en-US" altLang="zh-TW" sz="2400" dirty="0">
+                <a:latin typeface="標楷體" pitchFamily="65" charset="-120"/>
+                <a:ea typeface="標楷體" pitchFamily="65" charset="-120"/>
+              </a:endParaRPr>
+            </a:p>
+          </p:txBody>
+        </p:sp>
+        <p:sp>
+          <p:nvSpPr>
+            <p:cNvPr id="10" name="矩形 9"/>
+            <p:cNvSpPr/>
+            <p:nvPr/>
+          </p:nvSpPr>
+          <p:spPr>
+            <a:xfrm>
+              <a:off x="1309797" y="4705725"/>
+              <a:ext cx="1752403" cy="369332"/>
+            </a:xfrm>
+            <a:prstGeom prst="rect">
+              <a:avLst/>
+            </a:prstGeom>
+          </p:spPr>
+          <p:txBody>
+            <a:bodyPr wrap="none">
+              <a:spAutoFit/>
+            </a:bodyPr>
+            <a:lstStyle/>
+            <a:p>
+              <a:pPr lvl="1">
+                <a:buClrTx/>
+                <a:buFont typeface="Wingdings" pitchFamily="2" charset="2"/>
+                <a:buChar char="Ø"/>
+              </a:pPr>
+              <a:r>
+                <a:rPr lang="zh-TW" altLang="en-US" dirty="0">
+                  <a:latin typeface="標楷體" pitchFamily="65" charset="-120"/>
+                  <a:ea typeface="標楷體" pitchFamily="65" charset="-120"/>
+                </a:rPr>
+                <a:t>團隊合作</a:t>
+              </a:r>
+              <a:endParaRPr lang="en-US" altLang="zh-TW" dirty="0">
+                <a:latin typeface="標楷體" pitchFamily="65" charset="-120"/>
+                <a:ea typeface="標楷體" pitchFamily="65" charset="-120"/>
+              </a:endParaRPr>
+            </a:p>
+          </p:txBody>
+        </p:sp>
+        <p:sp>
+          <p:nvSpPr>
+            <p:cNvPr id="11" name="矩形 10"/>
+            <p:cNvSpPr/>
+            <p:nvPr/>
+          </p:nvSpPr>
+          <p:spPr>
+            <a:xfrm>
+              <a:off x="1299378" y="4287870"/>
+              <a:ext cx="2170787" cy="400110"/>
+            </a:xfrm>
+            <a:prstGeom prst="rect">
+              <a:avLst/>
+            </a:prstGeom>
+          </p:spPr>
+          <p:txBody>
+            <a:bodyPr wrap="none">
+              <a:spAutoFit/>
+            </a:bodyPr>
+            <a:lstStyle/>
+            <a:p>
+              <a:pPr>
+                <a:buClrTx/>
+                <a:buFont typeface="Wingdings" pitchFamily="2" charset="2"/>
+                <a:buChar char="l"/>
+              </a:pPr>
+              <a:r>
+                <a:rPr lang="zh-TW" altLang="en-US" sz="2000" dirty="0">
+                  <a:latin typeface="標楷體" pitchFamily="65" charset="-120"/>
+                  <a:ea typeface="標楷體" pitchFamily="65" charset="-120"/>
+                </a:rPr>
+                <a:t>網頁、雛形製作</a:t>
+              </a:r>
+              <a:endParaRPr lang="en-US" altLang="zh-TW" sz="2000" dirty="0">
+                <a:latin typeface="標楷體" pitchFamily="65" charset="-120"/>
+                <a:ea typeface="標楷體" pitchFamily="65" charset="-120"/>
+              </a:endParaRPr>
+            </a:p>
+          </p:txBody>
+        </p:sp>
+      </p:grpSp>
+    </p:spTree>
+  </p:cSld>
+  <p:clrMapOvr>
+    <a:masterClrMapping/>
+  </p:clrMapOvr>
+  <p:timing>
+    <p:tnLst>
+      <p:par>
+        <p:cTn id="1" dur="indefinite" restart="never" nodeType="tmRoot"/>
+      </p:par>
+    </p:tnLst>
+  </p:timing>
+</p:sld>
+</file>
+
+<file path=ppt/slides/slide12.xml><?xml version="1.0" encoding="utf-8"?>
+<p:sld xmlns:a="http://schemas.openxmlformats.org/drawingml/2006/main" xmlns:r="http://schemas.openxmlformats.org/officeDocument/2006/relationships" xmlns:p="http://schemas.openxmlformats.org/presentationml/2006/main">
+  <p:cSld>
+    <p:spTree>
+      <p:nvGrpSpPr>
+        <p:cNvPr id="1" name=""/>
+        <p:cNvGrpSpPr/>
+        <p:nvPr/>
+      </p:nvGrpSpPr>
+      <p:grpSpPr>
+        <a:xfrm>
+          <a:off x="0" y="0"/>
+          <a:ext cx="0" cy="0"/>
+          <a:chOff x="0" y="0"/>
+          <a:chExt cx="0" cy="0"/>
+        </a:xfrm>
+      </p:grpSpPr>
+      <p:sp>
+        <p:nvSpPr>
           <p:cNvPr id="5" name="標題 4"/>
           <p:cNvSpPr>
             <a:spLocks noGrp="1"/>
@@ -6245,7 +6856,7 @@
 </p:sld>
 </file>
 
-<file path=ppt/slides/slide11.xml><?xml version="1.0" encoding="utf-8"?>
+<file path=ppt/slides/slide13.xml><?xml version="1.0" encoding="utf-8"?>
 <p:sld xmlns:a="http://schemas.openxmlformats.org/drawingml/2006/main" xmlns:r="http://schemas.openxmlformats.org/officeDocument/2006/relationships" xmlns:p="http://schemas.openxmlformats.org/presentationml/2006/main" showMasterSp="0">
   <p:cSld>
     <p:bg>
@@ -6480,7 +7091,7 @@
     </p:spTree>
     <p:extLst>
       <p:ext uri="{BB962C8B-B14F-4D97-AF65-F5344CB8AC3E}">
-        <p14:creationId xmlns:p14="http://schemas.microsoft.com/office/powerpoint/2010/main" xmlns="" val="1567281038"/>
+        <p14:creationId xmlns:p14="http://schemas.microsoft.com/office/powerpoint/2010/main" val="1567281038"/>
       </p:ext>
     </p:extLst>
   </p:cSld>
@@ -6498,7 +7109,7 @@
 </p:sld>
 </file>
 
-<file path=ppt/slides/slide12.xml><?xml version="1.0" encoding="utf-8"?>
+<file path=ppt/slides/slide14.xml><?xml version="1.0" encoding="utf-8"?>
 <p:sld xmlns:a="http://schemas.openxmlformats.org/drawingml/2006/main" xmlns:r="http://schemas.openxmlformats.org/officeDocument/2006/relationships" xmlns:p="http://schemas.openxmlformats.org/presentationml/2006/main" showMasterSp="0" show="0">
   <p:cSld>
     <p:bg>
@@ -6693,7 +7304,7 @@
             <a:blip r:embed="rId4" cstate="print">
               <a:extLst>
                 <a:ext uri="{28A0092B-C50C-407E-A947-70E740481C1C}">
-                  <a14:useLocalDpi xmlns:a14="http://schemas.microsoft.com/office/drawing/2010/main" xmlns="" val="0"/>
+                  <a14:useLocalDpi xmlns:a14="http://schemas.microsoft.com/office/drawing/2010/main" val="0"/>
                 </a:ext>
               </a:extLst>
             </a:blip>
@@ -6756,7 +7367,7 @@
     </p:spTree>
     <p:extLst>
       <p:ext uri="{BB962C8B-B14F-4D97-AF65-F5344CB8AC3E}">
-        <p14:creationId xmlns:p14="http://schemas.microsoft.com/office/powerpoint/2010/main" xmlns="" val="3688328274"/>
+        <p14:creationId xmlns:p14="http://schemas.microsoft.com/office/powerpoint/2010/main" val="3688328274"/>
       </p:ext>
     </p:extLst>
   </p:cSld>
@@ -6774,7 +7385,7 @@
 </p:sld>
 </file>
 
-<file path=ppt/slides/slide13.xml><?xml version="1.0" encoding="utf-8"?>
+<file path=ppt/slides/slide15.xml><?xml version="1.0" encoding="utf-8"?>
 <p:sld xmlns:a="http://schemas.openxmlformats.org/drawingml/2006/main" xmlns:r="http://schemas.openxmlformats.org/officeDocument/2006/relationships" xmlns:p="http://schemas.openxmlformats.org/presentationml/2006/main" showMasterSp="0" show="0">
   <p:cSld>
     <p:bg>
@@ -6820,7 +7431,7 @@
           <a:blip r:embed="rId3" cstate="print">
             <a:extLst>
               <a:ext uri="{28A0092B-C50C-407E-A947-70E740481C1C}">
-                <a14:useLocalDpi xmlns:a14="http://schemas.microsoft.com/office/drawing/2010/main" xmlns="" val="0"/>
+                <a14:useLocalDpi xmlns:a14="http://schemas.microsoft.com/office/drawing/2010/main" val="0"/>
               </a:ext>
             </a:extLst>
           </a:blip>
@@ -6882,7 +7493,7 @@
           <a:blip r:embed="rId5">
             <a:extLst>
               <a:ext uri="{28A0092B-C50C-407E-A947-70E740481C1C}">
-                <a14:useLocalDpi xmlns:a14="http://schemas.microsoft.com/office/drawing/2010/main" xmlns="" val="0"/>
+                <a14:useLocalDpi xmlns:a14="http://schemas.microsoft.com/office/drawing/2010/main" val="0"/>
               </a:ext>
             </a:extLst>
           </a:blip>
@@ -6958,7 +7569,7 @@
             <a:blip r:embed="rId7">
               <a:extLst>
                 <a:ext uri="{28A0092B-C50C-407E-A947-70E740481C1C}">
-                  <a14:useLocalDpi xmlns:a14="http://schemas.microsoft.com/office/drawing/2010/main" xmlns="" val="0"/>
+                  <a14:useLocalDpi xmlns:a14="http://schemas.microsoft.com/office/drawing/2010/main" val="0"/>
                 </a:ext>
               </a:extLst>
             </a:blip>
@@ -7019,7 +7630,7 @@
             <a:blip r:embed="rId9">
               <a:extLst>
                 <a:ext uri="{28A0092B-C50C-407E-A947-70E740481C1C}">
-                  <a14:useLocalDpi xmlns:a14="http://schemas.microsoft.com/office/drawing/2010/main" xmlns="" val="0"/>
+                  <a14:useLocalDpi xmlns:a14="http://schemas.microsoft.com/office/drawing/2010/main" val="0"/>
                 </a:ext>
               </a:extLst>
             </a:blip>
@@ -7081,7 +7692,7 @@
             <a:blip r:embed="rId10">
               <a:extLst>
                 <a:ext uri="{28A0092B-C50C-407E-A947-70E740481C1C}">
-                  <a14:useLocalDpi xmlns:a14="http://schemas.microsoft.com/office/drawing/2010/main" xmlns="" val="0"/>
+                  <a14:useLocalDpi xmlns:a14="http://schemas.microsoft.com/office/drawing/2010/main" val="0"/>
                 </a:ext>
               </a:extLst>
             </a:blip>
@@ -7297,7 +7908,7 @@
           <p:nvPr>
             <p:extLst>
               <p:ext uri="{D42A27DB-BD31-4B8C-83A1-F6EECF244321}">
-                <p14:modId xmlns:p14="http://schemas.microsoft.com/office/powerpoint/2010/main" xmlns="" val="3591774129"/>
+                <p14:modId xmlns:p14="http://schemas.microsoft.com/office/powerpoint/2010/main" val="3591774129"/>
               </p:ext>
             </p:extLst>
           </p:nvPr>
@@ -7508,11 +8119,11 @@
   <p:clrMapOvr>
     <a:masterClrMapping/>
   </p:clrMapOvr>
-  <mc:AlternateContent xmlns:mc="http://schemas.openxmlformats.org/markup-compatibility/2006">
-    <mc:Choice xmlns:p14="http://schemas.microsoft.com/office/powerpoint/2010/main" xmlns="" Requires="p14">
+  <mc:AlternateContent xmlns:mc="http://schemas.openxmlformats.org/markup-compatibility/2006" xmlns:p14="http://schemas.microsoft.com/office/powerpoint/2010/main">
+    <mc:Choice Requires="p14">
       <p:transition spd="slow" p14:dur="2000"/>
     </mc:Choice>
-    <mc:Fallback>
+    <mc:Fallback xmlns="">
       <p:transition spd="slow"/>
     </mc:Fallback>
   </mc:AlternateContent>
@@ -7526,7 +8137,7 @@
 </p:sld>
 </file>
 
-<file path=ppt/slides/slide14.xml><?xml version="1.0" encoding="utf-8"?>
+<file path=ppt/slides/slide16.xml><?xml version="1.0" encoding="utf-8"?>
 <p:sld xmlns:a="http://schemas.openxmlformats.org/drawingml/2006/main" xmlns:r="http://schemas.openxmlformats.org/officeDocument/2006/relationships" xmlns:p="http://schemas.openxmlformats.org/presentationml/2006/main" showMasterSp="0" show="0">
   <p:cSld>
     <p:bg>
@@ -7572,7 +8183,7 @@
           <a:blip r:embed="rId3" cstate="print">
             <a:extLst>
               <a:ext uri="{28A0092B-C50C-407E-A947-70E740481C1C}">
-                <a14:useLocalDpi xmlns:a14="http://schemas.microsoft.com/office/drawing/2010/main" xmlns="" val="0"/>
+                <a14:useLocalDpi xmlns:a14="http://schemas.microsoft.com/office/drawing/2010/main" val="0"/>
               </a:ext>
             </a:extLst>
           </a:blip>
@@ -7634,7 +8245,7 @@
           <a:blip r:embed="rId5">
             <a:extLst>
               <a:ext uri="{28A0092B-C50C-407E-A947-70E740481C1C}">
-                <a14:useLocalDpi xmlns:a14="http://schemas.microsoft.com/office/drawing/2010/main" xmlns="" val="0"/>
+                <a14:useLocalDpi xmlns:a14="http://schemas.microsoft.com/office/drawing/2010/main" val="0"/>
               </a:ext>
             </a:extLst>
           </a:blip>
@@ -7710,7 +8321,7 @@
             <a:blip r:embed="rId7">
               <a:extLst>
                 <a:ext uri="{28A0092B-C50C-407E-A947-70E740481C1C}">
-                  <a14:useLocalDpi xmlns:a14="http://schemas.microsoft.com/office/drawing/2010/main" xmlns="" val="0"/>
+                  <a14:useLocalDpi xmlns:a14="http://schemas.microsoft.com/office/drawing/2010/main" val="0"/>
                 </a:ext>
               </a:extLst>
             </a:blip>
@@ -7771,7 +8382,7 @@
             <a:blip r:embed="rId9">
               <a:extLst>
                 <a:ext uri="{28A0092B-C50C-407E-A947-70E740481C1C}">
-                  <a14:useLocalDpi xmlns:a14="http://schemas.microsoft.com/office/drawing/2010/main" xmlns="" val="0"/>
+                  <a14:useLocalDpi xmlns:a14="http://schemas.microsoft.com/office/drawing/2010/main" val="0"/>
                 </a:ext>
               </a:extLst>
             </a:blip>
@@ -7833,7 +8444,7 @@
             <a:blip r:embed="rId10">
               <a:extLst>
                 <a:ext uri="{28A0092B-C50C-407E-A947-70E740481C1C}">
-                  <a14:useLocalDpi xmlns:a14="http://schemas.microsoft.com/office/drawing/2010/main" xmlns="" val="0"/>
+                  <a14:useLocalDpi xmlns:a14="http://schemas.microsoft.com/office/drawing/2010/main" val="0"/>
                 </a:ext>
               </a:extLst>
             </a:blip>
@@ -8049,7 +8660,7 @@
           <p:nvPr>
             <p:extLst>
               <p:ext uri="{D42A27DB-BD31-4B8C-83A1-F6EECF244321}">
-                <p14:modId xmlns:p14="http://schemas.microsoft.com/office/powerpoint/2010/main" xmlns="" val="2140244748"/>
+                <p14:modId xmlns:p14="http://schemas.microsoft.com/office/powerpoint/2010/main" val="2140244748"/>
               </p:ext>
             </p:extLst>
           </p:nvPr>
@@ -8258,18 +8869,18 @@
     </p:spTree>
     <p:extLst>
       <p:ext uri="{BB962C8B-B14F-4D97-AF65-F5344CB8AC3E}">
-        <p14:creationId xmlns:p14="http://schemas.microsoft.com/office/powerpoint/2010/main" xmlns="" val="3553562639"/>
+        <p14:creationId xmlns:p14="http://schemas.microsoft.com/office/powerpoint/2010/main" val="3553562639"/>
       </p:ext>
     </p:extLst>
   </p:cSld>
   <p:clrMapOvr>
     <a:masterClrMapping/>
   </p:clrMapOvr>
-  <mc:AlternateContent xmlns:mc="http://schemas.openxmlformats.org/markup-compatibility/2006">
-    <mc:Choice xmlns:p14="http://schemas.microsoft.com/office/powerpoint/2010/main" xmlns="" Requires="p14">
+  <mc:AlternateContent xmlns:mc="http://schemas.openxmlformats.org/markup-compatibility/2006" xmlns:p14="http://schemas.microsoft.com/office/powerpoint/2010/main">
+    <mc:Choice Requires="p14">
       <p:transition spd="slow" p14:dur="2000"/>
     </mc:Choice>
-    <mc:Fallback>
+    <mc:Fallback xmlns="">
       <p:transition spd="slow"/>
     </mc:Fallback>
   </mc:AlternateContent>
@@ -8283,7 +8894,7 @@
 </p:sld>
 </file>
 
-<file path=ppt/slides/slide15.xml><?xml version="1.0" encoding="utf-8"?>
+<file path=ppt/slides/slide17.xml><?xml version="1.0" encoding="utf-8"?>
 <p:sld xmlns:a="http://schemas.openxmlformats.org/drawingml/2006/main" xmlns:r="http://schemas.openxmlformats.org/officeDocument/2006/relationships" xmlns:p="http://schemas.openxmlformats.org/presentationml/2006/main" showMasterSp="0" show="0">
   <p:cSld>
     <p:bg>
@@ -8364,7 +8975,7 @@
           <p:nvPr>
             <p:extLst>
               <p:ext uri="{D42A27DB-BD31-4B8C-83A1-F6EECF244321}">
-                <p14:modId xmlns:p14="http://schemas.microsoft.com/office/powerpoint/2010/main" xmlns="" val="3722986309"/>
+                <p14:modId xmlns:p14="http://schemas.microsoft.com/office/powerpoint/2010/main" val="3722986309"/>
               </p:ext>
             </p:extLst>
           </p:nvPr>
@@ -10929,7 +11540,7 @@
 </p:sld>
 </file>
 
-<file path=ppt/slides/slide16.xml><?xml version="1.0" encoding="utf-8"?>
+<file path=ppt/slides/slide18.xml><?xml version="1.0" encoding="utf-8"?>
 <p:sld xmlns:a="http://schemas.openxmlformats.org/drawingml/2006/main" xmlns:r="http://schemas.openxmlformats.org/officeDocument/2006/relationships" xmlns:p="http://schemas.openxmlformats.org/presentationml/2006/main" showMasterSp="0" show="0">
   <p:cSld>
     <p:bg>
@@ -11010,7 +11621,7 @@
           <p:nvPr>
             <p:extLst>
               <p:ext uri="{D42A27DB-BD31-4B8C-83A1-F6EECF244321}">
-                <p14:modId xmlns:p14="http://schemas.microsoft.com/office/powerpoint/2010/main" xmlns="" val="535835633"/>
+                <p14:modId xmlns:p14="http://schemas.microsoft.com/office/powerpoint/2010/main" val="535835633"/>
               </p:ext>
             </p:extLst>
           </p:nvPr>
@@ -13562,7 +14173,7 @@
     </p:spTree>
     <p:extLst>
       <p:ext uri="{BB962C8B-B14F-4D97-AF65-F5344CB8AC3E}">
-        <p14:creationId xmlns:p14="http://schemas.microsoft.com/office/powerpoint/2010/main" xmlns="" val="566412740"/>
+        <p14:creationId xmlns:p14="http://schemas.microsoft.com/office/powerpoint/2010/main" val="566412740"/>
       </p:ext>
     </p:extLst>
   </p:cSld>
@@ -13580,7 +14191,7 @@
 </p:sld>
 </file>
 
-<file path=ppt/slides/slide17.xml><?xml version="1.0" encoding="utf-8"?>
+<file path=ppt/slides/slide19.xml><?xml version="1.0" encoding="utf-8"?>
 <p:sld xmlns:a="http://schemas.openxmlformats.org/drawingml/2006/main" xmlns:r="http://schemas.openxmlformats.org/officeDocument/2006/relationships" xmlns:p="http://schemas.openxmlformats.org/presentationml/2006/main" showMasterSp="0" show="0">
   <p:cSld>
     <p:bg>
@@ -13619,7 +14230,7 @@
           <p:nvPr>
             <p:extLst>
               <p:ext uri="{D42A27DB-BD31-4B8C-83A1-F6EECF244321}">
-                <p14:modId xmlns:p14="http://schemas.microsoft.com/office/powerpoint/2010/main" xmlns="" val="192759328"/>
+                <p14:modId xmlns:p14="http://schemas.microsoft.com/office/powerpoint/2010/main" val="192759328"/>
               </p:ext>
             </p:extLst>
           </p:nvPr>
@@ -16080,7 +16691,7 @@
     </p:spTree>
     <p:extLst>
       <p:ext uri="{BB962C8B-B14F-4D97-AF65-F5344CB8AC3E}">
-        <p14:creationId xmlns:p14="http://schemas.microsoft.com/office/powerpoint/2010/main" xmlns="" val="1897802711"/>
+        <p14:creationId xmlns:p14="http://schemas.microsoft.com/office/powerpoint/2010/main" val="1897802711"/>
       </p:ext>
     </p:extLst>
   </p:cSld>
@@ -16088,1242 +16699,6 @@
     <a:masterClrMapping/>
   </p:clrMapOvr>
   <p:transition advClick="0"/>
-  <p:timing>
-    <p:tnLst>
-      <p:par>
-        <p:cTn id="1" dur="indefinite" restart="never" nodeType="tmRoot"/>
-      </p:par>
-    </p:tnLst>
-  </p:timing>
-</p:sld>
-</file>
-
-<file path=ppt/slides/slide18.xml><?xml version="1.0" encoding="utf-8"?>
-<p:sld xmlns:a="http://schemas.openxmlformats.org/drawingml/2006/main" xmlns:r="http://schemas.openxmlformats.org/officeDocument/2006/relationships" xmlns:p="http://schemas.openxmlformats.org/presentationml/2006/main" showMasterSp="0" show="0">
-  <p:cSld>
-    <p:bg>
-      <p:bgPr>
-        <a:pattFill prst="pct5">
-          <a:fgClr>
-            <a:schemeClr val="bg1"/>
-          </a:fgClr>
-          <a:bgClr>
-            <a:schemeClr val="bg1"/>
-          </a:bgClr>
-        </a:pattFill>
-        <a:effectLst/>
-      </p:bgPr>
-    </p:bg>
-    <p:spTree>
-      <p:nvGrpSpPr>
-        <p:cNvPr id="1" name=""/>
-        <p:cNvGrpSpPr/>
-        <p:nvPr/>
-      </p:nvGrpSpPr>
-      <p:grpSpPr>
-        <a:xfrm>
-          <a:off x="0" y="0"/>
-          <a:ext cx="0" cy="0"/>
-          <a:chOff x="0" y="0"/>
-          <a:chExt cx="0" cy="0"/>
-        </a:xfrm>
-      </p:grpSpPr>
-      <p:sp>
-        <p:nvSpPr>
-          <p:cNvPr id="2" name="標題 1"/>
-          <p:cNvSpPr>
-            <a:spLocks noGrp="1"/>
-          </p:cNvSpPr>
-          <p:nvPr>
-            <p:ph type="title"/>
-          </p:nvPr>
-        </p:nvSpPr>
-        <p:spPr>
-          <a:xfrm>
-            <a:off x="1295402" y="17301"/>
-            <a:ext cx="9601196" cy="1303867"/>
-          </a:xfrm>
-        </p:spPr>
-        <p:txBody>
-          <a:bodyPr>
-            <a:normAutofit/>
-          </a:bodyPr>
-          <a:lstStyle/>
-          <a:p>
-            <a:r>
-              <a:rPr lang="zh-TW" altLang="en-US" dirty="0" smtClean="0">
-                <a:solidFill>
-                  <a:schemeClr val="tx1"/>
-                </a:solidFill>
-                <a:latin typeface="標楷體" pitchFamily="65" charset="-120"/>
-                <a:ea typeface="標楷體" pitchFamily="65" charset="-120"/>
-              </a:rPr>
-              <a:t>教職員餐廳</a:t>
-            </a:r>
-            <a:endParaRPr lang="zh-TW" altLang="en-US" dirty="0">
-              <a:solidFill>
-                <a:schemeClr val="tx1"/>
-              </a:solidFill>
-              <a:latin typeface="標楷體" pitchFamily="65" charset="-120"/>
-              <a:ea typeface="標楷體" pitchFamily="65" charset="-120"/>
-            </a:endParaRPr>
-          </a:p>
-        </p:txBody>
-      </p:sp>
-      <p:sp>
-        <p:nvSpPr>
-          <p:cNvPr id="3" name="矩形 2"/>
-          <p:cNvSpPr/>
-          <p:nvPr/>
-        </p:nvSpPr>
-        <p:spPr>
-          <a:xfrm>
-            <a:off x="10217427" y="371061"/>
-            <a:ext cx="1232452" cy="596348"/>
-          </a:xfrm>
-          <a:prstGeom prst="rect">
-            <a:avLst/>
-          </a:prstGeom>
-          <a:solidFill>
-            <a:srgbClr val="00B0F0"/>
-          </a:solidFill>
-        </p:spPr>
-        <p:style>
-          <a:lnRef idx="1">
-            <a:schemeClr val="accent2"/>
-          </a:lnRef>
-          <a:fillRef idx="2">
-            <a:schemeClr val="accent2"/>
-          </a:fillRef>
-          <a:effectRef idx="1">
-            <a:schemeClr val="accent2"/>
-          </a:effectRef>
-          <a:fontRef idx="minor">
-            <a:schemeClr val="dk1"/>
-          </a:fontRef>
-        </p:style>
-        <p:txBody>
-          <a:bodyPr rtlCol="0" anchor="ctr"/>
-          <a:lstStyle/>
-          <a:p>
-            <a:pPr algn="ctr"/>
-            <a:r>
-              <a:rPr lang="zh-TW" altLang="en-US" dirty="0" smtClean="0">
-                <a:hlinkClick r:id="rId2" action="ppaction://hlinksldjump"/>
-              </a:rPr>
-              <a:t>回首頁</a:t>
-            </a:r>
-            <a:endParaRPr lang="zh-TW" altLang="en-US" dirty="0"/>
-          </a:p>
-        </p:txBody>
-      </p:sp>
-      <p:graphicFrame>
-        <p:nvGraphicFramePr>
-          <p:cNvPr id="4" name="表格 3"/>
-          <p:cNvGraphicFramePr>
-            <a:graphicFrameLocks noGrp="1"/>
-          </p:cNvGraphicFramePr>
-          <p:nvPr/>
-        </p:nvGraphicFramePr>
-        <p:xfrm>
-          <a:off x="1285462" y="3061252"/>
-          <a:ext cx="2438098" cy="3622136"/>
-        </p:xfrm>
-        <a:graphic>
-          <a:graphicData uri="http://schemas.openxmlformats.org/drawingml/2006/table">
-            <a:tbl>
-              <a:tblPr/>
-              <a:tblGrid>
-                <a:gridCol w="2438098"/>
-              </a:tblGrid>
-              <a:tr h="2733687">
-                <a:tc>
-                  <a:txBody>
-                    <a:bodyPr/>
-                    <a:lstStyle/>
-                    <a:p>
-                      <a:pPr marL="0" marR="0" indent="0" algn="ctr" defTabSz="914400" rtl="0" eaLnBrk="1" fontAlgn="auto" latinLnBrk="0" hangingPunct="1">
-                        <a:lnSpc>
-                          <a:spcPct val="100000"/>
-                        </a:lnSpc>
-                        <a:spcBef>
-                          <a:spcPts val="0"/>
-                        </a:spcBef>
-                        <a:spcAft>
-                          <a:spcPts val="0"/>
-                        </a:spcAft>
-                        <a:buClrTx/>
-                        <a:buSzTx/>
-                        <a:buFontTx/>
-                        <a:buNone/>
-                        <a:tabLst/>
-                        <a:defRPr/>
-                      </a:pPr>
-                      <a:r>
-                        <a:rPr kumimoji="0" lang="zh-TW" altLang="en-US" sz="3600" kern="1200" dirty="0" smtClean="0">
-                          <a:solidFill>
-                            <a:schemeClr val="tx1"/>
-                          </a:solidFill>
-                          <a:latin typeface="標楷體" pitchFamily="65" charset="-120"/>
-                          <a:ea typeface="標楷體" pitchFamily="65" charset="-120"/>
-                          <a:cs typeface="+mn-cs"/>
-                        </a:rPr>
-                        <a:t>中餐部</a:t>
-                      </a:r>
-                      <a:endParaRPr lang="zh-TW" altLang="en-US" sz="3200" dirty="0">
-                        <a:latin typeface="標楷體" pitchFamily="65" charset="-120"/>
-                        <a:ea typeface="標楷體" pitchFamily="65" charset="-120"/>
-                      </a:endParaRPr>
-                    </a:p>
-                  </a:txBody>
-                  <a:tcPr vert="eaVert" anchor="ctr">
-                    <a:lnL w="12700" cap="flat" cmpd="sng" algn="ctr">
-                      <a:solidFill>
-                        <a:schemeClr val="tx1"/>
-                      </a:solidFill>
-                      <a:prstDash val="solid"/>
-                      <a:round/>
-                      <a:headEnd type="none" w="med" len="med"/>
-                      <a:tailEnd type="none" w="med" len="med"/>
-                    </a:lnL>
-                    <a:lnR w="12700" cap="flat" cmpd="sng" algn="ctr">
-                      <a:solidFill>
-                        <a:schemeClr val="tx1"/>
-                      </a:solidFill>
-                      <a:prstDash val="solid"/>
-                      <a:round/>
-                      <a:headEnd type="none" w="med" len="med"/>
-                      <a:tailEnd type="none" w="med" len="med"/>
-                    </a:lnR>
-                    <a:lnT w="12700" cap="flat" cmpd="sng" algn="ctr">
-                      <a:solidFill>
-                        <a:schemeClr val="tx1"/>
-                      </a:solidFill>
-                      <a:prstDash val="solid"/>
-                      <a:round/>
-                      <a:headEnd type="none" w="med" len="med"/>
-                      <a:tailEnd type="none" w="med" len="med"/>
-                    </a:lnT>
-                    <a:lnB w="12700" cap="flat" cmpd="sng" algn="ctr">
-                      <a:solidFill>
-                        <a:schemeClr val="tx1"/>
-                      </a:solidFill>
-                      <a:prstDash val="solid"/>
-                      <a:round/>
-                      <a:headEnd type="none" w="med" len="med"/>
-                      <a:tailEnd type="none" w="med" len="med"/>
-                    </a:lnB>
-                  </a:tcPr>
-                </a:tc>
-              </a:tr>
-              <a:tr h="888449">
-                <a:tc>
-                  <a:txBody>
-                    <a:bodyPr/>
-                    <a:lstStyle/>
-                    <a:p>
-                      <a:pPr algn="ctr"/>
-                      <a:r>
-                        <a:rPr lang="zh-TW" altLang="en-US" sz="2400" dirty="0" smtClean="0">
-                          <a:latin typeface="標楷體" pitchFamily="65" charset="-120"/>
-                          <a:ea typeface="標楷體" pitchFamily="65" charset="-120"/>
-                        </a:rPr>
-                        <a:t>出入口</a:t>
-                      </a:r>
-                      <a:endParaRPr lang="zh-TW" altLang="en-US" sz="2400" dirty="0">
-                        <a:latin typeface="標楷體" pitchFamily="65" charset="-120"/>
-                        <a:ea typeface="標楷體" pitchFamily="65" charset="-120"/>
-                      </a:endParaRPr>
-                    </a:p>
-                  </a:txBody>
-                  <a:tcPr anchor="ctr">
-                    <a:lnL w="12700" cap="flat" cmpd="sng" algn="ctr">
-                      <a:noFill/>
-                      <a:prstDash val="solid"/>
-                      <a:round/>
-                      <a:headEnd type="none" w="med" len="med"/>
-                      <a:tailEnd type="none" w="med" len="med"/>
-                    </a:lnL>
-                    <a:lnR w="12700" cap="flat" cmpd="sng" algn="ctr">
-                      <a:noFill/>
-                      <a:prstDash val="solid"/>
-                      <a:round/>
-                      <a:headEnd type="none" w="med" len="med"/>
-                      <a:tailEnd type="none" w="med" len="med"/>
-                    </a:lnR>
-                    <a:lnT w="12700" cap="flat" cmpd="sng" algn="ctr">
-                      <a:solidFill>
-                        <a:schemeClr val="tx1"/>
-                      </a:solidFill>
-                      <a:prstDash val="solid"/>
-                      <a:round/>
-                      <a:headEnd type="none" w="med" len="med"/>
-                      <a:tailEnd type="none" w="med" len="med"/>
-                    </a:lnT>
-                    <a:lnB w="12700" cap="flat" cmpd="sng" algn="ctr">
-                      <a:noFill/>
-                      <a:prstDash val="solid"/>
-                      <a:round/>
-                      <a:headEnd type="none" w="med" len="med"/>
-                      <a:tailEnd type="none" w="med" len="med"/>
-                    </a:lnB>
-                    <a:lnTlToBr w="12700" cmpd="sng">
-                      <a:noFill/>
-                      <a:prstDash val="solid"/>
-                    </a:lnTlToBr>
-                    <a:lnBlToTr w="12700" cmpd="sng">
-                      <a:noFill/>
-                      <a:prstDash val="solid"/>
-                    </a:lnBlToTr>
-                  </a:tcPr>
-                </a:tc>
-              </a:tr>
-            </a:tbl>
-          </a:graphicData>
-        </a:graphic>
-      </p:graphicFrame>
-      <p:graphicFrame>
-        <p:nvGraphicFramePr>
-          <p:cNvPr id="5" name="表格 4"/>
-          <p:cNvGraphicFramePr>
-            <a:graphicFrameLocks noGrp="1"/>
-          </p:cNvGraphicFramePr>
-          <p:nvPr/>
-        </p:nvGraphicFramePr>
-        <p:xfrm>
-          <a:off x="3975652" y="1444487"/>
-          <a:ext cx="2650435" cy="1179443"/>
-        </p:xfrm>
-        <a:graphic>
-          <a:graphicData uri="http://schemas.openxmlformats.org/drawingml/2006/table">
-            <a:tbl>
-              <a:tblPr/>
-              <a:tblGrid>
-                <a:gridCol w="2650435"/>
-              </a:tblGrid>
-              <a:tr h="1179443">
-                <a:tc>
-                  <a:txBody>
-                    <a:bodyPr/>
-                    <a:lstStyle/>
-                    <a:p>
-                      <a:pPr marL="0" marR="0" indent="0" algn="ctr" defTabSz="914400" rtl="0" eaLnBrk="1" fontAlgn="auto" latinLnBrk="0" hangingPunct="1">
-                        <a:lnSpc>
-                          <a:spcPct val="100000"/>
-                        </a:lnSpc>
-                        <a:spcBef>
-                          <a:spcPts val="0"/>
-                        </a:spcBef>
-                        <a:spcAft>
-                          <a:spcPts val="0"/>
-                        </a:spcAft>
-                        <a:buClrTx/>
-                        <a:buSzTx/>
-                        <a:buFontTx/>
-                        <a:buNone/>
-                        <a:tabLst/>
-                        <a:defRPr/>
-                      </a:pPr>
-                      <a:r>
-                        <a:rPr lang="zh-TW" altLang="en-US" sz="2400" dirty="0" smtClean="0">
-                          <a:ea typeface="標楷體"/>
-                          <a:cs typeface="Times New Roman"/>
-                        </a:rPr>
-                        <a:t>好了啦超大杯茶舖</a:t>
-                      </a:r>
-                      <a:endParaRPr lang="zh-TW" altLang="en-US" sz="2400" dirty="0"/>
-                    </a:p>
-                  </a:txBody>
-                  <a:tcPr anchor="ctr">
-                    <a:lnL w="12700" cmpd="sng">
-                      <a:solidFill>
-                        <a:schemeClr val="tx1"/>
-                      </a:solidFill>
-                      <a:prstDash val="solid"/>
-                    </a:lnL>
-                    <a:lnR w="12700" cmpd="sng">
-                      <a:solidFill>
-                        <a:schemeClr val="tx1"/>
-                      </a:solidFill>
-                      <a:prstDash val="solid"/>
-                    </a:lnR>
-                    <a:lnT w="12700" cmpd="sng">
-                      <a:solidFill>
-                        <a:schemeClr val="tx1"/>
-                      </a:solidFill>
-                      <a:prstDash val="solid"/>
-                    </a:lnT>
-                    <a:lnB w="12700" cmpd="sng">
-                      <a:solidFill>
-                        <a:schemeClr val="tx1"/>
-                      </a:solidFill>
-                      <a:prstDash val="solid"/>
-                    </a:lnB>
-                  </a:tcPr>
-                </a:tc>
-              </a:tr>
-            </a:tbl>
-          </a:graphicData>
-        </a:graphic>
-      </p:graphicFrame>
-      <p:graphicFrame>
-        <p:nvGraphicFramePr>
-          <p:cNvPr id="6" name="表格 5"/>
-          <p:cNvGraphicFramePr>
-            <a:graphicFrameLocks noGrp="1"/>
-          </p:cNvGraphicFramePr>
-          <p:nvPr/>
-        </p:nvGraphicFramePr>
-        <p:xfrm>
-          <a:off x="9104244" y="1457738"/>
-          <a:ext cx="1749287" cy="5141844"/>
-        </p:xfrm>
-        <a:graphic>
-          <a:graphicData uri="http://schemas.openxmlformats.org/drawingml/2006/table">
-            <a:tbl>
-              <a:tblPr/>
-              <a:tblGrid>
-                <a:gridCol w="1749287"/>
-              </a:tblGrid>
-              <a:tr h="2570922">
-                <a:tc>
-                  <a:txBody>
-                    <a:bodyPr/>
-                    <a:lstStyle/>
-                    <a:p>
-                      <a:pPr marL="0" marR="0" indent="0" algn="ctr" defTabSz="914400" rtl="0" eaLnBrk="1" fontAlgn="auto" latinLnBrk="0" hangingPunct="1">
-                        <a:lnSpc>
-                          <a:spcPct val="100000"/>
-                        </a:lnSpc>
-                        <a:spcBef>
-                          <a:spcPts val="0"/>
-                        </a:spcBef>
-                        <a:spcAft>
-                          <a:spcPts val="0"/>
-                        </a:spcAft>
-                        <a:buClrTx/>
-                        <a:buSzTx/>
-                        <a:buFontTx/>
-                        <a:buNone/>
-                        <a:tabLst/>
-                        <a:defRPr/>
-                      </a:pPr>
-                      <a:r>
-                        <a:rPr lang="zh-TW" altLang="en-US" sz="2400" dirty="0" smtClean="0">
-                          <a:ea typeface="標楷體"/>
-                          <a:cs typeface="Times New Roman"/>
-                        </a:rPr>
-                        <a:t>快餐部</a:t>
-                      </a:r>
-                      <a:endParaRPr lang="zh-TW" altLang="en-US" sz="2400" dirty="0"/>
-                    </a:p>
-                  </a:txBody>
-                  <a:tcPr vert="eaVert" anchor="ctr">
-                    <a:lnL w="12700" cmpd="sng">
-                      <a:solidFill>
-                        <a:schemeClr val="tx1"/>
-                      </a:solidFill>
-                      <a:prstDash val="solid"/>
-                    </a:lnL>
-                    <a:lnR w="12700" cmpd="sng">
-                      <a:solidFill>
-                        <a:schemeClr val="tx1"/>
-                      </a:solidFill>
-                      <a:prstDash val="solid"/>
-                    </a:lnR>
-                    <a:lnT w="12700" cmpd="sng">
-                      <a:solidFill>
-                        <a:schemeClr val="tx1"/>
-                      </a:solidFill>
-                      <a:prstDash val="solid"/>
-                    </a:lnT>
-                    <a:lnB w="12700" cap="flat" cmpd="sng" algn="ctr">
-                      <a:solidFill>
-                        <a:schemeClr val="tx1"/>
-                      </a:solidFill>
-                      <a:prstDash val="solid"/>
-                      <a:round/>
-                      <a:headEnd type="none" w="med" len="med"/>
-                      <a:tailEnd type="none" w="med" len="med"/>
-                    </a:lnB>
-                  </a:tcPr>
-                </a:tc>
-              </a:tr>
-              <a:tr h="2570922">
-                <a:tc>
-                  <a:txBody>
-                    <a:bodyPr/>
-                    <a:lstStyle/>
-                    <a:p>
-                      <a:pPr marL="0" marR="0" indent="0" algn="ctr" defTabSz="914400" rtl="0" eaLnBrk="1" fontAlgn="auto" latinLnBrk="0" hangingPunct="1">
-                        <a:lnSpc>
-                          <a:spcPct val="100000"/>
-                        </a:lnSpc>
-                        <a:spcBef>
-                          <a:spcPts val="0"/>
-                        </a:spcBef>
-                        <a:spcAft>
-                          <a:spcPts val="0"/>
-                        </a:spcAft>
-                        <a:buClrTx/>
-                        <a:buSzTx/>
-                        <a:buFontTx/>
-                        <a:buNone/>
-                        <a:tabLst/>
-                        <a:defRPr/>
-                      </a:pPr>
-                      <a:r>
-                        <a:rPr lang="zh-TW" altLang="en-US" sz="2400" dirty="0" smtClean="0">
-                          <a:ea typeface="標楷體"/>
-                          <a:cs typeface="Times New Roman"/>
-                        </a:rPr>
-                        <a:t>自助餐部</a:t>
-                      </a:r>
-                      <a:endParaRPr lang="zh-TW" altLang="en-US" sz="2400" dirty="0"/>
-                    </a:p>
-                  </a:txBody>
-                  <a:tcPr vert="eaVert" anchor="ctr">
-                    <a:lnL w="12700" cap="flat" cmpd="sng" algn="ctr">
-                      <a:solidFill>
-                        <a:schemeClr val="tx1"/>
-                      </a:solidFill>
-                      <a:prstDash val="solid"/>
-                      <a:round/>
-                      <a:headEnd type="none" w="med" len="med"/>
-                      <a:tailEnd type="none" w="med" len="med"/>
-                    </a:lnL>
-                    <a:lnR w="12700" cap="flat" cmpd="sng" algn="ctr">
-                      <a:solidFill>
-                        <a:schemeClr val="tx1"/>
-                      </a:solidFill>
-                      <a:prstDash val="solid"/>
-                      <a:round/>
-                      <a:headEnd type="none" w="med" len="med"/>
-                      <a:tailEnd type="none" w="med" len="med"/>
-                    </a:lnR>
-                    <a:lnT w="12700" cap="flat" cmpd="sng" algn="ctr">
-                      <a:solidFill>
-                        <a:schemeClr val="tx1"/>
-                      </a:solidFill>
-                      <a:prstDash val="solid"/>
-                      <a:round/>
-                      <a:headEnd type="none" w="med" len="med"/>
-                      <a:tailEnd type="none" w="med" len="med"/>
-                    </a:lnT>
-                    <a:lnB w="12700" cmpd="sng">
-                      <a:solidFill>
-                        <a:schemeClr val="tx1"/>
-                      </a:solidFill>
-                      <a:prstDash val="solid"/>
-                    </a:lnB>
-                  </a:tcPr>
-                </a:tc>
-              </a:tr>
-            </a:tbl>
-          </a:graphicData>
-        </a:graphic>
-      </p:graphicFrame>
-      <p:graphicFrame>
-        <p:nvGraphicFramePr>
-          <p:cNvPr id="8" name="表格 7"/>
-          <p:cNvGraphicFramePr>
-            <a:graphicFrameLocks noGrp="1"/>
-          </p:cNvGraphicFramePr>
-          <p:nvPr/>
-        </p:nvGraphicFramePr>
-        <p:xfrm>
-          <a:off x="6864626" y="5976730"/>
-          <a:ext cx="1457739" cy="649357"/>
-        </p:xfrm>
-        <a:graphic>
-          <a:graphicData uri="http://schemas.openxmlformats.org/drawingml/2006/table">
-            <a:tbl>
-              <a:tblPr/>
-              <a:tblGrid>
-                <a:gridCol w="1457739"/>
-              </a:tblGrid>
-              <a:tr h="649357">
-                <a:tc>
-                  <a:txBody>
-                    <a:bodyPr/>
-                    <a:lstStyle/>
-                    <a:p>
-                      <a:pPr marL="0" marR="0" indent="0" algn="ctr" defTabSz="914400" rtl="0" eaLnBrk="1" fontAlgn="auto" latinLnBrk="0" hangingPunct="1">
-                        <a:lnSpc>
-                          <a:spcPct val="100000"/>
-                        </a:lnSpc>
-                        <a:spcBef>
-                          <a:spcPts val="0"/>
-                        </a:spcBef>
-                        <a:spcAft>
-                          <a:spcPts val="0"/>
-                        </a:spcAft>
-                        <a:buClrTx/>
-                        <a:buSzTx/>
-                        <a:buFontTx/>
-                        <a:buNone/>
-                        <a:tabLst/>
-                        <a:defRPr/>
-                      </a:pPr>
-                      <a:r>
-                        <a:rPr lang="zh-TW" altLang="en-US" sz="2400" dirty="0" smtClean="0">
-                          <a:latin typeface="標楷體" pitchFamily="65" charset="-120"/>
-                          <a:ea typeface="標楷體" pitchFamily="65" charset="-120"/>
-                        </a:rPr>
-                        <a:t>出入口</a:t>
-                      </a:r>
-                    </a:p>
-                  </a:txBody>
-                  <a:tcPr anchor="ctr">
-                    <a:lnL w="12700" cmpd="sng">
-                      <a:noFill/>
-                      <a:prstDash val="solid"/>
-                    </a:lnL>
-                    <a:lnR w="12700" cmpd="sng">
-                      <a:noFill/>
-                      <a:prstDash val="solid"/>
-                    </a:lnR>
-                    <a:lnT w="12700" cmpd="sng">
-                      <a:noFill/>
-                      <a:prstDash val="solid"/>
-                    </a:lnT>
-                    <a:lnB w="12700" cmpd="sng">
-                      <a:noFill/>
-                      <a:prstDash val="solid"/>
-                    </a:lnB>
-                    <a:lnTlToBr w="12700" cmpd="sng">
-                      <a:noFill/>
-                      <a:prstDash val="solid"/>
-                    </a:lnTlToBr>
-                    <a:lnBlToTr w="12700" cmpd="sng">
-                      <a:noFill/>
-                      <a:prstDash val="solid"/>
-                    </a:lnBlToTr>
-                  </a:tcPr>
-                </a:tc>
-              </a:tr>
-            </a:tbl>
-          </a:graphicData>
-        </a:graphic>
-      </p:graphicFrame>
-      <p:graphicFrame>
-        <p:nvGraphicFramePr>
-          <p:cNvPr id="9" name="表格 8"/>
-          <p:cNvGraphicFramePr>
-            <a:graphicFrameLocks noGrp="1"/>
-          </p:cNvGraphicFramePr>
-          <p:nvPr>
-            <p:extLst>
-              <p:ext uri="{D42A27DB-BD31-4B8C-83A1-F6EECF244321}">
-                <p14:modId xmlns:p14="http://schemas.microsoft.com/office/powerpoint/2010/main" xmlns="" val="1537239460"/>
-              </p:ext>
-            </p:extLst>
-          </p:nvPr>
-        </p:nvGraphicFramePr>
-        <p:xfrm>
-          <a:off x="6849386" y="1115170"/>
-          <a:ext cx="1457739" cy="649357"/>
-        </p:xfrm>
-        <a:graphic>
-          <a:graphicData uri="http://schemas.openxmlformats.org/drawingml/2006/table">
-            <a:tbl>
-              <a:tblPr/>
-              <a:tblGrid>
-                <a:gridCol w="1457739"/>
-              </a:tblGrid>
-              <a:tr h="649357">
-                <a:tc>
-                  <a:txBody>
-                    <a:bodyPr/>
-                    <a:lstStyle/>
-                    <a:p>
-                      <a:pPr marL="0" marR="0" indent="0" algn="ctr" defTabSz="914400" rtl="0" eaLnBrk="1" fontAlgn="auto" latinLnBrk="0" hangingPunct="1">
-                        <a:lnSpc>
-                          <a:spcPct val="100000"/>
-                        </a:lnSpc>
-                        <a:spcBef>
-                          <a:spcPts val="0"/>
-                        </a:spcBef>
-                        <a:spcAft>
-                          <a:spcPts val="0"/>
-                        </a:spcAft>
-                        <a:buClrTx/>
-                        <a:buSzTx/>
-                        <a:buFontTx/>
-                        <a:buNone/>
-                        <a:tabLst/>
-                        <a:defRPr/>
-                      </a:pPr>
-                      <a:r>
-                        <a:rPr lang="zh-TW" altLang="en-US" sz="2400" dirty="0" smtClean="0">
-                          <a:latin typeface="標楷體" pitchFamily="65" charset="-120"/>
-                          <a:ea typeface="標楷體" pitchFamily="65" charset="-120"/>
-                        </a:rPr>
-                        <a:t>出入口</a:t>
-                      </a:r>
-                    </a:p>
-                  </a:txBody>
-                  <a:tcPr anchor="ctr">
-                    <a:lnL w="12700" cmpd="sng">
-                      <a:noFill/>
-                      <a:prstDash val="solid"/>
-                    </a:lnL>
-                    <a:lnR w="12700" cmpd="sng">
-                      <a:noFill/>
-                      <a:prstDash val="solid"/>
-                    </a:lnR>
-                    <a:lnT w="12700" cmpd="sng">
-                      <a:noFill/>
-                      <a:prstDash val="solid"/>
-                    </a:lnT>
-                    <a:lnB w="12700" cmpd="sng">
-                      <a:noFill/>
-                      <a:prstDash val="solid"/>
-                    </a:lnB>
-                    <a:lnTlToBr w="12700" cmpd="sng">
-                      <a:noFill/>
-                      <a:prstDash val="solid"/>
-                    </a:lnTlToBr>
-                    <a:lnBlToTr w="12700" cmpd="sng">
-                      <a:noFill/>
-                      <a:prstDash val="solid"/>
-                    </a:lnBlToTr>
-                  </a:tcPr>
-                </a:tc>
-              </a:tr>
-            </a:tbl>
-          </a:graphicData>
-        </a:graphic>
-      </p:graphicFrame>
-    </p:spTree>
-  </p:cSld>
-  <p:clrMapOvr>
-    <a:masterClrMapping/>
-  </p:clrMapOvr>
-  <p:transition advClick="0"/>
-  <p:timing>
-    <p:tnLst>
-      <p:par>
-        <p:cTn id="1" dur="indefinite" restart="never" nodeType="tmRoot"/>
-      </p:par>
-    </p:tnLst>
-  </p:timing>
-</p:sld>
-</file>
-
-<file path=ppt/slides/slide19.xml><?xml version="1.0" encoding="utf-8"?>
-<p:sld xmlns:a="http://schemas.openxmlformats.org/drawingml/2006/main" xmlns:r="http://schemas.openxmlformats.org/officeDocument/2006/relationships" xmlns:p="http://schemas.openxmlformats.org/presentationml/2006/main" showMasterSp="0" show="0">
-  <p:cSld>
-    <p:bg>
-      <p:bgPr>
-        <a:pattFill prst="pct5">
-          <a:fgClr>
-            <a:schemeClr val="bg1"/>
-          </a:fgClr>
-          <a:bgClr>
-            <a:schemeClr val="bg1"/>
-          </a:bgClr>
-        </a:pattFill>
-        <a:effectLst/>
-      </p:bgPr>
-    </p:bg>
-    <p:spTree>
-      <p:nvGrpSpPr>
-        <p:cNvPr id="1" name=""/>
-        <p:cNvGrpSpPr/>
-        <p:nvPr/>
-      </p:nvGrpSpPr>
-      <p:grpSpPr>
-        <a:xfrm>
-          <a:off x="0" y="0"/>
-          <a:ext cx="0" cy="0"/>
-          <a:chOff x="0" y="0"/>
-          <a:chExt cx="0" cy="0"/>
-        </a:xfrm>
-      </p:grpSpPr>
-      <p:sp>
-        <p:nvSpPr>
-          <p:cNvPr id="2" name="標題 1"/>
-          <p:cNvSpPr>
-            <a:spLocks noGrp="1"/>
-          </p:cNvSpPr>
-          <p:nvPr>
-            <p:ph type="title"/>
-          </p:nvPr>
-        </p:nvSpPr>
-        <p:spPr>
-          <a:xfrm>
-            <a:off x="1295402" y="43806"/>
-            <a:ext cx="9601196" cy="1303867"/>
-          </a:xfrm>
-        </p:spPr>
-        <p:txBody>
-          <a:bodyPr>
-            <a:normAutofit/>
-          </a:bodyPr>
-          <a:lstStyle/>
-          <a:p>
-            <a:r>
-              <a:rPr lang="zh-TW" altLang="en-US" dirty="0" smtClean="0">
-                <a:solidFill>
-                  <a:schemeClr val="tx1"/>
-                </a:solidFill>
-                <a:latin typeface="標楷體" pitchFamily="65" charset="-120"/>
-                <a:ea typeface="標楷體" pitchFamily="65" charset="-120"/>
-              </a:rPr>
-              <a:t>小木屋與摩斯漢堡</a:t>
-            </a:r>
-            <a:endParaRPr lang="zh-TW" altLang="en-US" dirty="0">
-              <a:solidFill>
-                <a:schemeClr val="tx1"/>
-              </a:solidFill>
-              <a:latin typeface="標楷體" pitchFamily="65" charset="-120"/>
-              <a:ea typeface="標楷體" pitchFamily="65" charset="-120"/>
-            </a:endParaRPr>
-          </a:p>
-        </p:txBody>
-      </p:sp>
-      <p:graphicFrame>
-        <p:nvGraphicFramePr>
-          <p:cNvPr id="3" name="表格 2"/>
-          <p:cNvGraphicFramePr>
-            <a:graphicFrameLocks noGrp="1"/>
-          </p:cNvGraphicFramePr>
-          <p:nvPr>
-            <p:extLst>
-              <p:ext uri="{D42A27DB-BD31-4B8C-83A1-F6EECF244321}">
-                <p14:modId xmlns:p14="http://schemas.microsoft.com/office/powerpoint/2010/main" xmlns="" val="2404760520"/>
-              </p:ext>
-            </p:extLst>
-          </p:nvPr>
-        </p:nvGraphicFramePr>
-        <p:xfrm>
-          <a:off x="2205162" y="1790370"/>
-          <a:ext cx="6798366" cy="755374"/>
-        </p:xfrm>
-        <a:graphic>
-          <a:graphicData uri="http://schemas.openxmlformats.org/drawingml/2006/table">
-            <a:tbl>
-              <a:tblPr/>
-              <a:tblGrid>
-                <a:gridCol w="3399183"/>
-                <a:gridCol w="3399183"/>
-              </a:tblGrid>
-              <a:tr h="755374">
-                <a:tc>
-                  <a:txBody>
-                    <a:bodyPr/>
-                    <a:lstStyle/>
-                    <a:p>
-                      <a:pPr marL="0" marR="0" indent="0" algn="ctr" defTabSz="914400" rtl="0" eaLnBrk="1" fontAlgn="auto" latinLnBrk="0" hangingPunct="1">
-                        <a:lnSpc>
-                          <a:spcPct val="100000"/>
-                        </a:lnSpc>
-                        <a:spcBef>
-                          <a:spcPts val="0"/>
-                        </a:spcBef>
-                        <a:spcAft>
-                          <a:spcPts val="0"/>
-                        </a:spcAft>
-                        <a:buClrTx/>
-                        <a:buSzTx/>
-                        <a:buFontTx/>
-                        <a:buNone/>
-                        <a:tabLst/>
-                        <a:defRPr/>
-                      </a:pPr>
-                      <a:r>
-                        <a:rPr lang="en-US" sz="2400" dirty="0" smtClean="0">
-                          <a:latin typeface="標楷體"/>
-                          <a:cs typeface="Times New Roman"/>
-                        </a:rPr>
-                        <a:t>Juice Bar</a:t>
-                      </a:r>
-                      <a:endParaRPr lang="zh-TW" altLang="en-US" sz="2400" dirty="0">
-                        <a:latin typeface="標楷體" pitchFamily="65" charset="-120"/>
-                        <a:ea typeface="標楷體" pitchFamily="65" charset="-120"/>
-                      </a:endParaRPr>
-                    </a:p>
-                  </a:txBody>
-                  <a:tcPr anchor="ctr">
-                    <a:lnL w="12700" cmpd="sng">
-                      <a:solidFill>
-                        <a:schemeClr val="tx1"/>
-                      </a:solidFill>
-                      <a:prstDash val="solid"/>
-                    </a:lnL>
-                    <a:lnR w="12700" cap="flat" cmpd="sng" algn="ctr">
-                      <a:solidFill>
-                        <a:schemeClr val="tx1"/>
-                      </a:solidFill>
-                      <a:prstDash val="solid"/>
-                      <a:round/>
-                      <a:headEnd type="none" w="med" len="med"/>
-                      <a:tailEnd type="none" w="med" len="med"/>
-                    </a:lnR>
-                    <a:lnT w="12700" cmpd="sng">
-                      <a:solidFill>
-                        <a:schemeClr val="tx1"/>
-                      </a:solidFill>
-                      <a:prstDash val="solid"/>
-                    </a:lnT>
-                    <a:lnB w="12700" cmpd="sng">
-                      <a:solidFill>
-                        <a:schemeClr val="tx1"/>
-                      </a:solidFill>
-                      <a:prstDash val="solid"/>
-                    </a:lnB>
-                  </a:tcPr>
-                </a:tc>
-                <a:tc>
-                  <a:txBody>
-                    <a:bodyPr/>
-                    <a:lstStyle/>
-                    <a:p>
-                      <a:pPr marL="0" marR="0" indent="0" algn="ctr" defTabSz="914400" rtl="0" eaLnBrk="1" fontAlgn="auto" latinLnBrk="0" hangingPunct="1">
-                        <a:lnSpc>
-                          <a:spcPct val="100000"/>
-                        </a:lnSpc>
-                        <a:spcBef>
-                          <a:spcPts val="0"/>
-                        </a:spcBef>
-                        <a:spcAft>
-                          <a:spcPts val="0"/>
-                        </a:spcAft>
-                        <a:buClrTx/>
-                        <a:buSzTx/>
-                        <a:buFontTx/>
-                        <a:buNone/>
-                        <a:tabLst/>
-                        <a:defRPr/>
-                      </a:pPr>
-                      <a:r>
-                        <a:rPr lang="zh-TW" altLang="en-US" sz="2400" dirty="0" smtClean="0">
-                          <a:ea typeface="標楷體"/>
-                          <a:cs typeface="Times New Roman"/>
-                        </a:rPr>
-                        <a:t>奈手卷</a:t>
-                      </a:r>
-                      <a:endParaRPr lang="zh-TW" altLang="en-US" sz="2400" dirty="0">
-                        <a:latin typeface="標楷體" pitchFamily="65" charset="-120"/>
-                        <a:ea typeface="標楷體" pitchFamily="65" charset="-120"/>
-                      </a:endParaRPr>
-                    </a:p>
-                  </a:txBody>
-                  <a:tcPr anchor="ctr">
-                    <a:lnL w="12700" cap="flat" cmpd="sng" algn="ctr">
-                      <a:solidFill>
-                        <a:schemeClr val="tx1"/>
-                      </a:solidFill>
-                      <a:prstDash val="solid"/>
-                      <a:round/>
-                      <a:headEnd type="none" w="med" len="med"/>
-                      <a:tailEnd type="none" w="med" len="med"/>
-                    </a:lnL>
-                    <a:lnR w="12700" cmpd="sng">
-                      <a:solidFill>
-                        <a:schemeClr val="tx1"/>
-                      </a:solidFill>
-                      <a:prstDash val="solid"/>
-                    </a:lnR>
-                    <a:lnT w="12700" cap="flat" cmpd="sng" algn="ctr">
-                      <a:solidFill>
-                        <a:schemeClr val="tx1"/>
-                      </a:solidFill>
-                      <a:prstDash val="solid"/>
-                      <a:round/>
-                      <a:headEnd type="none" w="med" len="med"/>
-                      <a:tailEnd type="none" w="med" len="med"/>
-                    </a:lnT>
-                    <a:lnB w="12700" cap="flat" cmpd="sng" algn="ctr">
-                      <a:solidFill>
-                        <a:schemeClr val="tx1"/>
-                      </a:solidFill>
-                      <a:prstDash val="solid"/>
-                      <a:round/>
-                      <a:headEnd type="none" w="med" len="med"/>
-                      <a:tailEnd type="none" w="med" len="med"/>
-                    </a:lnB>
-                  </a:tcPr>
-                </a:tc>
-              </a:tr>
-            </a:tbl>
-          </a:graphicData>
-        </a:graphic>
-      </p:graphicFrame>
-      <p:graphicFrame>
-        <p:nvGraphicFramePr>
-          <p:cNvPr id="4" name="表格 3"/>
-          <p:cNvGraphicFramePr>
-            <a:graphicFrameLocks noGrp="1"/>
-          </p:cNvGraphicFramePr>
-          <p:nvPr/>
-        </p:nvGraphicFramePr>
-        <p:xfrm>
-          <a:off x="8468139" y="5075583"/>
-          <a:ext cx="3087757" cy="1577008"/>
-        </p:xfrm>
-        <a:graphic>
-          <a:graphicData uri="http://schemas.openxmlformats.org/drawingml/2006/table">
-            <a:tbl>
-              <a:tblPr/>
-              <a:tblGrid>
-                <a:gridCol w="3087757"/>
-              </a:tblGrid>
-              <a:tr h="1577008">
-                <a:tc>
-                  <a:txBody>
-                    <a:bodyPr/>
-                    <a:lstStyle/>
-                    <a:p>
-                      <a:pPr algn="ctr"/>
-                      <a:r>
-                        <a:rPr lang="zh-TW" altLang="en-US" sz="2400" dirty="0" smtClean="0">
-                          <a:latin typeface="標楷體" pitchFamily="65" charset="-120"/>
-                          <a:ea typeface="標楷體" pitchFamily="65" charset="-120"/>
-                        </a:rPr>
-                        <a:t>摩斯漢堡</a:t>
-                      </a:r>
-                      <a:endParaRPr lang="zh-TW" altLang="en-US" sz="2400" dirty="0">
-                        <a:latin typeface="標楷體" pitchFamily="65" charset="-120"/>
-                        <a:ea typeface="標楷體" pitchFamily="65" charset="-120"/>
-                      </a:endParaRPr>
-                    </a:p>
-                  </a:txBody>
-                  <a:tcPr anchor="ctr">
-                    <a:lnL w="12700" cmpd="sng">
-                      <a:solidFill>
-                        <a:schemeClr val="tx1"/>
-                      </a:solidFill>
-                      <a:prstDash val="solid"/>
-                    </a:lnL>
-                    <a:lnR w="12700" cmpd="sng">
-                      <a:solidFill>
-                        <a:schemeClr val="tx1"/>
-                      </a:solidFill>
-                      <a:prstDash val="solid"/>
-                    </a:lnR>
-                    <a:lnT w="12700" cmpd="sng">
-                      <a:solidFill>
-                        <a:schemeClr val="tx1"/>
-                      </a:solidFill>
-                      <a:prstDash val="solid"/>
-                    </a:lnT>
-                    <a:lnB w="12700" cmpd="sng">
-                      <a:solidFill>
-                        <a:schemeClr val="tx1"/>
-                      </a:solidFill>
-                      <a:prstDash val="solid"/>
-                    </a:lnB>
-                  </a:tcPr>
-                </a:tc>
-              </a:tr>
-            </a:tbl>
-          </a:graphicData>
-        </a:graphic>
-      </p:graphicFrame>
-      <p:graphicFrame>
-        <p:nvGraphicFramePr>
-          <p:cNvPr id="5" name="表格 4"/>
-          <p:cNvGraphicFramePr>
-            <a:graphicFrameLocks noGrp="1"/>
-          </p:cNvGraphicFramePr>
-          <p:nvPr/>
-        </p:nvGraphicFramePr>
-        <p:xfrm>
-          <a:off x="4505739" y="5559288"/>
-          <a:ext cx="3048000" cy="1099930"/>
-        </p:xfrm>
-        <a:graphic>
-          <a:graphicData uri="http://schemas.openxmlformats.org/drawingml/2006/table">
-            <a:tbl>
-              <a:tblPr/>
-              <a:tblGrid>
-                <a:gridCol w="3048000"/>
-              </a:tblGrid>
-              <a:tr h="1099930">
-                <a:tc>
-                  <a:txBody>
-                    <a:bodyPr/>
-                    <a:lstStyle/>
-                    <a:p>
-                      <a:pPr algn="ctr"/>
-                      <a:r>
-                        <a:rPr lang="zh-TW" altLang="en-US" sz="2400" dirty="0" smtClean="0">
-                          <a:latin typeface="標楷體" pitchFamily="65" charset="-120"/>
-                          <a:ea typeface="標楷體" pitchFamily="65" charset="-120"/>
-                        </a:rPr>
-                        <a:t>學生活動中心</a:t>
-                      </a:r>
-                      <a:endParaRPr lang="zh-TW" altLang="en-US" sz="2400" dirty="0">
-                        <a:latin typeface="標楷體" pitchFamily="65" charset="-120"/>
-                        <a:ea typeface="標楷體" pitchFamily="65" charset="-120"/>
-                      </a:endParaRPr>
-                    </a:p>
-                  </a:txBody>
-                  <a:tcPr anchor="ctr">
-                    <a:lnL w="12700" cmpd="sng">
-                      <a:noFill/>
-                      <a:prstDash val="solid"/>
-                    </a:lnL>
-                    <a:lnR w="12700" cmpd="sng">
-                      <a:noFill/>
-                      <a:prstDash val="solid"/>
-                    </a:lnR>
-                    <a:lnT w="12700" cmpd="sng">
-                      <a:noFill/>
-                      <a:prstDash val="solid"/>
-                    </a:lnT>
-                    <a:lnB w="12700" cmpd="sng">
-                      <a:noFill/>
-                      <a:prstDash val="solid"/>
-                    </a:lnB>
-                    <a:lnTlToBr w="12700" cmpd="sng">
-                      <a:noFill/>
-                      <a:prstDash val="solid"/>
-                    </a:lnTlToBr>
-                    <a:lnBlToTr w="12700" cmpd="sng">
-                      <a:noFill/>
-                      <a:prstDash val="solid"/>
-                    </a:lnBlToTr>
-                  </a:tcPr>
-                </a:tc>
-              </a:tr>
-            </a:tbl>
-          </a:graphicData>
-        </a:graphic>
-      </p:graphicFrame>
-      <p:graphicFrame>
-        <p:nvGraphicFramePr>
-          <p:cNvPr id="6" name="表格 5"/>
-          <p:cNvGraphicFramePr>
-            <a:graphicFrameLocks noGrp="1"/>
-          </p:cNvGraphicFramePr>
-          <p:nvPr/>
-        </p:nvGraphicFramePr>
-        <p:xfrm>
-          <a:off x="2027582" y="5897218"/>
-          <a:ext cx="1842052" cy="596348"/>
-        </p:xfrm>
-        <a:graphic>
-          <a:graphicData uri="http://schemas.openxmlformats.org/drawingml/2006/table">
-            <a:tbl>
-              <a:tblPr/>
-              <a:tblGrid>
-                <a:gridCol w="1842052"/>
-              </a:tblGrid>
-              <a:tr h="596348">
-                <a:tc>
-                  <a:txBody>
-                    <a:bodyPr/>
-                    <a:lstStyle/>
-                    <a:p>
-                      <a:pPr marL="0" algn="ctr" rtl="0" eaLnBrk="1" latinLnBrk="0" hangingPunct="1"/>
-                      <a:r>
-                        <a:rPr kumimoji="0" lang="zh-TW" altLang="en-US" sz="2400" kern="1200" dirty="0" smtClean="0">
-                          <a:solidFill>
-                            <a:schemeClr val="tx1"/>
-                          </a:solidFill>
-                          <a:latin typeface="標楷體" pitchFamily="65" charset="-120"/>
-                          <a:ea typeface="標楷體" pitchFamily="65" charset="-120"/>
-                          <a:cs typeface="+mn-cs"/>
-                        </a:rPr>
-                        <a:t>郵局提款機</a:t>
-                      </a:r>
-                    </a:p>
-                  </a:txBody>
-                  <a:tcPr>
-                    <a:lnL w="12700" cmpd="sng">
-                      <a:noFill/>
-                      <a:prstDash val="solid"/>
-                    </a:lnL>
-                    <a:lnR w="12700" cmpd="sng">
-                      <a:noFill/>
-                      <a:prstDash val="solid"/>
-                    </a:lnR>
-                    <a:lnT w="12700" cmpd="sng">
-                      <a:noFill/>
-                      <a:prstDash val="solid"/>
-                    </a:lnT>
-                    <a:lnB w="12700" cmpd="sng">
-                      <a:noFill/>
-                      <a:prstDash val="solid"/>
-                    </a:lnB>
-                    <a:lnTlToBr w="12700" cmpd="sng">
-                      <a:noFill/>
-                      <a:prstDash val="solid"/>
-                    </a:lnTlToBr>
-                    <a:lnBlToTr w="12700" cmpd="sng">
-                      <a:noFill/>
-                      <a:prstDash val="solid"/>
-                    </a:lnBlToTr>
-                  </a:tcPr>
-                </a:tc>
-              </a:tr>
-            </a:tbl>
-          </a:graphicData>
-        </a:graphic>
-      </p:graphicFrame>
-      <p:sp>
-        <p:nvSpPr>
-          <p:cNvPr id="8" name="矩形 7"/>
-          <p:cNvSpPr/>
-          <p:nvPr/>
-        </p:nvSpPr>
-        <p:spPr>
-          <a:xfrm>
-            <a:off x="10243931" y="397566"/>
-            <a:ext cx="1232452" cy="596348"/>
-          </a:xfrm>
-          <a:prstGeom prst="rect">
-            <a:avLst/>
-          </a:prstGeom>
-          <a:solidFill>
-            <a:srgbClr val="00B0F0"/>
-          </a:solidFill>
-        </p:spPr>
-        <p:style>
-          <a:lnRef idx="1">
-            <a:schemeClr val="accent2"/>
-          </a:lnRef>
-          <a:fillRef idx="2">
-            <a:schemeClr val="accent2"/>
-          </a:fillRef>
-          <a:effectRef idx="1">
-            <a:schemeClr val="accent2"/>
-          </a:effectRef>
-          <a:fontRef idx="minor">
-            <a:schemeClr val="dk1"/>
-          </a:fontRef>
-        </p:style>
-        <p:txBody>
-          <a:bodyPr rtlCol="0" anchor="ctr"/>
-          <a:lstStyle/>
-          <a:p>
-            <a:pPr algn="ctr"/>
-            <a:r>
-              <a:rPr lang="zh-TW" altLang="en-US" dirty="0" smtClean="0">
-                <a:hlinkClick r:id="rId2" action="ppaction://hlinksldjump"/>
-              </a:rPr>
-              <a:t>回首頁</a:t>
-            </a:r>
-            <a:endParaRPr lang="zh-TW" altLang="en-US" dirty="0"/>
-          </a:p>
-        </p:txBody>
-      </p:sp>
-    </p:spTree>
-  </p:cSld>
-  <p:clrMapOvr>
-    <a:masterClrMapping/>
-  </p:clrMapOvr>
-  <mc:AlternateContent xmlns:mc="http://schemas.openxmlformats.org/markup-compatibility/2006">
-    <mc:Choice xmlns:p14="http://schemas.microsoft.com/office/powerpoint/2010/main" xmlns="" Requires="p14">
-      <p:transition spd="slow" p14:dur="2000"/>
-    </mc:Choice>
-    <mc:Fallback>
-      <p:transition spd="slow"/>
-    </mc:Fallback>
-  </mc:AlternateContent>
   <p:timing>
     <p:tnLst>
       <p:par>
@@ -17552,7 +16927,7 @@
     </p:spTree>
     <p:extLst>
       <p:ext uri="{BB962C8B-B14F-4D97-AF65-F5344CB8AC3E}">
-        <p14:creationId xmlns:p14="http://schemas.microsoft.com/office/powerpoint/2010/main" xmlns="" val="3588053187"/>
+        <p14:creationId xmlns:p14="http://schemas.microsoft.com/office/powerpoint/2010/main" val="3588053187"/>
       </p:ext>
     </p:extLst>
   </p:cSld>
@@ -17570,6 +16945,1242 @@
 </file>
 
 <file path=ppt/slides/slide20.xml><?xml version="1.0" encoding="utf-8"?>
+<p:sld xmlns:a="http://schemas.openxmlformats.org/drawingml/2006/main" xmlns:r="http://schemas.openxmlformats.org/officeDocument/2006/relationships" xmlns:p="http://schemas.openxmlformats.org/presentationml/2006/main" showMasterSp="0" show="0">
+  <p:cSld>
+    <p:bg>
+      <p:bgPr>
+        <a:pattFill prst="pct5">
+          <a:fgClr>
+            <a:schemeClr val="bg1"/>
+          </a:fgClr>
+          <a:bgClr>
+            <a:schemeClr val="bg1"/>
+          </a:bgClr>
+        </a:pattFill>
+        <a:effectLst/>
+      </p:bgPr>
+    </p:bg>
+    <p:spTree>
+      <p:nvGrpSpPr>
+        <p:cNvPr id="1" name=""/>
+        <p:cNvGrpSpPr/>
+        <p:nvPr/>
+      </p:nvGrpSpPr>
+      <p:grpSpPr>
+        <a:xfrm>
+          <a:off x="0" y="0"/>
+          <a:ext cx="0" cy="0"/>
+          <a:chOff x="0" y="0"/>
+          <a:chExt cx="0" cy="0"/>
+        </a:xfrm>
+      </p:grpSpPr>
+      <p:sp>
+        <p:nvSpPr>
+          <p:cNvPr id="2" name="標題 1"/>
+          <p:cNvSpPr>
+            <a:spLocks noGrp="1"/>
+          </p:cNvSpPr>
+          <p:nvPr>
+            <p:ph type="title"/>
+          </p:nvPr>
+        </p:nvSpPr>
+        <p:spPr>
+          <a:xfrm>
+            <a:off x="1295402" y="17301"/>
+            <a:ext cx="9601196" cy="1303867"/>
+          </a:xfrm>
+        </p:spPr>
+        <p:txBody>
+          <a:bodyPr>
+            <a:normAutofit/>
+          </a:bodyPr>
+          <a:lstStyle/>
+          <a:p>
+            <a:r>
+              <a:rPr lang="zh-TW" altLang="en-US" dirty="0" smtClean="0">
+                <a:solidFill>
+                  <a:schemeClr val="tx1"/>
+                </a:solidFill>
+                <a:latin typeface="標楷體" pitchFamily="65" charset="-120"/>
+                <a:ea typeface="標楷體" pitchFamily="65" charset="-120"/>
+              </a:rPr>
+              <a:t>教職員餐廳</a:t>
+            </a:r>
+            <a:endParaRPr lang="zh-TW" altLang="en-US" dirty="0">
+              <a:solidFill>
+                <a:schemeClr val="tx1"/>
+              </a:solidFill>
+              <a:latin typeface="標楷體" pitchFamily="65" charset="-120"/>
+              <a:ea typeface="標楷體" pitchFamily="65" charset="-120"/>
+            </a:endParaRPr>
+          </a:p>
+        </p:txBody>
+      </p:sp>
+      <p:sp>
+        <p:nvSpPr>
+          <p:cNvPr id="3" name="矩形 2"/>
+          <p:cNvSpPr/>
+          <p:nvPr/>
+        </p:nvSpPr>
+        <p:spPr>
+          <a:xfrm>
+            <a:off x="10217427" y="371061"/>
+            <a:ext cx="1232452" cy="596348"/>
+          </a:xfrm>
+          <a:prstGeom prst="rect">
+            <a:avLst/>
+          </a:prstGeom>
+          <a:solidFill>
+            <a:srgbClr val="00B0F0"/>
+          </a:solidFill>
+        </p:spPr>
+        <p:style>
+          <a:lnRef idx="1">
+            <a:schemeClr val="accent2"/>
+          </a:lnRef>
+          <a:fillRef idx="2">
+            <a:schemeClr val="accent2"/>
+          </a:fillRef>
+          <a:effectRef idx="1">
+            <a:schemeClr val="accent2"/>
+          </a:effectRef>
+          <a:fontRef idx="minor">
+            <a:schemeClr val="dk1"/>
+          </a:fontRef>
+        </p:style>
+        <p:txBody>
+          <a:bodyPr rtlCol="0" anchor="ctr"/>
+          <a:lstStyle/>
+          <a:p>
+            <a:pPr algn="ctr"/>
+            <a:r>
+              <a:rPr lang="zh-TW" altLang="en-US" dirty="0" smtClean="0">
+                <a:hlinkClick r:id="rId2" action="ppaction://hlinksldjump"/>
+              </a:rPr>
+              <a:t>回首頁</a:t>
+            </a:r>
+            <a:endParaRPr lang="zh-TW" altLang="en-US" dirty="0"/>
+          </a:p>
+        </p:txBody>
+      </p:sp>
+      <p:graphicFrame>
+        <p:nvGraphicFramePr>
+          <p:cNvPr id="4" name="表格 3"/>
+          <p:cNvGraphicFramePr>
+            <a:graphicFrameLocks noGrp="1"/>
+          </p:cNvGraphicFramePr>
+          <p:nvPr/>
+        </p:nvGraphicFramePr>
+        <p:xfrm>
+          <a:off x="1285462" y="3061252"/>
+          <a:ext cx="2438098" cy="3622136"/>
+        </p:xfrm>
+        <a:graphic>
+          <a:graphicData uri="http://schemas.openxmlformats.org/drawingml/2006/table">
+            <a:tbl>
+              <a:tblPr/>
+              <a:tblGrid>
+                <a:gridCol w="2438098"/>
+              </a:tblGrid>
+              <a:tr h="2733687">
+                <a:tc>
+                  <a:txBody>
+                    <a:bodyPr/>
+                    <a:lstStyle/>
+                    <a:p>
+                      <a:pPr marL="0" marR="0" indent="0" algn="ctr" defTabSz="914400" rtl="0" eaLnBrk="1" fontAlgn="auto" latinLnBrk="0" hangingPunct="1">
+                        <a:lnSpc>
+                          <a:spcPct val="100000"/>
+                        </a:lnSpc>
+                        <a:spcBef>
+                          <a:spcPts val="0"/>
+                        </a:spcBef>
+                        <a:spcAft>
+                          <a:spcPts val="0"/>
+                        </a:spcAft>
+                        <a:buClrTx/>
+                        <a:buSzTx/>
+                        <a:buFontTx/>
+                        <a:buNone/>
+                        <a:tabLst/>
+                        <a:defRPr/>
+                      </a:pPr>
+                      <a:r>
+                        <a:rPr kumimoji="0" lang="zh-TW" altLang="en-US" sz="3600" kern="1200" dirty="0" smtClean="0">
+                          <a:solidFill>
+                            <a:schemeClr val="tx1"/>
+                          </a:solidFill>
+                          <a:latin typeface="標楷體" pitchFamily="65" charset="-120"/>
+                          <a:ea typeface="標楷體" pitchFamily="65" charset="-120"/>
+                          <a:cs typeface="+mn-cs"/>
+                        </a:rPr>
+                        <a:t>中餐部</a:t>
+                      </a:r>
+                      <a:endParaRPr lang="zh-TW" altLang="en-US" sz="3200" dirty="0">
+                        <a:latin typeface="標楷體" pitchFamily="65" charset="-120"/>
+                        <a:ea typeface="標楷體" pitchFamily="65" charset="-120"/>
+                      </a:endParaRPr>
+                    </a:p>
+                  </a:txBody>
+                  <a:tcPr vert="eaVert" anchor="ctr">
+                    <a:lnL w="12700" cap="flat" cmpd="sng" algn="ctr">
+                      <a:solidFill>
+                        <a:schemeClr val="tx1"/>
+                      </a:solidFill>
+                      <a:prstDash val="solid"/>
+                      <a:round/>
+                      <a:headEnd type="none" w="med" len="med"/>
+                      <a:tailEnd type="none" w="med" len="med"/>
+                    </a:lnL>
+                    <a:lnR w="12700" cap="flat" cmpd="sng" algn="ctr">
+                      <a:solidFill>
+                        <a:schemeClr val="tx1"/>
+                      </a:solidFill>
+                      <a:prstDash val="solid"/>
+                      <a:round/>
+                      <a:headEnd type="none" w="med" len="med"/>
+                      <a:tailEnd type="none" w="med" len="med"/>
+                    </a:lnR>
+                    <a:lnT w="12700" cap="flat" cmpd="sng" algn="ctr">
+                      <a:solidFill>
+                        <a:schemeClr val="tx1"/>
+                      </a:solidFill>
+                      <a:prstDash val="solid"/>
+                      <a:round/>
+                      <a:headEnd type="none" w="med" len="med"/>
+                      <a:tailEnd type="none" w="med" len="med"/>
+                    </a:lnT>
+                    <a:lnB w="12700" cap="flat" cmpd="sng" algn="ctr">
+                      <a:solidFill>
+                        <a:schemeClr val="tx1"/>
+                      </a:solidFill>
+                      <a:prstDash val="solid"/>
+                      <a:round/>
+                      <a:headEnd type="none" w="med" len="med"/>
+                      <a:tailEnd type="none" w="med" len="med"/>
+                    </a:lnB>
+                  </a:tcPr>
+                </a:tc>
+              </a:tr>
+              <a:tr h="888449">
+                <a:tc>
+                  <a:txBody>
+                    <a:bodyPr/>
+                    <a:lstStyle/>
+                    <a:p>
+                      <a:pPr algn="ctr"/>
+                      <a:r>
+                        <a:rPr lang="zh-TW" altLang="en-US" sz="2400" dirty="0" smtClean="0">
+                          <a:latin typeface="標楷體" pitchFamily="65" charset="-120"/>
+                          <a:ea typeface="標楷體" pitchFamily="65" charset="-120"/>
+                        </a:rPr>
+                        <a:t>出入口</a:t>
+                      </a:r>
+                      <a:endParaRPr lang="zh-TW" altLang="en-US" sz="2400" dirty="0">
+                        <a:latin typeface="標楷體" pitchFamily="65" charset="-120"/>
+                        <a:ea typeface="標楷體" pitchFamily="65" charset="-120"/>
+                      </a:endParaRPr>
+                    </a:p>
+                  </a:txBody>
+                  <a:tcPr anchor="ctr">
+                    <a:lnL w="12700" cap="flat" cmpd="sng" algn="ctr">
+                      <a:noFill/>
+                      <a:prstDash val="solid"/>
+                      <a:round/>
+                      <a:headEnd type="none" w="med" len="med"/>
+                      <a:tailEnd type="none" w="med" len="med"/>
+                    </a:lnL>
+                    <a:lnR w="12700" cap="flat" cmpd="sng" algn="ctr">
+                      <a:noFill/>
+                      <a:prstDash val="solid"/>
+                      <a:round/>
+                      <a:headEnd type="none" w="med" len="med"/>
+                      <a:tailEnd type="none" w="med" len="med"/>
+                    </a:lnR>
+                    <a:lnT w="12700" cap="flat" cmpd="sng" algn="ctr">
+                      <a:solidFill>
+                        <a:schemeClr val="tx1"/>
+                      </a:solidFill>
+                      <a:prstDash val="solid"/>
+                      <a:round/>
+                      <a:headEnd type="none" w="med" len="med"/>
+                      <a:tailEnd type="none" w="med" len="med"/>
+                    </a:lnT>
+                    <a:lnB w="12700" cap="flat" cmpd="sng" algn="ctr">
+                      <a:noFill/>
+                      <a:prstDash val="solid"/>
+                      <a:round/>
+                      <a:headEnd type="none" w="med" len="med"/>
+                      <a:tailEnd type="none" w="med" len="med"/>
+                    </a:lnB>
+                    <a:lnTlToBr w="12700" cmpd="sng">
+                      <a:noFill/>
+                      <a:prstDash val="solid"/>
+                    </a:lnTlToBr>
+                    <a:lnBlToTr w="12700" cmpd="sng">
+                      <a:noFill/>
+                      <a:prstDash val="solid"/>
+                    </a:lnBlToTr>
+                  </a:tcPr>
+                </a:tc>
+              </a:tr>
+            </a:tbl>
+          </a:graphicData>
+        </a:graphic>
+      </p:graphicFrame>
+      <p:graphicFrame>
+        <p:nvGraphicFramePr>
+          <p:cNvPr id="5" name="表格 4"/>
+          <p:cNvGraphicFramePr>
+            <a:graphicFrameLocks noGrp="1"/>
+          </p:cNvGraphicFramePr>
+          <p:nvPr/>
+        </p:nvGraphicFramePr>
+        <p:xfrm>
+          <a:off x="3975652" y="1444487"/>
+          <a:ext cx="2650435" cy="1179443"/>
+        </p:xfrm>
+        <a:graphic>
+          <a:graphicData uri="http://schemas.openxmlformats.org/drawingml/2006/table">
+            <a:tbl>
+              <a:tblPr/>
+              <a:tblGrid>
+                <a:gridCol w="2650435"/>
+              </a:tblGrid>
+              <a:tr h="1179443">
+                <a:tc>
+                  <a:txBody>
+                    <a:bodyPr/>
+                    <a:lstStyle/>
+                    <a:p>
+                      <a:pPr marL="0" marR="0" indent="0" algn="ctr" defTabSz="914400" rtl="0" eaLnBrk="1" fontAlgn="auto" latinLnBrk="0" hangingPunct="1">
+                        <a:lnSpc>
+                          <a:spcPct val="100000"/>
+                        </a:lnSpc>
+                        <a:spcBef>
+                          <a:spcPts val="0"/>
+                        </a:spcBef>
+                        <a:spcAft>
+                          <a:spcPts val="0"/>
+                        </a:spcAft>
+                        <a:buClrTx/>
+                        <a:buSzTx/>
+                        <a:buFontTx/>
+                        <a:buNone/>
+                        <a:tabLst/>
+                        <a:defRPr/>
+                      </a:pPr>
+                      <a:r>
+                        <a:rPr lang="zh-TW" altLang="en-US" sz="2400" dirty="0" smtClean="0">
+                          <a:ea typeface="標楷體"/>
+                          <a:cs typeface="Times New Roman"/>
+                        </a:rPr>
+                        <a:t>好了啦超大杯茶舖</a:t>
+                      </a:r>
+                      <a:endParaRPr lang="zh-TW" altLang="en-US" sz="2400" dirty="0"/>
+                    </a:p>
+                  </a:txBody>
+                  <a:tcPr anchor="ctr">
+                    <a:lnL w="12700" cmpd="sng">
+                      <a:solidFill>
+                        <a:schemeClr val="tx1"/>
+                      </a:solidFill>
+                      <a:prstDash val="solid"/>
+                    </a:lnL>
+                    <a:lnR w="12700" cmpd="sng">
+                      <a:solidFill>
+                        <a:schemeClr val="tx1"/>
+                      </a:solidFill>
+                      <a:prstDash val="solid"/>
+                    </a:lnR>
+                    <a:lnT w="12700" cmpd="sng">
+                      <a:solidFill>
+                        <a:schemeClr val="tx1"/>
+                      </a:solidFill>
+                      <a:prstDash val="solid"/>
+                    </a:lnT>
+                    <a:lnB w="12700" cmpd="sng">
+                      <a:solidFill>
+                        <a:schemeClr val="tx1"/>
+                      </a:solidFill>
+                      <a:prstDash val="solid"/>
+                    </a:lnB>
+                  </a:tcPr>
+                </a:tc>
+              </a:tr>
+            </a:tbl>
+          </a:graphicData>
+        </a:graphic>
+      </p:graphicFrame>
+      <p:graphicFrame>
+        <p:nvGraphicFramePr>
+          <p:cNvPr id="6" name="表格 5"/>
+          <p:cNvGraphicFramePr>
+            <a:graphicFrameLocks noGrp="1"/>
+          </p:cNvGraphicFramePr>
+          <p:nvPr/>
+        </p:nvGraphicFramePr>
+        <p:xfrm>
+          <a:off x="9104244" y="1457738"/>
+          <a:ext cx="1749287" cy="5141844"/>
+        </p:xfrm>
+        <a:graphic>
+          <a:graphicData uri="http://schemas.openxmlformats.org/drawingml/2006/table">
+            <a:tbl>
+              <a:tblPr/>
+              <a:tblGrid>
+                <a:gridCol w="1749287"/>
+              </a:tblGrid>
+              <a:tr h="2570922">
+                <a:tc>
+                  <a:txBody>
+                    <a:bodyPr/>
+                    <a:lstStyle/>
+                    <a:p>
+                      <a:pPr marL="0" marR="0" indent="0" algn="ctr" defTabSz="914400" rtl="0" eaLnBrk="1" fontAlgn="auto" latinLnBrk="0" hangingPunct="1">
+                        <a:lnSpc>
+                          <a:spcPct val="100000"/>
+                        </a:lnSpc>
+                        <a:spcBef>
+                          <a:spcPts val="0"/>
+                        </a:spcBef>
+                        <a:spcAft>
+                          <a:spcPts val="0"/>
+                        </a:spcAft>
+                        <a:buClrTx/>
+                        <a:buSzTx/>
+                        <a:buFontTx/>
+                        <a:buNone/>
+                        <a:tabLst/>
+                        <a:defRPr/>
+                      </a:pPr>
+                      <a:r>
+                        <a:rPr lang="zh-TW" altLang="en-US" sz="2400" dirty="0" smtClean="0">
+                          <a:ea typeface="標楷體"/>
+                          <a:cs typeface="Times New Roman"/>
+                        </a:rPr>
+                        <a:t>快餐部</a:t>
+                      </a:r>
+                      <a:endParaRPr lang="zh-TW" altLang="en-US" sz="2400" dirty="0"/>
+                    </a:p>
+                  </a:txBody>
+                  <a:tcPr vert="eaVert" anchor="ctr">
+                    <a:lnL w="12700" cmpd="sng">
+                      <a:solidFill>
+                        <a:schemeClr val="tx1"/>
+                      </a:solidFill>
+                      <a:prstDash val="solid"/>
+                    </a:lnL>
+                    <a:lnR w="12700" cmpd="sng">
+                      <a:solidFill>
+                        <a:schemeClr val="tx1"/>
+                      </a:solidFill>
+                      <a:prstDash val="solid"/>
+                    </a:lnR>
+                    <a:lnT w="12700" cmpd="sng">
+                      <a:solidFill>
+                        <a:schemeClr val="tx1"/>
+                      </a:solidFill>
+                      <a:prstDash val="solid"/>
+                    </a:lnT>
+                    <a:lnB w="12700" cap="flat" cmpd="sng" algn="ctr">
+                      <a:solidFill>
+                        <a:schemeClr val="tx1"/>
+                      </a:solidFill>
+                      <a:prstDash val="solid"/>
+                      <a:round/>
+                      <a:headEnd type="none" w="med" len="med"/>
+                      <a:tailEnd type="none" w="med" len="med"/>
+                    </a:lnB>
+                  </a:tcPr>
+                </a:tc>
+              </a:tr>
+              <a:tr h="2570922">
+                <a:tc>
+                  <a:txBody>
+                    <a:bodyPr/>
+                    <a:lstStyle/>
+                    <a:p>
+                      <a:pPr marL="0" marR="0" indent="0" algn="ctr" defTabSz="914400" rtl="0" eaLnBrk="1" fontAlgn="auto" latinLnBrk="0" hangingPunct="1">
+                        <a:lnSpc>
+                          <a:spcPct val="100000"/>
+                        </a:lnSpc>
+                        <a:spcBef>
+                          <a:spcPts val="0"/>
+                        </a:spcBef>
+                        <a:spcAft>
+                          <a:spcPts val="0"/>
+                        </a:spcAft>
+                        <a:buClrTx/>
+                        <a:buSzTx/>
+                        <a:buFontTx/>
+                        <a:buNone/>
+                        <a:tabLst/>
+                        <a:defRPr/>
+                      </a:pPr>
+                      <a:r>
+                        <a:rPr lang="zh-TW" altLang="en-US" sz="2400" dirty="0" smtClean="0">
+                          <a:ea typeface="標楷體"/>
+                          <a:cs typeface="Times New Roman"/>
+                        </a:rPr>
+                        <a:t>自助餐部</a:t>
+                      </a:r>
+                      <a:endParaRPr lang="zh-TW" altLang="en-US" sz="2400" dirty="0"/>
+                    </a:p>
+                  </a:txBody>
+                  <a:tcPr vert="eaVert" anchor="ctr">
+                    <a:lnL w="12700" cap="flat" cmpd="sng" algn="ctr">
+                      <a:solidFill>
+                        <a:schemeClr val="tx1"/>
+                      </a:solidFill>
+                      <a:prstDash val="solid"/>
+                      <a:round/>
+                      <a:headEnd type="none" w="med" len="med"/>
+                      <a:tailEnd type="none" w="med" len="med"/>
+                    </a:lnL>
+                    <a:lnR w="12700" cap="flat" cmpd="sng" algn="ctr">
+                      <a:solidFill>
+                        <a:schemeClr val="tx1"/>
+                      </a:solidFill>
+                      <a:prstDash val="solid"/>
+                      <a:round/>
+                      <a:headEnd type="none" w="med" len="med"/>
+                      <a:tailEnd type="none" w="med" len="med"/>
+                    </a:lnR>
+                    <a:lnT w="12700" cap="flat" cmpd="sng" algn="ctr">
+                      <a:solidFill>
+                        <a:schemeClr val="tx1"/>
+                      </a:solidFill>
+                      <a:prstDash val="solid"/>
+                      <a:round/>
+                      <a:headEnd type="none" w="med" len="med"/>
+                      <a:tailEnd type="none" w="med" len="med"/>
+                    </a:lnT>
+                    <a:lnB w="12700" cmpd="sng">
+                      <a:solidFill>
+                        <a:schemeClr val="tx1"/>
+                      </a:solidFill>
+                      <a:prstDash val="solid"/>
+                    </a:lnB>
+                  </a:tcPr>
+                </a:tc>
+              </a:tr>
+            </a:tbl>
+          </a:graphicData>
+        </a:graphic>
+      </p:graphicFrame>
+      <p:graphicFrame>
+        <p:nvGraphicFramePr>
+          <p:cNvPr id="8" name="表格 7"/>
+          <p:cNvGraphicFramePr>
+            <a:graphicFrameLocks noGrp="1"/>
+          </p:cNvGraphicFramePr>
+          <p:nvPr/>
+        </p:nvGraphicFramePr>
+        <p:xfrm>
+          <a:off x="6864626" y="5976730"/>
+          <a:ext cx="1457739" cy="649357"/>
+        </p:xfrm>
+        <a:graphic>
+          <a:graphicData uri="http://schemas.openxmlformats.org/drawingml/2006/table">
+            <a:tbl>
+              <a:tblPr/>
+              <a:tblGrid>
+                <a:gridCol w="1457739"/>
+              </a:tblGrid>
+              <a:tr h="649357">
+                <a:tc>
+                  <a:txBody>
+                    <a:bodyPr/>
+                    <a:lstStyle/>
+                    <a:p>
+                      <a:pPr marL="0" marR="0" indent="0" algn="ctr" defTabSz="914400" rtl="0" eaLnBrk="1" fontAlgn="auto" latinLnBrk="0" hangingPunct="1">
+                        <a:lnSpc>
+                          <a:spcPct val="100000"/>
+                        </a:lnSpc>
+                        <a:spcBef>
+                          <a:spcPts val="0"/>
+                        </a:spcBef>
+                        <a:spcAft>
+                          <a:spcPts val="0"/>
+                        </a:spcAft>
+                        <a:buClrTx/>
+                        <a:buSzTx/>
+                        <a:buFontTx/>
+                        <a:buNone/>
+                        <a:tabLst/>
+                        <a:defRPr/>
+                      </a:pPr>
+                      <a:r>
+                        <a:rPr lang="zh-TW" altLang="en-US" sz="2400" dirty="0" smtClean="0">
+                          <a:latin typeface="標楷體" pitchFamily="65" charset="-120"/>
+                          <a:ea typeface="標楷體" pitchFamily="65" charset="-120"/>
+                        </a:rPr>
+                        <a:t>出入口</a:t>
+                      </a:r>
+                    </a:p>
+                  </a:txBody>
+                  <a:tcPr anchor="ctr">
+                    <a:lnL w="12700" cmpd="sng">
+                      <a:noFill/>
+                      <a:prstDash val="solid"/>
+                    </a:lnL>
+                    <a:lnR w="12700" cmpd="sng">
+                      <a:noFill/>
+                      <a:prstDash val="solid"/>
+                    </a:lnR>
+                    <a:lnT w="12700" cmpd="sng">
+                      <a:noFill/>
+                      <a:prstDash val="solid"/>
+                    </a:lnT>
+                    <a:lnB w="12700" cmpd="sng">
+                      <a:noFill/>
+                      <a:prstDash val="solid"/>
+                    </a:lnB>
+                    <a:lnTlToBr w="12700" cmpd="sng">
+                      <a:noFill/>
+                      <a:prstDash val="solid"/>
+                    </a:lnTlToBr>
+                    <a:lnBlToTr w="12700" cmpd="sng">
+                      <a:noFill/>
+                      <a:prstDash val="solid"/>
+                    </a:lnBlToTr>
+                  </a:tcPr>
+                </a:tc>
+              </a:tr>
+            </a:tbl>
+          </a:graphicData>
+        </a:graphic>
+      </p:graphicFrame>
+      <p:graphicFrame>
+        <p:nvGraphicFramePr>
+          <p:cNvPr id="9" name="表格 8"/>
+          <p:cNvGraphicFramePr>
+            <a:graphicFrameLocks noGrp="1"/>
+          </p:cNvGraphicFramePr>
+          <p:nvPr>
+            <p:extLst>
+              <p:ext uri="{D42A27DB-BD31-4B8C-83A1-F6EECF244321}">
+                <p14:modId xmlns:p14="http://schemas.microsoft.com/office/powerpoint/2010/main" val="1537239460"/>
+              </p:ext>
+            </p:extLst>
+          </p:nvPr>
+        </p:nvGraphicFramePr>
+        <p:xfrm>
+          <a:off x="6849386" y="1115170"/>
+          <a:ext cx="1457739" cy="649357"/>
+        </p:xfrm>
+        <a:graphic>
+          <a:graphicData uri="http://schemas.openxmlformats.org/drawingml/2006/table">
+            <a:tbl>
+              <a:tblPr/>
+              <a:tblGrid>
+                <a:gridCol w="1457739"/>
+              </a:tblGrid>
+              <a:tr h="649357">
+                <a:tc>
+                  <a:txBody>
+                    <a:bodyPr/>
+                    <a:lstStyle/>
+                    <a:p>
+                      <a:pPr marL="0" marR="0" indent="0" algn="ctr" defTabSz="914400" rtl="0" eaLnBrk="1" fontAlgn="auto" latinLnBrk="0" hangingPunct="1">
+                        <a:lnSpc>
+                          <a:spcPct val="100000"/>
+                        </a:lnSpc>
+                        <a:spcBef>
+                          <a:spcPts val="0"/>
+                        </a:spcBef>
+                        <a:spcAft>
+                          <a:spcPts val="0"/>
+                        </a:spcAft>
+                        <a:buClrTx/>
+                        <a:buSzTx/>
+                        <a:buFontTx/>
+                        <a:buNone/>
+                        <a:tabLst/>
+                        <a:defRPr/>
+                      </a:pPr>
+                      <a:r>
+                        <a:rPr lang="zh-TW" altLang="en-US" sz="2400" dirty="0" smtClean="0">
+                          <a:latin typeface="標楷體" pitchFamily="65" charset="-120"/>
+                          <a:ea typeface="標楷體" pitchFamily="65" charset="-120"/>
+                        </a:rPr>
+                        <a:t>出入口</a:t>
+                      </a:r>
+                    </a:p>
+                  </a:txBody>
+                  <a:tcPr anchor="ctr">
+                    <a:lnL w="12700" cmpd="sng">
+                      <a:noFill/>
+                      <a:prstDash val="solid"/>
+                    </a:lnL>
+                    <a:lnR w="12700" cmpd="sng">
+                      <a:noFill/>
+                      <a:prstDash val="solid"/>
+                    </a:lnR>
+                    <a:lnT w="12700" cmpd="sng">
+                      <a:noFill/>
+                      <a:prstDash val="solid"/>
+                    </a:lnT>
+                    <a:lnB w="12700" cmpd="sng">
+                      <a:noFill/>
+                      <a:prstDash val="solid"/>
+                    </a:lnB>
+                    <a:lnTlToBr w="12700" cmpd="sng">
+                      <a:noFill/>
+                      <a:prstDash val="solid"/>
+                    </a:lnTlToBr>
+                    <a:lnBlToTr w="12700" cmpd="sng">
+                      <a:noFill/>
+                      <a:prstDash val="solid"/>
+                    </a:lnBlToTr>
+                  </a:tcPr>
+                </a:tc>
+              </a:tr>
+            </a:tbl>
+          </a:graphicData>
+        </a:graphic>
+      </p:graphicFrame>
+    </p:spTree>
+  </p:cSld>
+  <p:clrMapOvr>
+    <a:masterClrMapping/>
+  </p:clrMapOvr>
+  <p:transition advClick="0"/>
+  <p:timing>
+    <p:tnLst>
+      <p:par>
+        <p:cTn id="1" dur="indefinite" restart="never" nodeType="tmRoot"/>
+      </p:par>
+    </p:tnLst>
+  </p:timing>
+</p:sld>
+</file>
+
+<file path=ppt/slides/slide21.xml><?xml version="1.0" encoding="utf-8"?>
+<p:sld xmlns:a="http://schemas.openxmlformats.org/drawingml/2006/main" xmlns:r="http://schemas.openxmlformats.org/officeDocument/2006/relationships" xmlns:p="http://schemas.openxmlformats.org/presentationml/2006/main" showMasterSp="0" show="0">
+  <p:cSld>
+    <p:bg>
+      <p:bgPr>
+        <a:pattFill prst="pct5">
+          <a:fgClr>
+            <a:schemeClr val="bg1"/>
+          </a:fgClr>
+          <a:bgClr>
+            <a:schemeClr val="bg1"/>
+          </a:bgClr>
+        </a:pattFill>
+        <a:effectLst/>
+      </p:bgPr>
+    </p:bg>
+    <p:spTree>
+      <p:nvGrpSpPr>
+        <p:cNvPr id="1" name=""/>
+        <p:cNvGrpSpPr/>
+        <p:nvPr/>
+      </p:nvGrpSpPr>
+      <p:grpSpPr>
+        <a:xfrm>
+          <a:off x="0" y="0"/>
+          <a:ext cx="0" cy="0"/>
+          <a:chOff x="0" y="0"/>
+          <a:chExt cx="0" cy="0"/>
+        </a:xfrm>
+      </p:grpSpPr>
+      <p:sp>
+        <p:nvSpPr>
+          <p:cNvPr id="2" name="標題 1"/>
+          <p:cNvSpPr>
+            <a:spLocks noGrp="1"/>
+          </p:cNvSpPr>
+          <p:nvPr>
+            <p:ph type="title"/>
+          </p:nvPr>
+        </p:nvSpPr>
+        <p:spPr>
+          <a:xfrm>
+            <a:off x="1295402" y="43806"/>
+            <a:ext cx="9601196" cy="1303867"/>
+          </a:xfrm>
+        </p:spPr>
+        <p:txBody>
+          <a:bodyPr>
+            <a:normAutofit/>
+          </a:bodyPr>
+          <a:lstStyle/>
+          <a:p>
+            <a:r>
+              <a:rPr lang="zh-TW" altLang="en-US" dirty="0" smtClean="0">
+                <a:solidFill>
+                  <a:schemeClr val="tx1"/>
+                </a:solidFill>
+                <a:latin typeface="標楷體" pitchFamily="65" charset="-120"/>
+                <a:ea typeface="標楷體" pitchFamily="65" charset="-120"/>
+              </a:rPr>
+              <a:t>小木屋與摩斯漢堡</a:t>
+            </a:r>
+            <a:endParaRPr lang="zh-TW" altLang="en-US" dirty="0">
+              <a:solidFill>
+                <a:schemeClr val="tx1"/>
+              </a:solidFill>
+              <a:latin typeface="標楷體" pitchFamily="65" charset="-120"/>
+              <a:ea typeface="標楷體" pitchFamily="65" charset="-120"/>
+            </a:endParaRPr>
+          </a:p>
+        </p:txBody>
+      </p:sp>
+      <p:graphicFrame>
+        <p:nvGraphicFramePr>
+          <p:cNvPr id="3" name="表格 2"/>
+          <p:cNvGraphicFramePr>
+            <a:graphicFrameLocks noGrp="1"/>
+          </p:cNvGraphicFramePr>
+          <p:nvPr>
+            <p:extLst>
+              <p:ext uri="{D42A27DB-BD31-4B8C-83A1-F6EECF244321}">
+                <p14:modId xmlns:p14="http://schemas.microsoft.com/office/powerpoint/2010/main" val="2404760520"/>
+              </p:ext>
+            </p:extLst>
+          </p:nvPr>
+        </p:nvGraphicFramePr>
+        <p:xfrm>
+          <a:off x="2205162" y="1790370"/>
+          <a:ext cx="6798366" cy="755374"/>
+        </p:xfrm>
+        <a:graphic>
+          <a:graphicData uri="http://schemas.openxmlformats.org/drawingml/2006/table">
+            <a:tbl>
+              <a:tblPr/>
+              <a:tblGrid>
+                <a:gridCol w="3399183"/>
+                <a:gridCol w="3399183"/>
+              </a:tblGrid>
+              <a:tr h="755374">
+                <a:tc>
+                  <a:txBody>
+                    <a:bodyPr/>
+                    <a:lstStyle/>
+                    <a:p>
+                      <a:pPr marL="0" marR="0" indent="0" algn="ctr" defTabSz="914400" rtl="0" eaLnBrk="1" fontAlgn="auto" latinLnBrk="0" hangingPunct="1">
+                        <a:lnSpc>
+                          <a:spcPct val="100000"/>
+                        </a:lnSpc>
+                        <a:spcBef>
+                          <a:spcPts val="0"/>
+                        </a:spcBef>
+                        <a:spcAft>
+                          <a:spcPts val="0"/>
+                        </a:spcAft>
+                        <a:buClrTx/>
+                        <a:buSzTx/>
+                        <a:buFontTx/>
+                        <a:buNone/>
+                        <a:tabLst/>
+                        <a:defRPr/>
+                      </a:pPr>
+                      <a:r>
+                        <a:rPr lang="en-US" sz="2400" dirty="0" smtClean="0">
+                          <a:latin typeface="標楷體"/>
+                          <a:cs typeface="Times New Roman"/>
+                        </a:rPr>
+                        <a:t>Juice Bar</a:t>
+                      </a:r>
+                      <a:endParaRPr lang="zh-TW" altLang="en-US" sz="2400" dirty="0">
+                        <a:latin typeface="標楷體" pitchFamily="65" charset="-120"/>
+                        <a:ea typeface="標楷體" pitchFamily="65" charset="-120"/>
+                      </a:endParaRPr>
+                    </a:p>
+                  </a:txBody>
+                  <a:tcPr anchor="ctr">
+                    <a:lnL w="12700" cmpd="sng">
+                      <a:solidFill>
+                        <a:schemeClr val="tx1"/>
+                      </a:solidFill>
+                      <a:prstDash val="solid"/>
+                    </a:lnL>
+                    <a:lnR w="12700" cap="flat" cmpd="sng" algn="ctr">
+                      <a:solidFill>
+                        <a:schemeClr val="tx1"/>
+                      </a:solidFill>
+                      <a:prstDash val="solid"/>
+                      <a:round/>
+                      <a:headEnd type="none" w="med" len="med"/>
+                      <a:tailEnd type="none" w="med" len="med"/>
+                    </a:lnR>
+                    <a:lnT w="12700" cmpd="sng">
+                      <a:solidFill>
+                        <a:schemeClr val="tx1"/>
+                      </a:solidFill>
+                      <a:prstDash val="solid"/>
+                    </a:lnT>
+                    <a:lnB w="12700" cmpd="sng">
+                      <a:solidFill>
+                        <a:schemeClr val="tx1"/>
+                      </a:solidFill>
+                      <a:prstDash val="solid"/>
+                    </a:lnB>
+                  </a:tcPr>
+                </a:tc>
+                <a:tc>
+                  <a:txBody>
+                    <a:bodyPr/>
+                    <a:lstStyle/>
+                    <a:p>
+                      <a:pPr marL="0" marR="0" indent="0" algn="ctr" defTabSz="914400" rtl="0" eaLnBrk="1" fontAlgn="auto" latinLnBrk="0" hangingPunct="1">
+                        <a:lnSpc>
+                          <a:spcPct val="100000"/>
+                        </a:lnSpc>
+                        <a:spcBef>
+                          <a:spcPts val="0"/>
+                        </a:spcBef>
+                        <a:spcAft>
+                          <a:spcPts val="0"/>
+                        </a:spcAft>
+                        <a:buClrTx/>
+                        <a:buSzTx/>
+                        <a:buFontTx/>
+                        <a:buNone/>
+                        <a:tabLst/>
+                        <a:defRPr/>
+                      </a:pPr>
+                      <a:r>
+                        <a:rPr lang="zh-TW" altLang="en-US" sz="2400" dirty="0" smtClean="0">
+                          <a:ea typeface="標楷體"/>
+                          <a:cs typeface="Times New Roman"/>
+                        </a:rPr>
+                        <a:t>奈手卷</a:t>
+                      </a:r>
+                      <a:endParaRPr lang="zh-TW" altLang="en-US" sz="2400" dirty="0">
+                        <a:latin typeface="標楷體" pitchFamily="65" charset="-120"/>
+                        <a:ea typeface="標楷體" pitchFamily="65" charset="-120"/>
+                      </a:endParaRPr>
+                    </a:p>
+                  </a:txBody>
+                  <a:tcPr anchor="ctr">
+                    <a:lnL w="12700" cap="flat" cmpd="sng" algn="ctr">
+                      <a:solidFill>
+                        <a:schemeClr val="tx1"/>
+                      </a:solidFill>
+                      <a:prstDash val="solid"/>
+                      <a:round/>
+                      <a:headEnd type="none" w="med" len="med"/>
+                      <a:tailEnd type="none" w="med" len="med"/>
+                    </a:lnL>
+                    <a:lnR w="12700" cmpd="sng">
+                      <a:solidFill>
+                        <a:schemeClr val="tx1"/>
+                      </a:solidFill>
+                      <a:prstDash val="solid"/>
+                    </a:lnR>
+                    <a:lnT w="12700" cap="flat" cmpd="sng" algn="ctr">
+                      <a:solidFill>
+                        <a:schemeClr val="tx1"/>
+                      </a:solidFill>
+                      <a:prstDash val="solid"/>
+                      <a:round/>
+                      <a:headEnd type="none" w="med" len="med"/>
+                      <a:tailEnd type="none" w="med" len="med"/>
+                    </a:lnT>
+                    <a:lnB w="12700" cap="flat" cmpd="sng" algn="ctr">
+                      <a:solidFill>
+                        <a:schemeClr val="tx1"/>
+                      </a:solidFill>
+                      <a:prstDash val="solid"/>
+                      <a:round/>
+                      <a:headEnd type="none" w="med" len="med"/>
+                      <a:tailEnd type="none" w="med" len="med"/>
+                    </a:lnB>
+                  </a:tcPr>
+                </a:tc>
+              </a:tr>
+            </a:tbl>
+          </a:graphicData>
+        </a:graphic>
+      </p:graphicFrame>
+      <p:graphicFrame>
+        <p:nvGraphicFramePr>
+          <p:cNvPr id="4" name="表格 3"/>
+          <p:cNvGraphicFramePr>
+            <a:graphicFrameLocks noGrp="1"/>
+          </p:cNvGraphicFramePr>
+          <p:nvPr/>
+        </p:nvGraphicFramePr>
+        <p:xfrm>
+          <a:off x="8468139" y="5075583"/>
+          <a:ext cx="3087757" cy="1577008"/>
+        </p:xfrm>
+        <a:graphic>
+          <a:graphicData uri="http://schemas.openxmlformats.org/drawingml/2006/table">
+            <a:tbl>
+              <a:tblPr/>
+              <a:tblGrid>
+                <a:gridCol w="3087757"/>
+              </a:tblGrid>
+              <a:tr h="1577008">
+                <a:tc>
+                  <a:txBody>
+                    <a:bodyPr/>
+                    <a:lstStyle/>
+                    <a:p>
+                      <a:pPr algn="ctr"/>
+                      <a:r>
+                        <a:rPr lang="zh-TW" altLang="en-US" sz="2400" dirty="0" smtClean="0">
+                          <a:latin typeface="標楷體" pitchFamily="65" charset="-120"/>
+                          <a:ea typeface="標楷體" pitchFamily="65" charset="-120"/>
+                        </a:rPr>
+                        <a:t>摩斯漢堡</a:t>
+                      </a:r>
+                      <a:endParaRPr lang="zh-TW" altLang="en-US" sz="2400" dirty="0">
+                        <a:latin typeface="標楷體" pitchFamily="65" charset="-120"/>
+                        <a:ea typeface="標楷體" pitchFamily="65" charset="-120"/>
+                      </a:endParaRPr>
+                    </a:p>
+                  </a:txBody>
+                  <a:tcPr anchor="ctr">
+                    <a:lnL w="12700" cmpd="sng">
+                      <a:solidFill>
+                        <a:schemeClr val="tx1"/>
+                      </a:solidFill>
+                      <a:prstDash val="solid"/>
+                    </a:lnL>
+                    <a:lnR w="12700" cmpd="sng">
+                      <a:solidFill>
+                        <a:schemeClr val="tx1"/>
+                      </a:solidFill>
+                      <a:prstDash val="solid"/>
+                    </a:lnR>
+                    <a:lnT w="12700" cmpd="sng">
+                      <a:solidFill>
+                        <a:schemeClr val="tx1"/>
+                      </a:solidFill>
+                      <a:prstDash val="solid"/>
+                    </a:lnT>
+                    <a:lnB w="12700" cmpd="sng">
+                      <a:solidFill>
+                        <a:schemeClr val="tx1"/>
+                      </a:solidFill>
+                      <a:prstDash val="solid"/>
+                    </a:lnB>
+                  </a:tcPr>
+                </a:tc>
+              </a:tr>
+            </a:tbl>
+          </a:graphicData>
+        </a:graphic>
+      </p:graphicFrame>
+      <p:graphicFrame>
+        <p:nvGraphicFramePr>
+          <p:cNvPr id="5" name="表格 4"/>
+          <p:cNvGraphicFramePr>
+            <a:graphicFrameLocks noGrp="1"/>
+          </p:cNvGraphicFramePr>
+          <p:nvPr/>
+        </p:nvGraphicFramePr>
+        <p:xfrm>
+          <a:off x="4505739" y="5559288"/>
+          <a:ext cx="3048000" cy="1099930"/>
+        </p:xfrm>
+        <a:graphic>
+          <a:graphicData uri="http://schemas.openxmlformats.org/drawingml/2006/table">
+            <a:tbl>
+              <a:tblPr/>
+              <a:tblGrid>
+                <a:gridCol w="3048000"/>
+              </a:tblGrid>
+              <a:tr h="1099930">
+                <a:tc>
+                  <a:txBody>
+                    <a:bodyPr/>
+                    <a:lstStyle/>
+                    <a:p>
+                      <a:pPr algn="ctr"/>
+                      <a:r>
+                        <a:rPr lang="zh-TW" altLang="en-US" sz="2400" dirty="0" smtClean="0">
+                          <a:latin typeface="標楷體" pitchFamily="65" charset="-120"/>
+                          <a:ea typeface="標楷體" pitchFamily="65" charset="-120"/>
+                        </a:rPr>
+                        <a:t>學生活動中心</a:t>
+                      </a:r>
+                      <a:endParaRPr lang="zh-TW" altLang="en-US" sz="2400" dirty="0">
+                        <a:latin typeface="標楷體" pitchFamily="65" charset="-120"/>
+                        <a:ea typeface="標楷體" pitchFamily="65" charset="-120"/>
+                      </a:endParaRPr>
+                    </a:p>
+                  </a:txBody>
+                  <a:tcPr anchor="ctr">
+                    <a:lnL w="12700" cmpd="sng">
+                      <a:noFill/>
+                      <a:prstDash val="solid"/>
+                    </a:lnL>
+                    <a:lnR w="12700" cmpd="sng">
+                      <a:noFill/>
+                      <a:prstDash val="solid"/>
+                    </a:lnR>
+                    <a:lnT w="12700" cmpd="sng">
+                      <a:noFill/>
+                      <a:prstDash val="solid"/>
+                    </a:lnT>
+                    <a:lnB w="12700" cmpd="sng">
+                      <a:noFill/>
+                      <a:prstDash val="solid"/>
+                    </a:lnB>
+                    <a:lnTlToBr w="12700" cmpd="sng">
+                      <a:noFill/>
+                      <a:prstDash val="solid"/>
+                    </a:lnTlToBr>
+                    <a:lnBlToTr w="12700" cmpd="sng">
+                      <a:noFill/>
+                      <a:prstDash val="solid"/>
+                    </a:lnBlToTr>
+                  </a:tcPr>
+                </a:tc>
+              </a:tr>
+            </a:tbl>
+          </a:graphicData>
+        </a:graphic>
+      </p:graphicFrame>
+      <p:graphicFrame>
+        <p:nvGraphicFramePr>
+          <p:cNvPr id="6" name="表格 5"/>
+          <p:cNvGraphicFramePr>
+            <a:graphicFrameLocks noGrp="1"/>
+          </p:cNvGraphicFramePr>
+          <p:nvPr/>
+        </p:nvGraphicFramePr>
+        <p:xfrm>
+          <a:off x="2027582" y="5897218"/>
+          <a:ext cx="1842052" cy="596348"/>
+        </p:xfrm>
+        <a:graphic>
+          <a:graphicData uri="http://schemas.openxmlformats.org/drawingml/2006/table">
+            <a:tbl>
+              <a:tblPr/>
+              <a:tblGrid>
+                <a:gridCol w="1842052"/>
+              </a:tblGrid>
+              <a:tr h="596348">
+                <a:tc>
+                  <a:txBody>
+                    <a:bodyPr/>
+                    <a:lstStyle/>
+                    <a:p>
+                      <a:pPr marL="0" algn="ctr" rtl="0" eaLnBrk="1" latinLnBrk="0" hangingPunct="1"/>
+                      <a:r>
+                        <a:rPr kumimoji="0" lang="zh-TW" altLang="en-US" sz="2400" kern="1200" dirty="0" smtClean="0">
+                          <a:solidFill>
+                            <a:schemeClr val="tx1"/>
+                          </a:solidFill>
+                          <a:latin typeface="標楷體" pitchFamily="65" charset="-120"/>
+                          <a:ea typeface="標楷體" pitchFamily="65" charset="-120"/>
+                          <a:cs typeface="+mn-cs"/>
+                        </a:rPr>
+                        <a:t>郵局提款機</a:t>
+                      </a:r>
+                    </a:p>
+                  </a:txBody>
+                  <a:tcPr>
+                    <a:lnL w="12700" cmpd="sng">
+                      <a:noFill/>
+                      <a:prstDash val="solid"/>
+                    </a:lnL>
+                    <a:lnR w="12700" cmpd="sng">
+                      <a:noFill/>
+                      <a:prstDash val="solid"/>
+                    </a:lnR>
+                    <a:lnT w="12700" cmpd="sng">
+                      <a:noFill/>
+                      <a:prstDash val="solid"/>
+                    </a:lnT>
+                    <a:lnB w="12700" cmpd="sng">
+                      <a:noFill/>
+                      <a:prstDash val="solid"/>
+                    </a:lnB>
+                    <a:lnTlToBr w="12700" cmpd="sng">
+                      <a:noFill/>
+                      <a:prstDash val="solid"/>
+                    </a:lnTlToBr>
+                    <a:lnBlToTr w="12700" cmpd="sng">
+                      <a:noFill/>
+                      <a:prstDash val="solid"/>
+                    </a:lnBlToTr>
+                  </a:tcPr>
+                </a:tc>
+              </a:tr>
+            </a:tbl>
+          </a:graphicData>
+        </a:graphic>
+      </p:graphicFrame>
+      <p:sp>
+        <p:nvSpPr>
+          <p:cNvPr id="8" name="矩形 7"/>
+          <p:cNvSpPr/>
+          <p:nvPr/>
+        </p:nvSpPr>
+        <p:spPr>
+          <a:xfrm>
+            <a:off x="10243931" y="397566"/>
+            <a:ext cx="1232452" cy="596348"/>
+          </a:xfrm>
+          <a:prstGeom prst="rect">
+            <a:avLst/>
+          </a:prstGeom>
+          <a:solidFill>
+            <a:srgbClr val="00B0F0"/>
+          </a:solidFill>
+        </p:spPr>
+        <p:style>
+          <a:lnRef idx="1">
+            <a:schemeClr val="accent2"/>
+          </a:lnRef>
+          <a:fillRef idx="2">
+            <a:schemeClr val="accent2"/>
+          </a:fillRef>
+          <a:effectRef idx="1">
+            <a:schemeClr val="accent2"/>
+          </a:effectRef>
+          <a:fontRef idx="minor">
+            <a:schemeClr val="dk1"/>
+          </a:fontRef>
+        </p:style>
+        <p:txBody>
+          <a:bodyPr rtlCol="0" anchor="ctr"/>
+          <a:lstStyle/>
+          <a:p>
+            <a:pPr algn="ctr"/>
+            <a:r>
+              <a:rPr lang="zh-TW" altLang="en-US" dirty="0" smtClean="0">
+                <a:hlinkClick r:id="rId2" action="ppaction://hlinksldjump"/>
+              </a:rPr>
+              <a:t>回首頁</a:t>
+            </a:r>
+            <a:endParaRPr lang="zh-TW" altLang="en-US" dirty="0"/>
+          </a:p>
+        </p:txBody>
+      </p:sp>
+    </p:spTree>
+  </p:cSld>
+  <p:clrMapOvr>
+    <a:masterClrMapping/>
+  </p:clrMapOvr>
+  <mc:AlternateContent xmlns:mc="http://schemas.openxmlformats.org/markup-compatibility/2006" xmlns:p14="http://schemas.microsoft.com/office/powerpoint/2010/main">
+    <mc:Choice Requires="p14">
+      <p:transition spd="slow" p14:dur="2000"/>
+    </mc:Choice>
+    <mc:Fallback xmlns="">
+      <p:transition spd="slow"/>
+    </mc:Fallback>
+  </mc:AlternateContent>
+  <p:timing>
+    <p:tnLst>
+      <p:par>
+        <p:cTn id="1" dur="indefinite" restart="never" nodeType="tmRoot"/>
+      </p:par>
+    </p:tnLst>
+  </p:timing>
+</p:sld>
+</file>
+
+<file path=ppt/slides/slide22.xml><?xml version="1.0" encoding="utf-8"?>
 <p:sld xmlns:a="http://schemas.openxmlformats.org/drawingml/2006/main" xmlns:r="http://schemas.openxmlformats.org/officeDocument/2006/relationships" xmlns:p="http://schemas.openxmlformats.org/presentationml/2006/main" showMasterSp="0" show="0">
   <p:cSld>
     <p:bg>
@@ -17935,7 +18546,7 @@
 </p:sld>
 </file>
 
-<file path=ppt/slides/slide21.xml><?xml version="1.0" encoding="utf-8"?>
+<file path=ppt/slides/slide23.xml><?xml version="1.0" encoding="utf-8"?>
 <p:sld xmlns:a="http://schemas.openxmlformats.org/drawingml/2006/main" xmlns:r="http://schemas.openxmlformats.org/officeDocument/2006/relationships" xmlns:p="http://schemas.openxmlformats.org/presentationml/2006/main" showMasterSp="0" show="0">
   <p:cSld>
     <p:bg>
@@ -17988,17 +18599,7 @@
                 <a:latin typeface="標楷體" pitchFamily="65" charset="-120"/>
                 <a:ea typeface="標楷體" pitchFamily="65" charset="-120"/>
               </a:rPr>
-              <a:t>從首頁</a:t>
-            </a:r>
-            <a:r>
-              <a:rPr lang="zh-TW" altLang="en-US" dirty="0" smtClean="0">
-                <a:solidFill>
-                  <a:schemeClr val="tx1"/>
-                </a:solidFill>
-                <a:latin typeface="標楷體" pitchFamily="65" charset="-120"/>
-                <a:ea typeface="標楷體" pitchFamily="65" charset="-120"/>
-              </a:rPr>
-              <a:t>使用</a:t>
+              <a:t>從首頁使用</a:t>
             </a:r>
             <a:r>
               <a:rPr lang="en-US" altLang="zh-TW" cap="none" dirty="0" err="1" smtClean="0">
@@ -18293,7 +18894,7 @@
     </p:spTree>
     <p:extLst>
       <p:ext uri="{BB962C8B-B14F-4D97-AF65-F5344CB8AC3E}">
-        <p14:creationId xmlns:p14="http://schemas.microsoft.com/office/powerpoint/2010/main" xmlns="" val="529438128"/>
+        <p14:creationId xmlns:p14="http://schemas.microsoft.com/office/powerpoint/2010/main" val="529438128"/>
       </p:ext>
     </p:extLst>
   </p:cSld>
@@ -18311,7 +18912,7 @@
 </p:sld>
 </file>
 
-<file path=ppt/slides/slide22.xml><?xml version="1.0" encoding="utf-8"?>
+<file path=ppt/slides/slide24.xml><?xml version="1.0" encoding="utf-8"?>
 <p:sld xmlns:a="http://schemas.openxmlformats.org/drawingml/2006/main" xmlns:r="http://schemas.openxmlformats.org/officeDocument/2006/relationships" xmlns:p="http://schemas.openxmlformats.org/presentationml/2006/main" showMasterSp="0" show="0">
   <p:cSld>
     <p:bg>
@@ -18693,7 +19294,7 @@
 </p:sld>
 </file>
 
-<file path=ppt/slides/slide23.xml><?xml version="1.0" encoding="utf-8"?>
+<file path=ppt/slides/slide25.xml><?xml version="1.0" encoding="utf-8"?>
 <p:sld xmlns:a="http://schemas.openxmlformats.org/drawingml/2006/main" xmlns:r="http://schemas.openxmlformats.org/officeDocument/2006/relationships" xmlns:p="http://schemas.openxmlformats.org/presentationml/2006/main" showMasterSp="0" show="0">
   <p:cSld>
     <p:bg>
@@ -19075,7 +19676,7 @@
 </p:sld>
 </file>
 
-<file path=ppt/slides/slide24.xml><?xml version="1.0" encoding="utf-8"?>
+<file path=ppt/slides/slide26.xml><?xml version="1.0" encoding="utf-8"?>
 <p:sld xmlns:a="http://schemas.openxmlformats.org/drawingml/2006/main" xmlns:r="http://schemas.openxmlformats.org/officeDocument/2006/relationships" xmlns:p="http://schemas.openxmlformats.org/presentationml/2006/main" showMasterSp="0" show="0">
   <p:cSld>
     <p:bg>
@@ -19117,7 +19718,7 @@
           <a:blip r:embed="rId2">
             <a:extLst>
               <a:ext uri="{28A0092B-C50C-407E-A947-70E740481C1C}">
-                <a14:useLocalDpi xmlns:a14="http://schemas.microsoft.com/office/drawing/2010/main" xmlns="" val="0"/>
+                <a14:useLocalDpi xmlns:a14="http://schemas.microsoft.com/office/drawing/2010/main" val="0"/>
               </a:ext>
             </a:extLst>
           </a:blip>
@@ -19144,7 +19745,7 @@
           <p:nvPr>
             <p:extLst>
               <p:ext uri="{D42A27DB-BD31-4B8C-83A1-F6EECF244321}">
-                <p14:modId xmlns:p14="http://schemas.microsoft.com/office/powerpoint/2010/main" xmlns="" val="2931822235"/>
+                <p14:modId xmlns:p14="http://schemas.microsoft.com/office/powerpoint/2010/main" val="2931822235"/>
               </p:ext>
             </p:extLst>
           </p:nvPr>
@@ -20898,7 +21499,7 @@
           <p:nvPr>
             <p:extLst>
               <p:ext uri="{D42A27DB-BD31-4B8C-83A1-F6EECF244321}">
-                <p14:modId xmlns:p14="http://schemas.microsoft.com/office/powerpoint/2010/main" xmlns="" val="1209697467"/>
+                <p14:modId xmlns:p14="http://schemas.microsoft.com/office/powerpoint/2010/main" val="1209697467"/>
               </p:ext>
             </p:extLst>
           </p:nvPr>
@@ -22875,11 +23476,11 @@
   <p:clrMapOvr>
     <a:masterClrMapping/>
   </p:clrMapOvr>
-  <mc:AlternateContent xmlns:mc="http://schemas.openxmlformats.org/markup-compatibility/2006">
-    <mc:Choice xmlns:p14="http://schemas.microsoft.com/office/powerpoint/2010/main" xmlns="" Requires="p14">
+  <mc:AlternateContent xmlns:mc="http://schemas.openxmlformats.org/markup-compatibility/2006" xmlns:p14="http://schemas.microsoft.com/office/powerpoint/2010/main">
+    <mc:Choice Requires="p14">
       <p:transition spd="slow" p14:dur="2000"/>
     </mc:Choice>
-    <mc:Fallback>
+    <mc:Fallback xmlns="">
       <p:transition spd="slow"/>
     </mc:Fallback>
   </mc:AlternateContent>
@@ -22893,7 +23494,7 @@
 </p:sld>
 </file>
 
-<file path=ppt/slides/slide25.xml><?xml version="1.0" encoding="utf-8"?>
+<file path=ppt/slides/slide27.xml><?xml version="1.0" encoding="utf-8"?>
 <p:sld xmlns:a="http://schemas.openxmlformats.org/drawingml/2006/main" xmlns:r="http://schemas.openxmlformats.org/officeDocument/2006/relationships" xmlns:p="http://schemas.openxmlformats.org/presentationml/2006/main" showMasterSp="0" show="0">
   <p:cSld>
     <p:bg>
@@ -22935,7 +23536,7 @@
           <a:blip r:embed="rId2">
             <a:extLst>
               <a:ext uri="{28A0092B-C50C-407E-A947-70E740481C1C}">
-                <a14:useLocalDpi xmlns:a14="http://schemas.microsoft.com/office/drawing/2010/main" xmlns="" val="0"/>
+                <a14:useLocalDpi xmlns:a14="http://schemas.microsoft.com/office/drawing/2010/main" val="0"/>
               </a:ext>
             </a:extLst>
           </a:blip>
@@ -22962,7 +23563,7 @@
           <p:nvPr>
             <p:extLst>
               <p:ext uri="{D42A27DB-BD31-4B8C-83A1-F6EECF244321}">
-                <p14:modId xmlns:p14="http://schemas.microsoft.com/office/powerpoint/2010/main" xmlns="" val="2931822235"/>
+                <p14:modId xmlns:p14="http://schemas.microsoft.com/office/powerpoint/2010/main" val="2931822235"/>
               </p:ext>
             </p:extLst>
           </p:nvPr>
@@ -24716,7 +25317,7 @@
           <p:nvPr>
             <p:extLst>
               <p:ext uri="{D42A27DB-BD31-4B8C-83A1-F6EECF244321}">
-                <p14:modId xmlns:p14="http://schemas.microsoft.com/office/powerpoint/2010/main" xmlns="" val="1209697467"/>
+                <p14:modId xmlns:p14="http://schemas.microsoft.com/office/powerpoint/2010/main" val="1209697467"/>
               </p:ext>
             </p:extLst>
           </p:nvPr>
@@ -26996,7 +27597,7 @@
           <a:blip r:embed="rId5" cstate="print">
             <a:extLst>
               <a:ext uri="{28A0092B-C50C-407E-A947-70E740481C1C}">
-                <a14:useLocalDpi xmlns:a14="http://schemas.microsoft.com/office/drawing/2010/main" xmlns="" val="0"/>
+                <a14:useLocalDpi xmlns:a14="http://schemas.microsoft.com/office/drawing/2010/main" val="0"/>
               </a:ext>
             </a:extLst>
           </a:blip>
@@ -27029,7 +27630,7 @@
           <a:blip r:embed="rId5" cstate="print">
             <a:extLst>
               <a:ext uri="{28A0092B-C50C-407E-A947-70E740481C1C}">
-                <a14:useLocalDpi xmlns:a14="http://schemas.microsoft.com/office/drawing/2010/main" xmlns="" val="0"/>
+                <a14:useLocalDpi xmlns:a14="http://schemas.microsoft.com/office/drawing/2010/main" val="0"/>
               </a:ext>
             </a:extLst>
           </a:blip>
@@ -27062,7 +27663,7 @@
           <a:blip r:embed="rId5" cstate="print">
             <a:extLst>
               <a:ext uri="{28A0092B-C50C-407E-A947-70E740481C1C}">
-                <a14:useLocalDpi xmlns:a14="http://schemas.microsoft.com/office/drawing/2010/main" xmlns="" val="0"/>
+                <a14:useLocalDpi xmlns:a14="http://schemas.microsoft.com/office/drawing/2010/main" val="0"/>
               </a:ext>
             </a:extLst>
           </a:blip>
@@ -27219,7 +27820,7 @@
     </p:spTree>
     <p:extLst>
       <p:ext uri="{BB962C8B-B14F-4D97-AF65-F5344CB8AC3E}">
-        <p14:creationId xmlns:p14="http://schemas.microsoft.com/office/powerpoint/2010/main" xmlns="" val="782654155"/>
+        <p14:creationId xmlns:p14="http://schemas.microsoft.com/office/powerpoint/2010/main" val="782654155"/>
       </p:ext>
     </p:extLst>
   </p:cSld>
@@ -28564,7 +29165,7 @@
     </p:spTree>
     <p:extLst>
       <p:ext uri="{BB962C8B-B14F-4D97-AF65-F5344CB8AC3E}">
-        <p14:creationId xmlns:p14="http://schemas.microsoft.com/office/powerpoint/2010/main" xmlns="" val="3880313258"/>
+        <p14:creationId xmlns:p14="http://schemas.microsoft.com/office/powerpoint/2010/main" val="3880313258"/>
       </p:ext>
     </p:extLst>
   </p:cSld>
@@ -28656,9 +29257,46 @@
           </a:bodyPr>
           <a:lstStyle/>
           <a:p>
-            <a:pPr marL="1080000" lvl="1">
+            <a:pPr marL="1137150" lvl="1" indent="-342900">
               <a:lnSpc>
-                <a:spcPct val="150000"/>
+                <a:spcPct val="110000"/>
+              </a:lnSpc>
+              <a:buClr>
+                <a:schemeClr val="tx1"/>
+              </a:buClr>
+            </a:pPr>
+            <a:r>
+              <a:rPr lang="zh-TW" altLang="en-US" sz="2400" dirty="0" smtClean="0">
+                <a:solidFill>
+                  <a:schemeClr val="tx1"/>
+                </a:solidFill>
+                <a:latin typeface="標楷體" pitchFamily="65" charset="-120"/>
+                <a:ea typeface="標楷體" pitchFamily="65" charset="-120"/>
+              </a:rPr>
+              <a:t>三</a:t>
+            </a:r>
+            <a:r>
+              <a:rPr lang="zh-TW" altLang="en-US" sz="2400" dirty="0">
+                <a:solidFill>
+                  <a:schemeClr val="tx1"/>
+                </a:solidFill>
+                <a:latin typeface="標楷體" pitchFamily="65" charset="-120"/>
+                <a:ea typeface="標楷體" pitchFamily="65" charset="-120"/>
+              </a:rPr>
+              <a:t>月</a:t>
+            </a:r>
+            <a:endParaRPr lang="en-US" altLang="zh-TW" sz="2400" dirty="0" smtClean="0">
+              <a:solidFill>
+                <a:schemeClr val="tx1"/>
+              </a:solidFill>
+              <a:latin typeface="標楷體" pitchFamily="65" charset="-120"/>
+              <a:ea typeface="標楷體" pitchFamily="65" charset="-120"/>
+            </a:endParaRPr>
+          </a:p>
+          <a:p>
+            <a:pPr marL="1537200" lvl="2">
+              <a:lnSpc>
+                <a:spcPct val="110000"/>
               </a:lnSpc>
               <a:buClr>
                 <a:schemeClr val="tx1"/>
@@ -28684,7 +29322,17 @@
                 <a:latin typeface="標楷體" pitchFamily="65" charset="-120"/>
                 <a:ea typeface="標楷體" pitchFamily="65" charset="-120"/>
               </a:rPr>
-              <a:t> 建立</a:t>
+              <a:t> </a:t>
+            </a:r>
+            <a:r>
+              <a:rPr lang="zh-TW" altLang="en-US" sz="2400" dirty="0" smtClean="0">
+                <a:solidFill>
+                  <a:schemeClr val="tx1"/>
+                </a:solidFill>
+                <a:latin typeface="標楷體" pitchFamily="65" charset="-120"/>
+                <a:ea typeface="標楷體" pitchFamily="65" charset="-120"/>
+              </a:rPr>
+              <a:t>建立</a:t>
             </a:r>
             <a:r>
               <a:rPr lang="en-US" altLang="zh-TW" sz="2400" dirty="0" smtClean="0">
@@ -28755,9 +29403,9 @@
             </a:endParaRPr>
           </a:p>
           <a:p>
-            <a:pPr marL="1080000" lvl="1">
+            <a:pPr marL="1537200" lvl="2">
               <a:lnSpc>
-                <a:spcPct val="150000"/>
+                <a:spcPct val="110000"/>
               </a:lnSpc>
               <a:buClr>
                 <a:schemeClr val="tx1"/>
@@ -28794,9 +29442,9 @@
             </a:endParaRPr>
           </a:p>
           <a:p>
-            <a:pPr marL="1080000" lvl="1">
+            <a:pPr marL="1537200" lvl="2">
               <a:lnSpc>
-                <a:spcPct val="150000"/>
+                <a:spcPct val="110000"/>
               </a:lnSpc>
               <a:buClr>
                 <a:schemeClr val="tx1"/>
@@ -28833,9 +29481,9 @@
             </a:endParaRPr>
           </a:p>
           <a:p>
-            <a:pPr marL="1080000" lvl="1">
+            <a:pPr marL="1537200" lvl="2">
               <a:lnSpc>
-                <a:spcPct val="150000"/>
+                <a:spcPct val="110000"/>
               </a:lnSpc>
               <a:buClr>
                 <a:schemeClr val="tx1"/>
@@ -28861,7 +29509,17 @@
                 <a:latin typeface="標楷體" pitchFamily="65" charset="-120"/>
                 <a:ea typeface="標楷體" pitchFamily="65" charset="-120"/>
               </a:rPr>
-              <a:t> 分配負責的報告內容</a:t>
+              <a:t> 分配負責的報告</a:t>
+            </a:r>
+            <a:r>
+              <a:rPr lang="zh-TW" altLang="en-US" sz="2400" dirty="0" smtClean="0">
+                <a:solidFill>
+                  <a:schemeClr val="tx1"/>
+                </a:solidFill>
+                <a:latin typeface="標楷體" pitchFamily="65" charset="-120"/>
+                <a:ea typeface="標楷體" pitchFamily="65" charset="-120"/>
+              </a:rPr>
+              <a:t>內容</a:t>
             </a:r>
             <a:endParaRPr lang="en-US" altLang="zh-TW" sz="2400" dirty="0" smtClean="0">
               <a:solidFill>
@@ -28872,18 +29530,45 @@
             </a:endParaRPr>
           </a:p>
           <a:p>
-            <a:pPr marL="1080000" lvl="1">
+            <a:pPr marL="1137150" lvl="1" indent="-342900">
               <a:lnSpc>
-                <a:spcPct val="150000"/>
+                <a:spcPct val="110000"/>
               </a:lnSpc>
               <a:buClr>
                 <a:schemeClr val="tx1"/>
               </a:buClr>
-              <a:buFont typeface="Wingdings" pitchFamily="2" charset="2"/>
+            </a:pPr>
+            <a:r>
+              <a:rPr lang="zh-TW" altLang="en-US" sz="2400" dirty="0" smtClean="0">
+                <a:solidFill>
+                  <a:schemeClr val="tx1"/>
+                </a:solidFill>
+                <a:latin typeface="標楷體" pitchFamily="65" charset="-120"/>
+                <a:ea typeface="標楷體" pitchFamily="65" charset="-120"/>
+              </a:rPr>
+              <a:t>四月</a:t>
+            </a:r>
+            <a:endParaRPr lang="en-US" altLang="zh-TW" sz="2400" dirty="0">
+              <a:solidFill>
+                <a:schemeClr val="tx1"/>
+              </a:solidFill>
+              <a:latin typeface="標楷體" pitchFamily="65" charset="-120"/>
+              <a:ea typeface="標楷體" pitchFamily="65" charset="-120"/>
+            </a:endParaRPr>
+          </a:p>
+          <a:p>
+            <a:pPr marL="1594350" lvl="2" indent="-342900">
+              <a:lnSpc>
+                <a:spcPct val="110000"/>
+              </a:lnSpc>
+              <a:buClr>
+                <a:schemeClr val="tx1"/>
+              </a:buClr>
+              <a:buFont typeface="Wingdings" panose="05000000000000000000" pitchFamily="2" charset="2"/>
               <a:buChar char="Ø"/>
             </a:pPr>
             <a:r>
-              <a:rPr lang="en-US" altLang="zh-TW" sz="2400" dirty="0" smtClean="0">
+              <a:rPr lang="en-US" altLang="zh-TW" sz="2200" dirty="0" smtClean="0">
                 <a:solidFill>
                   <a:schemeClr val="tx1"/>
                 </a:solidFill>
@@ -28893,16 +29578,26 @@
               <a:t>4/07</a:t>
             </a:r>
             <a:r>
-              <a:rPr lang="zh-TW" altLang="en-US" sz="2400" dirty="0" smtClean="0">
+              <a:rPr lang="zh-TW" altLang="en-US" sz="2200" dirty="0" smtClean="0">
                 <a:solidFill>
                   <a:schemeClr val="tx1"/>
                 </a:solidFill>
                 <a:latin typeface="標楷體" pitchFamily="65" charset="-120"/>
                 <a:ea typeface="標楷體" pitchFamily="65" charset="-120"/>
               </a:rPr>
-              <a:t> 網頁架構初稿，討論網頁內容</a:t>
+              <a:t> </a:t>
             </a:r>
-            <a:endParaRPr lang="en-US" altLang="zh-TW" sz="2400" dirty="0" smtClean="0">
+            <a:r>
+              <a:rPr lang="zh-TW" altLang="en-US" sz="2200" dirty="0" smtClean="0">
+                <a:solidFill>
+                  <a:schemeClr val="tx1"/>
+                </a:solidFill>
+                <a:latin typeface="標楷體" pitchFamily="65" charset="-120"/>
+                <a:ea typeface="標楷體" pitchFamily="65" charset="-120"/>
+              </a:rPr>
+              <a:t>網頁架構初稿，討論網頁內容</a:t>
+            </a:r>
+            <a:endParaRPr lang="en-US" altLang="zh-TW" sz="2200" dirty="0" smtClean="0">
               <a:solidFill>
                 <a:schemeClr val="tx1"/>
               </a:solidFill>
@@ -28933,7 +29628,7 @@
     </p:spTree>
     <p:extLst>
       <p:ext uri="{BB962C8B-B14F-4D97-AF65-F5344CB8AC3E}">
-        <p14:creationId xmlns:p14="http://schemas.microsoft.com/office/powerpoint/2010/main" xmlns="" val="1904263664"/>
+        <p14:creationId xmlns:p14="http://schemas.microsoft.com/office/powerpoint/2010/main" val="1904263664"/>
       </p:ext>
     </p:extLst>
   </p:cSld>
@@ -28951,6 +29646,978 @@
 </file>
 
 <file path=ppt/slides/slide5.xml><?xml version="1.0" encoding="utf-8"?>
+<p:sld xmlns:a="http://schemas.openxmlformats.org/drawingml/2006/main" xmlns:r="http://schemas.openxmlformats.org/officeDocument/2006/relationships" xmlns:p="http://schemas.openxmlformats.org/presentationml/2006/main">
+  <p:cSld>
+    <p:spTree>
+      <p:nvGrpSpPr>
+        <p:cNvPr id="1" name=""/>
+        <p:cNvGrpSpPr/>
+        <p:nvPr/>
+      </p:nvGrpSpPr>
+      <p:grpSpPr>
+        <a:xfrm>
+          <a:off x="0" y="0"/>
+          <a:ext cx="0" cy="0"/>
+          <a:chOff x="0" y="0"/>
+          <a:chExt cx="0" cy="0"/>
+        </a:xfrm>
+      </p:grpSpPr>
+      <p:sp>
+        <p:nvSpPr>
+          <p:cNvPr id="2" name="標題 1"/>
+          <p:cNvSpPr>
+            <a:spLocks noGrp="1"/>
+          </p:cNvSpPr>
+          <p:nvPr>
+            <p:ph type="title"/>
+          </p:nvPr>
+        </p:nvSpPr>
+        <p:spPr/>
+        <p:txBody>
+          <a:bodyPr/>
+          <a:lstStyle/>
+          <a:p>
+            <a:pPr algn="l"/>
+            <a:r>
+              <a:rPr lang="zh-TW" altLang="en-US" dirty="0" smtClean="0">
+                <a:solidFill>
+                  <a:schemeClr val="tx1"/>
+                </a:solidFill>
+                <a:latin typeface="標楷體" pitchFamily="65" charset="-120"/>
+                <a:ea typeface="標楷體" pitchFamily="65" charset="-120"/>
+              </a:rPr>
+              <a:t>時程規劃</a:t>
+            </a:r>
+            <a:endParaRPr lang="zh-TW" altLang="en-US" dirty="0">
+              <a:solidFill>
+                <a:schemeClr val="tx1"/>
+              </a:solidFill>
+              <a:latin typeface="標楷體" pitchFamily="65" charset="-120"/>
+              <a:ea typeface="標楷體" pitchFamily="65" charset="-120"/>
+            </a:endParaRPr>
+          </a:p>
+        </p:txBody>
+      </p:sp>
+      <p:sp>
+        <p:nvSpPr>
+          <p:cNvPr id="3" name="直排文字版面配置區 2"/>
+          <p:cNvSpPr>
+            <a:spLocks noGrp="1"/>
+          </p:cNvSpPr>
+          <p:nvPr>
+            <p:ph type="body" orient="vert" idx="1"/>
+          </p:nvPr>
+        </p:nvSpPr>
+        <p:spPr>
+          <a:xfrm>
+            <a:off x="838200" y="2497014"/>
+            <a:ext cx="10515600" cy="4692003"/>
+          </a:xfrm>
+        </p:spPr>
+        <p:txBody>
+          <a:bodyPr vert="horz">
+            <a:normAutofit/>
+          </a:bodyPr>
+          <a:lstStyle/>
+          <a:p>
+            <a:pPr marL="1137150" lvl="1" indent="-342900">
+              <a:buClr>
+                <a:schemeClr val="tx1"/>
+              </a:buClr>
+            </a:pPr>
+            <a:r>
+              <a:rPr lang="zh-TW" altLang="en-US" sz="2400" dirty="0" smtClean="0">
+                <a:solidFill>
+                  <a:schemeClr val="tx1"/>
+                </a:solidFill>
+                <a:latin typeface="標楷體" pitchFamily="65" charset="-120"/>
+                <a:ea typeface="標楷體" pitchFamily="65" charset="-120"/>
+              </a:rPr>
+              <a:t>四月</a:t>
+            </a:r>
+            <a:endParaRPr lang="en-US" altLang="zh-TW" sz="2400" dirty="0" smtClean="0">
+              <a:solidFill>
+                <a:schemeClr val="tx1"/>
+              </a:solidFill>
+              <a:latin typeface="標楷體" pitchFamily="65" charset="-120"/>
+              <a:ea typeface="標楷體" pitchFamily="65" charset="-120"/>
+            </a:endParaRPr>
+          </a:p>
+          <a:p>
+            <a:pPr marL="1537200" lvl="2">
+              <a:lnSpc>
+                <a:spcPct val="150000"/>
+              </a:lnSpc>
+              <a:buClr>
+                <a:schemeClr val="tx1"/>
+              </a:buClr>
+              <a:buFont typeface="Wingdings" pitchFamily="2" charset="2"/>
+              <a:buChar char="Ø"/>
+            </a:pPr>
+            <a:r>
+              <a:rPr lang="en-US" altLang="zh-TW" sz="2400" dirty="0" smtClean="0">
+                <a:solidFill>
+                  <a:schemeClr val="tx1"/>
+                </a:solidFill>
+                <a:latin typeface="標楷體" pitchFamily="65" charset="-120"/>
+                <a:ea typeface="標楷體" pitchFamily="65" charset="-120"/>
+              </a:rPr>
+              <a:t>4/07</a:t>
+            </a:r>
+            <a:r>
+              <a:rPr lang="zh-TW" altLang="en-US" sz="2400" dirty="0" smtClean="0">
+                <a:solidFill>
+                  <a:schemeClr val="tx1"/>
+                </a:solidFill>
+                <a:latin typeface="標楷體" pitchFamily="65" charset="-120"/>
+                <a:ea typeface="標楷體" pitchFamily="65" charset="-120"/>
+              </a:rPr>
+              <a:t>、</a:t>
+            </a:r>
+            <a:r>
+              <a:rPr lang="en-US" altLang="zh-TW" sz="2400" dirty="0" smtClean="0">
+                <a:solidFill>
+                  <a:schemeClr val="tx1"/>
+                </a:solidFill>
+                <a:latin typeface="標楷體" pitchFamily="65" charset="-120"/>
+                <a:ea typeface="標楷體" pitchFamily="65" charset="-120"/>
+              </a:rPr>
+              <a:t>4/14</a:t>
+            </a:r>
+            <a:r>
+              <a:rPr lang="zh-TW" altLang="en-US" sz="2400" dirty="0" smtClean="0">
+                <a:solidFill>
+                  <a:schemeClr val="tx1"/>
+                </a:solidFill>
+                <a:latin typeface="標楷體" pitchFamily="65" charset="-120"/>
+                <a:ea typeface="標楷體" pitchFamily="65" charset="-120"/>
+              </a:rPr>
+              <a:t> </a:t>
+            </a:r>
+            <a:r>
+              <a:rPr lang="zh-TW" altLang="en-US" sz="2400" dirty="0" smtClean="0">
+                <a:solidFill>
+                  <a:schemeClr val="tx1"/>
+                </a:solidFill>
+                <a:latin typeface="標楷體" pitchFamily="65" charset="-120"/>
+                <a:ea typeface="標楷體" pitchFamily="65" charset="-120"/>
+              </a:rPr>
+              <a:t>網頁架構初稿，討論網頁</a:t>
+            </a:r>
+            <a:r>
+              <a:rPr lang="zh-TW" altLang="en-US" sz="2400" dirty="0" smtClean="0">
+                <a:solidFill>
+                  <a:schemeClr val="tx1"/>
+                </a:solidFill>
+                <a:latin typeface="標楷體" pitchFamily="65" charset="-120"/>
+                <a:ea typeface="標楷體" pitchFamily="65" charset="-120"/>
+              </a:rPr>
+              <a:t>內容</a:t>
+            </a:r>
+            <a:endParaRPr lang="en-US" altLang="zh-TW" sz="2400" dirty="0">
+              <a:solidFill>
+                <a:schemeClr val="tx1"/>
+              </a:solidFill>
+              <a:latin typeface="標楷體" pitchFamily="65" charset="-120"/>
+              <a:ea typeface="標楷體" pitchFamily="65" charset="-120"/>
+            </a:endParaRPr>
+          </a:p>
+          <a:p>
+            <a:pPr marL="1537200" lvl="2">
+              <a:lnSpc>
+                <a:spcPct val="150000"/>
+              </a:lnSpc>
+              <a:buClr>
+                <a:schemeClr val="tx1"/>
+              </a:buClr>
+              <a:buFont typeface="Wingdings" pitchFamily="2" charset="2"/>
+              <a:buChar char="Ø"/>
+            </a:pPr>
+            <a:r>
+              <a:rPr lang="en-US" altLang="zh-TW" sz="2400" dirty="0" smtClean="0">
+                <a:solidFill>
+                  <a:schemeClr val="tx1"/>
+                </a:solidFill>
+                <a:latin typeface="標楷體" pitchFamily="65" charset="-120"/>
+                <a:ea typeface="標楷體" pitchFamily="65" charset="-120"/>
+              </a:rPr>
+              <a:t>4/28</a:t>
+            </a:r>
+            <a:r>
+              <a:rPr lang="zh-TW" altLang="en-US" sz="2400" dirty="0">
+                <a:solidFill>
+                  <a:schemeClr val="tx1"/>
+                </a:solidFill>
+                <a:latin typeface="標楷體" pitchFamily="65" charset="-120"/>
+                <a:ea typeface="標楷體" pitchFamily="65" charset="-120"/>
+              </a:rPr>
+              <a:t> </a:t>
+            </a:r>
+            <a:r>
+              <a:rPr lang="zh-TW" altLang="en-US" sz="2400" dirty="0" smtClean="0">
+                <a:solidFill>
+                  <a:schemeClr val="tx1"/>
+                </a:solidFill>
+                <a:latin typeface="標楷體" pitchFamily="65" charset="-120"/>
+                <a:ea typeface="標楷體" pitchFamily="65" charset="-120"/>
+              </a:rPr>
+              <a:t>網頁架構、首頁程式碼</a:t>
+            </a:r>
+            <a:r>
+              <a:rPr lang="zh-TW" altLang="en-US" sz="2400" dirty="0">
+                <a:solidFill>
+                  <a:schemeClr val="tx1"/>
+                </a:solidFill>
+                <a:latin typeface="標楷體" pitchFamily="65" charset="-120"/>
+                <a:ea typeface="標楷體" pitchFamily="65" charset="-120"/>
+              </a:rPr>
+              <a:t>、美工</a:t>
+            </a:r>
+            <a:r>
+              <a:rPr lang="zh-TW" altLang="en-US" sz="2400" dirty="0" smtClean="0">
+                <a:solidFill>
+                  <a:schemeClr val="tx1"/>
+                </a:solidFill>
+                <a:latin typeface="標楷體" pitchFamily="65" charset="-120"/>
+                <a:ea typeface="標楷體" pitchFamily="65" charset="-120"/>
+              </a:rPr>
+              <a:t>完成</a:t>
+            </a:r>
+            <a:endParaRPr lang="en-US" altLang="zh-TW" sz="2400" dirty="0" smtClean="0">
+              <a:solidFill>
+                <a:schemeClr val="tx1"/>
+              </a:solidFill>
+              <a:latin typeface="標楷體" pitchFamily="65" charset="-120"/>
+              <a:ea typeface="標楷體" pitchFamily="65" charset="-120"/>
+            </a:endParaRPr>
+          </a:p>
+          <a:p>
+            <a:pPr marL="1137150" lvl="1" indent="-342900">
+              <a:buClr>
+                <a:schemeClr val="tx1"/>
+              </a:buClr>
+            </a:pPr>
+            <a:r>
+              <a:rPr lang="zh-TW" altLang="en-US" sz="2400" dirty="0" smtClean="0">
+                <a:solidFill>
+                  <a:schemeClr val="tx1"/>
+                </a:solidFill>
+                <a:latin typeface="標楷體" pitchFamily="65" charset="-120"/>
+                <a:ea typeface="標楷體" pitchFamily="65" charset="-120"/>
+              </a:rPr>
+              <a:t>五月</a:t>
+            </a:r>
+            <a:endParaRPr lang="en-US" altLang="zh-TW" sz="2400" dirty="0" smtClean="0">
+              <a:solidFill>
+                <a:schemeClr val="tx1"/>
+              </a:solidFill>
+              <a:latin typeface="標楷體" pitchFamily="65" charset="-120"/>
+              <a:ea typeface="標楷體" pitchFamily="65" charset="-120"/>
+            </a:endParaRPr>
+          </a:p>
+          <a:p>
+            <a:pPr marL="1594350" lvl="2" indent="-342900">
+              <a:lnSpc>
+                <a:spcPct val="150000"/>
+              </a:lnSpc>
+              <a:buClr>
+                <a:schemeClr val="tx1"/>
+              </a:buClr>
+              <a:buFont typeface="Wingdings" panose="05000000000000000000" pitchFamily="2" charset="2"/>
+              <a:buChar char="Ø"/>
+            </a:pPr>
+            <a:r>
+              <a:rPr lang="en-US" altLang="zh-TW" sz="2400" dirty="0" smtClean="0">
+                <a:solidFill>
+                  <a:schemeClr val="tx1"/>
+                </a:solidFill>
+                <a:latin typeface="標楷體" pitchFamily="65" charset="-120"/>
+                <a:ea typeface="標楷體" pitchFamily="65" charset="-120"/>
+              </a:rPr>
+              <a:t>5/05</a:t>
+            </a:r>
+            <a:r>
+              <a:rPr lang="zh-TW" altLang="en-US" sz="2400" dirty="0" smtClean="0">
+                <a:solidFill>
+                  <a:schemeClr val="tx1"/>
+                </a:solidFill>
+                <a:latin typeface="標楷體" pitchFamily="65" charset="-120"/>
+                <a:ea typeface="標楷體" pitchFamily="65" charset="-120"/>
+              </a:rPr>
+              <a:t> 餐廳介紹程式碼</a:t>
+            </a:r>
+            <a:r>
+              <a:rPr lang="zh-TW" altLang="en-US" sz="2400" dirty="0">
+                <a:solidFill>
+                  <a:schemeClr val="tx1"/>
+                </a:solidFill>
+                <a:latin typeface="標楷體" pitchFamily="65" charset="-120"/>
+                <a:ea typeface="標楷體" pitchFamily="65" charset="-120"/>
+              </a:rPr>
+              <a:t>、美工</a:t>
+            </a:r>
+            <a:r>
+              <a:rPr lang="zh-TW" altLang="en-US" sz="2400" dirty="0" smtClean="0">
+                <a:solidFill>
+                  <a:schemeClr val="tx1"/>
+                </a:solidFill>
+                <a:latin typeface="標楷體" pitchFamily="65" charset="-120"/>
+                <a:ea typeface="標楷體" pitchFamily="65" charset="-120"/>
+              </a:rPr>
+              <a:t>完成</a:t>
+            </a:r>
+            <a:endParaRPr lang="en-US" altLang="zh-TW" sz="2400" dirty="0" smtClean="0">
+              <a:solidFill>
+                <a:schemeClr val="tx1"/>
+              </a:solidFill>
+              <a:latin typeface="標楷體" pitchFamily="65" charset="-120"/>
+              <a:ea typeface="標楷體" pitchFamily="65" charset="-120"/>
+            </a:endParaRPr>
+          </a:p>
+          <a:p>
+            <a:pPr marL="1594350" lvl="2" indent="-342900">
+              <a:lnSpc>
+                <a:spcPct val="150000"/>
+              </a:lnSpc>
+              <a:buClr>
+                <a:schemeClr val="tx1"/>
+              </a:buClr>
+              <a:buFont typeface="Wingdings" panose="05000000000000000000" pitchFamily="2" charset="2"/>
+              <a:buChar char="Ø"/>
+            </a:pPr>
+            <a:r>
+              <a:rPr lang="en-US" altLang="zh-TW" sz="2400" dirty="0" smtClean="0">
+                <a:solidFill>
+                  <a:schemeClr val="tx1"/>
+                </a:solidFill>
+                <a:latin typeface="標楷體" pitchFamily="65" charset="-120"/>
+                <a:ea typeface="標楷體" pitchFamily="65" charset="-120"/>
+              </a:rPr>
+              <a:t>5/12</a:t>
+            </a:r>
+            <a:r>
+              <a:rPr lang="zh-TW" altLang="en-US" sz="2400" dirty="0" smtClean="0">
+                <a:solidFill>
+                  <a:schemeClr val="tx1"/>
+                </a:solidFill>
+                <a:latin typeface="標楷體" pitchFamily="65" charset="-120"/>
+                <a:ea typeface="標楷體" pitchFamily="65" charset="-120"/>
+              </a:rPr>
+              <a:t> 店家介紹程式碼</a:t>
+            </a:r>
+            <a:r>
+              <a:rPr lang="zh-TW" altLang="en-US" sz="2400" dirty="0">
+                <a:solidFill>
+                  <a:schemeClr val="tx1"/>
+                </a:solidFill>
+                <a:latin typeface="標楷體" pitchFamily="65" charset="-120"/>
+                <a:ea typeface="標楷體" pitchFamily="65" charset="-120"/>
+              </a:rPr>
+              <a:t>、美工</a:t>
+            </a:r>
+            <a:r>
+              <a:rPr lang="zh-TW" altLang="en-US" sz="2400" dirty="0" smtClean="0">
+                <a:solidFill>
+                  <a:schemeClr val="tx1"/>
+                </a:solidFill>
+                <a:latin typeface="標楷體" pitchFamily="65" charset="-120"/>
+                <a:ea typeface="標楷體" pitchFamily="65" charset="-120"/>
+              </a:rPr>
+              <a:t>完成</a:t>
+            </a:r>
+            <a:endParaRPr lang="en-US" altLang="zh-TW" sz="2400" dirty="0" smtClean="0">
+              <a:solidFill>
+                <a:schemeClr val="tx1"/>
+              </a:solidFill>
+              <a:latin typeface="標楷體" pitchFamily="65" charset="-120"/>
+              <a:ea typeface="標楷體" pitchFamily="65" charset="-120"/>
+            </a:endParaRPr>
+          </a:p>
+          <a:p>
+            <a:pPr marL="1594350" lvl="2" indent="-342900">
+              <a:lnSpc>
+                <a:spcPct val="150000"/>
+              </a:lnSpc>
+              <a:buClr>
+                <a:schemeClr val="tx1"/>
+              </a:buClr>
+              <a:buFont typeface="Wingdings" panose="05000000000000000000" pitchFamily="2" charset="2"/>
+              <a:buChar char="Ø"/>
+            </a:pPr>
+            <a:endParaRPr lang="en-US" altLang="zh-TW" sz="2200" dirty="0" smtClean="0">
+              <a:solidFill>
+                <a:schemeClr val="tx1"/>
+              </a:solidFill>
+              <a:latin typeface="標楷體" pitchFamily="65" charset="-120"/>
+              <a:ea typeface="標楷體" pitchFamily="65" charset="-120"/>
+            </a:endParaRPr>
+          </a:p>
+          <a:p>
+            <a:pPr marL="1594350" lvl="2" indent="-342900">
+              <a:lnSpc>
+                <a:spcPct val="150000"/>
+              </a:lnSpc>
+              <a:buClr>
+                <a:schemeClr val="tx1"/>
+              </a:buClr>
+              <a:buFont typeface="Wingdings" panose="05000000000000000000" pitchFamily="2" charset="2"/>
+              <a:buChar char="Ø"/>
+            </a:pPr>
+            <a:endParaRPr lang="en-US" altLang="zh-TW" sz="2200" dirty="0" smtClean="0">
+              <a:solidFill>
+                <a:schemeClr val="tx1"/>
+              </a:solidFill>
+              <a:latin typeface="標楷體" pitchFamily="65" charset="-120"/>
+              <a:ea typeface="標楷體" pitchFamily="65" charset="-120"/>
+            </a:endParaRPr>
+          </a:p>
+          <a:p>
+            <a:endParaRPr lang="en-US" altLang="zh-TW" sz="1800" dirty="0" smtClean="0">
+              <a:solidFill>
+                <a:schemeClr val="tx1"/>
+              </a:solidFill>
+              <a:latin typeface="標楷體" pitchFamily="65" charset="-120"/>
+              <a:ea typeface="標楷體" pitchFamily="65" charset="-120"/>
+            </a:endParaRPr>
+          </a:p>
+          <a:p>
+            <a:endParaRPr lang="zh-TW" altLang="en-US" sz="1800" dirty="0">
+              <a:solidFill>
+                <a:schemeClr val="tx1"/>
+              </a:solidFill>
+              <a:latin typeface="標楷體" pitchFamily="65" charset="-120"/>
+              <a:ea typeface="標楷體" pitchFamily="65" charset="-120"/>
+            </a:endParaRPr>
+          </a:p>
+        </p:txBody>
+      </p:sp>
+    </p:spTree>
+    <p:extLst>
+      <p:ext uri="{BB962C8B-B14F-4D97-AF65-F5344CB8AC3E}">
+        <p14:creationId xmlns:p14="http://schemas.microsoft.com/office/powerpoint/2010/main" val="3735650780"/>
+      </p:ext>
+    </p:extLst>
+  </p:cSld>
+  <p:clrMapOvr>
+    <a:masterClrMapping/>
+  </p:clrMapOvr>
+  <p:timing>
+    <p:tnLst>
+      <p:par>
+        <p:cTn id="1" dur="indefinite" restart="never" nodeType="tmRoot"/>
+      </p:par>
+    </p:tnLst>
+  </p:timing>
+</p:sld>
+</file>
+
+<file path=ppt/slides/slide6.xml><?xml version="1.0" encoding="utf-8"?>
+<p:sld xmlns:a="http://schemas.openxmlformats.org/drawingml/2006/main" xmlns:r="http://schemas.openxmlformats.org/officeDocument/2006/relationships" xmlns:p="http://schemas.openxmlformats.org/presentationml/2006/main">
+  <p:cSld>
+    <p:spTree>
+      <p:nvGrpSpPr>
+        <p:cNvPr id="1" name=""/>
+        <p:cNvGrpSpPr/>
+        <p:nvPr/>
+      </p:nvGrpSpPr>
+      <p:grpSpPr>
+        <a:xfrm>
+          <a:off x="0" y="0"/>
+          <a:ext cx="0" cy="0"/>
+          <a:chOff x="0" y="0"/>
+          <a:chExt cx="0" cy="0"/>
+        </a:xfrm>
+      </p:grpSpPr>
+      <p:sp>
+        <p:nvSpPr>
+          <p:cNvPr id="2" name="標題 1"/>
+          <p:cNvSpPr>
+            <a:spLocks noGrp="1"/>
+          </p:cNvSpPr>
+          <p:nvPr>
+            <p:ph type="title"/>
+          </p:nvPr>
+        </p:nvSpPr>
+        <p:spPr>
+          <a:xfrm>
+            <a:off x="1295402" y="982132"/>
+            <a:ext cx="9601196" cy="1303867"/>
+          </a:xfrm>
+        </p:spPr>
+        <p:txBody>
+          <a:bodyPr/>
+          <a:lstStyle/>
+          <a:p>
+            <a:pPr algn="l"/>
+            <a:r>
+              <a:rPr lang="zh-TW" altLang="en-US" dirty="0" smtClean="0">
+                <a:solidFill>
+                  <a:schemeClr val="tx1"/>
+                </a:solidFill>
+                <a:latin typeface="標楷體" pitchFamily="65" charset="-120"/>
+                <a:ea typeface="標楷體" pitchFamily="65" charset="-120"/>
+              </a:rPr>
+              <a:t>時程規劃</a:t>
+            </a:r>
+            <a:endParaRPr lang="zh-TW" altLang="en-US" dirty="0">
+              <a:solidFill>
+                <a:schemeClr val="tx1"/>
+              </a:solidFill>
+              <a:latin typeface="標楷體" pitchFamily="65" charset="-120"/>
+              <a:ea typeface="標楷體" pitchFamily="65" charset="-120"/>
+            </a:endParaRPr>
+          </a:p>
+        </p:txBody>
+      </p:sp>
+      <p:sp>
+        <p:nvSpPr>
+          <p:cNvPr id="3" name="直排文字版面配置區 2"/>
+          <p:cNvSpPr>
+            <a:spLocks noGrp="1"/>
+          </p:cNvSpPr>
+          <p:nvPr>
+            <p:ph type="body" orient="vert" idx="1"/>
+          </p:nvPr>
+        </p:nvSpPr>
+        <p:spPr>
+          <a:xfrm>
+            <a:off x="838200" y="2285999"/>
+            <a:ext cx="10515600" cy="4692004"/>
+          </a:xfrm>
+        </p:spPr>
+        <p:txBody>
+          <a:bodyPr vert="horz">
+            <a:normAutofit/>
+          </a:bodyPr>
+          <a:lstStyle/>
+          <a:p>
+            <a:pPr marL="1137150" lvl="1" indent="-342900">
+              <a:lnSpc>
+                <a:spcPct val="150000"/>
+              </a:lnSpc>
+              <a:buClr>
+                <a:schemeClr val="tx1"/>
+              </a:buClr>
+            </a:pPr>
+            <a:r>
+              <a:rPr lang="zh-TW" altLang="en-US" sz="2600" dirty="0" smtClean="0">
+                <a:solidFill>
+                  <a:schemeClr val="tx1"/>
+                </a:solidFill>
+                <a:latin typeface="標楷體" pitchFamily="65" charset="-120"/>
+                <a:ea typeface="標楷體" pitchFamily="65" charset="-120"/>
+              </a:rPr>
+              <a:t>五月</a:t>
+            </a:r>
+            <a:endParaRPr lang="en-US" altLang="zh-TW" sz="2600" dirty="0" smtClean="0">
+              <a:solidFill>
+                <a:schemeClr val="tx1"/>
+              </a:solidFill>
+              <a:latin typeface="標楷體" pitchFamily="65" charset="-120"/>
+              <a:ea typeface="標楷體" pitchFamily="65" charset="-120"/>
+            </a:endParaRPr>
+          </a:p>
+          <a:p>
+            <a:pPr marL="1594350" lvl="2" indent="-342900">
+              <a:buClr>
+                <a:schemeClr val="tx1"/>
+              </a:buClr>
+              <a:buFont typeface="Wingdings" panose="05000000000000000000" pitchFamily="2" charset="2"/>
+              <a:buChar char="Ø"/>
+            </a:pPr>
+            <a:r>
+              <a:rPr lang="en-US" altLang="zh-TW" sz="2600" dirty="0" smtClean="0">
+                <a:solidFill>
+                  <a:schemeClr val="tx1"/>
+                </a:solidFill>
+                <a:latin typeface="標楷體" pitchFamily="65" charset="-120"/>
+                <a:ea typeface="標楷體" pitchFamily="65" charset="-120"/>
+              </a:rPr>
+              <a:t>5/19</a:t>
+            </a:r>
+            <a:r>
+              <a:rPr lang="zh-TW" altLang="en-US" sz="2600" dirty="0" smtClean="0">
+                <a:solidFill>
+                  <a:schemeClr val="tx1"/>
+                </a:solidFill>
+                <a:latin typeface="標楷體" pitchFamily="65" charset="-120"/>
+                <a:ea typeface="標楷體" pitchFamily="65" charset="-120"/>
+              </a:rPr>
+              <a:t> 店家</a:t>
+            </a:r>
+            <a:r>
+              <a:rPr lang="zh-TW" altLang="en-US" sz="2600" dirty="0">
+                <a:solidFill>
+                  <a:schemeClr val="tx1"/>
+                </a:solidFill>
+                <a:latin typeface="標楷體" pitchFamily="65" charset="-120"/>
+                <a:ea typeface="標楷體" pitchFamily="65" charset="-120"/>
+              </a:rPr>
+              <a:t>滿意</a:t>
+            </a:r>
+            <a:r>
+              <a:rPr lang="zh-TW" altLang="en-US" sz="2600" dirty="0" smtClean="0">
+                <a:solidFill>
+                  <a:schemeClr val="tx1"/>
+                </a:solidFill>
+                <a:latin typeface="標楷體" pitchFamily="65" charset="-120"/>
+                <a:ea typeface="標楷體" pitchFamily="65" charset="-120"/>
+              </a:rPr>
+              <a:t>度排名程式碼</a:t>
+            </a:r>
+            <a:r>
+              <a:rPr lang="zh-TW" altLang="en-US" sz="2600" dirty="0">
+                <a:solidFill>
+                  <a:schemeClr val="tx1"/>
+                </a:solidFill>
+                <a:latin typeface="標楷體" pitchFamily="65" charset="-120"/>
+                <a:ea typeface="標楷體" pitchFamily="65" charset="-120"/>
+              </a:rPr>
+              <a:t>、美工</a:t>
+            </a:r>
+            <a:r>
+              <a:rPr lang="zh-TW" altLang="en-US" sz="2600" dirty="0" smtClean="0">
+                <a:solidFill>
+                  <a:schemeClr val="tx1"/>
+                </a:solidFill>
+                <a:latin typeface="標楷體" pitchFamily="65" charset="-120"/>
+                <a:ea typeface="標楷體" pitchFamily="65" charset="-120"/>
+              </a:rPr>
+              <a:t>完成</a:t>
+            </a:r>
+            <a:endParaRPr lang="en-US" altLang="zh-TW" sz="2600" dirty="0" smtClean="0">
+              <a:solidFill>
+                <a:schemeClr val="tx1"/>
+              </a:solidFill>
+              <a:latin typeface="標楷體" pitchFamily="65" charset="-120"/>
+              <a:ea typeface="標楷體" pitchFamily="65" charset="-120"/>
+            </a:endParaRPr>
+          </a:p>
+          <a:p>
+            <a:pPr marL="1594350" lvl="2" indent="-342900">
+              <a:buClr>
+                <a:schemeClr val="tx1"/>
+              </a:buClr>
+              <a:buFont typeface="Wingdings" panose="05000000000000000000" pitchFamily="2" charset="2"/>
+              <a:buChar char="Ø"/>
+            </a:pPr>
+            <a:r>
+              <a:rPr lang="en-US" altLang="zh-TW" sz="2600" dirty="0" smtClean="0">
+                <a:solidFill>
+                  <a:schemeClr val="tx1"/>
+                </a:solidFill>
+                <a:latin typeface="標楷體" pitchFamily="65" charset="-120"/>
+                <a:ea typeface="標楷體" pitchFamily="65" charset="-120"/>
+              </a:rPr>
+              <a:t>5/26</a:t>
+            </a:r>
+            <a:r>
+              <a:rPr lang="zh-TW" altLang="en-US" sz="2600" dirty="0" smtClean="0">
+                <a:solidFill>
+                  <a:schemeClr val="tx1"/>
+                </a:solidFill>
+                <a:latin typeface="標楷體" pitchFamily="65" charset="-120"/>
+                <a:ea typeface="標楷體" pitchFamily="65" charset="-120"/>
+              </a:rPr>
+              <a:t> 店家評價程式碼</a:t>
+            </a:r>
+            <a:r>
+              <a:rPr lang="zh-TW" altLang="en-US" sz="2600" dirty="0">
+                <a:solidFill>
+                  <a:schemeClr val="tx1"/>
+                </a:solidFill>
+                <a:latin typeface="標楷體" pitchFamily="65" charset="-120"/>
+                <a:ea typeface="標楷體" pitchFamily="65" charset="-120"/>
+              </a:rPr>
+              <a:t>、美工</a:t>
+            </a:r>
+            <a:r>
+              <a:rPr lang="zh-TW" altLang="en-US" sz="2600" dirty="0" smtClean="0">
+                <a:solidFill>
+                  <a:schemeClr val="tx1"/>
+                </a:solidFill>
+                <a:latin typeface="標楷體" pitchFamily="65" charset="-120"/>
+                <a:ea typeface="標楷體" pitchFamily="65" charset="-120"/>
+              </a:rPr>
+              <a:t>完成</a:t>
+            </a:r>
+            <a:endParaRPr lang="en-US" altLang="zh-TW" sz="2600" dirty="0">
+              <a:solidFill>
+                <a:schemeClr val="tx1"/>
+              </a:solidFill>
+              <a:latin typeface="標楷體" pitchFamily="65" charset="-120"/>
+              <a:ea typeface="標楷體" pitchFamily="65" charset="-120"/>
+            </a:endParaRPr>
+          </a:p>
+          <a:p>
+            <a:pPr marL="1137150" lvl="1" indent="-342900">
+              <a:buClr>
+                <a:schemeClr val="tx1"/>
+              </a:buClr>
+            </a:pPr>
+            <a:r>
+              <a:rPr lang="zh-TW" altLang="en-US" sz="2600" dirty="0" smtClean="0">
+                <a:solidFill>
+                  <a:schemeClr val="tx1"/>
+                </a:solidFill>
+                <a:latin typeface="標楷體" pitchFamily="65" charset="-120"/>
+                <a:ea typeface="標楷體" pitchFamily="65" charset="-120"/>
+              </a:rPr>
+              <a:t>六月</a:t>
+            </a:r>
+            <a:endParaRPr lang="en-US" altLang="zh-TW" sz="2600" dirty="0" smtClean="0">
+              <a:solidFill>
+                <a:schemeClr val="tx1"/>
+              </a:solidFill>
+              <a:latin typeface="標楷體" pitchFamily="65" charset="-120"/>
+              <a:ea typeface="標楷體" pitchFamily="65" charset="-120"/>
+            </a:endParaRPr>
+          </a:p>
+          <a:p>
+            <a:pPr marL="1594350" lvl="2" indent="-342900">
+              <a:buClr>
+                <a:schemeClr val="tx1"/>
+              </a:buClr>
+              <a:buFont typeface="Wingdings" panose="05000000000000000000" pitchFamily="2" charset="2"/>
+              <a:buChar char="Ø"/>
+            </a:pPr>
+            <a:r>
+              <a:rPr lang="en-US" altLang="zh-TW" sz="2600" dirty="0" smtClean="0">
+                <a:solidFill>
+                  <a:schemeClr val="tx1"/>
+                </a:solidFill>
+                <a:latin typeface="標楷體" pitchFamily="65" charset="-120"/>
+                <a:ea typeface="標楷體" pitchFamily="65" charset="-120"/>
+              </a:rPr>
+              <a:t>6/02</a:t>
+            </a:r>
+            <a:r>
+              <a:rPr lang="zh-TW" altLang="en-US" sz="2600" dirty="0" smtClean="0">
+                <a:solidFill>
+                  <a:schemeClr val="tx1"/>
+                </a:solidFill>
+                <a:latin typeface="標楷體" pitchFamily="65" charset="-120"/>
+                <a:ea typeface="標楷體" pitchFamily="65" charset="-120"/>
+              </a:rPr>
+              <a:t> 發言討論區程式碼、美工完成</a:t>
+            </a:r>
+            <a:endParaRPr lang="en-US" altLang="zh-TW" sz="2600" dirty="0" smtClean="0">
+              <a:solidFill>
+                <a:schemeClr val="tx1"/>
+              </a:solidFill>
+              <a:latin typeface="標楷體" pitchFamily="65" charset="-120"/>
+              <a:ea typeface="標楷體" pitchFamily="65" charset="-120"/>
+            </a:endParaRPr>
+          </a:p>
+          <a:p>
+            <a:pPr marL="1594350" lvl="2" indent="-342900">
+              <a:buClr>
+                <a:schemeClr val="tx1"/>
+              </a:buClr>
+              <a:buFont typeface="Wingdings" panose="05000000000000000000" pitchFamily="2" charset="2"/>
+              <a:buChar char="Ø"/>
+            </a:pPr>
+            <a:r>
+              <a:rPr lang="en-US" altLang="zh-TW" sz="2600" dirty="0" smtClean="0">
+                <a:solidFill>
+                  <a:schemeClr val="tx1"/>
+                </a:solidFill>
+                <a:latin typeface="標楷體" pitchFamily="65" charset="-120"/>
+                <a:ea typeface="標楷體" pitchFamily="65" charset="-120"/>
+              </a:rPr>
+              <a:t>6/09</a:t>
+            </a:r>
+            <a:r>
+              <a:rPr lang="zh-TW" altLang="en-US" sz="2600" dirty="0" smtClean="0">
+                <a:solidFill>
+                  <a:schemeClr val="tx1"/>
+                </a:solidFill>
+                <a:latin typeface="標楷體" pitchFamily="65" charset="-120"/>
+                <a:ea typeface="標楷體" pitchFamily="65" charset="-120"/>
+              </a:rPr>
+              <a:t> 註冊登入功能程式碼</a:t>
+            </a:r>
+            <a:r>
+              <a:rPr lang="zh-TW" altLang="en-US" sz="2600" dirty="0">
+                <a:solidFill>
+                  <a:schemeClr val="tx1"/>
+                </a:solidFill>
+                <a:latin typeface="標楷體" pitchFamily="65" charset="-120"/>
+                <a:ea typeface="標楷體" pitchFamily="65" charset="-120"/>
+              </a:rPr>
+              <a:t>、美工</a:t>
+            </a:r>
+            <a:r>
+              <a:rPr lang="zh-TW" altLang="en-US" sz="2600" dirty="0" smtClean="0">
+                <a:solidFill>
+                  <a:schemeClr val="tx1"/>
+                </a:solidFill>
+                <a:latin typeface="標楷體" pitchFamily="65" charset="-120"/>
+                <a:ea typeface="標楷體" pitchFamily="65" charset="-120"/>
+              </a:rPr>
+              <a:t>完成</a:t>
+            </a:r>
+            <a:endParaRPr lang="en-US" altLang="zh-TW" sz="2600" dirty="0">
+              <a:solidFill>
+                <a:schemeClr val="tx1"/>
+              </a:solidFill>
+              <a:latin typeface="標楷體" pitchFamily="65" charset="-120"/>
+              <a:ea typeface="標楷體" pitchFamily="65" charset="-120"/>
+            </a:endParaRPr>
+          </a:p>
+          <a:p>
+            <a:pPr marL="1594350" lvl="2" indent="-342900">
+              <a:buClr>
+                <a:schemeClr val="tx1"/>
+              </a:buClr>
+              <a:buFont typeface="Wingdings" panose="05000000000000000000" pitchFamily="2" charset="2"/>
+              <a:buChar char="Ø"/>
+            </a:pPr>
+            <a:r>
+              <a:rPr lang="en-US" altLang="zh-TW" sz="2600" dirty="0" smtClean="0">
+                <a:solidFill>
+                  <a:schemeClr val="tx1"/>
+                </a:solidFill>
+                <a:latin typeface="標楷體" pitchFamily="65" charset="-120"/>
+                <a:ea typeface="標楷體" pitchFamily="65" charset="-120"/>
+              </a:rPr>
+              <a:t>6/16</a:t>
+            </a:r>
+            <a:r>
+              <a:rPr lang="zh-TW" altLang="en-US" sz="2600" dirty="0" smtClean="0">
+                <a:solidFill>
+                  <a:schemeClr val="tx1"/>
+                </a:solidFill>
+                <a:latin typeface="標楷體" pitchFamily="65" charset="-120"/>
+                <a:ea typeface="標楷體" pitchFamily="65" charset="-120"/>
+              </a:rPr>
+              <a:t> 測試網頁</a:t>
+            </a:r>
+            <a:endParaRPr lang="en-US" altLang="zh-TW" sz="2600" dirty="0" smtClean="0">
+              <a:solidFill>
+                <a:schemeClr val="tx1"/>
+              </a:solidFill>
+              <a:latin typeface="標楷體" pitchFamily="65" charset="-120"/>
+              <a:ea typeface="標楷體" pitchFamily="65" charset="-120"/>
+            </a:endParaRPr>
+          </a:p>
+          <a:p>
+            <a:pPr marL="1594350" lvl="2" indent="-342900">
+              <a:lnSpc>
+                <a:spcPct val="150000"/>
+              </a:lnSpc>
+              <a:buClr>
+                <a:schemeClr val="tx1"/>
+              </a:buClr>
+              <a:buFont typeface="Wingdings" panose="05000000000000000000" pitchFamily="2" charset="2"/>
+              <a:buChar char="Ø"/>
+            </a:pPr>
+            <a:endParaRPr lang="en-US" altLang="zh-TW" sz="2200" dirty="0" smtClean="0">
+              <a:solidFill>
+                <a:schemeClr val="tx1"/>
+              </a:solidFill>
+              <a:latin typeface="標楷體" pitchFamily="65" charset="-120"/>
+              <a:ea typeface="標楷體" pitchFamily="65" charset="-120"/>
+            </a:endParaRPr>
+          </a:p>
+          <a:p>
+            <a:pPr marL="1594350" lvl="2" indent="-342900">
+              <a:lnSpc>
+                <a:spcPct val="150000"/>
+              </a:lnSpc>
+              <a:buClr>
+                <a:schemeClr val="tx1"/>
+              </a:buClr>
+              <a:buFont typeface="Wingdings" panose="05000000000000000000" pitchFamily="2" charset="2"/>
+              <a:buChar char="Ø"/>
+            </a:pPr>
+            <a:endParaRPr lang="en-US" altLang="zh-TW" sz="2200" dirty="0" smtClean="0">
+              <a:solidFill>
+                <a:schemeClr val="tx1"/>
+              </a:solidFill>
+              <a:latin typeface="標楷體" pitchFamily="65" charset="-120"/>
+              <a:ea typeface="標楷體" pitchFamily="65" charset="-120"/>
+            </a:endParaRPr>
+          </a:p>
+          <a:p>
+            <a:pPr marL="1594350" lvl="2" indent="-342900">
+              <a:lnSpc>
+                <a:spcPct val="150000"/>
+              </a:lnSpc>
+              <a:buClr>
+                <a:schemeClr val="tx1"/>
+              </a:buClr>
+              <a:buFont typeface="Wingdings" panose="05000000000000000000" pitchFamily="2" charset="2"/>
+              <a:buChar char="Ø"/>
+            </a:pPr>
+            <a:endParaRPr lang="en-US" altLang="zh-TW" sz="2200" dirty="0" smtClean="0">
+              <a:solidFill>
+                <a:schemeClr val="tx1"/>
+              </a:solidFill>
+              <a:latin typeface="標楷體" pitchFamily="65" charset="-120"/>
+              <a:ea typeface="標楷體" pitchFamily="65" charset="-120"/>
+            </a:endParaRPr>
+          </a:p>
+          <a:p>
+            <a:pPr marL="1594350" lvl="2" indent="-342900">
+              <a:lnSpc>
+                <a:spcPct val="150000"/>
+              </a:lnSpc>
+              <a:buClr>
+                <a:schemeClr val="tx1"/>
+              </a:buClr>
+              <a:buFont typeface="Wingdings" panose="05000000000000000000" pitchFamily="2" charset="2"/>
+              <a:buChar char="Ø"/>
+            </a:pPr>
+            <a:endParaRPr lang="en-US" altLang="zh-TW" sz="2200" dirty="0" smtClean="0">
+              <a:solidFill>
+                <a:schemeClr val="tx1"/>
+              </a:solidFill>
+              <a:latin typeface="標楷體" pitchFamily="65" charset="-120"/>
+              <a:ea typeface="標楷體" pitchFamily="65" charset="-120"/>
+            </a:endParaRPr>
+          </a:p>
+          <a:p>
+            <a:endParaRPr lang="en-US" altLang="zh-TW" sz="1800" dirty="0" smtClean="0">
+              <a:solidFill>
+                <a:schemeClr val="tx1"/>
+              </a:solidFill>
+              <a:latin typeface="標楷體" pitchFamily="65" charset="-120"/>
+              <a:ea typeface="標楷體" pitchFamily="65" charset="-120"/>
+            </a:endParaRPr>
+          </a:p>
+          <a:p>
+            <a:endParaRPr lang="zh-TW" altLang="en-US" sz="1800" dirty="0">
+              <a:solidFill>
+                <a:schemeClr val="tx1"/>
+              </a:solidFill>
+              <a:latin typeface="標楷體" pitchFamily="65" charset="-120"/>
+              <a:ea typeface="標楷體" pitchFamily="65" charset="-120"/>
+            </a:endParaRPr>
+          </a:p>
+        </p:txBody>
+      </p:sp>
+    </p:spTree>
+    <p:extLst>
+      <p:ext uri="{BB962C8B-B14F-4D97-AF65-F5344CB8AC3E}">
+        <p14:creationId xmlns:p14="http://schemas.microsoft.com/office/powerpoint/2010/main" val="907980286"/>
+      </p:ext>
+    </p:extLst>
+  </p:cSld>
+  <p:clrMapOvr>
+    <a:masterClrMapping/>
+  </p:clrMapOvr>
+  <p:timing>
+    <p:tnLst>
+      <p:par>
+        <p:cTn id="1" dur="indefinite" restart="never" nodeType="tmRoot"/>
+      </p:par>
+    </p:tnLst>
+  </p:timing>
+</p:sld>
+</file>
+
+<file path=ppt/slides/slide7.xml><?xml version="1.0" encoding="utf-8"?>
 <p:sld xmlns:a="http://schemas.openxmlformats.org/drawingml/2006/main" xmlns:r="http://schemas.openxmlformats.org/officeDocument/2006/relationships" xmlns:p="http://schemas.openxmlformats.org/presentationml/2006/main">
   <p:cSld>
     <p:spTree>
@@ -29015,7 +30682,7 @@
         </p:nvSpPr>
         <p:spPr>
           <a:xfrm>
-            <a:off x="1074000" y="2285999"/>
+            <a:off x="1074000" y="2520460"/>
             <a:ext cx="10044000" cy="5220000"/>
           </a:xfrm>
         </p:spPr>
@@ -29120,7 +30787,7 @@
     </p:spTree>
     <p:extLst>
       <p:ext uri="{BB962C8B-B14F-4D97-AF65-F5344CB8AC3E}">
-        <p14:creationId xmlns:p14="http://schemas.microsoft.com/office/powerpoint/2010/main" xmlns="" val="4077262131"/>
+        <p14:creationId xmlns:p14="http://schemas.microsoft.com/office/powerpoint/2010/main" val="4077262131"/>
       </p:ext>
     </p:extLst>
   </p:cSld>
@@ -29137,7 +30804,7 @@
 </p:sld>
 </file>
 
-<file path=ppt/slides/slide6.xml><?xml version="1.0" encoding="utf-8"?>
+<file path=ppt/slides/slide8.xml><?xml version="1.0" encoding="utf-8"?>
 <p:sld xmlns:a="http://schemas.openxmlformats.org/drawingml/2006/main" xmlns:r="http://schemas.openxmlformats.org/officeDocument/2006/relationships" xmlns:p="http://schemas.openxmlformats.org/presentationml/2006/main">
   <p:cSld>
     <p:spTree>
@@ -29200,7 +30867,7 @@
         </p:nvSpPr>
         <p:spPr>
           <a:xfrm>
-            <a:off x="966000" y="2285999"/>
+            <a:off x="1130123" y="2520460"/>
             <a:ext cx="10260000" cy="5220000"/>
           </a:xfrm>
         </p:spPr>
@@ -29317,7 +30984,7 @@
 </p:sld>
 </file>
 
-<file path=ppt/slides/slide7.xml><?xml version="1.0" encoding="utf-8"?>
+<file path=ppt/slides/slide9.xml><?xml version="1.0" encoding="utf-8"?>
 <p:sld xmlns:a="http://schemas.openxmlformats.org/drawingml/2006/main" xmlns:r="http://schemas.openxmlformats.org/officeDocument/2006/relationships" xmlns:p="http://schemas.openxmlformats.org/presentationml/2006/main">
   <p:cSld>
     <p:spTree>
@@ -29380,7 +31047,7 @@
         </p:nvSpPr>
         <p:spPr>
           <a:xfrm>
-            <a:off x="966000" y="2264980"/>
+            <a:off x="1153569" y="2546334"/>
             <a:ext cx="10260000" cy="5220000"/>
           </a:xfrm>
         </p:spPr>
@@ -29472,618 +31139,9 @@
     </p:spTree>
     <p:extLst>
       <p:ext uri="{BB962C8B-B14F-4D97-AF65-F5344CB8AC3E}">
-        <p14:creationId xmlns:p14="http://schemas.microsoft.com/office/powerpoint/2010/main" xmlns="" val="3715149273"/>
+        <p14:creationId xmlns:p14="http://schemas.microsoft.com/office/powerpoint/2010/main" val="3715149273"/>
       </p:ext>
     </p:extLst>
-  </p:cSld>
-  <p:clrMapOvr>
-    <a:masterClrMapping/>
-  </p:clrMapOvr>
-  <p:timing>
-    <p:tnLst>
-      <p:par>
-        <p:cTn id="1" dur="indefinite" restart="never" nodeType="tmRoot"/>
-      </p:par>
-    </p:tnLst>
-  </p:timing>
-</p:sld>
-</file>
-
-<file path=ppt/slides/slide8.xml><?xml version="1.0" encoding="utf-8"?>
-<p:sld xmlns:a="http://schemas.openxmlformats.org/drawingml/2006/main" xmlns:r="http://schemas.openxmlformats.org/officeDocument/2006/relationships" xmlns:p="http://schemas.openxmlformats.org/presentationml/2006/main">
-  <p:cSld>
-    <p:spTree>
-      <p:nvGrpSpPr>
-        <p:cNvPr id="1" name=""/>
-        <p:cNvGrpSpPr/>
-        <p:nvPr/>
-      </p:nvGrpSpPr>
-      <p:grpSpPr>
-        <a:xfrm>
-          <a:off x="0" y="0"/>
-          <a:ext cx="0" cy="0"/>
-          <a:chOff x="0" y="0"/>
-          <a:chExt cx="0" cy="0"/>
-        </a:xfrm>
-      </p:grpSpPr>
-      <p:sp>
-        <p:nvSpPr>
-          <p:cNvPr id="2" name="標題 1"/>
-          <p:cNvSpPr>
-            <a:spLocks noGrp="1"/>
-          </p:cNvSpPr>
-          <p:nvPr>
-            <p:ph type="title"/>
-          </p:nvPr>
-        </p:nvSpPr>
-        <p:spPr/>
-        <p:txBody>
-          <a:bodyPr/>
-          <a:lstStyle/>
-          <a:p>
-            <a:pPr algn="l"/>
-            <a:r>
-              <a:rPr lang="zh-TW" altLang="en-US" dirty="0" smtClean="0">
-                <a:solidFill>
-                  <a:schemeClr val="tx1"/>
-                </a:solidFill>
-                <a:latin typeface="標楷體" pitchFamily="65" charset="-120"/>
-                <a:ea typeface="標楷體" pitchFamily="65" charset="-120"/>
-              </a:rPr>
-              <a:t>會議紀錄</a:t>
-            </a:r>
-            <a:endParaRPr lang="zh-TW" altLang="en-US" dirty="0">
-              <a:solidFill>
-                <a:schemeClr val="tx1"/>
-              </a:solidFill>
-            </a:endParaRPr>
-          </a:p>
-        </p:txBody>
-      </p:sp>
-      <p:sp>
-        <p:nvSpPr>
-          <p:cNvPr id="3" name="直排文字版面配置區 2"/>
-          <p:cNvSpPr>
-            <a:spLocks noGrp="1"/>
-          </p:cNvSpPr>
-          <p:nvPr>
-            <p:ph type="body" orient="vert" idx="1"/>
-          </p:nvPr>
-        </p:nvSpPr>
-        <p:spPr>
-          <a:xfrm>
-            <a:off x="966000" y="2411792"/>
-            <a:ext cx="10260000" cy="5220000"/>
-          </a:xfrm>
-        </p:spPr>
-        <p:txBody>
-          <a:bodyPr vert="horz">
-            <a:normAutofit/>
-          </a:bodyPr>
-          <a:lstStyle/>
-          <a:p>
-            <a:pPr>
-              <a:buClr>
-                <a:schemeClr val="tx1"/>
-              </a:buClr>
-              <a:buFont typeface="Wingdings" pitchFamily="2" charset="2"/>
-              <a:buChar char="l"/>
-            </a:pPr>
-            <a:r>
-              <a:rPr lang="en-US" altLang="zh-TW" dirty="0" smtClean="0">
-                <a:solidFill>
-                  <a:schemeClr val="tx1"/>
-                </a:solidFill>
-                <a:latin typeface="標楷體" pitchFamily="65" charset="-120"/>
-                <a:ea typeface="標楷體" pitchFamily="65" charset="-120"/>
-              </a:rPr>
-              <a:t>4/7 </a:t>
-            </a:r>
-          </a:p>
-          <a:p>
-            <a:pPr lvl="1">
-              <a:buClrTx/>
-              <a:buFont typeface="Wingdings" pitchFamily="2" charset="2"/>
-              <a:buChar char="Ø"/>
-            </a:pPr>
-            <a:r>
-              <a:rPr lang="zh-TW" altLang="en-US" sz="2400" dirty="0" smtClean="0">
-                <a:solidFill>
-                  <a:schemeClr val="tx1"/>
-                </a:solidFill>
-                <a:latin typeface="標楷體" pitchFamily="65" charset="-120"/>
-                <a:ea typeface="標楷體" pitchFamily="65" charset="-120"/>
-              </a:rPr>
-              <a:t>製作網頁雛形、討論開發動機、平台介紹、平台功能、時程規劃、會議記錄。</a:t>
-            </a:r>
-          </a:p>
-        </p:txBody>
-      </p:sp>
-    </p:spTree>
-  </p:cSld>
-  <p:clrMapOvr>
-    <a:masterClrMapping/>
-  </p:clrMapOvr>
-  <p:timing>
-    <p:tnLst>
-      <p:par>
-        <p:cTn id="1" dur="indefinite" restart="never" nodeType="tmRoot"/>
-      </p:par>
-    </p:tnLst>
-  </p:timing>
-</p:sld>
-</file>
-
-<file path=ppt/slides/slide9.xml><?xml version="1.0" encoding="utf-8"?>
-<p:sld xmlns:a="http://schemas.openxmlformats.org/drawingml/2006/main" xmlns:r="http://schemas.openxmlformats.org/officeDocument/2006/relationships" xmlns:p="http://schemas.openxmlformats.org/presentationml/2006/main">
-  <p:cSld>
-    <p:spTree>
-      <p:nvGrpSpPr>
-        <p:cNvPr id="1" name=""/>
-        <p:cNvGrpSpPr/>
-        <p:nvPr/>
-      </p:nvGrpSpPr>
-      <p:grpSpPr>
-        <a:xfrm>
-          <a:off x="0" y="0"/>
-          <a:ext cx="0" cy="0"/>
-          <a:chOff x="0" y="0"/>
-          <a:chExt cx="0" cy="0"/>
-        </a:xfrm>
-      </p:grpSpPr>
-      <p:sp>
-        <p:nvSpPr>
-          <p:cNvPr id="2" name="標題 1"/>
-          <p:cNvSpPr>
-            <a:spLocks noGrp="1"/>
-          </p:cNvSpPr>
-          <p:nvPr>
-            <p:ph type="title"/>
-          </p:nvPr>
-        </p:nvSpPr>
-        <p:spPr/>
-        <p:txBody>
-          <a:bodyPr>
-            <a:normAutofit/>
-          </a:bodyPr>
-          <a:lstStyle/>
-          <a:p>
-            <a:pPr algn="l"/>
-            <a:r>
-              <a:rPr lang="zh-TW" altLang="en-US" dirty="0" smtClean="0">
-                <a:solidFill>
-                  <a:schemeClr val="tx1"/>
-                </a:solidFill>
-                <a:latin typeface="標楷體" pitchFamily="65" charset="-120"/>
-                <a:ea typeface="標楷體" pitchFamily="65" charset="-120"/>
-              </a:rPr>
-              <a:t>團隊負責</a:t>
-            </a:r>
-            <a:endParaRPr lang="zh-TW" altLang="en-US" dirty="0">
-              <a:solidFill>
-                <a:schemeClr val="tx1"/>
-              </a:solidFill>
-              <a:latin typeface="標楷體" pitchFamily="65" charset="-120"/>
-              <a:ea typeface="標楷體" pitchFamily="65" charset="-120"/>
-            </a:endParaRPr>
-          </a:p>
-        </p:txBody>
-      </p:sp>
-      <p:grpSp>
-        <p:nvGrpSpPr>
-          <p:cNvPr id="12" name="群組 11"/>
-          <p:cNvGrpSpPr/>
-          <p:nvPr/>
-        </p:nvGrpSpPr>
-        <p:grpSpPr>
-          <a:xfrm>
-            <a:off x="1299378" y="2471206"/>
-            <a:ext cx="5636249" cy="2603851"/>
-            <a:chOff x="1299378" y="2471206"/>
-            <a:chExt cx="5636249" cy="2603851"/>
-          </a:xfrm>
-        </p:grpSpPr>
-        <p:sp>
-          <p:nvSpPr>
-            <p:cNvPr id="5" name="文字方塊 4"/>
-            <p:cNvSpPr txBox="1"/>
-            <p:nvPr/>
-          </p:nvSpPr>
-          <p:spPr>
-            <a:xfrm>
-              <a:off x="1299378" y="2826972"/>
-              <a:ext cx="2111475" cy="1261884"/>
-            </a:xfrm>
-            <a:prstGeom prst="rect">
-              <a:avLst/>
-            </a:prstGeom>
-            <a:noFill/>
-          </p:spPr>
-          <p:txBody>
-            <a:bodyPr wrap="none" rtlCol="0">
-              <a:spAutoFit/>
-            </a:bodyPr>
-            <a:lstStyle/>
-            <a:p>
-              <a:pPr lvl="1">
-                <a:buClr>
-                  <a:schemeClr val="tx1"/>
-                </a:buClr>
-                <a:buFont typeface="Wingdings" pitchFamily="2" charset="2"/>
-                <a:buChar char="Ø"/>
-              </a:pPr>
-              <a:r>
-                <a:rPr lang="zh-TW" altLang="en-US" sz="2000" dirty="0" smtClean="0">
-                  <a:latin typeface="標楷體" pitchFamily="65" charset="-120"/>
-                  <a:ea typeface="標楷體" pitchFamily="65" charset="-120"/>
-                </a:rPr>
-                <a:t>珮</a:t>
-              </a:r>
-              <a:r>
-                <a:rPr lang="zh-TW" altLang="en-US" sz="2000" dirty="0">
-                  <a:latin typeface="標楷體" pitchFamily="65" charset="-120"/>
-                  <a:ea typeface="標楷體" pitchFamily="65" charset="-120"/>
-                </a:rPr>
-                <a:t>妤</a:t>
-              </a:r>
-              <a:endParaRPr lang="en-US" altLang="zh-TW" sz="2000" dirty="0">
-                <a:latin typeface="標楷體" pitchFamily="65" charset="-120"/>
-                <a:ea typeface="標楷體" pitchFamily="65" charset="-120"/>
-              </a:endParaRPr>
-            </a:p>
-            <a:p>
-              <a:pPr lvl="2">
-                <a:buClr>
-                  <a:schemeClr val="tx1"/>
-                </a:buClr>
-                <a:buFont typeface="Arial" pitchFamily="34" charset="0"/>
-                <a:buChar char="•"/>
-              </a:pPr>
-              <a:r>
-                <a:rPr lang="zh-TW" altLang="en-US" dirty="0">
-                  <a:latin typeface="標楷體" pitchFamily="65" charset="-120"/>
-                  <a:ea typeface="標楷體" pitchFamily="65" charset="-120"/>
-                </a:rPr>
-                <a:t>動機</a:t>
-              </a:r>
-              <a:endParaRPr lang="en-US" altLang="zh-TW" dirty="0">
-                <a:latin typeface="標楷體" pitchFamily="65" charset="-120"/>
-                <a:ea typeface="標楷體" pitchFamily="65" charset="-120"/>
-              </a:endParaRPr>
-            </a:p>
-            <a:p>
-              <a:pPr lvl="2">
-                <a:buClr>
-                  <a:schemeClr val="tx1"/>
-                </a:buClr>
-                <a:buFont typeface="Arial" pitchFamily="34" charset="0"/>
-                <a:buChar char="•"/>
-              </a:pPr>
-              <a:r>
-                <a:rPr lang="zh-TW" altLang="en-US" dirty="0">
-                  <a:latin typeface="標楷體" pitchFamily="65" charset="-120"/>
-                  <a:ea typeface="標楷體" pitchFamily="65" charset="-120"/>
-                </a:rPr>
-                <a:t>平台介紹</a:t>
-              </a:r>
-              <a:endParaRPr lang="en-US" altLang="zh-TW" dirty="0">
-                <a:latin typeface="標楷體" pitchFamily="65" charset="-120"/>
-                <a:ea typeface="標楷體" pitchFamily="65" charset="-120"/>
-              </a:endParaRPr>
-            </a:p>
-            <a:p>
-              <a:endParaRPr lang="zh-TW" altLang="en-US" sz="2000" dirty="0"/>
-            </a:p>
-          </p:txBody>
-        </p:sp>
-        <p:sp>
-          <p:nvSpPr>
-            <p:cNvPr id="7" name="矩形 6"/>
-            <p:cNvSpPr/>
-            <p:nvPr/>
-          </p:nvSpPr>
-          <p:spPr>
-            <a:xfrm>
-              <a:off x="2970908" y="2833106"/>
-              <a:ext cx="2342964" cy="1231106"/>
-            </a:xfrm>
-            <a:prstGeom prst="rect">
-              <a:avLst/>
-            </a:prstGeom>
-          </p:spPr>
-          <p:txBody>
-            <a:bodyPr wrap="square">
-              <a:spAutoFit/>
-            </a:bodyPr>
-            <a:lstStyle/>
-            <a:p>
-              <a:pPr lvl="1">
-                <a:buClr>
-                  <a:schemeClr val="tx1"/>
-                </a:buClr>
-                <a:buFont typeface="Wingdings" pitchFamily="2" charset="2"/>
-                <a:buChar char="Ø"/>
-              </a:pPr>
-              <a:r>
-                <a:rPr lang="zh-TW" altLang="en-US" sz="2000" dirty="0">
-                  <a:latin typeface="標楷體" pitchFamily="65" charset="-120"/>
-                  <a:ea typeface="標楷體" pitchFamily="65" charset="-120"/>
-                </a:rPr>
-                <a:t>靖倫</a:t>
-              </a:r>
-              <a:endParaRPr lang="en-US" altLang="zh-TW" sz="2000" dirty="0">
-                <a:latin typeface="標楷體" pitchFamily="65" charset="-120"/>
-                <a:ea typeface="標楷體" pitchFamily="65" charset="-120"/>
-              </a:endParaRPr>
-            </a:p>
-            <a:p>
-              <a:pPr lvl="2">
-                <a:buClr>
-                  <a:schemeClr val="tx1"/>
-                </a:buClr>
-                <a:buFont typeface="Arial" pitchFamily="34" charset="0"/>
-                <a:buChar char="•"/>
-              </a:pPr>
-              <a:r>
-                <a:rPr lang="zh-TW" altLang="en-US" dirty="0">
-                  <a:latin typeface="標楷體" pitchFamily="65" charset="-120"/>
-                  <a:ea typeface="標楷體" pitchFamily="65" charset="-120"/>
-                </a:rPr>
-                <a:t>平台功能</a:t>
-              </a:r>
-              <a:endParaRPr lang="en-US" altLang="zh-TW" dirty="0">
-                <a:latin typeface="標楷體" pitchFamily="65" charset="-120"/>
-                <a:ea typeface="標楷體" pitchFamily="65" charset="-120"/>
-              </a:endParaRPr>
-            </a:p>
-            <a:p>
-              <a:pPr lvl="2">
-                <a:buClr>
-                  <a:schemeClr val="tx1"/>
-                </a:buClr>
-                <a:buFont typeface="Arial" pitchFamily="34" charset="0"/>
-                <a:buChar char="•"/>
-              </a:pPr>
-              <a:r>
-                <a:rPr lang="zh-TW" altLang="en-US" dirty="0">
-                  <a:latin typeface="標楷體" pitchFamily="65" charset="-120"/>
-                  <a:ea typeface="標楷體" pitchFamily="65" charset="-120"/>
-                </a:rPr>
-                <a:t>時程規劃</a:t>
-              </a:r>
-              <a:endParaRPr lang="en-US" altLang="zh-TW" dirty="0">
-                <a:latin typeface="標楷體" pitchFamily="65" charset="-120"/>
-                <a:ea typeface="標楷體" pitchFamily="65" charset="-120"/>
-              </a:endParaRPr>
-            </a:p>
-            <a:p>
-              <a:pPr lvl="2">
-                <a:buClr>
-                  <a:schemeClr val="tx1"/>
-                </a:buClr>
-                <a:buFont typeface="Arial" pitchFamily="34" charset="0"/>
-                <a:buChar char="•"/>
-              </a:pPr>
-              <a:r>
-                <a:rPr lang="zh-TW" altLang="en-US" dirty="0">
-                  <a:latin typeface="標楷體" pitchFamily="65" charset="-120"/>
-                  <a:ea typeface="標楷體" pitchFamily="65" charset="-120"/>
-                </a:rPr>
-                <a:t>內容整合</a:t>
-              </a:r>
-              <a:endParaRPr lang="en-US" altLang="zh-TW" dirty="0">
-                <a:latin typeface="標楷體" pitchFamily="65" charset="-120"/>
-                <a:ea typeface="標楷體" pitchFamily="65" charset="-120"/>
-              </a:endParaRPr>
-            </a:p>
-          </p:txBody>
-        </p:sp>
-        <p:sp>
-          <p:nvSpPr>
-            <p:cNvPr id="8" name="矩形 7"/>
-            <p:cNvSpPr/>
-            <p:nvPr/>
-          </p:nvSpPr>
-          <p:spPr>
-            <a:xfrm>
-              <a:off x="1299378" y="2471206"/>
-              <a:ext cx="1401346" cy="400110"/>
-            </a:xfrm>
-            <a:prstGeom prst="rect">
-              <a:avLst/>
-            </a:prstGeom>
-          </p:spPr>
-          <p:txBody>
-            <a:bodyPr wrap="none">
-              <a:spAutoFit/>
-            </a:bodyPr>
-            <a:lstStyle/>
-            <a:p>
-              <a:pPr>
-                <a:buClr>
-                  <a:schemeClr val="tx1"/>
-                </a:buClr>
-                <a:buFont typeface="Wingdings" pitchFamily="2" charset="2"/>
-                <a:buChar char="l"/>
-              </a:pPr>
-              <a:r>
-                <a:rPr lang="zh-TW" altLang="en-US" sz="2000" dirty="0">
-                  <a:latin typeface="標楷體" pitchFamily="65" charset="-120"/>
-                  <a:ea typeface="標楷體" pitchFamily="65" charset="-120"/>
-                </a:rPr>
-                <a:t>文案內容</a:t>
-              </a:r>
-              <a:endParaRPr lang="en-US" altLang="zh-TW" sz="2000" dirty="0">
-                <a:latin typeface="標楷體" pitchFamily="65" charset="-120"/>
-                <a:ea typeface="標楷體" pitchFamily="65" charset="-120"/>
-              </a:endParaRPr>
-            </a:p>
-          </p:txBody>
-        </p:sp>
-        <p:sp>
-          <p:nvSpPr>
-            <p:cNvPr id="9" name="矩形 8"/>
-            <p:cNvSpPr/>
-            <p:nvPr/>
-          </p:nvSpPr>
-          <p:spPr>
-            <a:xfrm>
-              <a:off x="4730140" y="2840538"/>
-              <a:ext cx="2205487" cy="954107"/>
-            </a:xfrm>
-            <a:prstGeom prst="rect">
-              <a:avLst/>
-            </a:prstGeom>
-          </p:spPr>
-          <p:txBody>
-            <a:bodyPr wrap="square">
-              <a:spAutoFit/>
-            </a:bodyPr>
-            <a:lstStyle/>
-            <a:p>
-              <a:pPr lvl="1">
-                <a:buClr>
-                  <a:schemeClr val="tx1"/>
-                </a:buClr>
-                <a:buFont typeface="Wingdings" pitchFamily="2" charset="2"/>
-                <a:buChar char="Ø"/>
-              </a:pPr>
-              <a:r>
-                <a:rPr lang="zh-TW" altLang="en-US" sz="2000" dirty="0">
-                  <a:latin typeface="標楷體" pitchFamily="65" charset="-120"/>
-                  <a:ea typeface="標楷體" pitchFamily="65" charset="-120"/>
-                </a:rPr>
-                <a:t>郁絜</a:t>
-              </a:r>
-              <a:endParaRPr lang="en-US" altLang="zh-TW" sz="2000" dirty="0">
-                <a:latin typeface="標楷體" pitchFamily="65" charset="-120"/>
-                <a:ea typeface="標楷體" pitchFamily="65" charset="-120"/>
-              </a:endParaRPr>
-            </a:p>
-            <a:p>
-              <a:pPr lvl="2">
-                <a:buClr>
-                  <a:schemeClr val="tx1"/>
-                </a:buClr>
-                <a:buFont typeface="Arial" pitchFamily="34" charset="0"/>
-                <a:buChar char="•"/>
-              </a:pPr>
-              <a:r>
-                <a:rPr lang="zh-TW" altLang="en-US" dirty="0">
-                  <a:latin typeface="標楷體" pitchFamily="65" charset="-120"/>
-                  <a:ea typeface="標楷體" pitchFamily="65" charset="-120"/>
-                </a:rPr>
-                <a:t>會議紀錄</a:t>
-              </a:r>
-              <a:endParaRPr lang="en-US" altLang="zh-TW" dirty="0">
-                <a:latin typeface="標楷體" pitchFamily="65" charset="-120"/>
-                <a:ea typeface="標楷體" pitchFamily="65" charset="-120"/>
-              </a:endParaRPr>
-            </a:p>
-            <a:p>
-              <a:pPr lvl="2">
-                <a:buClr>
-                  <a:schemeClr val="tx1"/>
-                </a:buClr>
-                <a:buFont typeface="Arial" pitchFamily="34" charset="0"/>
-                <a:buChar char="•"/>
-              </a:pPr>
-              <a:r>
-                <a:rPr lang="zh-TW" altLang="en-US" dirty="0">
-                  <a:latin typeface="標楷體" pitchFamily="65" charset="-120"/>
-                  <a:ea typeface="標楷體" pitchFamily="65" charset="-120"/>
-                </a:rPr>
-                <a:t>團隊負責</a:t>
-              </a:r>
-              <a:endParaRPr lang="en-US" altLang="zh-TW" sz="2400" dirty="0">
-                <a:latin typeface="標楷體" pitchFamily="65" charset="-120"/>
-                <a:ea typeface="標楷體" pitchFamily="65" charset="-120"/>
-              </a:endParaRPr>
-            </a:p>
-          </p:txBody>
-        </p:sp>
-        <p:sp>
-          <p:nvSpPr>
-            <p:cNvPr id="10" name="矩形 9"/>
-            <p:cNvSpPr/>
-            <p:nvPr/>
-          </p:nvSpPr>
-          <p:spPr>
-            <a:xfrm>
-              <a:off x="1309797" y="4705725"/>
-              <a:ext cx="1752403" cy="369332"/>
-            </a:xfrm>
-            <a:prstGeom prst="rect">
-              <a:avLst/>
-            </a:prstGeom>
-          </p:spPr>
-          <p:txBody>
-            <a:bodyPr wrap="none">
-              <a:spAutoFit/>
-            </a:bodyPr>
-            <a:lstStyle/>
-            <a:p>
-              <a:pPr lvl="1">
-                <a:buClrTx/>
-                <a:buFont typeface="Wingdings" pitchFamily="2" charset="2"/>
-                <a:buChar char="Ø"/>
-              </a:pPr>
-              <a:r>
-                <a:rPr lang="zh-TW" altLang="en-US" dirty="0">
-                  <a:latin typeface="標楷體" pitchFamily="65" charset="-120"/>
-                  <a:ea typeface="標楷體" pitchFamily="65" charset="-120"/>
-                </a:rPr>
-                <a:t>團隊合作</a:t>
-              </a:r>
-              <a:endParaRPr lang="en-US" altLang="zh-TW" dirty="0">
-                <a:latin typeface="標楷體" pitchFamily="65" charset="-120"/>
-                <a:ea typeface="標楷體" pitchFamily="65" charset="-120"/>
-              </a:endParaRPr>
-            </a:p>
-          </p:txBody>
-        </p:sp>
-        <p:sp>
-          <p:nvSpPr>
-            <p:cNvPr id="11" name="矩形 10"/>
-            <p:cNvSpPr/>
-            <p:nvPr/>
-          </p:nvSpPr>
-          <p:spPr>
-            <a:xfrm>
-              <a:off x="1299378" y="4287870"/>
-              <a:ext cx="2170787" cy="400110"/>
-            </a:xfrm>
-            <a:prstGeom prst="rect">
-              <a:avLst/>
-            </a:prstGeom>
-          </p:spPr>
-          <p:txBody>
-            <a:bodyPr wrap="none">
-              <a:spAutoFit/>
-            </a:bodyPr>
-            <a:lstStyle/>
-            <a:p>
-              <a:pPr>
-                <a:buClrTx/>
-                <a:buFont typeface="Wingdings" pitchFamily="2" charset="2"/>
-                <a:buChar char="l"/>
-              </a:pPr>
-              <a:r>
-                <a:rPr lang="zh-TW" altLang="en-US" sz="2000" dirty="0">
-                  <a:latin typeface="標楷體" pitchFamily="65" charset="-120"/>
-                  <a:ea typeface="標楷體" pitchFamily="65" charset="-120"/>
-                </a:rPr>
-                <a:t>網頁、雛形製作</a:t>
-              </a:r>
-              <a:endParaRPr lang="en-US" altLang="zh-TW" sz="2000" dirty="0">
-                <a:latin typeface="標楷體" pitchFamily="65" charset="-120"/>
-                <a:ea typeface="標楷體" pitchFamily="65" charset="-120"/>
-              </a:endParaRPr>
-            </a:p>
-          </p:txBody>
-        </p:sp>
-      </p:grpSp>
-    </p:spTree>
   </p:cSld>
   <p:clrMapOvr>
     <a:masterClrMapping/>
@@ -30325,7 +31383,7 @@
   <a:extraClrSchemeLst/>
   <a:extLst>
     <a:ext uri="{05A4C25C-085E-4340-85A3-A5531E510DB2}">
-      <thm15:themeFamily xmlns:thm15="http://schemas.microsoft.com/office/thememl/2012/main" xmlns="" name="Organic" id="{28CDC826-8792-45C0-861B-85EB3ADEDA33}" vid="{7DAC20F1-423D-49E2-BD0B-50532748BAD0}"/>
+      <thm15:themeFamily xmlns:thm15="http://schemas.microsoft.com/office/thememl/2012/main" name="Organic" id="{28CDC826-8792-45C0-861B-85EB3ADEDA33}" vid="{7DAC20F1-423D-49E2-BD0B-50532748BAD0}"/>
     </a:ext>
   </a:extLst>
 </a:theme>

--- a/YUMMY-NTUST.pptx
+++ b/YUMMY-NTUST.pptx
@@ -9,29 +9,27 @@
     <p:sldId id="258" r:id="rId3"/>
     <p:sldId id="260" r:id="rId4"/>
     <p:sldId id="261" r:id="rId5"/>
-    <p:sldId id="287" r:id="rId6"/>
-    <p:sldId id="288" r:id="rId7"/>
-    <p:sldId id="262" r:id="rId8"/>
-    <p:sldId id="266" r:id="rId9"/>
-    <p:sldId id="279" r:id="rId10"/>
-    <p:sldId id="267" r:id="rId11"/>
-    <p:sldId id="268" r:id="rId12"/>
-    <p:sldId id="264" r:id="rId13"/>
-    <p:sldId id="256" r:id="rId14"/>
-    <p:sldId id="281" r:id="rId15"/>
-    <p:sldId id="274" r:id="rId16"/>
-    <p:sldId id="282" r:id="rId17"/>
-    <p:sldId id="269" r:id="rId18"/>
-    <p:sldId id="283" r:id="rId19"/>
-    <p:sldId id="257" r:id="rId20"/>
-    <p:sldId id="270" r:id="rId21"/>
-    <p:sldId id="273" r:id="rId22"/>
-    <p:sldId id="271" r:id="rId23"/>
-    <p:sldId id="280" r:id="rId24"/>
-    <p:sldId id="272" r:id="rId25"/>
-    <p:sldId id="285" r:id="rId26"/>
-    <p:sldId id="276" r:id="rId27"/>
-    <p:sldId id="284" r:id="rId28"/>
+    <p:sldId id="262" r:id="rId6"/>
+    <p:sldId id="266" r:id="rId7"/>
+    <p:sldId id="279" r:id="rId8"/>
+    <p:sldId id="267" r:id="rId9"/>
+    <p:sldId id="268" r:id="rId10"/>
+    <p:sldId id="264" r:id="rId11"/>
+    <p:sldId id="256" r:id="rId12"/>
+    <p:sldId id="281" r:id="rId13"/>
+    <p:sldId id="274" r:id="rId14"/>
+    <p:sldId id="282" r:id="rId15"/>
+    <p:sldId id="269" r:id="rId16"/>
+    <p:sldId id="283" r:id="rId17"/>
+    <p:sldId id="257" r:id="rId18"/>
+    <p:sldId id="270" r:id="rId19"/>
+    <p:sldId id="273" r:id="rId20"/>
+    <p:sldId id="271" r:id="rId21"/>
+    <p:sldId id="280" r:id="rId22"/>
+    <p:sldId id="272" r:id="rId23"/>
+    <p:sldId id="285" r:id="rId24"/>
+    <p:sldId id="276" r:id="rId25"/>
+    <p:sldId id="284" r:id="rId26"/>
   </p:sldIdLst>
   <p:sldSz cx="12192000" cy="6858000"/>
   <p:notesSz cx="6858000" cy="9144000"/>
@@ -132,7 +130,7 @@
   </p:defaultTextStyle>
   <p:extLst>
     <p:ext uri="{EFAFB233-063F-42B5-8137-9DF3F51BA10A}">
-      <p15:sldGuideLst xmlns:p15="http://schemas.microsoft.com/office/powerpoint/2012/main">
+      <p15:sldGuideLst xmlns:p15="http://schemas.microsoft.com/office/powerpoint/2012/main" xmlns="">
         <p15:guide id="1" orient="horz" pos="2160">
           <p15:clr>
             <a:srgbClr val="A4A3A4"/>
@@ -192,7 +190,7 @@
             <a:blip r:embed="rId2">
               <a:extLst>
                 <a:ext uri="{28A0092B-C50C-407E-A947-70E740481C1C}">
-                  <a14:useLocalDpi xmlns:a14="http://schemas.microsoft.com/office/drawing/2010/main" val="0"/>
+                  <a14:useLocalDpi xmlns:a14="http://schemas.microsoft.com/office/drawing/2010/main" xmlns="" val="0"/>
                 </a:ext>
               </a:extLst>
             </a:blip>
@@ -256,7 +254,7 @@
             <a:blip r:embed="rId3">
               <a:extLst>
                 <a:ext uri="{28A0092B-C50C-407E-A947-70E740481C1C}">
-                  <a14:useLocalDpi xmlns:a14="http://schemas.microsoft.com/office/drawing/2010/main" val="0"/>
+                  <a14:useLocalDpi xmlns:a14="http://schemas.microsoft.com/office/drawing/2010/main" xmlns="" val="0"/>
                 </a:ext>
               </a:extLst>
             </a:blip>
@@ -285,7 +283,7 @@
             <a:blip r:embed="rId3">
               <a:extLst>
                 <a:ext uri="{28A0092B-C50C-407E-A947-70E740481C1C}">
-                  <a14:useLocalDpi xmlns:a14="http://schemas.microsoft.com/office/drawing/2010/main" val="0"/>
+                  <a14:useLocalDpi xmlns:a14="http://schemas.microsoft.com/office/drawing/2010/main" xmlns="" val="0"/>
                 </a:ext>
               </a:extLst>
             </a:blip>
@@ -481,7 +479,7 @@
             <a:fld id="{7C611980-21BF-4ACA-93B7-1A807F4393B9}" type="datetimeFigureOut">
               <a:rPr lang="zh-TW" altLang="en-US" smtClean="0"/>
               <a:pPr/>
-              <a:t>2015/4/21</a:t>
+              <a:t>2015/4/18</a:t>
             </a:fld>
             <a:endParaRPr lang="zh-TW" altLang="en-US"/>
           </a:p>
@@ -573,7 +571,7 @@
     </p:spTree>
     <p:extLst>
       <p:ext uri="{BB962C8B-B14F-4D97-AF65-F5344CB8AC3E}">
-        <p14:creationId xmlns:p14="http://schemas.microsoft.com/office/powerpoint/2010/main" val="3673856549"/>
+        <p14:creationId xmlns:p14="http://schemas.microsoft.com/office/powerpoint/2010/main" xmlns="" val="3673856549"/>
       </p:ext>
     </p:extLst>
   </p:cSld>
@@ -807,7 +805,7 @@
             <a:fld id="{7C611980-21BF-4ACA-93B7-1A807F4393B9}" type="datetimeFigureOut">
               <a:rPr lang="zh-TW" altLang="en-US" smtClean="0"/>
               <a:pPr/>
-              <a:t>2015/4/21</a:t>
+              <a:t>2015/4/18</a:t>
             </a:fld>
             <a:endParaRPr lang="zh-TW" altLang="en-US"/>
           </a:p>
@@ -859,7 +857,7 @@
     </p:spTree>
     <p:extLst>
       <p:ext uri="{BB962C8B-B14F-4D97-AF65-F5344CB8AC3E}">
-        <p14:creationId xmlns:p14="http://schemas.microsoft.com/office/powerpoint/2010/main" val="3744591005"/>
+        <p14:creationId xmlns:p14="http://schemas.microsoft.com/office/powerpoint/2010/main" xmlns="" val="3744591005"/>
       </p:ext>
     </p:extLst>
   </p:cSld>
@@ -1057,7 +1055,7 @@
             <a:fld id="{7C611980-21BF-4ACA-93B7-1A807F4393B9}" type="datetimeFigureOut">
               <a:rPr lang="zh-TW" altLang="en-US" smtClean="0"/>
               <a:pPr/>
-              <a:t>2015/4/21</a:t>
+              <a:t>2015/4/18</a:t>
             </a:fld>
             <a:endParaRPr lang="zh-TW" altLang="en-US"/>
           </a:p>
@@ -1140,7 +1138,7 @@
     </p:spTree>
     <p:extLst>
       <p:ext uri="{BB962C8B-B14F-4D97-AF65-F5344CB8AC3E}">
-        <p14:creationId xmlns:p14="http://schemas.microsoft.com/office/powerpoint/2010/main" val="2069004645"/>
+        <p14:creationId xmlns:p14="http://schemas.microsoft.com/office/powerpoint/2010/main" xmlns="" val="2069004645"/>
       </p:ext>
     </p:extLst>
   </p:cSld>
@@ -1398,7 +1396,7 @@
             <a:fld id="{7C611980-21BF-4ACA-93B7-1A807F4393B9}" type="datetimeFigureOut">
               <a:rPr lang="zh-TW" altLang="en-US" smtClean="0"/>
               <a:pPr/>
-              <a:t>2015/4/21</a:t>
+              <a:t>2015/4/18</a:t>
             </a:fld>
             <a:endParaRPr lang="zh-TW" altLang="en-US"/>
           </a:p>
@@ -1549,7 +1547,7 @@
     </p:spTree>
     <p:extLst>
       <p:ext uri="{BB962C8B-B14F-4D97-AF65-F5344CB8AC3E}">
-        <p14:creationId xmlns:p14="http://schemas.microsoft.com/office/powerpoint/2010/main" val="1346380035"/>
+        <p14:creationId xmlns:p14="http://schemas.microsoft.com/office/powerpoint/2010/main" xmlns="" val="1346380035"/>
       </p:ext>
     </p:extLst>
   </p:cSld>
@@ -1747,7 +1745,7 @@
             <a:fld id="{7C611980-21BF-4ACA-93B7-1A807F4393B9}" type="datetimeFigureOut">
               <a:rPr lang="zh-TW" altLang="en-US" smtClean="0"/>
               <a:pPr/>
-              <a:t>2015/4/21</a:t>
+              <a:t>2015/4/18</a:t>
             </a:fld>
             <a:endParaRPr lang="zh-TW" altLang="en-US"/>
           </a:p>
@@ -1799,7 +1797,7 @@
     </p:spTree>
     <p:extLst>
       <p:ext uri="{BB962C8B-B14F-4D97-AF65-F5344CB8AC3E}">
-        <p14:creationId xmlns:p14="http://schemas.microsoft.com/office/powerpoint/2010/main" val="2328989371"/>
+        <p14:creationId xmlns:p14="http://schemas.microsoft.com/office/powerpoint/2010/main" xmlns="" val="2328989371"/>
       </p:ext>
     </p:extLst>
   </p:cSld>
@@ -2123,7 +2121,7 @@
             <a:fld id="{7C611980-21BF-4ACA-93B7-1A807F4393B9}" type="datetimeFigureOut">
               <a:rPr lang="zh-TW" altLang="en-US" smtClean="0"/>
               <a:pPr/>
-              <a:t>2015/4/21</a:t>
+              <a:t>2015/4/18</a:t>
             </a:fld>
             <a:endParaRPr lang="zh-TW" altLang="en-US"/>
           </a:p>
@@ -2274,7 +2272,7 @@
     </p:spTree>
     <p:extLst>
       <p:ext uri="{BB962C8B-B14F-4D97-AF65-F5344CB8AC3E}">
-        <p14:creationId xmlns:p14="http://schemas.microsoft.com/office/powerpoint/2010/main" val="879164212"/>
+        <p14:creationId xmlns:p14="http://schemas.microsoft.com/office/powerpoint/2010/main" xmlns="" val="879164212"/>
       </p:ext>
     </p:extLst>
   </p:cSld>
@@ -2595,7 +2593,7 @@
             <a:fld id="{7C611980-21BF-4ACA-93B7-1A807F4393B9}" type="datetimeFigureOut">
               <a:rPr lang="zh-TW" altLang="en-US" smtClean="0"/>
               <a:pPr/>
-              <a:t>2015/4/21</a:t>
+              <a:t>2015/4/18</a:t>
             </a:fld>
             <a:endParaRPr lang="zh-TW" altLang="en-US"/>
           </a:p>
@@ -2678,7 +2676,7 @@
     </p:spTree>
     <p:extLst>
       <p:ext uri="{BB962C8B-B14F-4D97-AF65-F5344CB8AC3E}">
-        <p14:creationId xmlns:p14="http://schemas.microsoft.com/office/powerpoint/2010/main" val="4122772321"/>
+        <p14:creationId xmlns:p14="http://schemas.microsoft.com/office/powerpoint/2010/main" xmlns="" val="4122772321"/>
       </p:ext>
     </p:extLst>
   </p:cSld>
@@ -2802,7 +2800,7 @@
             <a:fld id="{7C611980-21BF-4ACA-93B7-1A807F4393B9}" type="datetimeFigureOut">
               <a:rPr lang="zh-TW" altLang="en-US" smtClean="0"/>
               <a:pPr/>
-              <a:t>2015/4/21</a:t>
+              <a:t>2015/4/18</a:t>
             </a:fld>
             <a:endParaRPr lang="zh-TW" altLang="en-US"/>
           </a:p>
@@ -2885,7 +2883,7 @@
     </p:spTree>
     <p:extLst>
       <p:ext uri="{BB962C8B-B14F-4D97-AF65-F5344CB8AC3E}">
-        <p14:creationId xmlns:p14="http://schemas.microsoft.com/office/powerpoint/2010/main" val="342085621"/>
+        <p14:creationId xmlns:p14="http://schemas.microsoft.com/office/powerpoint/2010/main" xmlns="" val="342085621"/>
       </p:ext>
     </p:extLst>
   </p:cSld>
@@ -3015,7 +3013,7 @@
             <a:fld id="{7C611980-21BF-4ACA-93B7-1A807F4393B9}" type="datetimeFigureOut">
               <a:rPr lang="zh-TW" altLang="en-US" smtClean="0"/>
               <a:pPr/>
-              <a:t>2015/4/21</a:t>
+              <a:t>2015/4/18</a:t>
             </a:fld>
             <a:endParaRPr lang="zh-TW" altLang="en-US"/>
           </a:p>
@@ -3098,7 +3096,7 @@
     </p:spTree>
     <p:extLst>
       <p:ext uri="{BB962C8B-B14F-4D97-AF65-F5344CB8AC3E}">
-        <p14:creationId xmlns:p14="http://schemas.microsoft.com/office/powerpoint/2010/main" val="3170779513"/>
+        <p14:creationId xmlns:p14="http://schemas.microsoft.com/office/powerpoint/2010/main" xmlns="" val="3170779513"/>
       </p:ext>
     </p:extLst>
   </p:cSld>
@@ -3249,7 +3247,7 @@
             <a:fld id="{7C611980-21BF-4ACA-93B7-1A807F4393B9}" type="datetimeFigureOut">
               <a:rPr lang="zh-TW" altLang="en-US" smtClean="0"/>
               <a:pPr/>
-              <a:t>2015/4/21</a:t>
+              <a:t>2015/4/18</a:t>
             </a:fld>
             <a:endParaRPr lang="zh-TW" altLang="en-US"/>
           </a:p>
@@ -3301,7 +3299,7 @@
     </p:spTree>
     <p:extLst>
       <p:ext uri="{BB962C8B-B14F-4D97-AF65-F5344CB8AC3E}">
-        <p14:creationId xmlns:p14="http://schemas.microsoft.com/office/powerpoint/2010/main" val="2188872775"/>
+        <p14:creationId xmlns:p14="http://schemas.microsoft.com/office/powerpoint/2010/main" xmlns="" val="2188872775"/>
       </p:ext>
     </p:extLst>
   </p:cSld>
@@ -3499,7 +3497,7 @@
             <a:fld id="{7C611980-21BF-4ACA-93B7-1A807F4393B9}" type="datetimeFigureOut">
               <a:rPr lang="zh-TW" altLang="en-US" smtClean="0"/>
               <a:pPr/>
-              <a:t>2015/4/21</a:t>
+              <a:t>2015/4/18</a:t>
             </a:fld>
             <a:endParaRPr lang="zh-TW" altLang="en-US"/>
           </a:p>
@@ -3582,7 +3580,7 @@
     </p:spTree>
     <p:extLst>
       <p:ext uri="{BB962C8B-B14F-4D97-AF65-F5344CB8AC3E}">
-        <p14:creationId xmlns:p14="http://schemas.microsoft.com/office/powerpoint/2010/main" val="1442274927"/>
+        <p14:creationId xmlns:p14="http://schemas.microsoft.com/office/powerpoint/2010/main" xmlns="" val="1442274927"/>
       </p:ext>
     </p:extLst>
   </p:cSld>
@@ -3799,7 +3797,7 @@
             <a:fld id="{7C611980-21BF-4ACA-93B7-1A807F4393B9}" type="datetimeFigureOut">
               <a:rPr lang="zh-TW" altLang="en-US" smtClean="0"/>
               <a:pPr/>
-              <a:t>2015/4/21</a:t>
+              <a:t>2015/4/18</a:t>
             </a:fld>
             <a:endParaRPr lang="zh-TW" altLang="en-US"/>
           </a:p>
@@ -3851,7 +3849,7 @@
     </p:spTree>
     <p:extLst>
       <p:ext uri="{BB962C8B-B14F-4D97-AF65-F5344CB8AC3E}">
-        <p14:creationId xmlns:p14="http://schemas.microsoft.com/office/powerpoint/2010/main" val="261759670"/>
+        <p14:creationId xmlns:p14="http://schemas.microsoft.com/office/powerpoint/2010/main" xmlns="" val="261759670"/>
       </p:ext>
     </p:extLst>
   </p:cSld>
@@ -4195,7 +4193,7 @@
             <a:fld id="{7C611980-21BF-4ACA-93B7-1A807F4393B9}" type="datetimeFigureOut">
               <a:rPr lang="zh-TW" altLang="en-US" smtClean="0"/>
               <a:pPr/>
-              <a:t>2015/4/21</a:t>
+              <a:t>2015/4/18</a:t>
             </a:fld>
             <a:endParaRPr lang="zh-TW" altLang="en-US"/>
           </a:p>
@@ -4278,7 +4276,7 @@
     </p:spTree>
     <p:extLst>
       <p:ext uri="{BB962C8B-B14F-4D97-AF65-F5344CB8AC3E}">
-        <p14:creationId xmlns:p14="http://schemas.microsoft.com/office/powerpoint/2010/main" val="2164916606"/>
+        <p14:creationId xmlns:p14="http://schemas.microsoft.com/office/powerpoint/2010/main" xmlns="" val="2164916606"/>
       </p:ext>
     </p:extLst>
   </p:cSld>
@@ -4346,7 +4344,7 @@
             <a:fld id="{7C611980-21BF-4ACA-93B7-1A807F4393B9}" type="datetimeFigureOut">
               <a:rPr lang="zh-TW" altLang="en-US" smtClean="0"/>
               <a:pPr/>
-              <a:t>2015/4/21</a:t>
+              <a:t>2015/4/18</a:t>
             </a:fld>
             <a:endParaRPr lang="zh-TW" altLang="en-US"/>
           </a:p>
@@ -4429,7 +4427,7 @@
     </p:spTree>
     <p:extLst>
       <p:ext uri="{BB962C8B-B14F-4D97-AF65-F5344CB8AC3E}">
-        <p14:creationId xmlns:p14="http://schemas.microsoft.com/office/powerpoint/2010/main" val="2294780404"/>
+        <p14:creationId xmlns:p14="http://schemas.microsoft.com/office/powerpoint/2010/main" xmlns="" val="2294780404"/>
       </p:ext>
     </p:extLst>
   </p:cSld>
@@ -4474,7 +4472,7 @@
             <a:fld id="{7C611980-21BF-4ACA-93B7-1A807F4393B9}" type="datetimeFigureOut">
               <a:rPr lang="zh-TW" altLang="en-US" smtClean="0"/>
               <a:pPr/>
-              <a:t>2015/4/21</a:t>
+              <a:t>2015/4/18</a:t>
             </a:fld>
             <a:endParaRPr lang="zh-TW" altLang="en-US"/>
           </a:p>
@@ -4526,7 +4524,7 @@
     </p:spTree>
     <p:extLst>
       <p:ext uri="{BB962C8B-B14F-4D97-AF65-F5344CB8AC3E}">
-        <p14:creationId xmlns:p14="http://schemas.microsoft.com/office/powerpoint/2010/main" val="2908437411"/>
+        <p14:creationId xmlns:p14="http://schemas.microsoft.com/office/powerpoint/2010/main" xmlns="" val="2908437411"/>
       </p:ext>
     </p:extLst>
   </p:cSld>
@@ -4731,7 +4729,7 @@
             <a:fld id="{7C611980-21BF-4ACA-93B7-1A807F4393B9}" type="datetimeFigureOut">
               <a:rPr lang="zh-TW" altLang="en-US" smtClean="0"/>
               <a:pPr/>
-              <a:t>2015/4/21</a:t>
+              <a:t>2015/4/18</a:t>
             </a:fld>
             <a:endParaRPr lang="zh-TW" altLang="en-US"/>
           </a:p>
@@ -4814,7 +4812,7 @@
     </p:spTree>
     <p:extLst>
       <p:ext uri="{BB962C8B-B14F-4D97-AF65-F5344CB8AC3E}">
-        <p14:creationId xmlns:p14="http://schemas.microsoft.com/office/powerpoint/2010/main" val="2879050331"/>
+        <p14:creationId xmlns:p14="http://schemas.microsoft.com/office/powerpoint/2010/main" xmlns="" val="2879050331"/>
       </p:ext>
     </p:extLst>
   </p:cSld>
@@ -5048,7 +5046,7 @@
             <a:fld id="{7C611980-21BF-4ACA-93B7-1A807F4393B9}" type="datetimeFigureOut">
               <a:rPr lang="zh-TW" altLang="en-US" smtClean="0"/>
               <a:pPr/>
-              <a:t>2015/4/21</a:t>
+              <a:t>2015/4/18</a:t>
             </a:fld>
             <a:endParaRPr lang="zh-TW" altLang="en-US"/>
           </a:p>
@@ -5100,7 +5098,7 @@
     </p:spTree>
     <p:extLst>
       <p:ext uri="{BB962C8B-B14F-4D97-AF65-F5344CB8AC3E}">
-        <p14:creationId xmlns:p14="http://schemas.microsoft.com/office/powerpoint/2010/main" val="1124889447"/>
+        <p14:creationId xmlns:p14="http://schemas.microsoft.com/office/powerpoint/2010/main" xmlns="" val="1124889447"/>
       </p:ext>
     </p:extLst>
   </p:cSld>
@@ -5158,7 +5156,7 @@
             <a:blip r:embed="rId19">
               <a:extLst>
                 <a:ext uri="{28A0092B-C50C-407E-A947-70E740481C1C}">
-                  <a14:useLocalDpi xmlns:a14="http://schemas.microsoft.com/office/drawing/2010/main" val="0"/>
+                  <a14:useLocalDpi xmlns:a14="http://schemas.microsoft.com/office/drawing/2010/main" xmlns="" val="0"/>
                 </a:ext>
               </a:extLst>
             </a:blip>
@@ -5222,7 +5220,7 @@
             <a:blip r:embed="rId20">
               <a:extLst>
                 <a:ext uri="{28A0092B-C50C-407E-A947-70E740481C1C}">
-                  <a14:useLocalDpi xmlns:a14="http://schemas.microsoft.com/office/drawing/2010/main" val="0"/>
+                  <a14:useLocalDpi xmlns:a14="http://schemas.microsoft.com/office/drawing/2010/main" xmlns="" val="0"/>
                 </a:ext>
               </a:extLst>
             </a:blip>
@@ -5251,7 +5249,7 @@
             <a:blip r:embed="rId20">
               <a:extLst>
                 <a:ext uri="{28A0092B-C50C-407E-A947-70E740481C1C}">
-                  <a14:useLocalDpi xmlns:a14="http://schemas.microsoft.com/office/drawing/2010/main" val="0"/>
+                  <a14:useLocalDpi xmlns:a14="http://schemas.microsoft.com/office/drawing/2010/main" xmlns="" val="0"/>
                 </a:ext>
               </a:extLst>
             </a:blip>
@@ -5401,7 +5399,7 @@
             <a:fld id="{7C611980-21BF-4ACA-93B7-1A807F4393B9}" type="datetimeFigureOut">
               <a:rPr lang="zh-TW" altLang="en-US" smtClean="0"/>
               <a:pPr/>
-              <a:t>2015/4/21</a:t>
+              <a:t>2015/4/18</a:t>
             </a:fld>
             <a:endParaRPr lang="zh-TW" altLang="en-US"/>
           </a:p>
@@ -5489,7 +5487,7 @@
     </p:spTree>
     <p:extLst>
       <p:ext uri="{BB962C8B-B14F-4D97-AF65-F5344CB8AC3E}">
-        <p14:creationId xmlns:p14="http://schemas.microsoft.com/office/powerpoint/2010/main" val="188462130"/>
+        <p14:creationId xmlns:p14="http://schemas.microsoft.com/office/powerpoint/2010/main" xmlns="" val="188462130"/>
       </p:ext>
     </p:extLst>
   </p:cSld>
@@ -6192,615 +6190,6 @@
       </p:grpSpPr>
       <p:sp>
         <p:nvSpPr>
-          <p:cNvPr id="2" name="標題 1"/>
-          <p:cNvSpPr>
-            <a:spLocks noGrp="1"/>
-          </p:cNvSpPr>
-          <p:nvPr>
-            <p:ph type="title"/>
-          </p:nvPr>
-        </p:nvSpPr>
-        <p:spPr/>
-        <p:txBody>
-          <a:bodyPr/>
-          <a:lstStyle/>
-          <a:p>
-            <a:pPr algn="l"/>
-            <a:r>
-              <a:rPr lang="zh-TW" altLang="en-US" dirty="0" smtClean="0">
-                <a:solidFill>
-                  <a:schemeClr val="tx1"/>
-                </a:solidFill>
-                <a:latin typeface="標楷體" pitchFamily="65" charset="-120"/>
-                <a:ea typeface="標楷體" pitchFamily="65" charset="-120"/>
-              </a:rPr>
-              <a:t>會議紀錄</a:t>
-            </a:r>
-            <a:endParaRPr lang="zh-TW" altLang="en-US" dirty="0">
-              <a:solidFill>
-                <a:schemeClr val="tx1"/>
-              </a:solidFill>
-            </a:endParaRPr>
-          </a:p>
-        </p:txBody>
-      </p:sp>
-      <p:sp>
-        <p:nvSpPr>
-          <p:cNvPr id="3" name="直排文字版面配置區 2"/>
-          <p:cNvSpPr>
-            <a:spLocks noGrp="1"/>
-          </p:cNvSpPr>
-          <p:nvPr>
-            <p:ph type="body" orient="vert" idx="1"/>
-          </p:nvPr>
-        </p:nvSpPr>
-        <p:spPr>
-          <a:xfrm>
-            <a:off x="1059785" y="2599361"/>
-            <a:ext cx="10260000" cy="5220000"/>
-          </a:xfrm>
-        </p:spPr>
-        <p:txBody>
-          <a:bodyPr vert="horz">
-            <a:normAutofit/>
-          </a:bodyPr>
-          <a:lstStyle/>
-          <a:p>
-            <a:pPr>
-              <a:buClr>
-                <a:schemeClr val="tx1"/>
-              </a:buClr>
-              <a:buFont typeface="Wingdings" pitchFamily="2" charset="2"/>
-              <a:buChar char="l"/>
-            </a:pPr>
-            <a:r>
-              <a:rPr lang="en-US" altLang="zh-TW" dirty="0" smtClean="0">
-                <a:solidFill>
-                  <a:schemeClr val="tx1"/>
-                </a:solidFill>
-                <a:latin typeface="標楷體" pitchFamily="65" charset="-120"/>
-                <a:ea typeface="標楷體" pitchFamily="65" charset="-120"/>
-              </a:rPr>
-              <a:t>4/7 </a:t>
-            </a:r>
-          </a:p>
-          <a:p>
-            <a:pPr lvl="1">
-              <a:buClrTx/>
-              <a:buFont typeface="Wingdings" pitchFamily="2" charset="2"/>
-              <a:buChar char="Ø"/>
-            </a:pPr>
-            <a:r>
-              <a:rPr lang="zh-TW" altLang="en-US" sz="2400" dirty="0" smtClean="0">
-                <a:solidFill>
-                  <a:schemeClr val="tx1"/>
-                </a:solidFill>
-                <a:latin typeface="標楷體" pitchFamily="65" charset="-120"/>
-                <a:ea typeface="標楷體" pitchFamily="65" charset="-120"/>
-              </a:rPr>
-              <a:t>製作網頁雛形、討論開發動機、平台介紹、平台功能、時程規劃、會議記錄。</a:t>
-            </a:r>
-          </a:p>
-        </p:txBody>
-      </p:sp>
-    </p:spTree>
-  </p:cSld>
-  <p:clrMapOvr>
-    <a:masterClrMapping/>
-  </p:clrMapOvr>
-  <p:timing>
-    <p:tnLst>
-      <p:par>
-        <p:cTn id="1" dur="indefinite" restart="never" nodeType="tmRoot"/>
-      </p:par>
-    </p:tnLst>
-  </p:timing>
-</p:sld>
-</file>
-
-<file path=ppt/slides/slide11.xml><?xml version="1.0" encoding="utf-8"?>
-<p:sld xmlns:a="http://schemas.openxmlformats.org/drawingml/2006/main" xmlns:r="http://schemas.openxmlformats.org/officeDocument/2006/relationships" xmlns:p="http://schemas.openxmlformats.org/presentationml/2006/main">
-  <p:cSld>
-    <p:spTree>
-      <p:nvGrpSpPr>
-        <p:cNvPr id="1" name=""/>
-        <p:cNvGrpSpPr/>
-        <p:nvPr/>
-      </p:nvGrpSpPr>
-      <p:grpSpPr>
-        <a:xfrm>
-          <a:off x="0" y="0"/>
-          <a:ext cx="0" cy="0"/>
-          <a:chOff x="0" y="0"/>
-          <a:chExt cx="0" cy="0"/>
-        </a:xfrm>
-      </p:grpSpPr>
-      <p:sp>
-        <p:nvSpPr>
-          <p:cNvPr id="2" name="標題 1"/>
-          <p:cNvSpPr>
-            <a:spLocks noGrp="1"/>
-          </p:cNvSpPr>
-          <p:nvPr>
-            <p:ph type="title"/>
-          </p:nvPr>
-        </p:nvSpPr>
-        <p:spPr/>
-        <p:txBody>
-          <a:bodyPr>
-            <a:normAutofit/>
-          </a:bodyPr>
-          <a:lstStyle/>
-          <a:p>
-            <a:pPr algn="l"/>
-            <a:r>
-              <a:rPr lang="zh-TW" altLang="en-US" dirty="0" smtClean="0">
-                <a:solidFill>
-                  <a:schemeClr val="tx1"/>
-                </a:solidFill>
-                <a:latin typeface="標楷體" pitchFamily="65" charset="-120"/>
-                <a:ea typeface="標楷體" pitchFamily="65" charset="-120"/>
-              </a:rPr>
-              <a:t>團隊負責</a:t>
-            </a:r>
-            <a:endParaRPr lang="zh-TW" altLang="en-US" dirty="0">
-              <a:solidFill>
-                <a:schemeClr val="tx1"/>
-              </a:solidFill>
-              <a:latin typeface="標楷體" pitchFamily="65" charset="-120"/>
-              <a:ea typeface="標楷體" pitchFamily="65" charset="-120"/>
-            </a:endParaRPr>
-          </a:p>
-        </p:txBody>
-      </p:sp>
-      <p:grpSp>
-        <p:nvGrpSpPr>
-          <p:cNvPr id="12" name="群組 11"/>
-          <p:cNvGrpSpPr/>
-          <p:nvPr/>
-        </p:nvGrpSpPr>
-        <p:grpSpPr>
-          <a:xfrm>
-            <a:off x="1463501" y="2776006"/>
-            <a:ext cx="5636249" cy="2603851"/>
-            <a:chOff x="1299378" y="2471206"/>
-            <a:chExt cx="5636249" cy="2603851"/>
-          </a:xfrm>
-        </p:grpSpPr>
-        <p:sp>
-          <p:nvSpPr>
-            <p:cNvPr id="5" name="文字方塊 4"/>
-            <p:cNvSpPr txBox="1"/>
-            <p:nvPr/>
-          </p:nvSpPr>
-          <p:spPr>
-            <a:xfrm>
-              <a:off x="1299378" y="2826972"/>
-              <a:ext cx="2111475" cy="1261884"/>
-            </a:xfrm>
-            <a:prstGeom prst="rect">
-              <a:avLst/>
-            </a:prstGeom>
-            <a:noFill/>
-          </p:spPr>
-          <p:txBody>
-            <a:bodyPr wrap="none" rtlCol="0">
-              <a:spAutoFit/>
-            </a:bodyPr>
-            <a:lstStyle/>
-            <a:p>
-              <a:pPr lvl="1">
-                <a:buClr>
-                  <a:schemeClr val="tx1"/>
-                </a:buClr>
-                <a:buFont typeface="Wingdings" pitchFamily="2" charset="2"/>
-                <a:buChar char="Ø"/>
-              </a:pPr>
-              <a:r>
-                <a:rPr lang="zh-TW" altLang="en-US" sz="2000" dirty="0" smtClean="0">
-                  <a:latin typeface="標楷體" pitchFamily="65" charset="-120"/>
-                  <a:ea typeface="標楷體" pitchFamily="65" charset="-120"/>
-                </a:rPr>
-                <a:t>珮</a:t>
-              </a:r>
-              <a:r>
-                <a:rPr lang="zh-TW" altLang="en-US" sz="2000" dirty="0">
-                  <a:latin typeface="標楷體" pitchFamily="65" charset="-120"/>
-                  <a:ea typeface="標楷體" pitchFamily="65" charset="-120"/>
-                </a:rPr>
-                <a:t>妤</a:t>
-              </a:r>
-              <a:endParaRPr lang="en-US" altLang="zh-TW" sz="2000" dirty="0">
-                <a:latin typeface="標楷體" pitchFamily="65" charset="-120"/>
-                <a:ea typeface="標楷體" pitchFamily="65" charset="-120"/>
-              </a:endParaRPr>
-            </a:p>
-            <a:p>
-              <a:pPr lvl="2">
-                <a:buClr>
-                  <a:schemeClr val="tx1"/>
-                </a:buClr>
-                <a:buFont typeface="Arial" pitchFamily="34" charset="0"/>
-                <a:buChar char="•"/>
-              </a:pPr>
-              <a:r>
-                <a:rPr lang="zh-TW" altLang="en-US" dirty="0">
-                  <a:latin typeface="標楷體" pitchFamily="65" charset="-120"/>
-                  <a:ea typeface="標楷體" pitchFamily="65" charset="-120"/>
-                </a:rPr>
-                <a:t>動機</a:t>
-              </a:r>
-              <a:endParaRPr lang="en-US" altLang="zh-TW" dirty="0">
-                <a:latin typeface="標楷體" pitchFamily="65" charset="-120"/>
-                <a:ea typeface="標楷體" pitchFamily="65" charset="-120"/>
-              </a:endParaRPr>
-            </a:p>
-            <a:p>
-              <a:pPr lvl="2">
-                <a:buClr>
-                  <a:schemeClr val="tx1"/>
-                </a:buClr>
-                <a:buFont typeface="Arial" pitchFamily="34" charset="0"/>
-                <a:buChar char="•"/>
-              </a:pPr>
-              <a:r>
-                <a:rPr lang="zh-TW" altLang="en-US" dirty="0">
-                  <a:latin typeface="標楷體" pitchFamily="65" charset="-120"/>
-                  <a:ea typeface="標楷體" pitchFamily="65" charset="-120"/>
-                </a:rPr>
-                <a:t>平台介紹</a:t>
-              </a:r>
-              <a:endParaRPr lang="en-US" altLang="zh-TW" dirty="0">
-                <a:latin typeface="標楷體" pitchFamily="65" charset="-120"/>
-                <a:ea typeface="標楷體" pitchFamily="65" charset="-120"/>
-              </a:endParaRPr>
-            </a:p>
-            <a:p>
-              <a:endParaRPr lang="zh-TW" altLang="en-US" sz="2000" dirty="0"/>
-            </a:p>
-          </p:txBody>
-        </p:sp>
-        <p:sp>
-          <p:nvSpPr>
-            <p:cNvPr id="7" name="矩形 6"/>
-            <p:cNvSpPr/>
-            <p:nvPr/>
-          </p:nvSpPr>
-          <p:spPr>
-            <a:xfrm>
-              <a:off x="2970908" y="2833106"/>
-              <a:ext cx="2342964" cy="1231106"/>
-            </a:xfrm>
-            <a:prstGeom prst="rect">
-              <a:avLst/>
-            </a:prstGeom>
-          </p:spPr>
-          <p:txBody>
-            <a:bodyPr wrap="square">
-              <a:spAutoFit/>
-            </a:bodyPr>
-            <a:lstStyle/>
-            <a:p>
-              <a:pPr lvl="1">
-                <a:buClr>
-                  <a:schemeClr val="tx1"/>
-                </a:buClr>
-                <a:buFont typeface="Wingdings" pitchFamily="2" charset="2"/>
-                <a:buChar char="Ø"/>
-              </a:pPr>
-              <a:r>
-                <a:rPr lang="zh-TW" altLang="en-US" sz="2000" dirty="0">
-                  <a:latin typeface="標楷體" pitchFamily="65" charset="-120"/>
-                  <a:ea typeface="標楷體" pitchFamily="65" charset="-120"/>
-                </a:rPr>
-                <a:t>靖倫</a:t>
-              </a:r>
-              <a:endParaRPr lang="en-US" altLang="zh-TW" sz="2000" dirty="0">
-                <a:latin typeface="標楷體" pitchFamily="65" charset="-120"/>
-                <a:ea typeface="標楷體" pitchFamily="65" charset="-120"/>
-              </a:endParaRPr>
-            </a:p>
-            <a:p>
-              <a:pPr lvl="2">
-                <a:buClr>
-                  <a:schemeClr val="tx1"/>
-                </a:buClr>
-                <a:buFont typeface="Arial" pitchFamily="34" charset="0"/>
-                <a:buChar char="•"/>
-              </a:pPr>
-              <a:r>
-                <a:rPr lang="zh-TW" altLang="en-US" dirty="0">
-                  <a:latin typeface="標楷體" pitchFamily="65" charset="-120"/>
-                  <a:ea typeface="標楷體" pitchFamily="65" charset="-120"/>
-                </a:rPr>
-                <a:t>平台功能</a:t>
-              </a:r>
-              <a:endParaRPr lang="en-US" altLang="zh-TW" dirty="0">
-                <a:latin typeface="標楷體" pitchFamily="65" charset="-120"/>
-                <a:ea typeface="標楷體" pitchFamily="65" charset="-120"/>
-              </a:endParaRPr>
-            </a:p>
-            <a:p>
-              <a:pPr lvl="2">
-                <a:buClr>
-                  <a:schemeClr val="tx1"/>
-                </a:buClr>
-                <a:buFont typeface="Arial" pitchFamily="34" charset="0"/>
-                <a:buChar char="•"/>
-              </a:pPr>
-              <a:r>
-                <a:rPr lang="zh-TW" altLang="en-US" dirty="0">
-                  <a:latin typeface="標楷體" pitchFamily="65" charset="-120"/>
-                  <a:ea typeface="標楷體" pitchFamily="65" charset="-120"/>
-                </a:rPr>
-                <a:t>時程規劃</a:t>
-              </a:r>
-              <a:endParaRPr lang="en-US" altLang="zh-TW" dirty="0">
-                <a:latin typeface="標楷體" pitchFamily="65" charset="-120"/>
-                <a:ea typeface="標楷體" pitchFamily="65" charset="-120"/>
-              </a:endParaRPr>
-            </a:p>
-            <a:p>
-              <a:pPr lvl="2">
-                <a:buClr>
-                  <a:schemeClr val="tx1"/>
-                </a:buClr>
-                <a:buFont typeface="Arial" pitchFamily="34" charset="0"/>
-                <a:buChar char="•"/>
-              </a:pPr>
-              <a:r>
-                <a:rPr lang="zh-TW" altLang="en-US" dirty="0">
-                  <a:latin typeface="標楷體" pitchFamily="65" charset="-120"/>
-                  <a:ea typeface="標楷體" pitchFamily="65" charset="-120"/>
-                </a:rPr>
-                <a:t>內容整合</a:t>
-              </a:r>
-              <a:endParaRPr lang="en-US" altLang="zh-TW" dirty="0">
-                <a:latin typeface="標楷體" pitchFamily="65" charset="-120"/>
-                <a:ea typeface="標楷體" pitchFamily="65" charset="-120"/>
-              </a:endParaRPr>
-            </a:p>
-          </p:txBody>
-        </p:sp>
-        <p:sp>
-          <p:nvSpPr>
-            <p:cNvPr id="8" name="矩形 7"/>
-            <p:cNvSpPr/>
-            <p:nvPr/>
-          </p:nvSpPr>
-          <p:spPr>
-            <a:xfrm>
-              <a:off x="1299378" y="2471206"/>
-              <a:ext cx="1401346" cy="400110"/>
-            </a:xfrm>
-            <a:prstGeom prst="rect">
-              <a:avLst/>
-            </a:prstGeom>
-          </p:spPr>
-          <p:txBody>
-            <a:bodyPr wrap="none">
-              <a:spAutoFit/>
-            </a:bodyPr>
-            <a:lstStyle/>
-            <a:p>
-              <a:pPr>
-                <a:buClr>
-                  <a:schemeClr val="tx1"/>
-                </a:buClr>
-                <a:buFont typeface="Wingdings" pitchFamily="2" charset="2"/>
-                <a:buChar char="l"/>
-              </a:pPr>
-              <a:r>
-                <a:rPr lang="zh-TW" altLang="en-US" sz="2000" dirty="0">
-                  <a:latin typeface="標楷體" pitchFamily="65" charset="-120"/>
-                  <a:ea typeface="標楷體" pitchFamily="65" charset="-120"/>
-                </a:rPr>
-                <a:t>文案內容</a:t>
-              </a:r>
-              <a:endParaRPr lang="en-US" altLang="zh-TW" sz="2000" dirty="0">
-                <a:latin typeface="標楷體" pitchFamily="65" charset="-120"/>
-                <a:ea typeface="標楷體" pitchFamily="65" charset="-120"/>
-              </a:endParaRPr>
-            </a:p>
-          </p:txBody>
-        </p:sp>
-        <p:sp>
-          <p:nvSpPr>
-            <p:cNvPr id="9" name="矩形 8"/>
-            <p:cNvSpPr/>
-            <p:nvPr/>
-          </p:nvSpPr>
-          <p:spPr>
-            <a:xfrm>
-              <a:off x="4730140" y="2840538"/>
-              <a:ext cx="2205487" cy="954107"/>
-            </a:xfrm>
-            <a:prstGeom prst="rect">
-              <a:avLst/>
-            </a:prstGeom>
-          </p:spPr>
-          <p:txBody>
-            <a:bodyPr wrap="square">
-              <a:spAutoFit/>
-            </a:bodyPr>
-            <a:lstStyle/>
-            <a:p>
-              <a:pPr lvl="1">
-                <a:buClr>
-                  <a:schemeClr val="tx1"/>
-                </a:buClr>
-                <a:buFont typeface="Wingdings" pitchFamily="2" charset="2"/>
-                <a:buChar char="Ø"/>
-              </a:pPr>
-              <a:r>
-                <a:rPr lang="zh-TW" altLang="en-US" sz="2000" dirty="0">
-                  <a:latin typeface="標楷體" pitchFamily="65" charset="-120"/>
-                  <a:ea typeface="標楷體" pitchFamily="65" charset="-120"/>
-                </a:rPr>
-                <a:t>郁絜</a:t>
-              </a:r>
-              <a:endParaRPr lang="en-US" altLang="zh-TW" sz="2000" dirty="0">
-                <a:latin typeface="標楷體" pitchFamily="65" charset="-120"/>
-                <a:ea typeface="標楷體" pitchFamily="65" charset="-120"/>
-              </a:endParaRPr>
-            </a:p>
-            <a:p>
-              <a:pPr lvl="2">
-                <a:buClr>
-                  <a:schemeClr val="tx1"/>
-                </a:buClr>
-                <a:buFont typeface="Arial" pitchFamily="34" charset="0"/>
-                <a:buChar char="•"/>
-              </a:pPr>
-              <a:r>
-                <a:rPr lang="zh-TW" altLang="en-US" dirty="0">
-                  <a:latin typeface="標楷體" pitchFamily="65" charset="-120"/>
-                  <a:ea typeface="標楷體" pitchFamily="65" charset="-120"/>
-                </a:rPr>
-                <a:t>會議紀錄</a:t>
-              </a:r>
-              <a:endParaRPr lang="en-US" altLang="zh-TW" dirty="0">
-                <a:latin typeface="標楷體" pitchFamily="65" charset="-120"/>
-                <a:ea typeface="標楷體" pitchFamily="65" charset="-120"/>
-              </a:endParaRPr>
-            </a:p>
-            <a:p>
-              <a:pPr lvl="2">
-                <a:buClr>
-                  <a:schemeClr val="tx1"/>
-                </a:buClr>
-                <a:buFont typeface="Arial" pitchFamily="34" charset="0"/>
-                <a:buChar char="•"/>
-              </a:pPr>
-              <a:r>
-                <a:rPr lang="zh-TW" altLang="en-US" dirty="0">
-                  <a:latin typeface="標楷體" pitchFamily="65" charset="-120"/>
-                  <a:ea typeface="標楷體" pitchFamily="65" charset="-120"/>
-                </a:rPr>
-                <a:t>團隊負責</a:t>
-              </a:r>
-              <a:endParaRPr lang="en-US" altLang="zh-TW" sz="2400" dirty="0">
-                <a:latin typeface="標楷體" pitchFamily="65" charset="-120"/>
-                <a:ea typeface="標楷體" pitchFamily="65" charset="-120"/>
-              </a:endParaRPr>
-            </a:p>
-          </p:txBody>
-        </p:sp>
-        <p:sp>
-          <p:nvSpPr>
-            <p:cNvPr id="10" name="矩形 9"/>
-            <p:cNvSpPr/>
-            <p:nvPr/>
-          </p:nvSpPr>
-          <p:spPr>
-            <a:xfrm>
-              <a:off x="1309797" y="4705725"/>
-              <a:ext cx="1752403" cy="369332"/>
-            </a:xfrm>
-            <a:prstGeom prst="rect">
-              <a:avLst/>
-            </a:prstGeom>
-          </p:spPr>
-          <p:txBody>
-            <a:bodyPr wrap="none">
-              <a:spAutoFit/>
-            </a:bodyPr>
-            <a:lstStyle/>
-            <a:p>
-              <a:pPr lvl="1">
-                <a:buClrTx/>
-                <a:buFont typeface="Wingdings" pitchFamily="2" charset="2"/>
-                <a:buChar char="Ø"/>
-              </a:pPr>
-              <a:r>
-                <a:rPr lang="zh-TW" altLang="en-US" dirty="0">
-                  <a:latin typeface="標楷體" pitchFamily="65" charset="-120"/>
-                  <a:ea typeface="標楷體" pitchFamily="65" charset="-120"/>
-                </a:rPr>
-                <a:t>團隊合作</a:t>
-              </a:r>
-              <a:endParaRPr lang="en-US" altLang="zh-TW" dirty="0">
-                <a:latin typeface="標楷體" pitchFamily="65" charset="-120"/>
-                <a:ea typeface="標楷體" pitchFamily="65" charset="-120"/>
-              </a:endParaRPr>
-            </a:p>
-          </p:txBody>
-        </p:sp>
-        <p:sp>
-          <p:nvSpPr>
-            <p:cNvPr id="11" name="矩形 10"/>
-            <p:cNvSpPr/>
-            <p:nvPr/>
-          </p:nvSpPr>
-          <p:spPr>
-            <a:xfrm>
-              <a:off x="1299378" y="4287870"/>
-              <a:ext cx="2170787" cy="400110"/>
-            </a:xfrm>
-            <a:prstGeom prst="rect">
-              <a:avLst/>
-            </a:prstGeom>
-          </p:spPr>
-          <p:txBody>
-            <a:bodyPr wrap="none">
-              <a:spAutoFit/>
-            </a:bodyPr>
-            <a:lstStyle/>
-            <a:p>
-              <a:pPr>
-                <a:buClrTx/>
-                <a:buFont typeface="Wingdings" pitchFamily="2" charset="2"/>
-                <a:buChar char="l"/>
-              </a:pPr>
-              <a:r>
-                <a:rPr lang="zh-TW" altLang="en-US" sz="2000" dirty="0">
-                  <a:latin typeface="標楷體" pitchFamily="65" charset="-120"/>
-                  <a:ea typeface="標楷體" pitchFamily="65" charset="-120"/>
-                </a:rPr>
-                <a:t>網頁、雛形製作</a:t>
-              </a:r>
-              <a:endParaRPr lang="en-US" altLang="zh-TW" sz="2000" dirty="0">
-                <a:latin typeface="標楷體" pitchFamily="65" charset="-120"/>
-                <a:ea typeface="標楷體" pitchFamily="65" charset="-120"/>
-              </a:endParaRPr>
-            </a:p>
-          </p:txBody>
-        </p:sp>
-      </p:grpSp>
-    </p:spTree>
-  </p:cSld>
-  <p:clrMapOvr>
-    <a:masterClrMapping/>
-  </p:clrMapOvr>
-  <p:timing>
-    <p:tnLst>
-      <p:par>
-        <p:cTn id="1" dur="indefinite" restart="never" nodeType="tmRoot"/>
-      </p:par>
-    </p:tnLst>
-  </p:timing>
-</p:sld>
-</file>
-
-<file path=ppt/slides/slide12.xml><?xml version="1.0" encoding="utf-8"?>
-<p:sld xmlns:a="http://schemas.openxmlformats.org/drawingml/2006/main" xmlns:r="http://schemas.openxmlformats.org/officeDocument/2006/relationships" xmlns:p="http://schemas.openxmlformats.org/presentationml/2006/main">
-  <p:cSld>
-    <p:spTree>
-      <p:nvGrpSpPr>
-        <p:cNvPr id="1" name=""/>
-        <p:cNvGrpSpPr/>
-        <p:nvPr/>
-      </p:nvGrpSpPr>
-      <p:grpSpPr>
-        <a:xfrm>
-          <a:off x="0" y="0"/>
-          <a:ext cx="0" cy="0"/>
-          <a:chOff x="0" y="0"/>
-          <a:chExt cx="0" cy="0"/>
-        </a:xfrm>
-      </p:grpSpPr>
-      <p:sp>
-        <p:nvSpPr>
           <p:cNvPr id="5" name="標題 4"/>
           <p:cNvSpPr>
             <a:spLocks noGrp="1"/>
@@ -6856,7 +6245,7 @@
 </p:sld>
 </file>
 
-<file path=ppt/slides/slide13.xml><?xml version="1.0" encoding="utf-8"?>
+<file path=ppt/slides/slide11.xml><?xml version="1.0" encoding="utf-8"?>
 <p:sld xmlns:a="http://schemas.openxmlformats.org/drawingml/2006/main" xmlns:r="http://schemas.openxmlformats.org/officeDocument/2006/relationships" xmlns:p="http://schemas.openxmlformats.org/presentationml/2006/main" showMasterSp="0">
   <p:cSld>
     <p:bg>
@@ -7091,7 +6480,7 @@
     </p:spTree>
     <p:extLst>
       <p:ext uri="{BB962C8B-B14F-4D97-AF65-F5344CB8AC3E}">
-        <p14:creationId xmlns:p14="http://schemas.microsoft.com/office/powerpoint/2010/main" val="1567281038"/>
+        <p14:creationId xmlns:p14="http://schemas.microsoft.com/office/powerpoint/2010/main" xmlns="" val="1567281038"/>
       </p:ext>
     </p:extLst>
   </p:cSld>
@@ -7109,7 +6498,7 @@
 </p:sld>
 </file>
 
-<file path=ppt/slides/slide14.xml><?xml version="1.0" encoding="utf-8"?>
+<file path=ppt/slides/slide12.xml><?xml version="1.0" encoding="utf-8"?>
 <p:sld xmlns:a="http://schemas.openxmlformats.org/drawingml/2006/main" xmlns:r="http://schemas.openxmlformats.org/officeDocument/2006/relationships" xmlns:p="http://schemas.openxmlformats.org/presentationml/2006/main" showMasterSp="0" show="0">
   <p:cSld>
     <p:bg>
@@ -7304,7 +6693,7 @@
             <a:blip r:embed="rId4" cstate="print">
               <a:extLst>
                 <a:ext uri="{28A0092B-C50C-407E-A947-70E740481C1C}">
-                  <a14:useLocalDpi xmlns:a14="http://schemas.microsoft.com/office/drawing/2010/main" val="0"/>
+                  <a14:useLocalDpi xmlns:a14="http://schemas.microsoft.com/office/drawing/2010/main" xmlns="" val="0"/>
                 </a:ext>
               </a:extLst>
             </a:blip>
@@ -7367,7 +6756,7 @@
     </p:spTree>
     <p:extLst>
       <p:ext uri="{BB962C8B-B14F-4D97-AF65-F5344CB8AC3E}">
-        <p14:creationId xmlns:p14="http://schemas.microsoft.com/office/powerpoint/2010/main" val="3688328274"/>
+        <p14:creationId xmlns:p14="http://schemas.microsoft.com/office/powerpoint/2010/main" xmlns="" val="3688328274"/>
       </p:ext>
     </p:extLst>
   </p:cSld>
@@ -7385,7 +6774,7 @@
 </p:sld>
 </file>
 
-<file path=ppt/slides/slide15.xml><?xml version="1.0" encoding="utf-8"?>
+<file path=ppt/slides/slide13.xml><?xml version="1.0" encoding="utf-8"?>
 <p:sld xmlns:a="http://schemas.openxmlformats.org/drawingml/2006/main" xmlns:r="http://schemas.openxmlformats.org/officeDocument/2006/relationships" xmlns:p="http://schemas.openxmlformats.org/presentationml/2006/main" showMasterSp="0" show="0">
   <p:cSld>
     <p:bg>
@@ -7431,7 +6820,7 @@
           <a:blip r:embed="rId3" cstate="print">
             <a:extLst>
               <a:ext uri="{28A0092B-C50C-407E-A947-70E740481C1C}">
-                <a14:useLocalDpi xmlns:a14="http://schemas.microsoft.com/office/drawing/2010/main" val="0"/>
+                <a14:useLocalDpi xmlns:a14="http://schemas.microsoft.com/office/drawing/2010/main" xmlns="" val="0"/>
               </a:ext>
             </a:extLst>
           </a:blip>
@@ -7493,7 +6882,7 @@
           <a:blip r:embed="rId5">
             <a:extLst>
               <a:ext uri="{28A0092B-C50C-407E-A947-70E740481C1C}">
-                <a14:useLocalDpi xmlns:a14="http://schemas.microsoft.com/office/drawing/2010/main" val="0"/>
+                <a14:useLocalDpi xmlns:a14="http://schemas.microsoft.com/office/drawing/2010/main" xmlns="" val="0"/>
               </a:ext>
             </a:extLst>
           </a:blip>
@@ -7569,7 +6958,7 @@
             <a:blip r:embed="rId7">
               <a:extLst>
                 <a:ext uri="{28A0092B-C50C-407E-A947-70E740481C1C}">
-                  <a14:useLocalDpi xmlns:a14="http://schemas.microsoft.com/office/drawing/2010/main" val="0"/>
+                  <a14:useLocalDpi xmlns:a14="http://schemas.microsoft.com/office/drawing/2010/main" xmlns="" val="0"/>
                 </a:ext>
               </a:extLst>
             </a:blip>
@@ -7630,7 +7019,7 @@
             <a:blip r:embed="rId9">
               <a:extLst>
                 <a:ext uri="{28A0092B-C50C-407E-A947-70E740481C1C}">
-                  <a14:useLocalDpi xmlns:a14="http://schemas.microsoft.com/office/drawing/2010/main" val="0"/>
+                  <a14:useLocalDpi xmlns:a14="http://schemas.microsoft.com/office/drawing/2010/main" xmlns="" val="0"/>
                 </a:ext>
               </a:extLst>
             </a:blip>
@@ -7692,7 +7081,7 @@
             <a:blip r:embed="rId10">
               <a:extLst>
                 <a:ext uri="{28A0092B-C50C-407E-A947-70E740481C1C}">
-                  <a14:useLocalDpi xmlns:a14="http://schemas.microsoft.com/office/drawing/2010/main" val="0"/>
+                  <a14:useLocalDpi xmlns:a14="http://schemas.microsoft.com/office/drawing/2010/main" xmlns="" val="0"/>
                 </a:ext>
               </a:extLst>
             </a:blip>
@@ -7908,7 +7297,7 @@
           <p:nvPr>
             <p:extLst>
               <p:ext uri="{D42A27DB-BD31-4B8C-83A1-F6EECF244321}">
-                <p14:modId xmlns:p14="http://schemas.microsoft.com/office/powerpoint/2010/main" val="3591774129"/>
+                <p14:modId xmlns:p14="http://schemas.microsoft.com/office/powerpoint/2010/main" xmlns="" val="3591774129"/>
               </p:ext>
             </p:extLst>
           </p:nvPr>
@@ -8119,11 +7508,11 @@
   <p:clrMapOvr>
     <a:masterClrMapping/>
   </p:clrMapOvr>
-  <mc:AlternateContent xmlns:mc="http://schemas.openxmlformats.org/markup-compatibility/2006" xmlns:p14="http://schemas.microsoft.com/office/powerpoint/2010/main">
-    <mc:Choice Requires="p14">
+  <mc:AlternateContent xmlns:mc="http://schemas.openxmlformats.org/markup-compatibility/2006">
+    <mc:Choice xmlns:p14="http://schemas.microsoft.com/office/powerpoint/2010/main" xmlns="" Requires="p14">
       <p:transition spd="slow" p14:dur="2000"/>
     </mc:Choice>
-    <mc:Fallback xmlns="">
+    <mc:Fallback>
       <p:transition spd="slow"/>
     </mc:Fallback>
   </mc:AlternateContent>
@@ -8137,7 +7526,7 @@
 </p:sld>
 </file>
 
-<file path=ppt/slides/slide16.xml><?xml version="1.0" encoding="utf-8"?>
+<file path=ppt/slides/slide14.xml><?xml version="1.0" encoding="utf-8"?>
 <p:sld xmlns:a="http://schemas.openxmlformats.org/drawingml/2006/main" xmlns:r="http://schemas.openxmlformats.org/officeDocument/2006/relationships" xmlns:p="http://schemas.openxmlformats.org/presentationml/2006/main" showMasterSp="0" show="0">
   <p:cSld>
     <p:bg>
@@ -8183,7 +7572,7 @@
           <a:blip r:embed="rId3" cstate="print">
             <a:extLst>
               <a:ext uri="{28A0092B-C50C-407E-A947-70E740481C1C}">
-                <a14:useLocalDpi xmlns:a14="http://schemas.microsoft.com/office/drawing/2010/main" val="0"/>
+                <a14:useLocalDpi xmlns:a14="http://schemas.microsoft.com/office/drawing/2010/main" xmlns="" val="0"/>
               </a:ext>
             </a:extLst>
           </a:blip>
@@ -8245,7 +7634,7 @@
           <a:blip r:embed="rId5">
             <a:extLst>
               <a:ext uri="{28A0092B-C50C-407E-A947-70E740481C1C}">
-                <a14:useLocalDpi xmlns:a14="http://schemas.microsoft.com/office/drawing/2010/main" val="0"/>
+                <a14:useLocalDpi xmlns:a14="http://schemas.microsoft.com/office/drawing/2010/main" xmlns="" val="0"/>
               </a:ext>
             </a:extLst>
           </a:blip>
@@ -8321,7 +7710,7 @@
             <a:blip r:embed="rId7">
               <a:extLst>
                 <a:ext uri="{28A0092B-C50C-407E-A947-70E740481C1C}">
-                  <a14:useLocalDpi xmlns:a14="http://schemas.microsoft.com/office/drawing/2010/main" val="0"/>
+                  <a14:useLocalDpi xmlns:a14="http://schemas.microsoft.com/office/drawing/2010/main" xmlns="" val="0"/>
                 </a:ext>
               </a:extLst>
             </a:blip>
@@ -8382,7 +7771,7 @@
             <a:blip r:embed="rId9">
               <a:extLst>
                 <a:ext uri="{28A0092B-C50C-407E-A947-70E740481C1C}">
-                  <a14:useLocalDpi xmlns:a14="http://schemas.microsoft.com/office/drawing/2010/main" val="0"/>
+                  <a14:useLocalDpi xmlns:a14="http://schemas.microsoft.com/office/drawing/2010/main" xmlns="" val="0"/>
                 </a:ext>
               </a:extLst>
             </a:blip>
@@ -8444,7 +7833,7 @@
             <a:blip r:embed="rId10">
               <a:extLst>
                 <a:ext uri="{28A0092B-C50C-407E-A947-70E740481C1C}">
-                  <a14:useLocalDpi xmlns:a14="http://schemas.microsoft.com/office/drawing/2010/main" val="0"/>
+                  <a14:useLocalDpi xmlns:a14="http://schemas.microsoft.com/office/drawing/2010/main" xmlns="" val="0"/>
                 </a:ext>
               </a:extLst>
             </a:blip>
@@ -8660,7 +8049,7 @@
           <p:nvPr>
             <p:extLst>
               <p:ext uri="{D42A27DB-BD31-4B8C-83A1-F6EECF244321}">
-                <p14:modId xmlns:p14="http://schemas.microsoft.com/office/powerpoint/2010/main" val="2140244748"/>
+                <p14:modId xmlns:p14="http://schemas.microsoft.com/office/powerpoint/2010/main" xmlns="" val="2140244748"/>
               </p:ext>
             </p:extLst>
           </p:nvPr>
@@ -8869,18 +8258,18 @@
     </p:spTree>
     <p:extLst>
       <p:ext uri="{BB962C8B-B14F-4D97-AF65-F5344CB8AC3E}">
-        <p14:creationId xmlns:p14="http://schemas.microsoft.com/office/powerpoint/2010/main" val="3553562639"/>
+        <p14:creationId xmlns:p14="http://schemas.microsoft.com/office/powerpoint/2010/main" xmlns="" val="3553562639"/>
       </p:ext>
     </p:extLst>
   </p:cSld>
   <p:clrMapOvr>
     <a:masterClrMapping/>
   </p:clrMapOvr>
-  <mc:AlternateContent xmlns:mc="http://schemas.openxmlformats.org/markup-compatibility/2006" xmlns:p14="http://schemas.microsoft.com/office/powerpoint/2010/main">
-    <mc:Choice Requires="p14">
+  <mc:AlternateContent xmlns:mc="http://schemas.openxmlformats.org/markup-compatibility/2006">
+    <mc:Choice xmlns:p14="http://schemas.microsoft.com/office/powerpoint/2010/main" xmlns="" Requires="p14">
       <p:transition spd="slow" p14:dur="2000"/>
     </mc:Choice>
-    <mc:Fallback xmlns="">
+    <mc:Fallback>
       <p:transition spd="slow"/>
     </mc:Fallback>
   </mc:AlternateContent>
@@ -8894,7 +8283,7 @@
 </p:sld>
 </file>
 
-<file path=ppt/slides/slide17.xml><?xml version="1.0" encoding="utf-8"?>
+<file path=ppt/slides/slide15.xml><?xml version="1.0" encoding="utf-8"?>
 <p:sld xmlns:a="http://schemas.openxmlformats.org/drawingml/2006/main" xmlns:r="http://schemas.openxmlformats.org/officeDocument/2006/relationships" xmlns:p="http://schemas.openxmlformats.org/presentationml/2006/main" showMasterSp="0" show="0">
   <p:cSld>
     <p:bg>
@@ -8975,7 +8364,7 @@
           <p:nvPr>
             <p:extLst>
               <p:ext uri="{D42A27DB-BD31-4B8C-83A1-F6EECF244321}">
-                <p14:modId xmlns:p14="http://schemas.microsoft.com/office/powerpoint/2010/main" val="3722986309"/>
+                <p14:modId xmlns:p14="http://schemas.microsoft.com/office/powerpoint/2010/main" xmlns="" val="3722986309"/>
               </p:ext>
             </p:extLst>
           </p:nvPr>
@@ -11540,7 +10929,7 @@
 </p:sld>
 </file>
 
-<file path=ppt/slides/slide18.xml><?xml version="1.0" encoding="utf-8"?>
+<file path=ppt/slides/slide16.xml><?xml version="1.0" encoding="utf-8"?>
 <p:sld xmlns:a="http://schemas.openxmlformats.org/drawingml/2006/main" xmlns:r="http://schemas.openxmlformats.org/officeDocument/2006/relationships" xmlns:p="http://schemas.openxmlformats.org/presentationml/2006/main" showMasterSp="0" show="0">
   <p:cSld>
     <p:bg>
@@ -11621,7 +11010,7 @@
           <p:nvPr>
             <p:extLst>
               <p:ext uri="{D42A27DB-BD31-4B8C-83A1-F6EECF244321}">
-                <p14:modId xmlns:p14="http://schemas.microsoft.com/office/powerpoint/2010/main" val="535835633"/>
+                <p14:modId xmlns:p14="http://schemas.microsoft.com/office/powerpoint/2010/main" xmlns="" val="535835633"/>
               </p:ext>
             </p:extLst>
           </p:nvPr>
@@ -14173,7 +13562,7 @@
     </p:spTree>
     <p:extLst>
       <p:ext uri="{BB962C8B-B14F-4D97-AF65-F5344CB8AC3E}">
-        <p14:creationId xmlns:p14="http://schemas.microsoft.com/office/powerpoint/2010/main" val="566412740"/>
+        <p14:creationId xmlns:p14="http://schemas.microsoft.com/office/powerpoint/2010/main" xmlns="" val="566412740"/>
       </p:ext>
     </p:extLst>
   </p:cSld>
@@ -14191,7 +13580,7 @@
 </p:sld>
 </file>
 
-<file path=ppt/slides/slide19.xml><?xml version="1.0" encoding="utf-8"?>
+<file path=ppt/slides/slide17.xml><?xml version="1.0" encoding="utf-8"?>
 <p:sld xmlns:a="http://schemas.openxmlformats.org/drawingml/2006/main" xmlns:r="http://schemas.openxmlformats.org/officeDocument/2006/relationships" xmlns:p="http://schemas.openxmlformats.org/presentationml/2006/main" showMasterSp="0" show="0">
   <p:cSld>
     <p:bg>
@@ -14230,7 +13619,7 @@
           <p:nvPr>
             <p:extLst>
               <p:ext uri="{D42A27DB-BD31-4B8C-83A1-F6EECF244321}">
-                <p14:modId xmlns:p14="http://schemas.microsoft.com/office/powerpoint/2010/main" val="192759328"/>
+                <p14:modId xmlns:p14="http://schemas.microsoft.com/office/powerpoint/2010/main" xmlns="" val="192759328"/>
               </p:ext>
             </p:extLst>
           </p:nvPr>
@@ -16691,7 +16080,7 @@
     </p:spTree>
     <p:extLst>
       <p:ext uri="{BB962C8B-B14F-4D97-AF65-F5344CB8AC3E}">
-        <p14:creationId xmlns:p14="http://schemas.microsoft.com/office/powerpoint/2010/main" val="1897802711"/>
+        <p14:creationId xmlns:p14="http://schemas.microsoft.com/office/powerpoint/2010/main" xmlns="" val="1897802711"/>
       </p:ext>
     </p:extLst>
   </p:cSld>
@@ -16699,6 +16088,1242 @@
     <a:masterClrMapping/>
   </p:clrMapOvr>
   <p:transition advClick="0"/>
+  <p:timing>
+    <p:tnLst>
+      <p:par>
+        <p:cTn id="1" dur="indefinite" restart="never" nodeType="tmRoot"/>
+      </p:par>
+    </p:tnLst>
+  </p:timing>
+</p:sld>
+</file>
+
+<file path=ppt/slides/slide18.xml><?xml version="1.0" encoding="utf-8"?>
+<p:sld xmlns:a="http://schemas.openxmlformats.org/drawingml/2006/main" xmlns:r="http://schemas.openxmlformats.org/officeDocument/2006/relationships" xmlns:p="http://schemas.openxmlformats.org/presentationml/2006/main" showMasterSp="0" show="0">
+  <p:cSld>
+    <p:bg>
+      <p:bgPr>
+        <a:pattFill prst="pct5">
+          <a:fgClr>
+            <a:schemeClr val="bg1"/>
+          </a:fgClr>
+          <a:bgClr>
+            <a:schemeClr val="bg1"/>
+          </a:bgClr>
+        </a:pattFill>
+        <a:effectLst/>
+      </p:bgPr>
+    </p:bg>
+    <p:spTree>
+      <p:nvGrpSpPr>
+        <p:cNvPr id="1" name=""/>
+        <p:cNvGrpSpPr/>
+        <p:nvPr/>
+      </p:nvGrpSpPr>
+      <p:grpSpPr>
+        <a:xfrm>
+          <a:off x="0" y="0"/>
+          <a:ext cx="0" cy="0"/>
+          <a:chOff x="0" y="0"/>
+          <a:chExt cx="0" cy="0"/>
+        </a:xfrm>
+      </p:grpSpPr>
+      <p:sp>
+        <p:nvSpPr>
+          <p:cNvPr id="2" name="標題 1"/>
+          <p:cNvSpPr>
+            <a:spLocks noGrp="1"/>
+          </p:cNvSpPr>
+          <p:nvPr>
+            <p:ph type="title"/>
+          </p:nvPr>
+        </p:nvSpPr>
+        <p:spPr>
+          <a:xfrm>
+            <a:off x="1295402" y="17301"/>
+            <a:ext cx="9601196" cy="1303867"/>
+          </a:xfrm>
+        </p:spPr>
+        <p:txBody>
+          <a:bodyPr>
+            <a:normAutofit/>
+          </a:bodyPr>
+          <a:lstStyle/>
+          <a:p>
+            <a:r>
+              <a:rPr lang="zh-TW" altLang="en-US" dirty="0" smtClean="0">
+                <a:solidFill>
+                  <a:schemeClr val="tx1"/>
+                </a:solidFill>
+                <a:latin typeface="標楷體" pitchFamily="65" charset="-120"/>
+                <a:ea typeface="標楷體" pitchFamily="65" charset="-120"/>
+              </a:rPr>
+              <a:t>教職員餐廳</a:t>
+            </a:r>
+            <a:endParaRPr lang="zh-TW" altLang="en-US" dirty="0">
+              <a:solidFill>
+                <a:schemeClr val="tx1"/>
+              </a:solidFill>
+              <a:latin typeface="標楷體" pitchFamily="65" charset="-120"/>
+              <a:ea typeface="標楷體" pitchFamily="65" charset="-120"/>
+            </a:endParaRPr>
+          </a:p>
+        </p:txBody>
+      </p:sp>
+      <p:sp>
+        <p:nvSpPr>
+          <p:cNvPr id="3" name="矩形 2"/>
+          <p:cNvSpPr/>
+          <p:nvPr/>
+        </p:nvSpPr>
+        <p:spPr>
+          <a:xfrm>
+            <a:off x="10217427" y="371061"/>
+            <a:ext cx="1232452" cy="596348"/>
+          </a:xfrm>
+          <a:prstGeom prst="rect">
+            <a:avLst/>
+          </a:prstGeom>
+          <a:solidFill>
+            <a:srgbClr val="00B0F0"/>
+          </a:solidFill>
+        </p:spPr>
+        <p:style>
+          <a:lnRef idx="1">
+            <a:schemeClr val="accent2"/>
+          </a:lnRef>
+          <a:fillRef idx="2">
+            <a:schemeClr val="accent2"/>
+          </a:fillRef>
+          <a:effectRef idx="1">
+            <a:schemeClr val="accent2"/>
+          </a:effectRef>
+          <a:fontRef idx="minor">
+            <a:schemeClr val="dk1"/>
+          </a:fontRef>
+        </p:style>
+        <p:txBody>
+          <a:bodyPr rtlCol="0" anchor="ctr"/>
+          <a:lstStyle/>
+          <a:p>
+            <a:pPr algn="ctr"/>
+            <a:r>
+              <a:rPr lang="zh-TW" altLang="en-US" dirty="0" smtClean="0">
+                <a:hlinkClick r:id="rId2" action="ppaction://hlinksldjump"/>
+              </a:rPr>
+              <a:t>回首頁</a:t>
+            </a:r>
+            <a:endParaRPr lang="zh-TW" altLang="en-US" dirty="0"/>
+          </a:p>
+        </p:txBody>
+      </p:sp>
+      <p:graphicFrame>
+        <p:nvGraphicFramePr>
+          <p:cNvPr id="4" name="表格 3"/>
+          <p:cNvGraphicFramePr>
+            <a:graphicFrameLocks noGrp="1"/>
+          </p:cNvGraphicFramePr>
+          <p:nvPr/>
+        </p:nvGraphicFramePr>
+        <p:xfrm>
+          <a:off x="1285462" y="3061252"/>
+          <a:ext cx="2438098" cy="3622136"/>
+        </p:xfrm>
+        <a:graphic>
+          <a:graphicData uri="http://schemas.openxmlformats.org/drawingml/2006/table">
+            <a:tbl>
+              <a:tblPr/>
+              <a:tblGrid>
+                <a:gridCol w="2438098"/>
+              </a:tblGrid>
+              <a:tr h="2733687">
+                <a:tc>
+                  <a:txBody>
+                    <a:bodyPr/>
+                    <a:lstStyle/>
+                    <a:p>
+                      <a:pPr marL="0" marR="0" indent="0" algn="ctr" defTabSz="914400" rtl="0" eaLnBrk="1" fontAlgn="auto" latinLnBrk="0" hangingPunct="1">
+                        <a:lnSpc>
+                          <a:spcPct val="100000"/>
+                        </a:lnSpc>
+                        <a:spcBef>
+                          <a:spcPts val="0"/>
+                        </a:spcBef>
+                        <a:spcAft>
+                          <a:spcPts val="0"/>
+                        </a:spcAft>
+                        <a:buClrTx/>
+                        <a:buSzTx/>
+                        <a:buFontTx/>
+                        <a:buNone/>
+                        <a:tabLst/>
+                        <a:defRPr/>
+                      </a:pPr>
+                      <a:r>
+                        <a:rPr kumimoji="0" lang="zh-TW" altLang="en-US" sz="3600" kern="1200" dirty="0" smtClean="0">
+                          <a:solidFill>
+                            <a:schemeClr val="tx1"/>
+                          </a:solidFill>
+                          <a:latin typeface="標楷體" pitchFamily="65" charset="-120"/>
+                          <a:ea typeface="標楷體" pitchFamily="65" charset="-120"/>
+                          <a:cs typeface="+mn-cs"/>
+                        </a:rPr>
+                        <a:t>中餐部</a:t>
+                      </a:r>
+                      <a:endParaRPr lang="zh-TW" altLang="en-US" sz="3200" dirty="0">
+                        <a:latin typeface="標楷體" pitchFamily="65" charset="-120"/>
+                        <a:ea typeface="標楷體" pitchFamily="65" charset="-120"/>
+                      </a:endParaRPr>
+                    </a:p>
+                  </a:txBody>
+                  <a:tcPr vert="eaVert" anchor="ctr">
+                    <a:lnL w="12700" cap="flat" cmpd="sng" algn="ctr">
+                      <a:solidFill>
+                        <a:schemeClr val="tx1"/>
+                      </a:solidFill>
+                      <a:prstDash val="solid"/>
+                      <a:round/>
+                      <a:headEnd type="none" w="med" len="med"/>
+                      <a:tailEnd type="none" w="med" len="med"/>
+                    </a:lnL>
+                    <a:lnR w="12700" cap="flat" cmpd="sng" algn="ctr">
+                      <a:solidFill>
+                        <a:schemeClr val="tx1"/>
+                      </a:solidFill>
+                      <a:prstDash val="solid"/>
+                      <a:round/>
+                      <a:headEnd type="none" w="med" len="med"/>
+                      <a:tailEnd type="none" w="med" len="med"/>
+                    </a:lnR>
+                    <a:lnT w="12700" cap="flat" cmpd="sng" algn="ctr">
+                      <a:solidFill>
+                        <a:schemeClr val="tx1"/>
+                      </a:solidFill>
+                      <a:prstDash val="solid"/>
+                      <a:round/>
+                      <a:headEnd type="none" w="med" len="med"/>
+                      <a:tailEnd type="none" w="med" len="med"/>
+                    </a:lnT>
+                    <a:lnB w="12700" cap="flat" cmpd="sng" algn="ctr">
+                      <a:solidFill>
+                        <a:schemeClr val="tx1"/>
+                      </a:solidFill>
+                      <a:prstDash val="solid"/>
+                      <a:round/>
+                      <a:headEnd type="none" w="med" len="med"/>
+                      <a:tailEnd type="none" w="med" len="med"/>
+                    </a:lnB>
+                  </a:tcPr>
+                </a:tc>
+              </a:tr>
+              <a:tr h="888449">
+                <a:tc>
+                  <a:txBody>
+                    <a:bodyPr/>
+                    <a:lstStyle/>
+                    <a:p>
+                      <a:pPr algn="ctr"/>
+                      <a:r>
+                        <a:rPr lang="zh-TW" altLang="en-US" sz="2400" dirty="0" smtClean="0">
+                          <a:latin typeface="標楷體" pitchFamily="65" charset="-120"/>
+                          <a:ea typeface="標楷體" pitchFamily="65" charset="-120"/>
+                        </a:rPr>
+                        <a:t>出入口</a:t>
+                      </a:r>
+                      <a:endParaRPr lang="zh-TW" altLang="en-US" sz="2400" dirty="0">
+                        <a:latin typeface="標楷體" pitchFamily="65" charset="-120"/>
+                        <a:ea typeface="標楷體" pitchFamily="65" charset="-120"/>
+                      </a:endParaRPr>
+                    </a:p>
+                  </a:txBody>
+                  <a:tcPr anchor="ctr">
+                    <a:lnL w="12700" cap="flat" cmpd="sng" algn="ctr">
+                      <a:noFill/>
+                      <a:prstDash val="solid"/>
+                      <a:round/>
+                      <a:headEnd type="none" w="med" len="med"/>
+                      <a:tailEnd type="none" w="med" len="med"/>
+                    </a:lnL>
+                    <a:lnR w="12700" cap="flat" cmpd="sng" algn="ctr">
+                      <a:noFill/>
+                      <a:prstDash val="solid"/>
+                      <a:round/>
+                      <a:headEnd type="none" w="med" len="med"/>
+                      <a:tailEnd type="none" w="med" len="med"/>
+                    </a:lnR>
+                    <a:lnT w="12700" cap="flat" cmpd="sng" algn="ctr">
+                      <a:solidFill>
+                        <a:schemeClr val="tx1"/>
+                      </a:solidFill>
+                      <a:prstDash val="solid"/>
+                      <a:round/>
+                      <a:headEnd type="none" w="med" len="med"/>
+                      <a:tailEnd type="none" w="med" len="med"/>
+                    </a:lnT>
+                    <a:lnB w="12700" cap="flat" cmpd="sng" algn="ctr">
+                      <a:noFill/>
+                      <a:prstDash val="solid"/>
+                      <a:round/>
+                      <a:headEnd type="none" w="med" len="med"/>
+                      <a:tailEnd type="none" w="med" len="med"/>
+                    </a:lnB>
+                    <a:lnTlToBr w="12700" cmpd="sng">
+                      <a:noFill/>
+                      <a:prstDash val="solid"/>
+                    </a:lnTlToBr>
+                    <a:lnBlToTr w="12700" cmpd="sng">
+                      <a:noFill/>
+                      <a:prstDash val="solid"/>
+                    </a:lnBlToTr>
+                  </a:tcPr>
+                </a:tc>
+              </a:tr>
+            </a:tbl>
+          </a:graphicData>
+        </a:graphic>
+      </p:graphicFrame>
+      <p:graphicFrame>
+        <p:nvGraphicFramePr>
+          <p:cNvPr id="5" name="表格 4"/>
+          <p:cNvGraphicFramePr>
+            <a:graphicFrameLocks noGrp="1"/>
+          </p:cNvGraphicFramePr>
+          <p:nvPr/>
+        </p:nvGraphicFramePr>
+        <p:xfrm>
+          <a:off x="3975652" y="1444487"/>
+          <a:ext cx="2650435" cy="1179443"/>
+        </p:xfrm>
+        <a:graphic>
+          <a:graphicData uri="http://schemas.openxmlformats.org/drawingml/2006/table">
+            <a:tbl>
+              <a:tblPr/>
+              <a:tblGrid>
+                <a:gridCol w="2650435"/>
+              </a:tblGrid>
+              <a:tr h="1179443">
+                <a:tc>
+                  <a:txBody>
+                    <a:bodyPr/>
+                    <a:lstStyle/>
+                    <a:p>
+                      <a:pPr marL="0" marR="0" indent="0" algn="ctr" defTabSz="914400" rtl="0" eaLnBrk="1" fontAlgn="auto" latinLnBrk="0" hangingPunct="1">
+                        <a:lnSpc>
+                          <a:spcPct val="100000"/>
+                        </a:lnSpc>
+                        <a:spcBef>
+                          <a:spcPts val="0"/>
+                        </a:spcBef>
+                        <a:spcAft>
+                          <a:spcPts val="0"/>
+                        </a:spcAft>
+                        <a:buClrTx/>
+                        <a:buSzTx/>
+                        <a:buFontTx/>
+                        <a:buNone/>
+                        <a:tabLst/>
+                        <a:defRPr/>
+                      </a:pPr>
+                      <a:r>
+                        <a:rPr lang="zh-TW" altLang="en-US" sz="2400" dirty="0" smtClean="0">
+                          <a:ea typeface="標楷體"/>
+                          <a:cs typeface="Times New Roman"/>
+                        </a:rPr>
+                        <a:t>好了啦超大杯茶舖</a:t>
+                      </a:r>
+                      <a:endParaRPr lang="zh-TW" altLang="en-US" sz="2400" dirty="0"/>
+                    </a:p>
+                  </a:txBody>
+                  <a:tcPr anchor="ctr">
+                    <a:lnL w="12700" cmpd="sng">
+                      <a:solidFill>
+                        <a:schemeClr val="tx1"/>
+                      </a:solidFill>
+                      <a:prstDash val="solid"/>
+                    </a:lnL>
+                    <a:lnR w="12700" cmpd="sng">
+                      <a:solidFill>
+                        <a:schemeClr val="tx1"/>
+                      </a:solidFill>
+                      <a:prstDash val="solid"/>
+                    </a:lnR>
+                    <a:lnT w="12700" cmpd="sng">
+                      <a:solidFill>
+                        <a:schemeClr val="tx1"/>
+                      </a:solidFill>
+                      <a:prstDash val="solid"/>
+                    </a:lnT>
+                    <a:lnB w="12700" cmpd="sng">
+                      <a:solidFill>
+                        <a:schemeClr val="tx1"/>
+                      </a:solidFill>
+                      <a:prstDash val="solid"/>
+                    </a:lnB>
+                  </a:tcPr>
+                </a:tc>
+              </a:tr>
+            </a:tbl>
+          </a:graphicData>
+        </a:graphic>
+      </p:graphicFrame>
+      <p:graphicFrame>
+        <p:nvGraphicFramePr>
+          <p:cNvPr id="6" name="表格 5"/>
+          <p:cNvGraphicFramePr>
+            <a:graphicFrameLocks noGrp="1"/>
+          </p:cNvGraphicFramePr>
+          <p:nvPr/>
+        </p:nvGraphicFramePr>
+        <p:xfrm>
+          <a:off x="9104244" y="1457738"/>
+          <a:ext cx="1749287" cy="5141844"/>
+        </p:xfrm>
+        <a:graphic>
+          <a:graphicData uri="http://schemas.openxmlformats.org/drawingml/2006/table">
+            <a:tbl>
+              <a:tblPr/>
+              <a:tblGrid>
+                <a:gridCol w="1749287"/>
+              </a:tblGrid>
+              <a:tr h="2570922">
+                <a:tc>
+                  <a:txBody>
+                    <a:bodyPr/>
+                    <a:lstStyle/>
+                    <a:p>
+                      <a:pPr marL="0" marR="0" indent="0" algn="ctr" defTabSz="914400" rtl="0" eaLnBrk="1" fontAlgn="auto" latinLnBrk="0" hangingPunct="1">
+                        <a:lnSpc>
+                          <a:spcPct val="100000"/>
+                        </a:lnSpc>
+                        <a:spcBef>
+                          <a:spcPts val="0"/>
+                        </a:spcBef>
+                        <a:spcAft>
+                          <a:spcPts val="0"/>
+                        </a:spcAft>
+                        <a:buClrTx/>
+                        <a:buSzTx/>
+                        <a:buFontTx/>
+                        <a:buNone/>
+                        <a:tabLst/>
+                        <a:defRPr/>
+                      </a:pPr>
+                      <a:r>
+                        <a:rPr lang="zh-TW" altLang="en-US" sz="2400" dirty="0" smtClean="0">
+                          <a:ea typeface="標楷體"/>
+                          <a:cs typeface="Times New Roman"/>
+                        </a:rPr>
+                        <a:t>快餐部</a:t>
+                      </a:r>
+                      <a:endParaRPr lang="zh-TW" altLang="en-US" sz="2400" dirty="0"/>
+                    </a:p>
+                  </a:txBody>
+                  <a:tcPr vert="eaVert" anchor="ctr">
+                    <a:lnL w="12700" cmpd="sng">
+                      <a:solidFill>
+                        <a:schemeClr val="tx1"/>
+                      </a:solidFill>
+                      <a:prstDash val="solid"/>
+                    </a:lnL>
+                    <a:lnR w="12700" cmpd="sng">
+                      <a:solidFill>
+                        <a:schemeClr val="tx1"/>
+                      </a:solidFill>
+                      <a:prstDash val="solid"/>
+                    </a:lnR>
+                    <a:lnT w="12700" cmpd="sng">
+                      <a:solidFill>
+                        <a:schemeClr val="tx1"/>
+                      </a:solidFill>
+                      <a:prstDash val="solid"/>
+                    </a:lnT>
+                    <a:lnB w="12700" cap="flat" cmpd="sng" algn="ctr">
+                      <a:solidFill>
+                        <a:schemeClr val="tx1"/>
+                      </a:solidFill>
+                      <a:prstDash val="solid"/>
+                      <a:round/>
+                      <a:headEnd type="none" w="med" len="med"/>
+                      <a:tailEnd type="none" w="med" len="med"/>
+                    </a:lnB>
+                  </a:tcPr>
+                </a:tc>
+              </a:tr>
+              <a:tr h="2570922">
+                <a:tc>
+                  <a:txBody>
+                    <a:bodyPr/>
+                    <a:lstStyle/>
+                    <a:p>
+                      <a:pPr marL="0" marR="0" indent="0" algn="ctr" defTabSz="914400" rtl="0" eaLnBrk="1" fontAlgn="auto" latinLnBrk="0" hangingPunct="1">
+                        <a:lnSpc>
+                          <a:spcPct val="100000"/>
+                        </a:lnSpc>
+                        <a:spcBef>
+                          <a:spcPts val="0"/>
+                        </a:spcBef>
+                        <a:spcAft>
+                          <a:spcPts val="0"/>
+                        </a:spcAft>
+                        <a:buClrTx/>
+                        <a:buSzTx/>
+                        <a:buFontTx/>
+                        <a:buNone/>
+                        <a:tabLst/>
+                        <a:defRPr/>
+                      </a:pPr>
+                      <a:r>
+                        <a:rPr lang="zh-TW" altLang="en-US" sz="2400" dirty="0" smtClean="0">
+                          <a:ea typeface="標楷體"/>
+                          <a:cs typeface="Times New Roman"/>
+                        </a:rPr>
+                        <a:t>自助餐部</a:t>
+                      </a:r>
+                      <a:endParaRPr lang="zh-TW" altLang="en-US" sz="2400" dirty="0"/>
+                    </a:p>
+                  </a:txBody>
+                  <a:tcPr vert="eaVert" anchor="ctr">
+                    <a:lnL w="12700" cap="flat" cmpd="sng" algn="ctr">
+                      <a:solidFill>
+                        <a:schemeClr val="tx1"/>
+                      </a:solidFill>
+                      <a:prstDash val="solid"/>
+                      <a:round/>
+                      <a:headEnd type="none" w="med" len="med"/>
+                      <a:tailEnd type="none" w="med" len="med"/>
+                    </a:lnL>
+                    <a:lnR w="12700" cap="flat" cmpd="sng" algn="ctr">
+                      <a:solidFill>
+                        <a:schemeClr val="tx1"/>
+                      </a:solidFill>
+                      <a:prstDash val="solid"/>
+                      <a:round/>
+                      <a:headEnd type="none" w="med" len="med"/>
+                      <a:tailEnd type="none" w="med" len="med"/>
+                    </a:lnR>
+                    <a:lnT w="12700" cap="flat" cmpd="sng" algn="ctr">
+                      <a:solidFill>
+                        <a:schemeClr val="tx1"/>
+                      </a:solidFill>
+                      <a:prstDash val="solid"/>
+                      <a:round/>
+                      <a:headEnd type="none" w="med" len="med"/>
+                      <a:tailEnd type="none" w="med" len="med"/>
+                    </a:lnT>
+                    <a:lnB w="12700" cmpd="sng">
+                      <a:solidFill>
+                        <a:schemeClr val="tx1"/>
+                      </a:solidFill>
+                      <a:prstDash val="solid"/>
+                    </a:lnB>
+                  </a:tcPr>
+                </a:tc>
+              </a:tr>
+            </a:tbl>
+          </a:graphicData>
+        </a:graphic>
+      </p:graphicFrame>
+      <p:graphicFrame>
+        <p:nvGraphicFramePr>
+          <p:cNvPr id="8" name="表格 7"/>
+          <p:cNvGraphicFramePr>
+            <a:graphicFrameLocks noGrp="1"/>
+          </p:cNvGraphicFramePr>
+          <p:nvPr/>
+        </p:nvGraphicFramePr>
+        <p:xfrm>
+          <a:off x="6864626" y="5976730"/>
+          <a:ext cx="1457739" cy="649357"/>
+        </p:xfrm>
+        <a:graphic>
+          <a:graphicData uri="http://schemas.openxmlformats.org/drawingml/2006/table">
+            <a:tbl>
+              <a:tblPr/>
+              <a:tblGrid>
+                <a:gridCol w="1457739"/>
+              </a:tblGrid>
+              <a:tr h="649357">
+                <a:tc>
+                  <a:txBody>
+                    <a:bodyPr/>
+                    <a:lstStyle/>
+                    <a:p>
+                      <a:pPr marL="0" marR="0" indent="0" algn="ctr" defTabSz="914400" rtl="0" eaLnBrk="1" fontAlgn="auto" latinLnBrk="0" hangingPunct="1">
+                        <a:lnSpc>
+                          <a:spcPct val="100000"/>
+                        </a:lnSpc>
+                        <a:spcBef>
+                          <a:spcPts val="0"/>
+                        </a:spcBef>
+                        <a:spcAft>
+                          <a:spcPts val="0"/>
+                        </a:spcAft>
+                        <a:buClrTx/>
+                        <a:buSzTx/>
+                        <a:buFontTx/>
+                        <a:buNone/>
+                        <a:tabLst/>
+                        <a:defRPr/>
+                      </a:pPr>
+                      <a:r>
+                        <a:rPr lang="zh-TW" altLang="en-US" sz="2400" dirty="0" smtClean="0">
+                          <a:latin typeface="標楷體" pitchFamily="65" charset="-120"/>
+                          <a:ea typeface="標楷體" pitchFamily="65" charset="-120"/>
+                        </a:rPr>
+                        <a:t>出入口</a:t>
+                      </a:r>
+                    </a:p>
+                  </a:txBody>
+                  <a:tcPr anchor="ctr">
+                    <a:lnL w="12700" cmpd="sng">
+                      <a:noFill/>
+                      <a:prstDash val="solid"/>
+                    </a:lnL>
+                    <a:lnR w="12700" cmpd="sng">
+                      <a:noFill/>
+                      <a:prstDash val="solid"/>
+                    </a:lnR>
+                    <a:lnT w="12700" cmpd="sng">
+                      <a:noFill/>
+                      <a:prstDash val="solid"/>
+                    </a:lnT>
+                    <a:lnB w="12700" cmpd="sng">
+                      <a:noFill/>
+                      <a:prstDash val="solid"/>
+                    </a:lnB>
+                    <a:lnTlToBr w="12700" cmpd="sng">
+                      <a:noFill/>
+                      <a:prstDash val="solid"/>
+                    </a:lnTlToBr>
+                    <a:lnBlToTr w="12700" cmpd="sng">
+                      <a:noFill/>
+                      <a:prstDash val="solid"/>
+                    </a:lnBlToTr>
+                  </a:tcPr>
+                </a:tc>
+              </a:tr>
+            </a:tbl>
+          </a:graphicData>
+        </a:graphic>
+      </p:graphicFrame>
+      <p:graphicFrame>
+        <p:nvGraphicFramePr>
+          <p:cNvPr id="9" name="表格 8"/>
+          <p:cNvGraphicFramePr>
+            <a:graphicFrameLocks noGrp="1"/>
+          </p:cNvGraphicFramePr>
+          <p:nvPr>
+            <p:extLst>
+              <p:ext uri="{D42A27DB-BD31-4B8C-83A1-F6EECF244321}">
+                <p14:modId xmlns:p14="http://schemas.microsoft.com/office/powerpoint/2010/main" xmlns="" val="1537239460"/>
+              </p:ext>
+            </p:extLst>
+          </p:nvPr>
+        </p:nvGraphicFramePr>
+        <p:xfrm>
+          <a:off x="6849386" y="1115170"/>
+          <a:ext cx="1457739" cy="649357"/>
+        </p:xfrm>
+        <a:graphic>
+          <a:graphicData uri="http://schemas.openxmlformats.org/drawingml/2006/table">
+            <a:tbl>
+              <a:tblPr/>
+              <a:tblGrid>
+                <a:gridCol w="1457739"/>
+              </a:tblGrid>
+              <a:tr h="649357">
+                <a:tc>
+                  <a:txBody>
+                    <a:bodyPr/>
+                    <a:lstStyle/>
+                    <a:p>
+                      <a:pPr marL="0" marR="0" indent="0" algn="ctr" defTabSz="914400" rtl="0" eaLnBrk="1" fontAlgn="auto" latinLnBrk="0" hangingPunct="1">
+                        <a:lnSpc>
+                          <a:spcPct val="100000"/>
+                        </a:lnSpc>
+                        <a:spcBef>
+                          <a:spcPts val="0"/>
+                        </a:spcBef>
+                        <a:spcAft>
+                          <a:spcPts val="0"/>
+                        </a:spcAft>
+                        <a:buClrTx/>
+                        <a:buSzTx/>
+                        <a:buFontTx/>
+                        <a:buNone/>
+                        <a:tabLst/>
+                        <a:defRPr/>
+                      </a:pPr>
+                      <a:r>
+                        <a:rPr lang="zh-TW" altLang="en-US" sz="2400" dirty="0" smtClean="0">
+                          <a:latin typeface="標楷體" pitchFamily="65" charset="-120"/>
+                          <a:ea typeface="標楷體" pitchFamily="65" charset="-120"/>
+                        </a:rPr>
+                        <a:t>出入口</a:t>
+                      </a:r>
+                    </a:p>
+                  </a:txBody>
+                  <a:tcPr anchor="ctr">
+                    <a:lnL w="12700" cmpd="sng">
+                      <a:noFill/>
+                      <a:prstDash val="solid"/>
+                    </a:lnL>
+                    <a:lnR w="12700" cmpd="sng">
+                      <a:noFill/>
+                      <a:prstDash val="solid"/>
+                    </a:lnR>
+                    <a:lnT w="12700" cmpd="sng">
+                      <a:noFill/>
+                      <a:prstDash val="solid"/>
+                    </a:lnT>
+                    <a:lnB w="12700" cmpd="sng">
+                      <a:noFill/>
+                      <a:prstDash val="solid"/>
+                    </a:lnB>
+                    <a:lnTlToBr w="12700" cmpd="sng">
+                      <a:noFill/>
+                      <a:prstDash val="solid"/>
+                    </a:lnTlToBr>
+                    <a:lnBlToTr w="12700" cmpd="sng">
+                      <a:noFill/>
+                      <a:prstDash val="solid"/>
+                    </a:lnBlToTr>
+                  </a:tcPr>
+                </a:tc>
+              </a:tr>
+            </a:tbl>
+          </a:graphicData>
+        </a:graphic>
+      </p:graphicFrame>
+    </p:spTree>
+  </p:cSld>
+  <p:clrMapOvr>
+    <a:masterClrMapping/>
+  </p:clrMapOvr>
+  <p:transition advClick="0"/>
+  <p:timing>
+    <p:tnLst>
+      <p:par>
+        <p:cTn id="1" dur="indefinite" restart="never" nodeType="tmRoot"/>
+      </p:par>
+    </p:tnLst>
+  </p:timing>
+</p:sld>
+</file>
+
+<file path=ppt/slides/slide19.xml><?xml version="1.0" encoding="utf-8"?>
+<p:sld xmlns:a="http://schemas.openxmlformats.org/drawingml/2006/main" xmlns:r="http://schemas.openxmlformats.org/officeDocument/2006/relationships" xmlns:p="http://schemas.openxmlformats.org/presentationml/2006/main" showMasterSp="0" show="0">
+  <p:cSld>
+    <p:bg>
+      <p:bgPr>
+        <a:pattFill prst="pct5">
+          <a:fgClr>
+            <a:schemeClr val="bg1"/>
+          </a:fgClr>
+          <a:bgClr>
+            <a:schemeClr val="bg1"/>
+          </a:bgClr>
+        </a:pattFill>
+        <a:effectLst/>
+      </p:bgPr>
+    </p:bg>
+    <p:spTree>
+      <p:nvGrpSpPr>
+        <p:cNvPr id="1" name=""/>
+        <p:cNvGrpSpPr/>
+        <p:nvPr/>
+      </p:nvGrpSpPr>
+      <p:grpSpPr>
+        <a:xfrm>
+          <a:off x="0" y="0"/>
+          <a:ext cx="0" cy="0"/>
+          <a:chOff x="0" y="0"/>
+          <a:chExt cx="0" cy="0"/>
+        </a:xfrm>
+      </p:grpSpPr>
+      <p:sp>
+        <p:nvSpPr>
+          <p:cNvPr id="2" name="標題 1"/>
+          <p:cNvSpPr>
+            <a:spLocks noGrp="1"/>
+          </p:cNvSpPr>
+          <p:nvPr>
+            <p:ph type="title"/>
+          </p:nvPr>
+        </p:nvSpPr>
+        <p:spPr>
+          <a:xfrm>
+            <a:off x="1295402" y="43806"/>
+            <a:ext cx="9601196" cy="1303867"/>
+          </a:xfrm>
+        </p:spPr>
+        <p:txBody>
+          <a:bodyPr>
+            <a:normAutofit/>
+          </a:bodyPr>
+          <a:lstStyle/>
+          <a:p>
+            <a:r>
+              <a:rPr lang="zh-TW" altLang="en-US" dirty="0" smtClean="0">
+                <a:solidFill>
+                  <a:schemeClr val="tx1"/>
+                </a:solidFill>
+                <a:latin typeface="標楷體" pitchFamily="65" charset="-120"/>
+                <a:ea typeface="標楷體" pitchFamily="65" charset="-120"/>
+              </a:rPr>
+              <a:t>小木屋與摩斯漢堡</a:t>
+            </a:r>
+            <a:endParaRPr lang="zh-TW" altLang="en-US" dirty="0">
+              <a:solidFill>
+                <a:schemeClr val="tx1"/>
+              </a:solidFill>
+              <a:latin typeface="標楷體" pitchFamily="65" charset="-120"/>
+              <a:ea typeface="標楷體" pitchFamily="65" charset="-120"/>
+            </a:endParaRPr>
+          </a:p>
+        </p:txBody>
+      </p:sp>
+      <p:graphicFrame>
+        <p:nvGraphicFramePr>
+          <p:cNvPr id="3" name="表格 2"/>
+          <p:cNvGraphicFramePr>
+            <a:graphicFrameLocks noGrp="1"/>
+          </p:cNvGraphicFramePr>
+          <p:nvPr>
+            <p:extLst>
+              <p:ext uri="{D42A27DB-BD31-4B8C-83A1-F6EECF244321}">
+                <p14:modId xmlns:p14="http://schemas.microsoft.com/office/powerpoint/2010/main" xmlns="" val="2404760520"/>
+              </p:ext>
+            </p:extLst>
+          </p:nvPr>
+        </p:nvGraphicFramePr>
+        <p:xfrm>
+          <a:off x="2205162" y="1790370"/>
+          <a:ext cx="6798366" cy="755374"/>
+        </p:xfrm>
+        <a:graphic>
+          <a:graphicData uri="http://schemas.openxmlformats.org/drawingml/2006/table">
+            <a:tbl>
+              <a:tblPr/>
+              <a:tblGrid>
+                <a:gridCol w="3399183"/>
+                <a:gridCol w="3399183"/>
+              </a:tblGrid>
+              <a:tr h="755374">
+                <a:tc>
+                  <a:txBody>
+                    <a:bodyPr/>
+                    <a:lstStyle/>
+                    <a:p>
+                      <a:pPr marL="0" marR="0" indent="0" algn="ctr" defTabSz="914400" rtl="0" eaLnBrk="1" fontAlgn="auto" latinLnBrk="0" hangingPunct="1">
+                        <a:lnSpc>
+                          <a:spcPct val="100000"/>
+                        </a:lnSpc>
+                        <a:spcBef>
+                          <a:spcPts val="0"/>
+                        </a:spcBef>
+                        <a:spcAft>
+                          <a:spcPts val="0"/>
+                        </a:spcAft>
+                        <a:buClrTx/>
+                        <a:buSzTx/>
+                        <a:buFontTx/>
+                        <a:buNone/>
+                        <a:tabLst/>
+                        <a:defRPr/>
+                      </a:pPr>
+                      <a:r>
+                        <a:rPr lang="en-US" sz="2400" dirty="0" smtClean="0">
+                          <a:latin typeface="標楷體"/>
+                          <a:cs typeface="Times New Roman"/>
+                        </a:rPr>
+                        <a:t>Juice Bar</a:t>
+                      </a:r>
+                      <a:endParaRPr lang="zh-TW" altLang="en-US" sz="2400" dirty="0">
+                        <a:latin typeface="標楷體" pitchFamily="65" charset="-120"/>
+                        <a:ea typeface="標楷體" pitchFamily="65" charset="-120"/>
+                      </a:endParaRPr>
+                    </a:p>
+                  </a:txBody>
+                  <a:tcPr anchor="ctr">
+                    <a:lnL w="12700" cmpd="sng">
+                      <a:solidFill>
+                        <a:schemeClr val="tx1"/>
+                      </a:solidFill>
+                      <a:prstDash val="solid"/>
+                    </a:lnL>
+                    <a:lnR w="12700" cap="flat" cmpd="sng" algn="ctr">
+                      <a:solidFill>
+                        <a:schemeClr val="tx1"/>
+                      </a:solidFill>
+                      <a:prstDash val="solid"/>
+                      <a:round/>
+                      <a:headEnd type="none" w="med" len="med"/>
+                      <a:tailEnd type="none" w="med" len="med"/>
+                    </a:lnR>
+                    <a:lnT w="12700" cmpd="sng">
+                      <a:solidFill>
+                        <a:schemeClr val="tx1"/>
+                      </a:solidFill>
+                      <a:prstDash val="solid"/>
+                    </a:lnT>
+                    <a:lnB w="12700" cmpd="sng">
+                      <a:solidFill>
+                        <a:schemeClr val="tx1"/>
+                      </a:solidFill>
+                      <a:prstDash val="solid"/>
+                    </a:lnB>
+                  </a:tcPr>
+                </a:tc>
+                <a:tc>
+                  <a:txBody>
+                    <a:bodyPr/>
+                    <a:lstStyle/>
+                    <a:p>
+                      <a:pPr marL="0" marR="0" indent="0" algn="ctr" defTabSz="914400" rtl="0" eaLnBrk="1" fontAlgn="auto" latinLnBrk="0" hangingPunct="1">
+                        <a:lnSpc>
+                          <a:spcPct val="100000"/>
+                        </a:lnSpc>
+                        <a:spcBef>
+                          <a:spcPts val="0"/>
+                        </a:spcBef>
+                        <a:spcAft>
+                          <a:spcPts val="0"/>
+                        </a:spcAft>
+                        <a:buClrTx/>
+                        <a:buSzTx/>
+                        <a:buFontTx/>
+                        <a:buNone/>
+                        <a:tabLst/>
+                        <a:defRPr/>
+                      </a:pPr>
+                      <a:r>
+                        <a:rPr lang="zh-TW" altLang="en-US" sz="2400" dirty="0" smtClean="0">
+                          <a:ea typeface="標楷體"/>
+                          <a:cs typeface="Times New Roman"/>
+                        </a:rPr>
+                        <a:t>奈手卷</a:t>
+                      </a:r>
+                      <a:endParaRPr lang="zh-TW" altLang="en-US" sz="2400" dirty="0">
+                        <a:latin typeface="標楷體" pitchFamily="65" charset="-120"/>
+                        <a:ea typeface="標楷體" pitchFamily="65" charset="-120"/>
+                      </a:endParaRPr>
+                    </a:p>
+                  </a:txBody>
+                  <a:tcPr anchor="ctr">
+                    <a:lnL w="12700" cap="flat" cmpd="sng" algn="ctr">
+                      <a:solidFill>
+                        <a:schemeClr val="tx1"/>
+                      </a:solidFill>
+                      <a:prstDash val="solid"/>
+                      <a:round/>
+                      <a:headEnd type="none" w="med" len="med"/>
+                      <a:tailEnd type="none" w="med" len="med"/>
+                    </a:lnL>
+                    <a:lnR w="12700" cmpd="sng">
+                      <a:solidFill>
+                        <a:schemeClr val="tx1"/>
+                      </a:solidFill>
+                      <a:prstDash val="solid"/>
+                    </a:lnR>
+                    <a:lnT w="12700" cap="flat" cmpd="sng" algn="ctr">
+                      <a:solidFill>
+                        <a:schemeClr val="tx1"/>
+                      </a:solidFill>
+                      <a:prstDash val="solid"/>
+                      <a:round/>
+                      <a:headEnd type="none" w="med" len="med"/>
+                      <a:tailEnd type="none" w="med" len="med"/>
+                    </a:lnT>
+                    <a:lnB w="12700" cap="flat" cmpd="sng" algn="ctr">
+                      <a:solidFill>
+                        <a:schemeClr val="tx1"/>
+                      </a:solidFill>
+                      <a:prstDash val="solid"/>
+                      <a:round/>
+                      <a:headEnd type="none" w="med" len="med"/>
+                      <a:tailEnd type="none" w="med" len="med"/>
+                    </a:lnB>
+                  </a:tcPr>
+                </a:tc>
+              </a:tr>
+            </a:tbl>
+          </a:graphicData>
+        </a:graphic>
+      </p:graphicFrame>
+      <p:graphicFrame>
+        <p:nvGraphicFramePr>
+          <p:cNvPr id="4" name="表格 3"/>
+          <p:cNvGraphicFramePr>
+            <a:graphicFrameLocks noGrp="1"/>
+          </p:cNvGraphicFramePr>
+          <p:nvPr/>
+        </p:nvGraphicFramePr>
+        <p:xfrm>
+          <a:off x="8468139" y="5075583"/>
+          <a:ext cx="3087757" cy="1577008"/>
+        </p:xfrm>
+        <a:graphic>
+          <a:graphicData uri="http://schemas.openxmlformats.org/drawingml/2006/table">
+            <a:tbl>
+              <a:tblPr/>
+              <a:tblGrid>
+                <a:gridCol w="3087757"/>
+              </a:tblGrid>
+              <a:tr h="1577008">
+                <a:tc>
+                  <a:txBody>
+                    <a:bodyPr/>
+                    <a:lstStyle/>
+                    <a:p>
+                      <a:pPr algn="ctr"/>
+                      <a:r>
+                        <a:rPr lang="zh-TW" altLang="en-US" sz="2400" dirty="0" smtClean="0">
+                          <a:latin typeface="標楷體" pitchFamily="65" charset="-120"/>
+                          <a:ea typeface="標楷體" pitchFamily="65" charset="-120"/>
+                        </a:rPr>
+                        <a:t>摩斯漢堡</a:t>
+                      </a:r>
+                      <a:endParaRPr lang="zh-TW" altLang="en-US" sz="2400" dirty="0">
+                        <a:latin typeface="標楷體" pitchFamily="65" charset="-120"/>
+                        <a:ea typeface="標楷體" pitchFamily="65" charset="-120"/>
+                      </a:endParaRPr>
+                    </a:p>
+                  </a:txBody>
+                  <a:tcPr anchor="ctr">
+                    <a:lnL w="12700" cmpd="sng">
+                      <a:solidFill>
+                        <a:schemeClr val="tx1"/>
+                      </a:solidFill>
+                      <a:prstDash val="solid"/>
+                    </a:lnL>
+                    <a:lnR w="12700" cmpd="sng">
+                      <a:solidFill>
+                        <a:schemeClr val="tx1"/>
+                      </a:solidFill>
+                      <a:prstDash val="solid"/>
+                    </a:lnR>
+                    <a:lnT w="12700" cmpd="sng">
+                      <a:solidFill>
+                        <a:schemeClr val="tx1"/>
+                      </a:solidFill>
+                      <a:prstDash val="solid"/>
+                    </a:lnT>
+                    <a:lnB w="12700" cmpd="sng">
+                      <a:solidFill>
+                        <a:schemeClr val="tx1"/>
+                      </a:solidFill>
+                      <a:prstDash val="solid"/>
+                    </a:lnB>
+                  </a:tcPr>
+                </a:tc>
+              </a:tr>
+            </a:tbl>
+          </a:graphicData>
+        </a:graphic>
+      </p:graphicFrame>
+      <p:graphicFrame>
+        <p:nvGraphicFramePr>
+          <p:cNvPr id="5" name="表格 4"/>
+          <p:cNvGraphicFramePr>
+            <a:graphicFrameLocks noGrp="1"/>
+          </p:cNvGraphicFramePr>
+          <p:nvPr/>
+        </p:nvGraphicFramePr>
+        <p:xfrm>
+          <a:off x="4505739" y="5559288"/>
+          <a:ext cx="3048000" cy="1099930"/>
+        </p:xfrm>
+        <a:graphic>
+          <a:graphicData uri="http://schemas.openxmlformats.org/drawingml/2006/table">
+            <a:tbl>
+              <a:tblPr/>
+              <a:tblGrid>
+                <a:gridCol w="3048000"/>
+              </a:tblGrid>
+              <a:tr h="1099930">
+                <a:tc>
+                  <a:txBody>
+                    <a:bodyPr/>
+                    <a:lstStyle/>
+                    <a:p>
+                      <a:pPr algn="ctr"/>
+                      <a:r>
+                        <a:rPr lang="zh-TW" altLang="en-US" sz="2400" dirty="0" smtClean="0">
+                          <a:latin typeface="標楷體" pitchFamily="65" charset="-120"/>
+                          <a:ea typeface="標楷體" pitchFamily="65" charset="-120"/>
+                        </a:rPr>
+                        <a:t>學生活動中心</a:t>
+                      </a:r>
+                      <a:endParaRPr lang="zh-TW" altLang="en-US" sz="2400" dirty="0">
+                        <a:latin typeface="標楷體" pitchFamily="65" charset="-120"/>
+                        <a:ea typeface="標楷體" pitchFamily="65" charset="-120"/>
+                      </a:endParaRPr>
+                    </a:p>
+                  </a:txBody>
+                  <a:tcPr anchor="ctr">
+                    <a:lnL w="12700" cmpd="sng">
+                      <a:noFill/>
+                      <a:prstDash val="solid"/>
+                    </a:lnL>
+                    <a:lnR w="12700" cmpd="sng">
+                      <a:noFill/>
+                      <a:prstDash val="solid"/>
+                    </a:lnR>
+                    <a:lnT w="12700" cmpd="sng">
+                      <a:noFill/>
+                      <a:prstDash val="solid"/>
+                    </a:lnT>
+                    <a:lnB w="12700" cmpd="sng">
+                      <a:noFill/>
+                      <a:prstDash val="solid"/>
+                    </a:lnB>
+                    <a:lnTlToBr w="12700" cmpd="sng">
+                      <a:noFill/>
+                      <a:prstDash val="solid"/>
+                    </a:lnTlToBr>
+                    <a:lnBlToTr w="12700" cmpd="sng">
+                      <a:noFill/>
+                      <a:prstDash val="solid"/>
+                    </a:lnBlToTr>
+                  </a:tcPr>
+                </a:tc>
+              </a:tr>
+            </a:tbl>
+          </a:graphicData>
+        </a:graphic>
+      </p:graphicFrame>
+      <p:graphicFrame>
+        <p:nvGraphicFramePr>
+          <p:cNvPr id="6" name="表格 5"/>
+          <p:cNvGraphicFramePr>
+            <a:graphicFrameLocks noGrp="1"/>
+          </p:cNvGraphicFramePr>
+          <p:nvPr/>
+        </p:nvGraphicFramePr>
+        <p:xfrm>
+          <a:off x="2027582" y="5897218"/>
+          <a:ext cx="1842052" cy="596348"/>
+        </p:xfrm>
+        <a:graphic>
+          <a:graphicData uri="http://schemas.openxmlformats.org/drawingml/2006/table">
+            <a:tbl>
+              <a:tblPr/>
+              <a:tblGrid>
+                <a:gridCol w="1842052"/>
+              </a:tblGrid>
+              <a:tr h="596348">
+                <a:tc>
+                  <a:txBody>
+                    <a:bodyPr/>
+                    <a:lstStyle/>
+                    <a:p>
+                      <a:pPr marL="0" algn="ctr" rtl="0" eaLnBrk="1" latinLnBrk="0" hangingPunct="1"/>
+                      <a:r>
+                        <a:rPr kumimoji="0" lang="zh-TW" altLang="en-US" sz="2400" kern="1200" dirty="0" smtClean="0">
+                          <a:solidFill>
+                            <a:schemeClr val="tx1"/>
+                          </a:solidFill>
+                          <a:latin typeface="標楷體" pitchFamily="65" charset="-120"/>
+                          <a:ea typeface="標楷體" pitchFamily="65" charset="-120"/>
+                          <a:cs typeface="+mn-cs"/>
+                        </a:rPr>
+                        <a:t>郵局提款機</a:t>
+                      </a:r>
+                    </a:p>
+                  </a:txBody>
+                  <a:tcPr>
+                    <a:lnL w="12700" cmpd="sng">
+                      <a:noFill/>
+                      <a:prstDash val="solid"/>
+                    </a:lnL>
+                    <a:lnR w="12700" cmpd="sng">
+                      <a:noFill/>
+                      <a:prstDash val="solid"/>
+                    </a:lnR>
+                    <a:lnT w="12700" cmpd="sng">
+                      <a:noFill/>
+                      <a:prstDash val="solid"/>
+                    </a:lnT>
+                    <a:lnB w="12700" cmpd="sng">
+                      <a:noFill/>
+                      <a:prstDash val="solid"/>
+                    </a:lnB>
+                    <a:lnTlToBr w="12700" cmpd="sng">
+                      <a:noFill/>
+                      <a:prstDash val="solid"/>
+                    </a:lnTlToBr>
+                    <a:lnBlToTr w="12700" cmpd="sng">
+                      <a:noFill/>
+                      <a:prstDash val="solid"/>
+                    </a:lnBlToTr>
+                  </a:tcPr>
+                </a:tc>
+              </a:tr>
+            </a:tbl>
+          </a:graphicData>
+        </a:graphic>
+      </p:graphicFrame>
+      <p:sp>
+        <p:nvSpPr>
+          <p:cNvPr id="8" name="矩形 7"/>
+          <p:cNvSpPr/>
+          <p:nvPr/>
+        </p:nvSpPr>
+        <p:spPr>
+          <a:xfrm>
+            <a:off x="10243931" y="397566"/>
+            <a:ext cx="1232452" cy="596348"/>
+          </a:xfrm>
+          <a:prstGeom prst="rect">
+            <a:avLst/>
+          </a:prstGeom>
+          <a:solidFill>
+            <a:srgbClr val="00B0F0"/>
+          </a:solidFill>
+        </p:spPr>
+        <p:style>
+          <a:lnRef idx="1">
+            <a:schemeClr val="accent2"/>
+          </a:lnRef>
+          <a:fillRef idx="2">
+            <a:schemeClr val="accent2"/>
+          </a:fillRef>
+          <a:effectRef idx="1">
+            <a:schemeClr val="accent2"/>
+          </a:effectRef>
+          <a:fontRef idx="minor">
+            <a:schemeClr val="dk1"/>
+          </a:fontRef>
+        </p:style>
+        <p:txBody>
+          <a:bodyPr rtlCol="0" anchor="ctr"/>
+          <a:lstStyle/>
+          <a:p>
+            <a:pPr algn="ctr"/>
+            <a:r>
+              <a:rPr lang="zh-TW" altLang="en-US" dirty="0" smtClean="0">
+                <a:hlinkClick r:id="rId2" action="ppaction://hlinksldjump"/>
+              </a:rPr>
+              <a:t>回首頁</a:t>
+            </a:r>
+            <a:endParaRPr lang="zh-TW" altLang="en-US" dirty="0"/>
+          </a:p>
+        </p:txBody>
+      </p:sp>
+    </p:spTree>
+  </p:cSld>
+  <p:clrMapOvr>
+    <a:masterClrMapping/>
+  </p:clrMapOvr>
+  <mc:AlternateContent xmlns:mc="http://schemas.openxmlformats.org/markup-compatibility/2006">
+    <mc:Choice xmlns:p14="http://schemas.microsoft.com/office/powerpoint/2010/main" xmlns="" Requires="p14">
+      <p:transition spd="slow" p14:dur="2000"/>
+    </mc:Choice>
+    <mc:Fallback>
+      <p:transition spd="slow"/>
+    </mc:Fallback>
+  </mc:AlternateContent>
   <p:timing>
     <p:tnLst>
       <p:par>
@@ -16927,7 +17552,7 @@
     </p:spTree>
     <p:extLst>
       <p:ext uri="{BB962C8B-B14F-4D97-AF65-F5344CB8AC3E}">
-        <p14:creationId xmlns:p14="http://schemas.microsoft.com/office/powerpoint/2010/main" val="3588053187"/>
+        <p14:creationId xmlns:p14="http://schemas.microsoft.com/office/powerpoint/2010/main" xmlns="" val="3588053187"/>
       </p:ext>
     </p:extLst>
   </p:cSld>
@@ -16945,1242 +17570,6 @@
 </file>
 
 <file path=ppt/slides/slide20.xml><?xml version="1.0" encoding="utf-8"?>
-<p:sld xmlns:a="http://schemas.openxmlformats.org/drawingml/2006/main" xmlns:r="http://schemas.openxmlformats.org/officeDocument/2006/relationships" xmlns:p="http://schemas.openxmlformats.org/presentationml/2006/main" showMasterSp="0" show="0">
-  <p:cSld>
-    <p:bg>
-      <p:bgPr>
-        <a:pattFill prst="pct5">
-          <a:fgClr>
-            <a:schemeClr val="bg1"/>
-          </a:fgClr>
-          <a:bgClr>
-            <a:schemeClr val="bg1"/>
-          </a:bgClr>
-        </a:pattFill>
-        <a:effectLst/>
-      </p:bgPr>
-    </p:bg>
-    <p:spTree>
-      <p:nvGrpSpPr>
-        <p:cNvPr id="1" name=""/>
-        <p:cNvGrpSpPr/>
-        <p:nvPr/>
-      </p:nvGrpSpPr>
-      <p:grpSpPr>
-        <a:xfrm>
-          <a:off x="0" y="0"/>
-          <a:ext cx="0" cy="0"/>
-          <a:chOff x="0" y="0"/>
-          <a:chExt cx="0" cy="0"/>
-        </a:xfrm>
-      </p:grpSpPr>
-      <p:sp>
-        <p:nvSpPr>
-          <p:cNvPr id="2" name="標題 1"/>
-          <p:cNvSpPr>
-            <a:spLocks noGrp="1"/>
-          </p:cNvSpPr>
-          <p:nvPr>
-            <p:ph type="title"/>
-          </p:nvPr>
-        </p:nvSpPr>
-        <p:spPr>
-          <a:xfrm>
-            <a:off x="1295402" y="17301"/>
-            <a:ext cx="9601196" cy="1303867"/>
-          </a:xfrm>
-        </p:spPr>
-        <p:txBody>
-          <a:bodyPr>
-            <a:normAutofit/>
-          </a:bodyPr>
-          <a:lstStyle/>
-          <a:p>
-            <a:r>
-              <a:rPr lang="zh-TW" altLang="en-US" dirty="0" smtClean="0">
-                <a:solidFill>
-                  <a:schemeClr val="tx1"/>
-                </a:solidFill>
-                <a:latin typeface="標楷體" pitchFamily="65" charset="-120"/>
-                <a:ea typeface="標楷體" pitchFamily="65" charset="-120"/>
-              </a:rPr>
-              <a:t>教職員餐廳</a:t>
-            </a:r>
-            <a:endParaRPr lang="zh-TW" altLang="en-US" dirty="0">
-              <a:solidFill>
-                <a:schemeClr val="tx1"/>
-              </a:solidFill>
-              <a:latin typeface="標楷體" pitchFamily="65" charset="-120"/>
-              <a:ea typeface="標楷體" pitchFamily="65" charset="-120"/>
-            </a:endParaRPr>
-          </a:p>
-        </p:txBody>
-      </p:sp>
-      <p:sp>
-        <p:nvSpPr>
-          <p:cNvPr id="3" name="矩形 2"/>
-          <p:cNvSpPr/>
-          <p:nvPr/>
-        </p:nvSpPr>
-        <p:spPr>
-          <a:xfrm>
-            <a:off x="10217427" y="371061"/>
-            <a:ext cx="1232452" cy="596348"/>
-          </a:xfrm>
-          <a:prstGeom prst="rect">
-            <a:avLst/>
-          </a:prstGeom>
-          <a:solidFill>
-            <a:srgbClr val="00B0F0"/>
-          </a:solidFill>
-        </p:spPr>
-        <p:style>
-          <a:lnRef idx="1">
-            <a:schemeClr val="accent2"/>
-          </a:lnRef>
-          <a:fillRef idx="2">
-            <a:schemeClr val="accent2"/>
-          </a:fillRef>
-          <a:effectRef idx="1">
-            <a:schemeClr val="accent2"/>
-          </a:effectRef>
-          <a:fontRef idx="minor">
-            <a:schemeClr val="dk1"/>
-          </a:fontRef>
-        </p:style>
-        <p:txBody>
-          <a:bodyPr rtlCol="0" anchor="ctr"/>
-          <a:lstStyle/>
-          <a:p>
-            <a:pPr algn="ctr"/>
-            <a:r>
-              <a:rPr lang="zh-TW" altLang="en-US" dirty="0" smtClean="0">
-                <a:hlinkClick r:id="rId2" action="ppaction://hlinksldjump"/>
-              </a:rPr>
-              <a:t>回首頁</a:t>
-            </a:r>
-            <a:endParaRPr lang="zh-TW" altLang="en-US" dirty="0"/>
-          </a:p>
-        </p:txBody>
-      </p:sp>
-      <p:graphicFrame>
-        <p:nvGraphicFramePr>
-          <p:cNvPr id="4" name="表格 3"/>
-          <p:cNvGraphicFramePr>
-            <a:graphicFrameLocks noGrp="1"/>
-          </p:cNvGraphicFramePr>
-          <p:nvPr/>
-        </p:nvGraphicFramePr>
-        <p:xfrm>
-          <a:off x="1285462" y="3061252"/>
-          <a:ext cx="2438098" cy="3622136"/>
-        </p:xfrm>
-        <a:graphic>
-          <a:graphicData uri="http://schemas.openxmlformats.org/drawingml/2006/table">
-            <a:tbl>
-              <a:tblPr/>
-              <a:tblGrid>
-                <a:gridCol w="2438098"/>
-              </a:tblGrid>
-              <a:tr h="2733687">
-                <a:tc>
-                  <a:txBody>
-                    <a:bodyPr/>
-                    <a:lstStyle/>
-                    <a:p>
-                      <a:pPr marL="0" marR="0" indent="0" algn="ctr" defTabSz="914400" rtl="0" eaLnBrk="1" fontAlgn="auto" latinLnBrk="0" hangingPunct="1">
-                        <a:lnSpc>
-                          <a:spcPct val="100000"/>
-                        </a:lnSpc>
-                        <a:spcBef>
-                          <a:spcPts val="0"/>
-                        </a:spcBef>
-                        <a:spcAft>
-                          <a:spcPts val="0"/>
-                        </a:spcAft>
-                        <a:buClrTx/>
-                        <a:buSzTx/>
-                        <a:buFontTx/>
-                        <a:buNone/>
-                        <a:tabLst/>
-                        <a:defRPr/>
-                      </a:pPr>
-                      <a:r>
-                        <a:rPr kumimoji="0" lang="zh-TW" altLang="en-US" sz="3600" kern="1200" dirty="0" smtClean="0">
-                          <a:solidFill>
-                            <a:schemeClr val="tx1"/>
-                          </a:solidFill>
-                          <a:latin typeface="標楷體" pitchFamily="65" charset="-120"/>
-                          <a:ea typeface="標楷體" pitchFamily="65" charset="-120"/>
-                          <a:cs typeface="+mn-cs"/>
-                        </a:rPr>
-                        <a:t>中餐部</a:t>
-                      </a:r>
-                      <a:endParaRPr lang="zh-TW" altLang="en-US" sz="3200" dirty="0">
-                        <a:latin typeface="標楷體" pitchFamily="65" charset="-120"/>
-                        <a:ea typeface="標楷體" pitchFamily="65" charset="-120"/>
-                      </a:endParaRPr>
-                    </a:p>
-                  </a:txBody>
-                  <a:tcPr vert="eaVert" anchor="ctr">
-                    <a:lnL w="12700" cap="flat" cmpd="sng" algn="ctr">
-                      <a:solidFill>
-                        <a:schemeClr val="tx1"/>
-                      </a:solidFill>
-                      <a:prstDash val="solid"/>
-                      <a:round/>
-                      <a:headEnd type="none" w="med" len="med"/>
-                      <a:tailEnd type="none" w="med" len="med"/>
-                    </a:lnL>
-                    <a:lnR w="12700" cap="flat" cmpd="sng" algn="ctr">
-                      <a:solidFill>
-                        <a:schemeClr val="tx1"/>
-                      </a:solidFill>
-                      <a:prstDash val="solid"/>
-                      <a:round/>
-                      <a:headEnd type="none" w="med" len="med"/>
-                      <a:tailEnd type="none" w="med" len="med"/>
-                    </a:lnR>
-                    <a:lnT w="12700" cap="flat" cmpd="sng" algn="ctr">
-                      <a:solidFill>
-                        <a:schemeClr val="tx1"/>
-                      </a:solidFill>
-                      <a:prstDash val="solid"/>
-                      <a:round/>
-                      <a:headEnd type="none" w="med" len="med"/>
-                      <a:tailEnd type="none" w="med" len="med"/>
-                    </a:lnT>
-                    <a:lnB w="12700" cap="flat" cmpd="sng" algn="ctr">
-                      <a:solidFill>
-                        <a:schemeClr val="tx1"/>
-                      </a:solidFill>
-                      <a:prstDash val="solid"/>
-                      <a:round/>
-                      <a:headEnd type="none" w="med" len="med"/>
-                      <a:tailEnd type="none" w="med" len="med"/>
-                    </a:lnB>
-                  </a:tcPr>
-                </a:tc>
-              </a:tr>
-              <a:tr h="888449">
-                <a:tc>
-                  <a:txBody>
-                    <a:bodyPr/>
-                    <a:lstStyle/>
-                    <a:p>
-                      <a:pPr algn="ctr"/>
-                      <a:r>
-                        <a:rPr lang="zh-TW" altLang="en-US" sz="2400" dirty="0" smtClean="0">
-                          <a:latin typeface="標楷體" pitchFamily="65" charset="-120"/>
-                          <a:ea typeface="標楷體" pitchFamily="65" charset="-120"/>
-                        </a:rPr>
-                        <a:t>出入口</a:t>
-                      </a:r>
-                      <a:endParaRPr lang="zh-TW" altLang="en-US" sz="2400" dirty="0">
-                        <a:latin typeface="標楷體" pitchFamily="65" charset="-120"/>
-                        <a:ea typeface="標楷體" pitchFamily="65" charset="-120"/>
-                      </a:endParaRPr>
-                    </a:p>
-                  </a:txBody>
-                  <a:tcPr anchor="ctr">
-                    <a:lnL w="12700" cap="flat" cmpd="sng" algn="ctr">
-                      <a:noFill/>
-                      <a:prstDash val="solid"/>
-                      <a:round/>
-                      <a:headEnd type="none" w="med" len="med"/>
-                      <a:tailEnd type="none" w="med" len="med"/>
-                    </a:lnL>
-                    <a:lnR w="12700" cap="flat" cmpd="sng" algn="ctr">
-                      <a:noFill/>
-                      <a:prstDash val="solid"/>
-                      <a:round/>
-                      <a:headEnd type="none" w="med" len="med"/>
-                      <a:tailEnd type="none" w="med" len="med"/>
-                    </a:lnR>
-                    <a:lnT w="12700" cap="flat" cmpd="sng" algn="ctr">
-                      <a:solidFill>
-                        <a:schemeClr val="tx1"/>
-                      </a:solidFill>
-                      <a:prstDash val="solid"/>
-                      <a:round/>
-                      <a:headEnd type="none" w="med" len="med"/>
-                      <a:tailEnd type="none" w="med" len="med"/>
-                    </a:lnT>
-                    <a:lnB w="12700" cap="flat" cmpd="sng" algn="ctr">
-                      <a:noFill/>
-                      <a:prstDash val="solid"/>
-                      <a:round/>
-                      <a:headEnd type="none" w="med" len="med"/>
-                      <a:tailEnd type="none" w="med" len="med"/>
-                    </a:lnB>
-                    <a:lnTlToBr w="12700" cmpd="sng">
-                      <a:noFill/>
-                      <a:prstDash val="solid"/>
-                    </a:lnTlToBr>
-                    <a:lnBlToTr w="12700" cmpd="sng">
-                      <a:noFill/>
-                      <a:prstDash val="solid"/>
-                    </a:lnBlToTr>
-                  </a:tcPr>
-                </a:tc>
-              </a:tr>
-            </a:tbl>
-          </a:graphicData>
-        </a:graphic>
-      </p:graphicFrame>
-      <p:graphicFrame>
-        <p:nvGraphicFramePr>
-          <p:cNvPr id="5" name="表格 4"/>
-          <p:cNvGraphicFramePr>
-            <a:graphicFrameLocks noGrp="1"/>
-          </p:cNvGraphicFramePr>
-          <p:nvPr/>
-        </p:nvGraphicFramePr>
-        <p:xfrm>
-          <a:off x="3975652" y="1444487"/>
-          <a:ext cx="2650435" cy="1179443"/>
-        </p:xfrm>
-        <a:graphic>
-          <a:graphicData uri="http://schemas.openxmlformats.org/drawingml/2006/table">
-            <a:tbl>
-              <a:tblPr/>
-              <a:tblGrid>
-                <a:gridCol w="2650435"/>
-              </a:tblGrid>
-              <a:tr h="1179443">
-                <a:tc>
-                  <a:txBody>
-                    <a:bodyPr/>
-                    <a:lstStyle/>
-                    <a:p>
-                      <a:pPr marL="0" marR="0" indent="0" algn="ctr" defTabSz="914400" rtl="0" eaLnBrk="1" fontAlgn="auto" latinLnBrk="0" hangingPunct="1">
-                        <a:lnSpc>
-                          <a:spcPct val="100000"/>
-                        </a:lnSpc>
-                        <a:spcBef>
-                          <a:spcPts val="0"/>
-                        </a:spcBef>
-                        <a:spcAft>
-                          <a:spcPts val="0"/>
-                        </a:spcAft>
-                        <a:buClrTx/>
-                        <a:buSzTx/>
-                        <a:buFontTx/>
-                        <a:buNone/>
-                        <a:tabLst/>
-                        <a:defRPr/>
-                      </a:pPr>
-                      <a:r>
-                        <a:rPr lang="zh-TW" altLang="en-US" sz="2400" dirty="0" smtClean="0">
-                          <a:ea typeface="標楷體"/>
-                          <a:cs typeface="Times New Roman"/>
-                        </a:rPr>
-                        <a:t>好了啦超大杯茶舖</a:t>
-                      </a:r>
-                      <a:endParaRPr lang="zh-TW" altLang="en-US" sz="2400" dirty="0"/>
-                    </a:p>
-                  </a:txBody>
-                  <a:tcPr anchor="ctr">
-                    <a:lnL w="12700" cmpd="sng">
-                      <a:solidFill>
-                        <a:schemeClr val="tx1"/>
-                      </a:solidFill>
-                      <a:prstDash val="solid"/>
-                    </a:lnL>
-                    <a:lnR w="12700" cmpd="sng">
-                      <a:solidFill>
-                        <a:schemeClr val="tx1"/>
-                      </a:solidFill>
-                      <a:prstDash val="solid"/>
-                    </a:lnR>
-                    <a:lnT w="12700" cmpd="sng">
-                      <a:solidFill>
-                        <a:schemeClr val="tx1"/>
-                      </a:solidFill>
-                      <a:prstDash val="solid"/>
-                    </a:lnT>
-                    <a:lnB w="12700" cmpd="sng">
-                      <a:solidFill>
-                        <a:schemeClr val="tx1"/>
-                      </a:solidFill>
-                      <a:prstDash val="solid"/>
-                    </a:lnB>
-                  </a:tcPr>
-                </a:tc>
-              </a:tr>
-            </a:tbl>
-          </a:graphicData>
-        </a:graphic>
-      </p:graphicFrame>
-      <p:graphicFrame>
-        <p:nvGraphicFramePr>
-          <p:cNvPr id="6" name="表格 5"/>
-          <p:cNvGraphicFramePr>
-            <a:graphicFrameLocks noGrp="1"/>
-          </p:cNvGraphicFramePr>
-          <p:nvPr/>
-        </p:nvGraphicFramePr>
-        <p:xfrm>
-          <a:off x="9104244" y="1457738"/>
-          <a:ext cx="1749287" cy="5141844"/>
-        </p:xfrm>
-        <a:graphic>
-          <a:graphicData uri="http://schemas.openxmlformats.org/drawingml/2006/table">
-            <a:tbl>
-              <a:tblPr/>
-              <a:tblGrid>
-                <a:gridCol w="1749287"/>
-              </a:tblGrid>
-              <a:tr h="2570922">
-                <a:tc>
-                  <a:txBody>
-                    <a:bodyPr/>
-                    <a:lstStyle/>
-                    <a:p>
-                      <a:pPr marL="0" marR="0" indent="0" algn="ctr" defTabSz="914400" rtl="0" eaLnBrk="1" fontAlgn="auto" latinLnBrk="0" hangingPunct="1">
-                        <a:lnSpc>
-                          <a:spcPct val="100000"/>
-                        </a:lnSpc>
-                        <a:spcBef>
-                          <a:spcPts val="0"/>
-                        </a:spcBef>
-                        <a:spcAft>
-                          <a:spcPts val="0"/>
-                        </a:spcAft>
-                        <a:buClrTx/>
-                        <a:buSzTx/>
-                        <a:buFontTx/>
-                        <a:buNone/>
-                        <a:tabLst/>
-                        <a:defRPr/>
-                      </a:pPr>
-                      <a:r>
-                        <a:rPr lang="zh-TW" altLang="en-US" sz="2400" dirty="0" smtClean="0">
-                          <a:ea typeface="標楷體"/>
-                          <a:cs typeface="Times New Roman"/>
-                        </a:rPr>
-                        <a:t>快餐部</a:t>
-                      </a:r>
-                      <a:endParaRPr lang="zh-TW" altLang="en-US" sz="2400" dirty="0"/>
-                    </a:p>
-                  </a:txBody>
-                  <a:tcPr vert="eaVert" anchor="ctr">
-                    <a:lnL w="12700" cmpd="sng">
-                      <a:solidFill>
-                        <a:schemeClr val="tx1"/>
-                      </a:solidFill>
-                      <a:prstDash val="solid"/>
-                    </a:lnL>
-                    <a:lnR w="12700" cmpd="sng">
-                      <a:solidFill>
-                        <a:schemeClr val="tx1"/>
-                      </a:solidFill>
-                      <a:prstDash val="solid"/>
-                    </a:lnR>
-                    <a:lnT w="12700" cmpd="sng">
-                      <a:solidFill>
-                        <a:schemeClr val="tx1"/>
-                      </a:solidFill>
-                      <a:prstDash val="solid"/>
-                    </a:lnT>
-                    <a:lnB w="12700" cap="flat" cmpd="sng" algn="ctr">
-                      <a:solidFill>
-                        <a:schemeClr val="tx1"/>
-                      </a:solidFill>
-                      <a:prstDash val="solid"/>
-                      <a:round/>
-                      <a:headEnd type="none" w="med" len="med"/>
-                      <a:tailEnd type="none" w="med" len="med"/>
-                    </a:lnB>
-                  </a:tcPr>
-                </a:tc>
-              </a:tr>
-              <a:tr h="2570922">
-                <a:tc>
-                  <a:txBody>
-                    <a:bodyPr/>
-                    <a:lstStyle/>
-                    <a:p>
-                      <a:pPr marL="0" marR="0" indent="0" algn="ctr" defTabSz="914400" rtl="0" eaLnBrk="1" fontAlgn="auto" latinLnBrk="0" hangingPunct="1">
-                        <a:lnSpc>
-                          <a:spcPct val="100000"/>
-                        </a:lnSpc>
-                        <a:spcBef>
-                          <a:spcPts val="0"/>
-                        </a:spcBef>
-                        <a:spcAft>
-                          <a:spcPts val="0"/>
-                        </a:spcAft>
-                        <a:buClrTx/>
-                        <a:buSzTx/>
-                        <a:buFontTx/>
-                        <a:buNone/>
-                        <a:tabLst/>
-                        <a:defRPr/>
-                      </a:pPr>
-                      <a:r>
-                        <a:rPr lang="zh-TW" altLang="en-US" sz="2400" dirty="0" smtClean="0">
-                          <a:ea typeface="標楷體"/>
-                          <a:cs typeface="Times New Roman"/>
-                        </a:rPr>
-                        <a:t>自助餐部</a:t>
-                      </a:r>
-                      <a:endParaRPr lang="zh-TW" altLang="en-US" sz="2400" dirty="0"/>
-                    </a:p>
-                  </a:txBody>
-                  <a:tcPr vert="eaVert" anchor="ctr">
-                    <a:lnL w="12700" cap="flat" cmpd="sng" algn="ctr">
-                      <a:solidFill>
-                        <a:schemeClr val="tx1"/>
-                      </a:solidFill>
-                      <a:prstDash val="solid"/>
-                      <a:round/>
-                      <a:headEnd type="none" w="med" len="med"/>
-                      <a:tailEnd type="none" w="med" len="med"/>
-                    </a:lnL>
-                    <a:lnR w="12700" cap="flat" cmpd="sng" algn="ctr">
-                      <a:solidFill>
-                        <a:schemeClr val="tx1"/>
-                      </a:solidFill>
-                      <a:prstDash val="solid"/>
-                      <a:round/>
-                      <a:headEnd type="none" w="med" len="med"/>
-                      <a:tailEnd type="none" w="med" len="med"/>
-                    </a:lnR>
-                    <a:lnT w="12700" cap="flat" cmpd="sng" algn="ctr">
-                      <a:solidFill>
-                        <a:schemeClr val="tx1"/>
-                      </a:solidFill>
-                      <a:prstDash val="solid"/>
-                      <a:round/>
-                      <a:headEnd type="none" w="med" len="med"/>
-                      <a:tailEnd type="none" w="med" len="med"/>
-                    </a:lnT>
-                    <a:lnB w="12700" cmpd="sng">
-                      <a:solidFill>
-                        <a:schemeClr val="tx1"/>
-                      </a:solidFill>
-                      <a:prstDash val="solid"/>
-                    </a:lnB>
-                  </a:tcPr>
-                </a:tc>
-              </a:tr>
-            </a:tbl>
-          </a:graphicData>
-        </a:graphic>
-      </p:graphicFrame>
-      <p:graphicFrame>
-        <p:nvGraphicFramePr>
-          <p:cNvPr id="8" name="表格 7"/>
-          <p:cNvGraphicFramePr>
-            <a:graphicFrameLocks noGrp="1"/>
-          </p:cNvGraphicFramePr>
-          <p:nvPr/>
-        </p:nvGraphicFramePr>
-        <p:xfrm>
-          <a:off x="6864626" y="5976730"/>
-          <a:ext cx="1457739" cy="649357"/>
-        </p:xfrm>
-        <a:graphic>
-          <a:graphicData uri="http://schemas.openxmlformats.org/drawingml/2006/table">
-            <a:tbl>
-              <a:tblPr/>
-              <a:tblGrid>
-                <a:gridCol w="1457739"/>
-              </a:tblGrid>
-              <a:tr h="649357">
-                <a:tc>
-                  <a:txBody>
-                    <a:bodyPr/>
-                    <a:lstStyle/>
-                    <a:p>
-                      <a:pPr marL="0" marR="0" indent="0" algn="ctr" defTabSz="914400" rtl="0" eaLnBrk="1" fontAlgn="auto" latinLnBrk="0" hangingPunct="1">
-                        <a:lnSpc>
-                          <a:spcPct val="100000"/>
-                        </a:lnSpc>
-                        <a:spcBef>
-                          <a:spcPts val="0"/>
-                        </a:spcBef>
-                        <a:spcAft>
-                          <a:spcPts val="0"/>
-                        </a:spcAft>
-                        <a:buClrTx/>
-                        <a:buSzTx/>
-                        <a:buFontTx/>
-                        <a:buNone/>
-                        <a:tabLst/>
-                        <a:defRPr/>
-                      </a:pPr>
-                      <a:r>
-                        <a:rPr lang="zh-TW" altLang="en-US" sz="2400" dirty="0" smtClean="0">
-                          <a:latin typeface="標楷體" pitchFamily="65" charset="-120"/>
-                          <a:ea typeface="標楷體" pitchFamily="65" charset="-120"/>
-                        </a:rPr>
-                        <a:t>出入口</a:t>
-                      </a:r>
-                    </a:p>
-                  </a:txBody>
-                  <a:tcPr anchor="ctr">
-                    <a:lnL w="12700" cmpd="sng">
-                      <a:noFill/>
-                      <a:prstDash val="solid"/>
-                    </a:lnL>
-                    <a:lnR w="12700" cmpd="sng">
-                      <a:noFill/>
-                      <a:prstDash val="solid"/>
-                    </a:lnR>
-                    <a:lnT w="12700" cmpd="sng">
-                      <a:noFill/>
-                      <a:prstDash val="solid"/>
-                    </a:lnT>
-                    <a:lnB w="12700" cmpd="sng">
-                      <a:noFill/>
-                      <a:prstDash val="solid"/>
-                    </a:lnB>
-                    <a:lnTlToBr w="12700" cmpd="sng">
-                      <a:noFill/>
-                      <a:prstDash val="solid"/>
-                    </a:lnTlToBr>
-                    <a:lnBlToTr w="12700" cmpd="sng">
-                      <a:noFill/>
-                      <a:prstDash val="solid"/>
-                    </a:lnBlToTr>
-                  </a:tcPr>
-                </a:tc>
-              </a:tr>
-            </a:tbl>
-          </a:graphicData>
-        </a:graphic>
-      </p:graphicFrame>
-      <p:graphicFrame>
-        <p:nvGraphicFramePr>
-          <p:cNvPr id="9" name="表格 8"/>
-          <p:cNvGraphicFramePr>
-            <a:graphicFrameLocks noGrp="1"/>
-          </p:cNvGraphicFramePr>
-          <p:nvPr>
-            <p:extLst>
-              <p:ext uri="{D42A27DB-BD31-4B8C-83A1-F6EECF244321}">
-                <p14:modId xmlns:p14="http://schemas.microsoft.com/office/powerpoint/2010/main" val="1537239460"/>
-              </p:ext>
-            </p:extLst>
-          </p:nvPr>
-        </p:nvGraphicFramePr>
-        <p:xfrm>
-          <a:off x="6849386" y="1115170"/>
-          <a:ext cx="1457739" cy="649357"/>
-        </p:xfrm>
-        <a:graphic>
-          <a:graphicData uri="http://schemas.openxmlformats.org/drawingml/2006/table">
-            <a:tbl>
-              <a:tblPr/>
-              <a:tblGrid>
-                <a:gridCol w="1457739"/>
-              </a:tblGrid>
-              <a:tr h="649357">
-                <a:tc>
-                  <a:txBody>
-                    <a:bodyPr/>
-                    <a:lstStyle/>
-                    <a:p>
-                      <a:pPr marL="0" marR="0" indent="0" algn="ctr" defTabSz="914400" rtl="0" eaLnBrk="1" fontAlgn="auto" latinLnBrk="0" hangingPunct="1">
-                        <a:lnSpc>
-                          <a:spcPct val="100000"/>
-                        </a:lnSpc>
-                        <a:spcBef>
-                          <a:spcPts val="0"/>
-                        </a:spcBef>
-                        <a:spcAft>
-                          <a:spcPts val="0"/>
-                        </a:spcAft>
-                        <a:buClrTx/>
-                        <a:buSzTx/>
-                        <a:buFontTx/>
-                        <a:buNone/>
-                        <a:tabLst/>
-                        <a:defRPr/>
-                      </a:pPr>
-                      <a:r>
-                        <a:rPr lang="zh-TW" altLang="en-US" sz="2400" dirty="0" smtClean="0">
-                          <a:latin typeface="標楷體" pitchFamily="65" charset="-120"/>
-                          <a:ea typeface="標楷體" pitchFamily="65" charset="-120"/>
-                        </a:rPr>
-                        <a:t>出入口</a:t>
-                      </a:r>
-                    </a:p>
-                  </a:txBody>
-                  <a:tcPr anchor="ctr">
-                    <a:lnL w="12700" cmpd="sng">
-                      <a:noFill/>
-                      <a:prstDash val="solid"/>
-                    </a:lnL>
-                    <a:lnR w="12700" cmpd="sng">
-                      <a:noFill/>
-                      <a:prstDash val="solid"/>
-                    </a:lnR>
-                    <a:lnT w="12700" cmpd="sng">
-                      <a:noFill/>
-                      <a:prstDash val="solid"/>
-                    </a:lnT>
-                    <a:lnB w="12700" cmpd="sng">
-                      <a:noFill/>
-                      <a:prstDash val="solid"/>
-                    </a:lnB>
-                    <a:lnTlToBr w="12700" cmpd="sng">
-                      <a:noFill/>
-                      <a:prstDash val="solid"/>
-                    </a:lnTlToBr>
-                    <a:lnBlToTr w="12700" cmpd="sng">
-                      <a:noFill/>
-                      <a:prstDash val="solid"/>
-                    </a:lnBlToTr>
-                  </a:tcPr>
-                </a:tc>
-              </a:tr>
-            </a:tbl>
-          </a:graphicData>
-        </a:graphic>
-      </p:graphicFrame>
-    </p:spTree>
-  </p:cSld>
-  <p:clrMapOvr>
-    <a:masterClrMapping/>
-  </p:clrMapOvr>
-  <p:transition advClick="0"/>
-  <p:timing>
-    <p:tnLst>
-      <p:par>
-        <p:cTn id="1" dur="indefinite" restart="never" nodeType="tmRoot"/>
-      </p:par>
-    </p:tnLst>
-  </p:timing>
-</p:sld>
-</file>
-
-<file path=ppt/slides/slide21.xml><?xml version="1.0" encoding="utf-8"?>
-<p:sld xmlns:a="http://schemas.openxmlformats.org/drawingml/2006/main" xmlns:r="http://schemas.openxmlformats.org/officeDocument/2006/relationships" xmlns:p="http://schemas.openxmlformats.org/presentationml/2006/main" showMasterSp="0" show="0">
-  <p:cSld>
-    <p:bg>
-      <p:bgPr>
-        <a:pattFill prst="pct5">
-          <a:fgClr>
-            <a:schemeClr val="bg1"/>
-          </a:fgClr>
-          <a:bgClr>
-            <a:schemeClr val="bg1"/>
-          </a:bgClr>
-        </a:pattFill>
-        <a:effectLst/>
-      </p:bgPr>
-    </p:bg>
-    <p:spTree>
-      <p:nvGrpSpPr>
-        <p:cNvPr id="1" name=""/>
-        <p:cNvGrpSpPr/>
-        <p:nvPr/>
-      </p:nvGrpSpPr>
-      <p:grpSpPr>
-        <a:xfrm>
-          <a:off x="0" y="0"/>
-          <a:ext cx="0" cy="0"/>
-          <a:chOff x="0" y="0"/>
-          <a:chExt cx="0" cy="0"/>
-        </a:xfrm>
-      </p:grpSpPr>
-      <p:sp>
-        <p:nvSpPr>
-          <p:cNvPr id="2" name="標題 1"/>
-          <p:cNvSpPr>
-            <a:spLocks noGrp="1"/>
-          </p:cNvSpPr>
-          <p:nvPr>
-            <p:ph type="title"/>
-          </p:nvPr>
-        </p:nvSpPr>
-        <p:spPr>
-          <a:xfrm>
-            <a:off x="1295402" y="43806"/>
-            <a:ext cx="9601196" cy="1303867"/>
-          </a:xfrm>
-        </p:spPr>
-        <p:txBody>
-          <a:bodyPr>
-            <a:normAutofit/>
-          </a:bodyPr>
-          <a:lstStyle/>
-          <a:p>
-            <a:r>
-              <a:rPr lang="zh-TW" altLang="en-US" dirty="0" smtClean="0">
-                <a:solidFill>
-                  <a:schemeClr val="tx1"/>
-                </a:solidFill>
-                <a:latin typeface="標楷體" pitchFamily="65" charset="-120"/>
-                <a:ea typeface="標楷體" pitchFamily="65" charset="-120"/>
-              </a:rPr>
-              <a:t>小木屋與摩斯漢堡</a:t>
-            </a:r>
-            <a:endParaRPr lang="zh-TW" altLang="en-US" dirty="0">
-              <a:solidFill>
-                <a:schemeClr val="tx1"/>
-              </a:solidFill>
-              <a:latin typeface="標楷體" pitchFamily="65" charset="-120"/>
-              <a:ea typeface="標楷體" pitchFamily="65" charset="-120"/>
-            </a:endParaRPr>
-          </a:p>
-        </p:txBody>
-      </p:sp>
-      <p:graphicFrame>
-        <p:nvGraphicFramePr>
-          <p:cNvPr id="3" name="表格 2"/>
-          <p:cNvGraphicFramePr>
-            <a:graphicFrameLocks noGrp="1"/>
-          </p:cNvGraphicFramePr>
-          <p:nvPr>
-            <p:extLst>
-              <p:ext uri="{D42A27DB-BD31-4B8C-83A1-F6EECF244321}">
-                <p14:modId xmlns:p14="http://schemas.microsoft.com/office/powerpoint/2010/main" val="2404760520"/>
-              </p:ext>
-            </p:extLst>
-          </p:nvPr>
-        </p:nvGraphicFramePr>
-        <p:xfrm>
-          <a:off x="2205162" y="1790370"/>
-          <a:ext cx="6798366" cy="755374"/>
-        </p:xfrm>
-        <a:graphic>
-          <a:graphicData uri="http://schemas.openxmlformats.org/drawingml/2006/table">
-            <a:tbl>
-              <a:tblPr/>
-              <a:tblGrid>
-                <a:gridCol w="3399183"/>
-                <a:gridCol w="3399183"/>
-              </a:tblGrid>
-              <a:tr h="755374">
-                <a:tc>
-                  <a:txBody>
-                    <a:bodyPr/>
-                    <a:lstStyle/>
-                    <a:p>
-                      <a:pPr marL="0" marR="0" indent="0" algn="ctr" defTabSz="914400" rtl="0" eaLnBrk="1" fontAlgn="auto" latinLnBrk="0" hangingPunct="1">
-                        <a:lnSpc>
-                          <a:spcPct val="100000"/>
-                        </a:lnSpc>
-                        <a:spcBef>
-                          <a:spcPts val="0"/>
-                        </a:spcBef>
-                        <a:spcAft>
-                          <a:spcPts val="0"/>
-                        </a:spcAft>
-                        <a:buClrTx/>
-                        <a:buSzTx/>
-                        <a:buFontTx/>
-                        <a:buNone/>
-                        <a:tabLst/>
-                        <a:defRPr/>
-                      </a:pPr>
-                      <a:r>
-                        <a:rPr lang="en-US" sz="2400" dirty="0" smtClean="0">
-                          <a:latin typeface="標楷體"/>
-                          <a:cs typeface="Times New Roman"/>
-                        </a:rPr>
-                        <a:t>Juice Bar</a:t>
-                      </a:r>
-                      <a:endParaRPr lang="zh-TW" altLang="en-US" sz="2400" dirty="0">
-                        <a:latin typeface="標楷體" pitchFamily="65" charset="-120"/>
-                        <a:ea typeface="標楷體" pitchFamily="65" charset="-120"/>
-                      </a:endParaRPr>
-                    </a:p>
-                  </a:txBody>
-                  <a:tcPr anchor="ctr">
-                    <a:lnL w="12700" cmpd="sng">
-                      <a:solidFill>
-                        <a:schemeClr val="tx1"/>
-                      </a:solidFill>
-                      <a:prstDash val="solid"/>
-                    </a:lnL>
-                    <a:lnR w="12700" cap="flat" cmpd="sng" algn="ctr">
-                      <a:solidFill>
-                        <a:schemeClr val="tx1"/>
-                      </a:solidFill>
-                      <a:prstDash val="solid"/>
-                      <a:round/>
-                      <a:headEnd type="none" w="med" len="med"/>
-                      <a:tailEnd type="none" w="med" len="med"/>
-                    </a:lnR>
-                    <a:lnT w="12700" cmpd="sng">
-                      <a:solidFill>
-                        <a:schemeClr val="tx1"/>
-                      </a:solidFill>
-                      <a:prstDash val="solid"/>
-                    </a:lnT>
-                    <a:lnB w="12700" cmpd="sng">
-                      <a:solidFill>
-                        <a:schemeClr val="tx1"/>
-                      </a:solidFill>
-                      <a:prstDash val="solid"/>
-                    </a:lnB>
-                  </a:tcPr>
-                </a:tc>
-                <a:tc>
-                  <a:txBody>
-                    <a:bodyPr/>
-                    <a:lstStyle/>
-                    <a:p>
-                      <a:pPr marL="0" marR="0" indent="0" algn="ctr" defTabSz="914400" rtl="0" eaLnBrk="1" fontAlgn="auto" latinLnBrk="0" hangingPunct="1">
-                        <a:lnSpc>
-                          <a:spcPct val="100000"/>
-                        </a:lnSpc>
-                        <a:spcBef>
-                          <a:spcPts val="0"/>
-                        </a:spcBef>
-                        <a:spcAft>
-                          <a:spcPts val="0"/>
-                        </a:spcAft>
-                        <a:buClrTx/>
-                        <a:buSzTx/>
-                        <a:buFontTx/>
-                        <a:buNone/>
-                        <a:tabLst/>
-                        <a:defRPr/>
-                      </a:pPr>
-                      <a:r>
-                        <a:rPr lang="zh-TW" altLang="en-US" sz="2400" dirty="0" smtClean="0">
-                          <a:ea typeface="標楷體"/>
-                          <a:cs typeface="Times New Roman"/>
-                        </a:rPr>
-                        <a:t>奈手卷</a:t>
-                      </a:r>
-                      <a:endParaRPr lang="zh-TW" altLang="en-US" sz="2400" dirty="0">
-                        <a:latin typeface="標楷體" pitchFamily="65" charset="-120"/>
-                        <a:ea typeface="標楷體" pitchFamily="65" charset="-120"/>
-                      </a:endParaRPr>
-                    </a:p>
-                  </a:txBody>
-                  <a:tcPr anchor="ctr">
-                    <a:lnL w="12700" cap="flat" cmpd="sng" algn="ctr">
-                      <a:solidFill>
-                        <a:schemeClr val="tx1"/>
-                      </a:solidFill>
-                      <a:prstDash val="solid"/>
-                      <a:round/>
-                      <a:headEnd type="none" w="med" len="med"/>
-                      <a:tailEnd type="none" w="med" len="med"/>
-                    </a:lnL>
-                    <a:lnR w="12700" cmpd="sng">
-                      <a:solidFill>
-                        <a:schemeClr val="tx1"/>
-                      </a:solidFill>
-                      <a:prstDash val="solid"/>
-                    </a:lnR>
-                    <a:lnT w="12700" cap="flat" cmpd="sng" algn="ctr">
-                      <a:solidFill>
-                        <a:schemeClr val="tx1"/>
-                      </a:solidFill>
-                      <a:prstDash val="solid"/>
-                      <a:round/>
-                      <a:headEnd type="none" w="med" len="med"/>
-                      <a:tailEnd type="none" w="med" len="med"/>
-                    </a:lnT>
-                    <a:lnB w="12700" cap="flat" cmpd="sng" algn="ctr">
-                      <a:solidFill>
-                        <a:schemeClr val="tx1"/>
-                      </a:solidFill>
-                      <a:prstDash val="solid"/>
-                      <a:round/>
-                      <a:headEnd type="none" w="med" len="med"/>
-                      <a:tailEnd type="none" w="med" len="med"/>
-                    </a:lnB>
-                  </a:tcPr>
-                </a:tc>
-              </a:tr>
-            </a:tbl>
-          </a:graphicData>
-        </a:graphic>
-      </p:graphicFrame>
-      <p:graphicFrame>
-        <p:nvGraphicFramePr>
-          <p:cNvPr id="4" name="表格 3"/>
-          <p:cNvGraphicFramePr>
-            <a:graphicFrameLocks noGrp="1"/>
-          </p:cNvGraphicFramePr>
-          <p:nvPr/>
-        </p:nvGraphicFramePr>
-        <p:xfrm>
-          <a:off x="8468139" y="5075583"/>
-          <a:ext cx="3087757" cy="1577008"/>
-        </p:xfrm>
-        <a:graphic>
-          <a:graphicData uri="http://schemas.openxmlformats.org/drawingml/2006/table">
-            <a:tbl>
-              <a:tblPr/>
-              <a:tblGrid>
-                <a:gridCol w="3087757"/>
-              </a:tblGrid>
-              <a:tr h="1577008">
-                <a:tc>
-                  <a:txBody>
-                    <a:bodyPr/>
-                    <a:lstStyle/>
-                    <a:p>
-                      <a:pPr algn="ctr"/>
-                      <a:r>
-                        <a:rPr lang="zh-TW" altLang="en-US" sz="2400" dirty="0" smtClean="0">
-                          <a:latin typeface="標楷體" pitchFamily="65" charset="-120"/>
-                          <a:ea typeface="標楷體" pitchFamily="65" charset="-120"/>
-                        </a:rPr>
-                        <a:t>摩斯漢堡</a:t>
-                      </a:r>
-                      <a:endParaRPr lang="zh-TW" altLang="en-US" sz="2400" dirty="0">
-                        <a:latin typeface="標楷體" pitchFamily="65" charset="-120"/>
-                        <a:ea typeface="標楷體" pitchFamily="65" charset="-120"/>
-                      </a:endParaRPr>
-                    </a:p>
-                  </a:txBody>
-                  <a:tcPr anchor="ctr">
-                    <a:lnL w="12700" cmpd="sng">
-                      <a:solidFill>
-                        <a:schemeClr val="tx1"/>
-                      </a:solidFill>
-                      <a:prstDash val="solid"/>
-                    </a:lnL>
-                    <a:lnR w="12700" cmpd="sng">
-                      <a:solidFill>
-                        <a:schemeClr val="tx1"/>
-                      </a:solidFill>
-                      <a:prstDash val="solid"/>
-                    </a:lnR>
-                    <a:lnT w="12700" cmpd="sng">
-                      <a:solidFill>
-                        <a:schemeClr val="tx1"/>
-                      </a:solidFill>
-                      <a:prstDash val="solid"/>
-                    </a:lnT>
-                    <a:lnB w="12700" cmpd="sng">
-                      <a:solidFill>
-                        <a:schemeClr val="tx1"/>
-                      </a:solidFill>
-                      <a:prstDash val="solid"/>
-                    </a:lnB>
-                  </a:tcPr>
-                </a:tc>
-              </a:tr>
-            </a:tbl>
-          </a:graphicData>
-        </a:graphic>
-      </p:graphicFrame>
-      <p:graphicFrame>
-        <p:nvGraphicFramePr>
-          <p:cNvPr id="5" name="表格 4"/>
-          <p:cNvGraphicFramePr>
-            <a:graphicFrameLocks noGrp="1"/>
-          </p:cNvGraphicFramePr>
-          <p:nvPr/>
-        </p:nvGraphicFramePr>
-        <p:xfrm>
-          <a:off x="4505739" y="5559288"/>
-          <a:ext cx="3048000" cy="1099930"/>
-        </p:xfrm>
-        <a:graphic>
-          <a:graphicData uri="http://schemas.openxmlformats.org/drawingml/2006/table">
-            <a:tbl>
-              <a:tblPr/>
-              <a:tblGrid>
-                <a:gridCol w="3048000"/>
-              </a:tblGrid>
-              <a:tr h="1099930">
-                <a:tc>
-                  <a:txBody>
-                    <a:bodyPr/>
-                    <a:lstStyle/>
-                    <a:p>
-                      <a:pPr algn="ctr"/>
-                      <a:r>
-                        <a:rPr lang="zh-TW" altLang="en-US" sz="2400" dirty="0" smtClean="0">
-                          <a:latin typeface="標楷體" pitchFamily="65" charset="-120"/>
-                          <a:ea typeface="標楷體" pitchFamily="65" charset="-120"/>
-                        </a:rPr>
-                        <a:t>學生活動中心</a:t>
-                      </a:r>
-                      <a:endParaRPr lang="zh-TW" altLang="en-US" sz="2400" dirty="0">
-                        <a:latin typeface="標楷體" pitchFamily="65" charset="-120"/>
-                        <a:ea typeface="標楷體" pitchFamily="65" charset="-120"/>
-                      </a:endParaRPr>
-                    </a:p>
-                  </a:txBody>
-                  <a:tcPr anchor="ctr">
-                    <a:lnL w="12700" cmpd="sng">
-                      <a:noFill/>
-                      <a:prstDash val="solid"/>
-                    </a:lnL>
-                    <a:lnR w="12700" cmpd="sng">
-                      <a:noFill/>
-                      <a:prstDash val="solid"/>
-                    </a:lnR>
-                    <a:lnT w="12700" cmpd="sng">
-                      <a:noFill/>
-                      <a:prstDash val="solid"/>
-                    </a:lnT>
-                    <a:lnB w="12700" cmpd="sng">
-                      <a:noFill/>
-                      <a:prstDash val="solid"/>
-                    </a:lnB>
-                    <a:lnTlToBr w="12700" cmpd="sng">
-                      <a:noFill/>
-                      <a:prstDash val="solid"/>
-                    </a:lnTlToBr>
-                    <a:lnBlToTr w="12700" cmpd="sng">
-                      <a:noFill/>
-                      <a:prstDash val="solid"/>
-                    </a:lnBlToTr>
-                  </a:tcPr>
-                </a:tc>
-              </a:tr>
-            </a:tbl>
-          </a:graphicData>
-        </a:graphic>
-      </p:graphicFrame>
-      <p:graphicFrame>
-        <p:nvGraphicFramePr>
-          <p:cNvPr id="6" name="表格 5"/>
-          <p:cNvGraphicFramePr>
-            <a:graphicFrameLocks noGrp="1"/>
-          </p:cNvGraphicFramePr>
-          <p:nvPr/>
-        </p:nvGraphicFramePr>
-        <p:xfrm>
-          <a:off x="2027582" y="5897218"/>
-          <a:ext cx="1842052" cy="596348"/>
-        </p:xfrm>
-        <a:graphic>
-          <a:graphicData uri="http://schemas.openxmlformats.org/drawingml/2006/table">
-            <a:tbl>
-              <a:tblPr/>
-              <a:tblGrid>
-                <a:gridCol w="1842052"/>
-              </a:tblGrid>
-              <a:tr h="596348">
-                <a:tc>
-                  <a:txBody>
-                    <a:bodyPr/>
-                    <a:lstStyle/>
-                    <a:p>
-                      <a:pPr marL="0" algn="ctr" rtl="0" eaLnBrk="1" latinLnBrk="0" hangingPunct="1"/>
-                      <a:r>
-                        <a:rPr kumimoji="0" lang="zh-TW" altLang="en-US" sz="2400" kern="1200" dirty="0" smtClean="0">
-                          <a:solidFill>
-                            <a:schemeClr val="tx1"/>
-                          </a:solidFill>
-                          <a:latin typeface="標楷體" pitchFamily="65" charset="-120"/>
-                          <a:ea typeface="標楷體" pitchFamily="65" charset="-120"/>
-                          <a:cs typeface="+mn-cs"/>
-                        </a:rPr>
-                        <a:t>郵局提款機</a:t>
-                      </a:r>
-                    </a:p>
-                  </a:txBody>
-                  <a:tcPr>
-                    <a:lnL w="12700" cmpd="sng">
-                      <a:noFill/>
-                      <a:prstDash val="solid"/>
-                    </a:lnL>
-                    <a:lnR w="12700" cmpd="sng">
-                      <a:noFill/>
-                      <a:prstDash val="solid"/>
-                    </a:lnR>
-                    <a:lnT w="12700" cmpd="sng">
-                      <a:noFill/>
-                      <a:prstDash val="solid"/>
-                    </a:lnT>
-                    <a:lnB w="12700" cmpd="sng">
-                      <a:noFill/>
-                      <a:prstDash val="solid"/>
-                    </a:lnB>
-                    <a:lnTlToBr w="12700" cmpd="sng">
-                      <a:noFill/>
-                      <a:prstDash val="solid"/>
-                    </a:lnTlToBr>
-                    <a:lnBlToTr w="12700" cmpd="sng">
-                      <a:noFill/>
-                      <a:prstDash val="solid"/>
-                    </a:lnBlToTr>
-                  </a:tcPr>
-                </a:tc>
-              </a:tr>
-            </a:tbl>
-          </a:graphicData>
-        </a:graphic>
-      </p:graphicFrame>
-      <p:sp>
-        <p:nvSpPr>
-          <p:cNvPr id="8" name="矩形 7"/>
-          <p:cNvSpPr/>
-          <p:nvPr/>
-        </p:nvSpPr>
-        <p:spPr>
-          <a:xfrm>
-            <a:off x="10243931" y="397566"/>
-            <a:ext cx="1232452" cy="596348"/>
-          </a:xfrm>
-          <a:prstGeom prst="rect">
-            <a:avLst/>
-          </a:prstGeom>
-          <a:solidFill>
-            <a:srgbClr val="00B0F0"/>
-          </a:solidFill>
-        </p:spPr>
-        <p:style>
-          <a:lnRef idx="1">
-            <a:schemeClr val="accent2"/>
-          </a:lnRef>
-          <a:fillRef idx="2">
-            <a:schemeClr val="accent2"/>
-          </a:fillRef>
-          <a:effectRef idx="1">
-            <a:schemeClr val="accent2"/>
-          </a:effectRef>
-          <a:fontRef idx="minor">
-            <a:schemeClr val="dk1"/>
-          </a:fontRef>
-        </p:style>
-        <p:txBody>
-          <a:bodyPr rtlCol="0" anchor="ctr"/>
-          <a:lstStyle/>
-          <a:p>
-            <a:pPr algn="ctr"/>
-            <a:r>
-              <a:rPr lang="zh-TW" altLang="en-US" dirty="0" smtClean="0">
-                <a:hlinkClick r:id="rId2" action="ppaction://hlinksldjump"/>
-              </a:rPr>
-              <a:t>回首頁</a:t>
-            </a:r>
-            <a:endParaRPr lang="zh-TW" altLang="en-US" dirty="0"/>
-          </a:p>
-        </p:txBody>
-      </p:sp>
-    </p:spTree>
-  </p:cSld>
-  <p:clrMapOvr>
-    <a:masterClrMapping/>
-  </p:clrMapOvr>
-  <mc:AlternateContent xmlns:mc="http://schemas.openxmlformats.org/markup-compatibility/2006" xmlns:p14="http://schemas.microsoft.com/office/powerpoint/2010/main">
-    <mc:Choice Requires="p14">
-      <p:transition spd="slow" p14:dur="2000"/>
-    </mc:Choice>
-    <mc:Fallback xmlns="">
-      <p:transition spd="slow"/>
-    </mc:Fallback>
-  </mc:AlternateContent>
-  <p:timing>
-    <p:tnLst>
-      <p:par>
-        <p:cTn id="1" dur="indefinite" restart="never" nodeType="tmRoot"/>
-      </p:par>
-    </p:tnLst>
-  </p:timing>
-</p:sld>
-</file>
-
-<file path=ppt/slides/slide22.xml><?xml version="1.0" encoding="utf-8"?>
 <p:sld xmlns:a="http://schemas.openxmlformats.org/drawingml/2006/main" xmlns:r="http://schemas.openxmlformats.org/officeDocument/2006/relationships" xmlns:p="http://schemas.openxmlformats.org/presentationml/2006/main" showMasterSp="0" show="0">
   <p:cSld>
     <p:bg>
@@ -18546,7 +17935,7 @@
 </p:sld>
 </file>
 
-<file path=ppt/slides/slide23.xml><?xml version="1.0" encoding="utf-8"?>
+<file path=ppt/slides/slide21.xml><?xml version="1.0" encoding="utf-8"?>
 <p:sld xmlns:a="http://schemas.openxmlformats.org/drawingml/2006/main" xmlns:r="http://schemas.openxmlformats.org/officeDocument/2006/relationships" xmlns:p="http://schemas.openxmlformats.org/presentationml/2006/main" showMasterSp="0" show="0">
   <p:cSld>
     <p:bg>
@@ -18599,7 +17988,17 @@
                 <a:latin typeface="標楷體" pitchFamily="65" charset="-120"/>
                 <a:ea typeface="標楷體" pitchFamily="65" charset="-120"/>
               </a:rPr>
-              <a:t>從首頁使用</a:t>
+              <a:t>從首頁</a:t>
+            </a:r>
+            <a:r>
+              <a:rPr lang="zh-TW" altLang="en-US" dirty="0" smtClean="0">
+                <a:solidFill>
+                  <a:schemeClr val="tx1"/>
+                </a:solidFill>
+                <a:latin typeface="標楷體" pitchFamily="65" charset="-120"/>
+                <a:ea typeface="標楷體" pitchFamily="65" charset="-120"/>
+              </a:rPr>
+              <a:t>使用</a:t>
             </a:r>
             <a:r>
               <a:rPr lang="en-US" altLang="zh-TW" cap="none" dirty="0" err="1" smtClean="0">
@@ -18894,7 +18293,7 @@
     </p:spTree>
     <p:extLst>
       <p:ext uri="{BB962C8B-B14F-4D97-AF65-F5344CB8AC3E}">
-        <p14:creationId xmlns:p14="http://schemas.microsoft.com/office/powerpoint/2010/main" val="529438128"/>
+        <p14:creationId xmlns:p14="http://schemas.microsoft.com/office/powerpoint/2010/main" xmlns="" val="529438128"/>
       </p:ext>
     </p:extLst>
   </p:cSld>
@@ -18912,7 +18311,7 @@
 </p:sld>
 </file>
 
-<file path=ppt/slides/slide24.xml><?xml version="1.0" encoding="utf-8"?>
+<file path=ppt/slides/slide22.xml><?xml version="1.0" encoding="utf-8"?>
 <p:sld xmlns:a="http://schemas.openxmlformats.org/drawingml/2006/main" xmlns:r="http://schemas.openxmlformats.org/officeDocument/2006/relationships" xmlns:p="http://schemas.openxmlformats.org/presentationml/2006/main" showMasterSp="0" show="0">
   <p:cSld>
     <p:bg>
@@ -19294,7 +18693,7 @@
 </p:sld>
 </file>
 
-<file path=ppt/slides/slide25.xml><?xml version="1.0" encoding="utf-8"?>
+<file path=ppt/slides/slide23.xml><?xml version="1.0" encoding="utf-8"?>
 <p:sld xmlns:a="http://schemas.openxmlformats.org/drawingml/2006/main" xmlns:r="http://schemas.openxmlformats.org/officeDocument/2006/relationships" xmlns:p="http://schemas.openxmlformats.org/presentationml/2006/main" showMasterSp="0" show="0">
   <p:cSld>
     <p:bg>
@@ -19676,7 +19075,7 @@
 </p:sld>
 </file>
 
-<file path=ppt/slides/slide26.xml><?xml version="1.0" encoding="utf-8"?>
+<file path=ppt/slides/slide24.xml><?xml version="1.0" encoding="utf-8"?>
 <p:sld xmlns:a="http://schemas.openxmlformats.org/drawingml/2006/main" xmlns:r="http://schemas.openxmlformats.org/officeDocument/2006/relationships" xmlns:p="http://schemas.openxmlformats.org/presentationml/2006/main" showMasterSp="0" show="0">
   <p:cSld>
     <p:bg>
@@ -19718,7 +19117,7 @@
           <a:blip r:embed="rId2">
             <a:extLst>
               <a:ext uri="{28A0092B-C50C-407E-A947-70E740481C1C}">
-                <a14:useLocalDpi xmlns:a14="http://schemas.microsoft.com/office/drawing/2010/main" val="0"/>
+                <a14:useLocalDpi xmlns:a14="http://schemas.microsoft.com/office/drawing/2010/main" xmlns="" val="0"/>
               </a:ext>
             </a:extLst>
           </a:blip>
@@ -19745,7 +19144,7 @@
           <p:nvPr>
             <p:extLst>
               <p:ext uri="{D42A27DB-BD31-4B8C-83A1-F6EECF244321}">
-                <p14:modId xmlns:p14="http://schemas.microsoft.com/office/powerpoint/2010/main" val="2931822235"/>
+                <p14:modId xmlns:p14="http://schemas.microsoft.com/office/powerpoint/2010/main" xmlns="" val="2931822235"/>
               </p:ext>
             </p:extLst>
           </p:nvPr>
@@ -21499,7 +20898,7 @@
           <p:nvPr>
             <p:extLst>
               <p:ext uri="{D42A27DB-BD31-4B8C-83A1-F6EECF244321}">
-                <p14:modId xmlns:p14="http://schemas.microsoft.com/office/powerpoint/2010/main" val="1209697467"/>
+                <p14:modId xmlns:p14="http://schemas.microsoft.com/office/powerpoint/2010/main" xmlns="" val="1209697467"/>
               </p:ext>
             </p:extLst>
           </p:nvPr>
@@ -23476,11 +22875,11 @@
   <p:clrMapOvr>
     <a:masterClrMapping/>
   </p:clrMapOvr>
-  <mc:AlternateContent xmlns:mc="http://schemas.openxmlformats.org/markup-compatibility/2006" xmlns:p14="http://schemas.microsoft.com/office/powerpoint/2010/main">
-    <mc:Choice Requires="p14">
+  <mc:AlternateContent xmlns:mc="http://schemas.openxmlformats.org/markup-compatibility/2006">
+    <mc:Choice xmlns:p14="http://schemas.microsoft.com/office/powerpoint/2010/main" xmlns="" Requires="p14">
       <p:transition spd="slow" p14:dur="2000"/>
     </mc:Choice>
-    <mc:Fallback xmlns="">
+    <mc:Fallback>
       <p:transition spd="slow"/>
     </mc:Fallback>
   </mc:AlternateContent>
@@ -23494,7 +22893,7 @@
 </p:sld>
 </file>
 
-<file path=ppt/slides/slide27.xml><?xml version="1.0" encoding="utf-8"?>
+<file path=ppt/slides/slide25.xml><?xml version="1.0" encoding="utf-8"?>
 <p:sld xmlns:a="http://schemas.openxmlformats.org/drawingml/2006/main" xmlns:r="http://schemas.openxmlformats.org/officeDocument/2006/relationships" xmlns:p="http://schemas.openxmlformats.org/presentationml/2006/main" showMasterSp="0" show="0">
   <p:cSld>
     <p:bg>
@@ -23536,7 +22935,7 @@
           <a:blip r:embed="rId2">
             <a:extLst>
               <a:ext uri="{28A0092B-C50C-407E-A947-70E740481C1C}">
-                <a14:useLocalDpi xmlns:a14="http://schemas.microsoft.com/office/drawing/2010/main" val="0"/>
+                <a14:useLocalDpi xmlns:a14="http://schemas.microsoft.com/office/drawing/2010/main" xmlns="" val="0"/>
               </a:ext>
             </a:extLst>
           </a:blip>
@@ -23563,7 +22962,7 @@
           <p:nvPr>
             <p:extLst>
               <p:ext uri="{D42A27DB-BD31-4B8C-83A1-F6EECF244321}">
-                <p14:modId xmlns:p14="http://schemas.microsoft.com/office/powerpoint/2010/main" val="2931822235"/>
+                <p14:modId xmlns:p14="http://schemas.microsoft.com/office/powerpoint/2010/main" xmlns="" val="2931822235"/>
               </p:ext>
             </p:extLst>
           </p:nvPr>
@@ -25317,7 +24716,7 @@
           <p:nvPr>
             <p:extLst>
               <p:ext uri="{D42A27DB-BD31-4B8C-83A1-F6EECF244321}">
-                <p14:modId xmlns:p14="http://schemas.microsoft.com/office/powerpoint/2010/main" val="1209697467"/>
+                <p14:modId xmlns:p14="http://schemas.microsoft.com/office/powerpoint/2010/main" xmlns="" val="1209697467"/>
               </p:ext>
             </p:extLst>
           </p:nvPr>
@@ -27597,7 +26996,7 @@
           <a:blip r:embed="rId5" cstate="print">
             <a:extLst>
               <a:ext uri="{28A0092B-C50C-407E-A947-70E740481C1C}">
-                <a14:useLocalDpi xmlns:a14="http://schemas.microsoft.com/office/drawing/2010/main" val="0"/>
+                <a14:useLocalDpi xmlns:a14="http://schemas.microsoft.com/office/drawing/2010/main" xmlns="" val="0"/>
               </a:ext>
             </a:extLst>
           </a:blip>
@@ -27630,7 +27029,7 @@
           <a:blip r:embed="rId5" cstate="print">
             <a:extLst>
               <a:ext uri="{28A0092B-C50C-407E-A947-70E740481C1C}">
-                <a14:useLocalDpi xmlns:a14="http://schemas.microsoft.com/office/drawing/2010/main" val="0"/>
+                <a14:useLocalDpi xmlns:a14="http://schemas.microsoft.com/office/drawing/2010/main" xmlns="" val="0"/>
               </a:ext>
             </a:extLst>
           </a:blip>
@@ -27663,7 +27062,7 @@
           <a:blip r:embed="rId5" cstate="print">
             <a:extLst>
               <a:ext uri="{28A0092B-C50C-407E-A947-70E740481C1C}">
-                <a14:useLocalDpi xmlns:a14="http://schemas.microsoft.com/office/drawing/2010/main" val="0"/>
+                <a14:useLocalDpi xmlns:a14="http://schemas.microsoft.com/office/drawing/2010/main" xmlns="" val="0"/>
               </a:ext>
             </a:extLst>
           </a:blip>
@@ -27820,7 +27219,7 @@
     </p:spTree>
     <p:extLst>
       <p:ext uri="{BB962C8B-B14F-4D97-AF65-F5344CB8AC3E}">
-        <p14:creationId xmlns:p14="http://schemas.microsoft.com/office/powerpoint/2010/main" val="782654155"/>
+        <p14:creationId xmlns:p14="http://schemas.microsoft.com/office/powerpoint/2010/main" xmlns="" val="782654155"/>
       </p:ext>
     </p:extLst>
   </p:cSld>
@@ -29165,7 +28564,7 @@
     </p:spTree>
     <p:extLst>
       <p:ext uri="{BB962C8B-B14F-4D97-AF65-F5344CB8AC3E}">
-        <p14:creationId xmlns:p14="http://schemas.microsoft.com/office/powerpoint/2010/main" val="3880313258"/>
+        <p14:creationId xmlns:p14="http://schemas.microsoft.com/office/powerpoint/2010/main" xmlns="" val="3880313258"/>
       </p:ext>
     </p:extLst>
   </p:cSld>
@@ -29257,46 +28656,9 @@
           </a:bodyPr>
           <a:lstStyle/>
           <a:p>
-            <a:pPr marL="1137150" lvl="1" indent="-342900">
+            <a:pPr marL="1080000" lvl="1">
               <a:lnSpc>
-                <a:spcPct val="110000"/>
-              </a:lnSpc>
-              <a:buClr>
-                <a:schemeClr val="tx1"/>
-              </a:buClr>
-            </a:pPr>
-            <a:r>
-              <a:rPr lang="zh-TW" altLang="en-US" sz="2400" dirty="0" smtClean="0">
-                <a:solidFill>
-                  <a:schemeClr val="tx1"/>
-                </a:solidFill>
-                <a:latin typeface="標楷體" pitchFamily="65" charset="-120"/>
-                <a:ea typeface="標楷體" pitchFamily="65" charset="-120"/>
-              </a:rPr>
-              <a:t>三</a:t>
-            </a:r>
-            <a:r>
-              <a:rPr lang="zh-TW" altLang="en-US" sz="2400" dirty="0">
-                <a:solidFill>
-                  <a:schemeClr val="tx1"/>
-                </a:solidFill>
-                <a:latin typeface="標楷體" pitchFamily="65" charset="-120"/>
-                <a:ea typeface="標楷體" pitchFamily="65" charset="-120"/>
-              </a:rPr>
-              <a:t>月</a:t>
-            </a:r>
-            <a:endParaRPr lang="en-US" altLang="zh-TW" sz="2400" dirty="0" smtClean="0">
-              <a:solidFill>
-                <a:schemeClr val="tx1"/>
-              </a:solidFill>
-              <a:latin typeface="標楷體" pitchFamily="65" charset="-120"/>
-              <a:ea typeface="標楷體" pitchFamily="65" charset="-120"/>
-            </a:endParaRPr>
-          </a:p>
-          <a:p>
-            <a:pPr marL="1537200" lvl="2">
-              <a:lnSpc>
-                <a:spcPct val="110000"/>
+                <a:spcPct val="150000"/>
               </a:lnSpc>
               <a:buClr>
                 <a:schemeClr val="tx1"/>
@@ -29322,17 +28684,7 @@
                 <a:latin typeface="標楷體" pitchFamily="65" charset="-120"/>
                 <a:ea typeface="標楷體" pitchFamily="65" charset="-120"/>
               </a:rPr>
-              <a:t> </a:t>
-            </a:r>
-            <a:r>
-              <a:rPr lang="zh-TW" altLang="en-US" sz="2400" dirty="0" smtClean="0">
-                <a:solidFill>
-                  <a:schemeClr val="tx1"/>
-                </a:solidFill>
-                <a:latin typeface="標楷體" pitchFamily="65" charset="-120"/>
-                <a:ea typeface="標楷體" pitchFamily="65" charset="-120"/>
-              </a:rPr>
-              <a:t>建立</a:t>
+              <a:t> 建立</a:t>
             </a:r>
             <a:r>
               <a:rPr lang="en-US" altLang="zh-TW" sz="2400" dirty="0" smtClean="0">
@@ -29403,9 +28755,9 @@
             </a:endParaRPr>
           </a:p>
           <a:p>
-            <a:pPr marL="1537200" lvl="2">
+            <a:pPr marL="1080000" lvl="1">
               <a:lnSpc>
-                <a:spcPct val="110000"/>
+                <a:spcPct val="150000"/>
               </a:lnSpc>
               <a:buClr>
                 <a:schemeClr val="tx1"/>
@@ -29442,9 +28794,9 @@
             </a:endParaRPr>
           </a:p>
           <a:p>
-            <a:pPr marL="1537200" lvl="2">
+            <a:pPr marL="1080000" lvl="1">
               <a:lnSpc>
-                <a:spcPct val="110000"/>
+                <a:spcPct val="150000"/>
               </a:lnSpc>
               <a:buClr>
                 <a:schemeClr val="tx1"/>
@@ -29481,9 +28833,9 @@
             </a:endParaRPr>
           </a:p>
           <a:p>
-            <a:pPr marL="1537200" lvl="2">
+            <a:pPr marL="1080000" lvl="1">
               <a:lnSpc>
-                <a:spcPct val="110000"/>
+                <a:spcPct val="150000"/>
               </a:lnSpc>
               <a:buClr>
                 <a:schemeClr val="tx1"/>
@@ -29509,17 +28861,7 @@
                 <a:latin typeface="標楷體" pitchFamily="65" charset="-120"/>
                 <a:ea typeface="標楷體" pitchFamily="65" charset="-120"/>
               </a:rPr>
-              <a:t> 分配負責的報告</a:t>
-            </a:r>
-            <a:r>
-              <a:rPr lang="zh-TW" altLang="en-US" sz="2400" dirty="0" smtClean="0">
-                <a:solidFill>
-                  <a:schemeClr val="tx1"/>
-                </a:solidFill>
-                <a:latin typeface="標楷體" pitchFamily="65" charset="-120"/>
-                <a:ea typeface="標楷體" pitchFamily="65" charset="-120"/>
-              </a:rPr>
-              <a:t>內容</a:t>
+              <a:t> 分配負責的報告內容</a:t>
             </a:r>
             <a:endParaRPr lang="en-US" altLang="zh-TW" sz="2400" dirty="0" smtClean="0">
               <a:solidFill>
@@ -29530,45 +28872,18 @@
             </a:endParaRPr>
           </a:p>
           <a:p>
-            <a:pPr marL="1137150" lvl="1" indent="-342900">
+            <a:pPr marL="1080000" lvl="1">
               <a:lnSpc>
-                <a:spcPct val="110000"/>
+                <a:spcPct val="150000"/>
               </a:lnSpc>
               <a:buClr>
                 <a:schemeClr val="tx1"/>
               </a:buClr>
-            </a:pPr>
-            <a:r>
-              <a:rPr lang="zh-TW" altLang="en-US" sz="2400" dirty="0" smtClean="0">
-                <a:solidFill>
-                  <a:schemeClr val="tx1"/>
-                </a:solidFill>
-                <a:latin typeface="標楷體" pitchFamily="65" charset="-120"/>
-                <a:ea typeface="標楷體" pitchFamily="65" charset="-120"/>
-              </a:rPr>
-              <a:t>四月</a:t>
-            </a:r>
-            <a:endParaRPr lang="en-US" altLang="zh-TW" sz="2400" dirty="0">
-              <a:solidFill>
-                <a:schemeClr val="tx1"/>
-              </a:solidFill>
-              <a:latin typeface="標楷體" pitchFamily="65" charset="-120"/>
-              <a:ea typeface="標楷體" pitchFamily="65" charset="-120"/>
-            </a:endParaRPr>
-          </a:p>
-          <a:p>
-            <a:pPr marL="1594350" lvl="2" indent="-342900">
-              <a:lnSpc>
-                <a:spcPct val="110000"/>
-              </a:lnSpc>
-              <a:buClr>
-                <a:schemeClr val="tx1"/>
-              </a:buClr>
-              <a:buFont typeface="Wingdings" panose="05000000000000000000" pitchFamily="2" charset="2"/>
+              <a:buFont typeface="Wingdings" pitchFamily="2" charset="2"/>
               <a:buChar char="Ø"/>
             </a:pPr>
             <a:r>
-              <a:rPr lang="en-US" altLang="zh-TW" sz="2200" dirty="0" smtClean="0">
+              <a:rPr lang="en-US" altLang="zh-TW" sz="2400" dirty="0" smtClean="0">
                 <a:solidFill>
                   <a:schemeClr val="tx1"/>
                 </a:solidFill>
@@ -29578,26 +28893,16 @@
               <a:t>4/07</a:t>
             </a:r>
             <a:r>
-              <a:rPr lang="zh-TW" altLang="en-US" sz="2200" dirty="0" smtClean="0">
+              <a:rPr lang="zh-TW" altLang="en-US" sz="2400" dirty="0" smtClean="0">
                 <a:solidFill>
                   <a:schemeClr val="tx1"/>
                 </a:solidFill>
                 <a:latin typeface="標楷體" pitchFamily="65" charset="-120"/>
                 <a:ea typeface="標楷體" pitchFamily="65" charset="-120"/>
               </a:rPr>
-              <a:t> </a:t>
+              <a:t> 網頁架構初稿，討論網頁內容</a:t>
             </a:r>
-            <a:r>
-              <a:rPr lang="zh-TW" altLang="en-US" sz="2200" dirty="0" smtClean="0">
-                <a:solidFill>
-                  <a:schemeClr val="tx1"/>
-                </a:solidFill>
-                <a:latin typeface="標楷體" pitchFamily="65" charset="-120"/>
-                <a:ea typeface="標楷體" pitchFamily="65" charset="-120"/>
-              </a:rPr>
-              <a:t>網頁架構初稿，討論網頁內容</a:t>
-            </a:r>
-            <a:endParaRPr lang="en-US" altLang="zh-TW" sz="2200" dirty="0" smtClean="0">
+            <a:endParaRPr lang="en-US" altLang="zh-TW" sz="2400" dirty="0" smtClean="0">
               <a:solidFill>
                 <a:schemeClr val="tx1"/>
               </a:solidFill>
@@ -29628,7 +28933,7 @@
     </p:spTree>
     <p:extLst>
       <p:ext uri="{BB962C8B-B14F-4D97-AF65-F5344CB8AC3E}">
-        <p14:creationId xmlns:p14="http://schemas.microsoft.com/office/powerpoint/2010/main" val="1904263664"/>
+        <p14:creationId xmlns:p14="http://schemas.microsoft.com/office/powerpoint/2010/main" xmlns="" val="1904263664"/>
       </p:ext>
     </p:extLst>
   </p:cSld>
@@ -29646,978 +28951,6 @@
 </file>
 
 <file path=ppt/slides/slide5.xml><?xml version="1.0" encoding="utf-8"?>
-<p:sld xmlns:a="http://schemas.openxmlformats.org/drawingml/2006/main" xmlns:r="http://schemas.openxmlformats.org/officeDocument/2006/relationships" xmlns:p="http://schemas.openxmlformats.org/presentationml/2006/main">
-  <p:cSld>
-    <p:spTree>
-      <p:nvGrpSpPr>
-        <p:cNvPr id="1" name=""/>
-        <p:cNvGrpSpPr/>
-        <p:nvPr/>
-      </p:nvGrpSpPr>
-      <p:grpSpPr>
-        <a:xfrm>
-          <a:off x="0" y="0"/>
-          <a:ext cx="0" cy="0"/>
-          <a:chOff x="0" y="0"/>
-          <a:chExt cx="0" cy="0"/>
-        </a:xfrm>
-      </p:grpSpPr>
-      <p:sp>
-        <p:nvSpPr>
-          <p:cNvPr id="2" name="標題 1"/>
-          <p:cNvSpPr>
-            <a:spLocks noGrp="1"/>
-          </p:cNvSpPr>
-          <p:nvPr>
-            <p:ph type="title"/>
-          </p:nvPr>
-        </p:nvSpPr>
-        <p:spPr/>
-        <p:txBody>
-          <a:bodyPr/>
-          <a:lstStyle/>
-          <a:p>
-            <a:pPr algn="l"/>
-            <a:r>
-              <a:rPr lang="zh-TW" altLang="en-US" dirty="0" smtClean="0">
-                <a:solidFill>
-                  <a:schemeClr val="tx1"/>
-                </a:solidFill>
-                <a:latin typeface="標楷體" pitchFamily="65" charset="-120"/>
-                <a:ea typeface="標楷體" pitchFamily="65" charset="-120"/>
-              </a:rPr>
-              <a:t>時程規劃</a:t>
-            </a:r>
-            <a:endParaRPr lang="zh-TW" altLang="en-US" dirty="0">
-              <a:solidFill>
-                <a:schemeClr val="tx1"/>
-              </a:solidFill>
-              <a:latin typeface="標楷體" pitchFamily="65" charset="-120"/>
-              <a:ea typeface="標楷體" pitchFamily="65" charset="-120"/>
-            </a:endParaRPr>
-          </a:p>
-        </p:txBody>
-      </p:sp>
-      <p:sp>
-        <p:nvSpPr>
-          <p:cNvPr id="3" name="直排文字版面配置區 2"/>
-          <p:cNvSpPr>
-            <a:spLocks noGrp="1"/>
-          </p:cNvSpPr>
-          <p:nvPr>
-            <p:ph type="body" orient="vert" idx="1"/>
-          </p:nvPr>
-        </p:nvSpPr>
-        <p:spPr>
-          <a:xfrm>
-            <a:off x="838200" y="2497014"/>
-            <a:ext cx="10515600" cy="4692003"/>
-          </a:xfrm>
-        </p:spPr>
-        <p:txBody>
-          <a:bodyPr vert="horz">
-            <a:normAutofit/>
-          </a:bodyPr>
-          <a:lstStyle/>
-          <a:p>
-            <a:pPr marL="1137150" lvl="1" indent="-342900">
-              <a:buClr>
-                <a:schemeClr val="tx1"/>
-              </a:buClr>
-            </a:pPr>
-            <a:r>
-              <a:rPr lang="zh-TW" altLang="en-US" sz="2400" dirty="0" smtClean="0">
-                <a:solidFill>
-                  <a:schemeClr val="tx1"/>
-                </a:solidFill>
-                <a:latin typeface="標楷體" pitchFamily="65" charset="-120"/>
-                <a:ea typeface="標楷體" pitchFamily="65" charset="-120"/>
-              </a:rPr>
-              <a:t>四月</a:t>
-            </a:r>
-            <a:endParaRPr lang="en-US" altLang="zh-TW" sz="2400" dirty="0" smtClean="0">
-              <a:solidFill>
-                <a:schemeClr val="tx1"/>
-              </a:solidFill>
-              <a:latin typeface="標楷體" pitchFamily="65" charset="-120"/>
-              <a:ea typeface="標楷體" pitchFamily="65" charset="-120"/>
-            </a:endParaRPr>
-          </a:p>
-          <a:p>
-            <a:pPr marL="1537200" lvl="2">
-              <a:lnSpc>
-                <a:spcPct val="150000"/>
-              </a:lnSpc>
-              <a:buClr>
-                <a:schemeClr val="tx1"/>
-              </a:buClr>
-              <a:buFont typeface="Wingdings" pitchFamily="2" charset="2"/>
-              <a:buChar char="Ø"/>
-            </a:pPr>
-            <a:r>
-              <a:rPr lang="en-US" altLang="zh-TW" sz="2400" dirty="0" smtClean="0">
-                <a:solidFill>
-                  <a:schemeClr val="tx1"/>
-                </a:solidFill>
-                <a:latin typeface="標楷體" pitchFamily="65" charset="-120"/>
-                <a:ea typeface="標楷體" pitchFamily="65" charset="-120"/>
-              </a:rPr>
-              <a:t>4/07</a:t>
-            </a:r>
-            <a:r>
-              <a:rPr lang="zh-TW" altLang="en-US" sz="2400" dirty="0" smtClean="0">
-                <a:solidFill>
-                  <a:schemeClr val="tx1"/>
-                </a:solidFill>
-                <a:latin typeface="標楷體" pitchFamily="65" charset="-120"/>
-                <a:ea typeface="標楷體" pitchFamily="65" charset="-120"/>
-              </a:rPr>
-              <a:t>、</a:t>
-            </a:r>
-            <a:r>
-              <a:rPr lang="en-US" altLang="zh-TW" sz="2400" dirty="0" smtClean="0">
-                <a:solidFill>
-                  <a:schemeClr val="tx1"/>
-                </a:solidFill>
-                <a:latin typeface="標楷體" pitchFamily="65" charset="-120"/>
-                <a:ea typeface="標楷體" pitchFamily="65" charset="-120"/>
-              </a:rPr>
-              <a:t>4/14</a:t>
-            </a:r>
-            <a:r>
-              <a:rPr lang="zh-TW" altLang="en-US" sz="2400" dirty="0" smtClean="0">
-                <a:solidFill>
-                  <a:schemeClr val="tx1"/>
-                </a:solidFill>
-                <a:latin typeface="標楷體" pitchFamily="65" charset="-120"/>
-                <a:ea typeface="標楷體" pitchFamily="65" charset="-120"/>
-              </a:rPr>
-              <a:t> </a:t>
-            </a:r>
-            <a:r>
-              <a:rPr lang="zh-TW" altLang="en-US" sz="2400" dirty="0" smtClean="0">
-                <a:solidFill>
-                  <a:schemeClr val="tx1"/>
-                </a:solidFill>
-                <a:latin typeface="標楷體" pitchFamily="65" charset="-120"/>
-                <a:ea typeface="標楷體" pitchFamily="65" charset="-120"/>
-              </a:rPr>
-              <a:t>網頁架構初稿，討論網頁</a:t>
-            </a:r>
-            <a:r>
-              <a:rPr lang="zh-TW" altLang="en-US" sz="2400" dirty="0" smtClean="0">
-                <a:solidFill>
-                  <a:schemeClr val="tx1"/>
-                </a:solidFill>
-                <a:latin typeface="標楷體" pitchFamily="65" charset="-120"/>
-                <a:ea typeface="標楷體" pitchFamily="65" charset="-120"/>
-              </a:rPr>
-              <a:t>內容</a:t>
-            </a:r>
-            <a:endParaRPr lang="en-US" altLang="zh-TW" sz="2400" dirty="0">
-              <a:solidFill>
-                <a:schemeClr val="tx1"/>
-              </a:solidFill>
-              <a:latin typeface="標楷體" pitchFamily="65" charset="-120"/>
-              <a:ea typeface="標楷體" pitchFamily="65" charset="-120"/>
-            </a:endParaRPr>
-          </a:p>
-          <a:p>
-            <a:pPr marL="1537200" lvl="2">
-              <a:lnSpc>
-                <a:spcPct val="150000"/>
-              </a:lnSpc>
-              <a:buClr>
-                <a:schemeClr val="tx1"/>
-              </a:buClr>
-              <a:buFont typeface="Wingdings" pitchFamily="2" charset="2"/>
-              <a:buChar char="Ø"/>
-            </a:pPr>
-            <a:r>
-              <a:rPr lang="en-US" altLang="zh-TW" sz="2400" dirty="0" smtClean="0">
-                <a:solidFill>
-                  <a:schemeClr val="tx1"/>
-                </a:solidFill>
-                <a:latin typeface="標楷體" pitchFamily="65" charset="-120"/>
-                <a:ea typeface="標楷體" pitchFamily="65" charset="-120"/>
-              </a:rPr>
-              <a:t>4/28</a:t>
-            </a:r>
-            <a:r>
-              <a:rPr lang="zh-TW" altLang="en-US" sz="2400" dirty="0">
-                <a:solidFill>
-                  <a:schemeClr val="tx1"/>
-                </a:solidFill>
-                <a:latin typeface="標楷體" pitchFamily="65" charset="-120"/>
-                <a:ea typeface="標楷體" pitchFamily="65" charset="-120"/>
-              </a:rPr>
-              <a:t> </a:t>
-            </a:r>
-            <a:r>
-              <a:rPr lang="zh-TW" altLang="en-US" sz="2400" dirty="0" smtClean="0">
-                <a:solidFill>
-                  <a:schemeClr val="tx1"/>
-                </a:solidFill>
-                <a:latin typeface="標楷體" pitchFamily="65" charset="-120"/>
-                <a:ea typeface="標楷體" pitchFamily="65" charset="-120"/>
-              </a:rPr>
-              <a:t>網頁架構、首頁程式碼</a:t>
-            </a:r>
-            <a:r>
-              <a:rPr lang="zh-TW" altLang="en-US" sz="2400" dirty="0">
-                <a:solidFill>
-                  <a:schemeClr val="tx1"/>
-                </a:solidFill>
-                <a:latin typeface="標楷體" pitchFamily="65" charset="-120"/>
-                <a:ea typeface="標楷體" pitchFamily="65" charset="-120"/>
-              </a:rPr>
-              <a:t>、美工</a:t>
-            </a:r>
-            <a:r>
-              <a:rPr lang="zh-TW" altLang="en-US" sz="2400" dirty="0" smtClean="0">
-                <a:solidFill>
-                  <a:schemeClr val="tx1"/>
-                </a:solidFill>
-                <a:latin typeface="標楷體" pitchFamily="65" charset="-120"/>
-                <a:ea typeface="標楷體" pitchFamily="65" charset="-120"/>
-              </a:rPr>
-              <a:t>完成</a:t>
-            </a:r>
-            <a:endParaRPr lang="en-US" altLang="zh-TW" sz="2400" dirty="0" smtClean="0">
-              <a:solidFill>
-                <a:schemeClr val="tx1"/>
-              </a:solidFill>
-              <a:latin typeface="標楷體" pitchFamily="65" charset="-120"/>
-              <a:ea typeface="標楷體" pitchFamily="65" charset="-120"/>
-            </a:endParaRPr>
-          </a:p>
-          <a:p>
-            <a:pPr marL="1137150" lvl="1" indent="-342900">
-              <a:buClr>
-                <a:schemeClr val="tx1"/>
-              </a:buClr>
-            </a:pPr>
-            <a:r>
-              <a:rPr lang="zh-TW" altLang="en-US" sz="2400" dirty="0" smtClean="0">
-                <a:solidFill>
-                  <a:schemeClr val="tx1"/>
-                </a:solidFill>
-                <a:latin typeface="標楷體" pitchFamily="65" charset="-120"/>
-                <a:ea typeface="標楷體" pitchFamily="65" charset="-120"/>
-              </a:rPr>
-              <a:t>五月</a:t>
-            </a:r>
-            <a:endParaRPr lang="en-US" altLang="zh-TW" sz="2400" dirty="0" smtClean="0">
-              <a:solidFill>
-                <a:schemeClr val="tx1"/>
-              </a:solidFill>
-              <a:latin typeface="標楷體" pitchFamily="65" charset="-120"/>
-              <a:ea typeface="標楷體" pitchFamily="65" charset="-120"/>
-            </a:endParaRPr>
-          </a:p>
-          <a:p>
-            <a:pPr marL="1594350" lvl="2" indent="-342900">
-              <a:lnSpc>
-                <a:spcPct val="150000"/>
-              </a:lnSpc>
-              <a:buClr>
-                <a:schemeClr val="tx1"/>
-              </a:buClr>
-              <a:buFont typeface="Wingdings" panose="05000000000000000000" pitchFamily="2" charset="2"/>
-              <a:buChar char="Ø"/>
-            </a:pPr>
-            <a:r>
-              <a:rPr lang="en-US" altLang="zh-TW" sz="2400" dirty="0" smtClean="0">
-                <a:solidFill>
-                  <a:schemeClr val="tx1"/>
-                </a:solidFill>
-                <a:latin typeface="標楷體" pitchFamily="65" charset="-120"/>
-                <a:ea typeface="標楷體" pitchFamily="65" charset="-120"/>
-              </a:rPr>
-              <a:t>5/05</a:t>
-            </a:r>
-            <a:r>
-              <a:rPr lang="zh-TW" altLang="en-US" sz="2400" dirty="0" smtClean="0">
-                <a:solidFill>
-                  <a:schemeClr val="tx1"/>
-                </a:solidFill>
-                <a:latin typeface="標楷體" pitchFamily="65" charset="-120"/>
-                <a:ea typeface="標楷體" pitchFamily="65" charset="-120"/>
-              </a:rPr>
-              <a:t> 餐廳介紹程式碼</a:t>
-            </a:r>
-            <a:r>
-              <a:rPr lang="zh-TW" altLang="en-US" sz="2400" dirty="0">
-                <a:solidFill>
-                  <a:schemeClr val="tx1"/>
-                </a:solidFill>
-                <a:latin typeface="標楷體" pitchFamily="65" charset="-120"/>
-                <a:ea typeface="標楷體" pitchFamily="65" charset="-120"/>
-              </a:rPr>
-              <a:t>、美工</a:t>
-            </a:r>
-            <a:r>
-              <a:rPr lang="zh-TW" altLang="en-US" sz="2400" dirty="0" smtClean="0">
-                <a:solidFill>
-                  <a:schemeClr val="tx1"/>
-                </a:solidFill>
-                <a:latin typeface="標楷體" pitchFamily="65" charset="-120"/>
-                <a:ea typeface="標楷體" pitchFamily="65" charset="-120"/>
-              </a:rPr>
-              <a:t>完成</a:t>
-            </a:r>
-            <a:endParaRPr lang="en-US" altLang="zh-TW" sz="2400" dirty="0" smtClean="0">
-              <a:solidFill>
-                <a:schemeClr val="tx1"/>
-              </a:solidFill>
-              <a:latin typeface="標楷體" pitchFamily="65" charset="-120"/>
-              <a:ea typeface="標楷體" pitchFamily="65" charset="-120"/>
-            </a:endParaRPr>
-          </a:p>
-          <a:p>
-            <a:pPr marL="1594350" lvl="2" indent="-342900">
-              <a:lnSpc>
-                <a:spcPct val="150000"/>
-              </a:lnSpc>
-              <a:buClr>
-                <a:schemeClr val="tx1"/>
-              </a:buClr>
-              <a:buFont typeface="Wingdings" panose="05000000000000000000" pitchFamily="2" charset="2"/>
-              <a:buChar char="Ø"/>
-            </a:pPr>
-            <a:r>
-              <a:rPr lang="en-US" altLang="zh-TW" sz="2400" dirty="0" smtClean="0">
-                <a:solidFill>
-                  <a:schemeClr val="tx1"/>
-                </a:solidFill>
-                <a:latin typeface="標楷體" pitchFamily="65" charset="-120"/>
-                <a:ea typeface="標楷體" pitchFamily="65" charset="-120"/>
-              </a:rPr>
-              <a:t>5/12</a:t>
-            </a:r>
-            <a:r>
-              <a:rPr lang="zh-TW" altLang="en-US" sz="2400" dirty="0" smtClean="0">
-                <a:solidFill>
-                  <a:schemeClr val="tx1"/>
-                </a:solidFill>
-                <a:latin typeface="標楷體" pitchFamily="65" charset="-120"/>
-                <a:ea typeface="標楷體" pitchFamily="65" charset="-120"/>
-              </a:rPr>
-              <a:t> 店家介紹程式碼</a:t>
-            </a:r>
-            <a:r>
-              <a:rPr lang="zh-TW" altLang="en-US" sz="2400" dirty="0">
-                <a:solidFill>
-                  <a:schemeClr val="tx1"/>
-                </a:solidFill>
-                <a:latin typeface="標楷體" pitchFamily="65" charset="-120"/>
-                <a:ea typeface="標楷體" pitchFamily="65" charset="-120"/>
-              </a:rPr>
-              <a:t>、美工</a:t>
-            </a:r>
-            <a:r>
-              <a:rPr lang="zh-TW" altLang="en-US" sz="2400" dirty="0" smtClean="0">
-                <a:solidFill>
-                  <a:schemeClr val="tx1"/>
-                </a:solidFill>
-                <a:latin typeface="標楷體" pitchFamily="65" charset="-120"/>
-                <a:ea typeface="標楷體" pitchFamily="65" charset="-120"/>
-              </a:rPr>
-              <a:t>完成</a:t>
-            </a:r>
-            <a:endParaRPr lang="en-US" altLang="zh-TW" sz="2400" dirty="0" smtClean="0">
-              <a:solidFill>
-                <a:schemeClr val="tx1"/>
-              </a:solidFill>
-              <a:latin typeface="標楷體" pitchFamily="65" charset="-120"/>
-              <a:ea typeface="標楷體" pitchFamily="65" charset="-120"/>
-            </a:endParaRPr>
-          </a:p>
-          <a:p>
-            <a:pPr marL="1594350" lvl="2" indent="-342900">
-              <a:lnSpc>
-                <a:spcPct val="150000"/>
-              </a:lnSpc>
-              <a:buClr>
-                <a:schemeClr val="tx1"/>
-              </a:buClr>
-              <a:buFont typeface="Wingdings" panose="05000000000000000000" pitchFamily="2" charset="2"/>
-              <a:buChar char="Ø"/>
-            </a:pPr>
-            <a:endParaRPr lang="en-US" altLang="zh-TW" sz="2200" dirty="0" smtClean="0">
-              <a:solidFill>
-                <a:schemeClr val="tx1"/>
-              </a:solidFill>
-              <a:latin typeface="標楷體" pitchFamily="65" charset="-120"/>
-              <a:ea typeface="標楷體" pitchFamily="65" charset="-120"/>
-            </a:endParaRPr>
-          </a:p>
-          <a:p>
-            <a:pPr marL="1594350" lvl="2" indent="-342900">
-              <a:lnSpc>
-                <a:spcPct val="150000"/>
-              </a:lnSpc>
-              <a:buClr>
-                <a:schemeClr val="tx1"/>
-              </a:buClr>
-              <a:buFont typeface="Wingdings" panose="05000000000000000000" pitchFamily="2" charset="2"/>
-              <a:buChar char="Ø"/>
-            </a:pPr>
-            <a:endParaRPr lang="en-US" altLang="zh-TW" sz="2200" dirty="0" smtClean="0">
-              <a:solidFill>
-                <a:schemeClr val="tx1"/>
-              </a:solidFill>
-              <a:latin typeface="標楷體" pitchFamily="65" charset="-120"/>
-              <a:ea typeface="標楷體" pitchFamily="65" charset="-120"/>
-            </a:endParaRPr>
-          </a:p>
-          <a:p>
-            <a:endParaRPr lang="en-US" altLang="zh-TW" sz="1800" dirty="0" smtClean="0">
-              <a:solidFill>
-                <a:schemeClr val="tx1"/>
-              </a:solidFill>
-              <a:latin typeface="標楷體" pitchFamily="65" charset="-120"/>
-              <a:ea typeface="標楷體" pitchFamily="65" charset="-120"/>
-            </a:endParaRPr>
-          </a:p>
-          <a:p>
-            <a:endParaRPr lang="zh-TW" altLang="en-US" sz="1800" dirty="0">
-              <a:solidFill>
-                <a:schemeClr val="tx1"/>
-              </a:solidFill>
-              <a:latin typeface="標楷體" pitchFamily="65" charset="-120"/>
-              <a:ea typeface="標楷體" pitchFamily="65" charset="-120"/>
-            </a:endParaRPr>
-          </a:p>
-        </p:txBody>
-      </p:sp>
-    </p:spTree>
-    <p:extLst>
-      <p:ext uri="{BB962C8B-B14F-4D97-AF65-F5344CB8AC3E}">
-        <p14:creationId xmlns:p14="http://schemas.microsoft.com/office/powerpoint/2010/main" val="3735650780"/>
-      </p:ext>
-    </p:extLst>
-  </p:cSld>
-  <p:clrMapOvr>
-    <a:masterClrMapping/>
-  </p:clrMapOvr>
-  <p:timing>
-    <p:tnLst>
-      <p:par>
-        <p:cTn id="1" dur="indefinite" restart="never" nodeType="tmRoot"/>
-      </p:par>
-    </p:tnLst>
-  </p:timing>
-</p:sld>
-</file>
-
-<file path=ppt/slides/slide6.xml><?xml version="1.0" encoding="utf-8"?>
-<p:sld xmlns:a="http://schemas.openxmlformats.org/drawingml/2006/main" xmlns:r="http://schemas.openxmlformats.org/officeDocument/2006/relationships" xmlns:p="http://schemas.openxmlformats.org/presentationml/2006/main">
-  <p:cSld>
-    <p:spTree>
-      <p:nvGrpSpPr>
-        <p:cNvPr id="1" name=""/>
-        <p:cNvGrpSpPr/>
-        <p:nvPr/>
-      </p:nvGrpSpPr>
-      <p:grpSpPr>
-        <a:xfrm>
-          <a:off x="0" y="0"/>
-          <a:ext cx="0" cy="0"/>
-          <a:chOff x="0" y="0"/>
-          <a:chExt cx="0" cy="0"/>
-        </a:xfrm>
-      </p:grpSpPr>
-      <p:sp>
-        <p:nvSpPr>
-          <p:cNvPr id="2" name="標題 1"/>
-          <p:cNvSpPr>
-            <a:spLocks noGrp="1"/>
-          </p:cNvSpPr>
-          <p:nvPr>
-            <p:ph type="title"/>
-          </p:nvPr>
-        </p:nvSpPr>
-        <p:spPr>
-          <a:xfrm>
-            <a:off x="1295402" y="982132"/>
-            <a:ext cx="9601196" cy="1303867"/>
-          </a:xfrm>
-        </p:spPr>
-        <p:txBody>
-          <a:bodyPr/>
-          <a:lstStyle/>
-          <a:p>
-            <a:pPr algn="l"/>
-            <a:r>
-              <a:rPr lang="zh-TW" altLang="en-US" dirty="0" smtClean="0">
-                <a:solidFill>
-                  <a:schemeClr val="tx1"/>
-                </a:solidFill>
-                <a:latin typeface="標楷體" pitchFamily="65" charset="-120"/>
-                <a:ea typeface="標楷體" pitchFamily="65" charset="-120"/>
-              </a:rPr>
-              <a:t>時程規劃</a:t>
-            </a:r>
-            <a:endParaRPr lang="zh-TW" altLang="en-US" dirty="0">
-              <a:solidFill>
-                <a:schemeClr val="tx1"/>
-              </a:solidFill>
-              <a:latin typeface="標楷體" pitchFamily="65" charset="-120"/>
-              <a:ea typeface="標楷體" pitchFamily="65" charset="-120"/>
-            </a:endParaRPr>
-          </a:p>
-        </p:txBody>
-      </p:sp>
-      <p:sp>
-        <p:nvSpPr>
-          <p:cNvPr id="3" name="直排文字版面配置區 2"/>
-          <p:cNvSpPr>
-            <a:spLocks noGrp="1"/>
-          </p:cNvSpPr>
-          <p:nvPr>
-            <p:ph type="body" orient="vert" idx="1"/>
-          </p:nvPr>
-        </p:nvSpPr>
-        <p:spPr>
-          <a:xfrm>
-            <a:off x="838200" y="2285999"/>
-            <a:ext cx="10515600" cy="4692004"/>
-          </a:xfrm>
-        </p:spPr>
-        <p:txBody>
-          <a:bodyPr vert="horz">
-            <a:normAutofit/>
-          </a:bodyPr>
-          <a:lstStyle/>
-          <a:p>
-            <a:pPr marL="1137150" lvl="1" indent="-342900">
-              <a:lnSpc>
-                <a:spcPct val="150000"/>
-              </a:lnSpc>
-              <a:buClr>
-                <a:schemeClr val="tx1"/>
-              </a:buClr>
-            </a:pPr>
-            <a:r>
-              <a:rPr lang="zh-TW" altLang="en-US" sz="2600" dirty="0" smtClean="0">
-                <a:solidFill>
-                  <a:schemeClr val="tx1"/>
-                </a:solidFill>
-                <a:latin typeface="標楷體" pitchFamily="65" charset="-120"/>
-                <a:ea typeface="標楷體" pitchFamily="65" charset="-120"/>
-              </a:rPr>
-              <a:t>五月</a:t>
-            </a:r>
-            <a:endParaRPr lang="en-US" altLang="zh-TW" sz="2600" dirty="0" smtClean="0">
-              <a:solidFill>
-                <a:schemeClr val="tx1"/>
-              </a:solidFill>
-              <a:latin typeface="標楷體" pitchFamily="65" charset="-120"/>
-              <a:ea typeface="標楷體" pitchFamily="65" charset="-120"/>
-            </a:endParaRPr>
-          </a:p>
-          <a:p>
-            <a:pPr marL="1594350" lvl="2" indent="-342900">
-              <a:buClr>
-                <a:schemeClr val="tx1"/>
-              </a:buClr>
-              <a:buFont typeface="Wingdings" panose="05000000000000000000" pitchFamily="2" charset="2"/>
-              <a:buChar char="Ø"/>
-            </a:pPr>
-            <a:r>
-              <a:rPr lang="en-US" altLang="zh-TW" sz="2600" dirty="0" smtClean="0">
-                <a:solidFill>
-                  <a:schemeClr val="tx1"/>
-                </a:solidFill>
-                <a:latin typeface="標楷體" pitchFamily="65" charset="-120"/>
-                <a:ea typeface="標楷體" pitchFamily="65" charset="-120"/>
-              </a:rPr>
-              <a:t>5/19</a:t>
-            </a:r>
-            <a:r>
-              <a:rPr lang="zh-TW" altLang="en-US" sz="2600" dirty="0" smtClean="0">
-                <a:solidFill>
-                  <a:schemeClr val="tx1"/>
-                </a:solidFill>
-                <a:latin typeface="標楷體" pitchFamily="65" charset="-120"/>
-                <a:ea typeface="標楷體" pitchFamily="65" charset="-120"/>
-              </a:rPr>
-              <a:t> 店家</a:t>
-            </a:r>
-            <a:r>
-              <a:rPr lang="zh-TW" altLang="en-US" sz="2600" dirty="0">
-                <a:solidFill>
-                  <a:schemeClr val="tx1"/>
-                </a:solidFill>
-                <a:latin typeface="標楷體" pitchFamily="65" charset="-120"/>
-                <a:ea typeface="標楷體" pitchFamily="65" charset="-120"/>
-              </a:rPr>
-              <a:t>滿意</a:t>
-            </a:r>
-            <a:r>
-              <a:rPr lang="zh-TW" altLang="en-US" sz="2600" dirty="0" smtClean="0">
-                <a:solidFill>
-                  <a:schemeClr val="tx1"/>
-                </a:solidFill>
-                <a:latin typeface="標楷體" pitchFamily="65" charset="-120"/>
-                <a:ea typeface="標楷體" pitchFamily="65" charset="-120"/>
-              </a:rPr>
-              <a:t>度排名程式碼</a:t>
-            </a:r>
-            <a:r>
-              <a:rPr lang="zh-TW" altLang="en-US" sz="2600" dirty="0">
-                <a:solidFill>
-                  <a:schemeClr val="tx1"/>
-                </a:solidFill>
-                <a:latin typeface="標楷體" pitchFamily="65" charset="-120"/>
-                <a:ea typeface="標楷體" pitchFamily="65" charset="-120"/>
-              </a:rPr>
-              <a:t>、美工</a:t>
-            </a:r>
-            <a:r>
-              <a:rPr lang="zh-TW" altLang="en-US" sz="2600" dirty="0" smtClean="0">
-                <a:solidFill>
-                  <a:schemeClr val="tx1"/>
-                </a:solidFill>
-                <a:latin typeface="標楷體" pitchFamily="65" charset="-120"/>
-                <a:ea typeface="標楷體" pitchFamily="65" charset="-120"/>
-              </a:rPr>
-              <a:t>完成</a:t>
-            </a:r>
-            <a:endParaRPr lang="en-US" altLang="zh-TW" sz="2600" dirty="0" smtClean="0">
-              <a:solidFill>
-                <a:schemeClr val="tx1"/>
-              </a:solidFill>
-              <a:latin typeface="標楷體" pitchFamily="65" charset="-120"/>
-              <a:ea typeface="標楷體" pitchFamily="65" charset="-120"/>
-            </a:endParaRPr>
-          </a:p>
-          <a:p>
-            <a:pPr marL="1594350" lvl="2" indent="-342900">
-              <a:buClr>
-                <a:schemeClr val="tx1"/>
-              </a:buClr>
-              <a:buFont typeface="Wingdings" panose="05000000000000000000" pitchFamily="2" charset="2"/>
-              <a:buChar char="Ø"/>
-            </a:pPr>
-            <a:r>
-              <a:rPr lang="en-US" altLang="zh-TW" sz="2600" dirty="0" smtClean="0">
-                <a:solidFill>
-                  <a:schemeClr val="tx1"/>
-                </a:solidFill>
-                <a:latin typeface="標楷體" pitchFamily="65" charset="-120"/>
-                <a:ea typeface="標楷體" pitchFamily="65" charset="-120"/>
-              </a:rPr>
-              <a:t>5/26</a:t>
-            </a:r>
-            <a:r>
-              <a:rPr lang="zh-TW" altLang="en-US" sz="2600" dirty="0" smtClean="0">
-                <a:solidFill>
-                  <a:schemeClr val="tx1"/>
-                </a:solidFill>
-                <a:latin typeface="標楷體" pitchFamily="65" charset="-120"/>
-                <a:ea typeface="標楷體" pitchFamily="65" charset="-120"/>
-              </a:rPr>
-              <a:t> 店家評價程式碼</a:t>
-            </a:r>
-            <a:r>
-              <a:rPr lang="zh-TW" altLang="en-US" sz="2600" dirty="0">
-                <a:solidFill>
-                  <a:schemeClr val="tx1"/>
-                </a:solidFill>
-                <a:latin typeface="標楷體" pitchFamily="65" charset="-120"/>
-                <a:ea typeface="標楷體" pitchFamily="65" charset="-120"/>
-              </a:rPr>
-              <a:t>、美工</a:t>
-            </a:r>
-            <a:r>
-              <a:rPr lang="zh-TW" altLang="en-US" sz="2600" dirty="0" smtClean="0">
-                <a:solidFill>
-                  <a:schemeClr val="tx1"/>
-                </a:solidFill>
-                <a:latin typeface="標楷體" pitchFamily="65" charset="-120"/>
-                <a:ea typeface="標楷體" pitchFamily="65" charset="-120"/>
-              </a:rPr>
-              <a:t>完成</a:t>
-            </a:r>
-            <a:endParaRPr lang="en-US" altLang="zh-TW" sz="2600" dirty="0">
-              <a:solidFill>
-                <a:schemeClr val="tx1"/>
-              </a:solidFill>
-              <a:latin typeface="標楷體" pitchFamily="65" charset="-120"/>
-              <a:ea typeface="標楷體" pitchFamily="65" charset="-120"/>
-            </a:endParaRPr>
-          </a:p>
-          <a:p>
-            <a:pPr marL="1137150" lvl="1" indent="-342900">
-              <a:buClr>
-                <a:schemeClr val="tx1"/>
-              </a:buClr>
-            </a:pPr>
-            <a:r>
-              <a:rPr lang="zh-TW" altLang="en-US" sz="2600" dirty="0" smtClean="0">
-                <a:solidFill>
-                  <a:schemeClr val="tx1"/>
-                </a:solidFill>
-                <a:latin typeface="標楷體" pitchFamily="65" charset="-120"/>
-                <a:ea typeface="標楷體" pitchFamily="65" charset="-120"/>
-              </a:rPr>
-              <a:t>六月</a:t>
-            </a:r>
-            <a:endParaRPr lang="en-US" altLang="zh-TW" sz="2600" dirty="0" smtClean="0">
-              <a:solidFill>
-                <a:schemeClr val="tx1"/>
-              </a:solidFill>
-              <a:latin typeface="標楷體" pitchFamily="65" charset="-120"/>
-              <a:ea typeface="標楷體" pitchFamily="65" charset="-120"/>
-            </a:endParaRPr>
-          </a:p>
-          <a:p>
-            <a:pPr marL="1594350" lvl="2" indent="-342900">
-              <a:buClr>
-                <a:schemeClr val="tx1"/>
-              </a:buClr>
-              <a:buFont typeface="Wingdings" panose="05000000000000000000" pitchFamily="2" charset="2"/>
-              <a:buChar char="Ø"/>
-            </a:pPr>
-            <a:r>
-              <a:rPr lang="en-US" altLang="zh-TW" sz="2600" dirty="0" smtClean="0">
-                <a:solidFill>
-                  <a:schemeClr val="tx1"/>
-                </a:solidFill>
-                <a:latin typeface="標楷體" pitchFamily="65" charset="-120"/>
-                <a:ea typeface="標楷體" pitchFamily="65" charset="-120"/>
-              </a:rPr>
-              <a:t>6/02</a:t>
-            </a:r>
-            <a:r>
-              <a:rPr lang="zh-TW" altLang="en-US" sz="2600" dirty="0" smtClean="0">
-                <a:solidFill>
-                  <a:schemeClr val="tx1"/>
-                </a:solidFill>
-                <a:latin typeface="標楷體" pitchFamily="65" charset="-120"/>
-                <a:ea typeface="標楷體" pitchFamily="65" charset="-120"/>
-              </a:rPr>
-              <a:t> 發言討論區程式碼、美工完成</a:t>
-            </a:r>
-            <a:endParaRPr lang="en-US" altLang="zh-TW" sz="2600" dirty="0" smtClean="0">
-              <a:solidFill>
-                <a:schemeClr val="tx1"/>
-              </a:solidFill>
-              <a:latin typeface="標楷體" pitchFamily="65" charset="-120"/>
-              <a:ea typeface="標楷體" pitchFamily="65" charset="-120"/>
-            </a:endParaRPr>
-          </a:p>
-          <a:p>
-            <a:pPr marL="1594350" lvl="2" indent="-342900">
-              <a:buClr>
-                <a:schemeClr val="tx1"/>
-              </a:buClr>
-              <a:buFont typeface="Wingdings" panose="05000000000000000000" pitchFamily="2" charset="2"/>
-              <a:buChar char="Ø"/>
-            </a:pPr>
-            <a:r>
-              <a:rPr lang="en-US" altLang="zh-TW" sz="2600" dirty="0" smtClean="0">
-                <a:solidFill>
-                  <a:schemeClr val="tx1"/>
-                </a:solidFill>
-                <a:latin typeface="標楷體" pitchFamily="65" charset="-120"/>
-                <a:ea typeface="標楷體" pitchFamily="65" charset="-120"/>
-              </a:rPr>
-              <a:t>6/09</a:t>
-            </a:r>
-            <a:r>
-              <a:rPr lang="zh-TW" altLang="en-US" sz="2600" dirty="0" smtClean="0">
-                <a:solidFill>
-                  <a:schemeClr val="tx1"/>
-                </a:solidFill>
-                <a:latin typeface="標楷體" pitchFamily="65" charset="-120"/>
-                <a:ea typeface="標楷體" pitchFamily="65" charset="-120"/>
-              </a:rPr>
-              <a:t> 註冊登入功能程式碼</a:t>
-            </a:r>
-            <a:r>
-              <a:rPr lang="zh-TW" altLang="en-US" sz="2600" dirty="0">
-                <a:solidFill>
-                  <a:schemeClr val="tx1"/>
-                </a:solidFill>
-                <a:latin typeface="標楷體" pitchFamily="65" charset="-120"/>
-                <a:ea typeface="標楷體" pitchFamily="65" charset="-120"/>
-              </a:rPr>
-              <a:t>、美工</a:t>
-            </a:r>
-            <a:r>
-              <a:rPr lang="zh-TW" altLang="en-US" sz="2600" dirty="0" smtClean="0">
-                <a:solidFill>
-                  <a:schemeClr val="tx1"/>
-                </a:solidFill>
-                <a:latin typeface="標楷體" pitchFamily="65" charset="-120"/>
-                <a:ea typeface="標楷體" pitchFamily="65" charset="-120"/>
-              </a:rPr>
-              <a:t>完成</a:t>
-            </a:r>
-            <a:endParaRPr lang="en-US" altLang="zh-TW" sz="2600" dirty="0">
-              <a:solidFill>
-                <a:schemeClr val="tx1"/>
-              </a:solidFill>
-              <a:latin typeface="標楷體" pitchFamily="65" charset="-120"/>
-              <a:ea typeface="標楷體" pitchFamily="65" charset="-120"/>
-            </a:endParaRPr>
-          </a:p>
-          <a:p>
-            <a:pPr marL="1594350" lvl="2" indent="-342900">
-              <a:buClr>
-                <a:schemeClr val="tx1"/>
-              </a:buClr>
-              <a:buFont typeface="Wingdings" panose="05000000000000000000" pitchFamily="2" charset="2"/>
-              <a:buChar char="Ø"/>
-            </a:pPr>
-            <a:r>
-              <a:rPr lang="en-US" altLang="zh-TW" sz="2600" dirty="0" smtClean="0">
-                <a:solidFill>
-                  <a:schemeClr val="tx1"/>
-                </a:solidFill>
-                <a:latin typeface="標楷體" pitchFamily="65" charset="-120"/>
-                <a:ea typeface="標楷體" pitchFamily="65" charset="-120"/>
-              </a:rPr>
-              <a:t>6/16</a:t>
-            </a:r>
-            <a:r>
-              <a:rPr lang="zh-TW" altLang="en-US" sz="2600" dirty="0" smtClean="0">
-                <a:solidFill>
-                  <a:schemeClr val="tx1"/>
-                </a:solidFill>
-                <a:latin typeface="標楷體" pitchFamily="65" charset="-120"/>
-                <a:ea typeface="標楷體" pitchFamily="65" charset="-120"/>
-              </a:rPr>
-              <a:t> 測試網頁</a:t>
-            </a:r>
-            <a:endParaRPr lang="en-US" altLang="zh-TW" sz="2600" dirty="0" smtClean="0">
-              <a:solidFill>
-                <a:schemeClr val="tx1"/>
-              </a:solidFill>
-              <a:latin typeface="標楷體" pitchFamily="65" charset="-120"/>
-              <a:ea typeface="標楷體" pitchFamily="65" charset="-120"/>
-            </a:endParaRPr>
-          </a:p>
-          <a:p>
-            <a:pPr marL="1594350" lvl="2" indent="-342900">
-              <a:lnSpc>
-                <a:spcPct val="150000"/>
-              </a:lnSpc>
-              <a:buClr>
-                <a:schemeClr val="tx1"/>
-              </a:buClr>
-              <a:buFont typeface="Wingdings" panose="05000000000000000000" pitchFamily="2" charset="2"/>
-              <a:buChar char="Ø"/>
-            </a:pPr>
-            <a:endParaRPr lang="en-US" altLang="zh-TW" sz="2200" dirty="0" smtClean="0">
-              <a:solidFill>
-                <a:schemeClr val="tx1"/>
-              </a:solidFill>
-              <a:latin typeface="標楷體" pitchFamily="65" charset="-120"/>
-              <a:ea typeface="標楷體" pitchFamily="65" charset="-120"/>
-            </a:endParaRPr>
-          </a:p>
-          <a:p>
-            <a:pPr marL="1594350" lvl="2" indent="-342900">
-              <a:lnSpc>
-                <a:spcPct val="150000"/>
-              </a:lnSpc>
-              <a:buClr>
-                <a:schemeClr val="tx1"/>
-              </a:buClr>
-              <a:buFont typeface="Wingdings" panose="05000000000000000000" pitchFamily="2" charset="2"/>
-              <a:buChar char="Ø"/>
-            </a:pPr>
-            <a:endParaRPr lang="en-US" altLang="zh-TW" sz="2200" dirty="0" smtClean="0">
-              <a:solidFill>
-                <a:schemeClr val="tx1"/>
-              </a:solidFill>
-              <a:latin typeface="標楷體" pitchFamily="65" charset="-120"/>
-              <a:ea typeface="標楷體" pitchFamily="65" charset="-120"/>
-            </a:endParaRPr>
-          </a:p>
-          <a:p>
-            <a:pPr marL="1594350" lvl="2" indent="-342900">
-              <a:lnSpc>
-                <a:spcPct val="150000"/>
-              </a:lnSpc>
-              <a:buClr>
-                <a:schemeClr val="tx1"/>
-              </a:buClr>
-              <a:buFont typeface="Wingdings" panose="05000000000000000000" pitchFamily="2" charset="2"/>
-              <a:buChar char="Ø"/>
-            </a:pPr>
-            <a:endParaRPr lang="en-US" altLang="zh-TW" sz="2200" dirty="0" smtClean="0">
-              <a:solidFill>
-                <a:schemeClr val="tx1"/>
-              </a:solidFill>
-              <a:latin typeface="標楷體" pitchFamily="65" charset="-120"/>
-              <a:ea typeface="標楷體" pitchFamily="65" charset="-120"/>
-            </a:endParaRPr>
-          </a:p>
-          <a:p>
-            <a:pPr marL="1594350" lvl="2" indent="-342900">
-              <a:lnSpc>
-                <a:spcPct val="150000"/>
-              </a:lnSpc>
-              <a:buClr>
-                <a:schemeClr val="tx1"/>
-              </a:buClr>
-              <a:buFont typeface="Wingdings" panose="05000000000000000000" pitchFamily="2" charset="2"/>
-              <a:buChar char="Ø"/>
-            </a:pPr>
-            <a:endParaRPr lang="en-US" altLang="zh-TW" sz="2200" dirty="0" smtClean="0">
-              <a:solidFill>
-                <a:schemeClr val="tx1"/>
-              </a:solidFill>
-              <a:latin typeface="標楷體" pitchFamily="65" charset="-120"/>
-              <a:ea typeface="標楷體" pitchFamily="65" charset="-120"/>
-            </a:endParaRPr>
-          </a:p>
-          <a:p>
-            <a:endParaRPr lang="en-US" altLang="zh-TW" sz="1800" dirty="0" smtClean="0">
-              <a:solidFill>
-                <a:schemeClr val="tx1"/>
-              </a:solidFill>
-              <a:latin typeface="標楷體" pitchFamily="65" charset="-120"/>
-              <a:ea typeface="標楷體" pitchFamily="65" charset="-120"/>
-            </a:endParaRPr>
-          </a:p>
-          <a:p>
-            <a:endParaRPr lang="zh-TW" altLang="en-US" sz="1800" dirty="0">
-              <a:solidFill>
-                <a:schemeClr val="tx1"/>
-              </a:solidFill>
-              <a:latin typeface="標楷體" pitchFamily="65" charset="-120"/>
-              <a:ea typeface="標楷體" pitchFamily="65" charset="-120"/>
-            </a:endParaRPr>
-          </a:p>
-        </p:txBody>
-      </p:sp>
-    </p:spTree>
-    <p:extLst>
-      <p:ext uri="{BB962C8B-B14F-4D97-AF65-F5344CB8AC3E}">
-        <p14:creationId xmlns:p14="http://schemas.microsoft.com/office/powerpoint/2010/main" val="907980286"/>
-      </p:ext>
-    </p:extLst>
-  </p:cSld>
-  <p:clrMapOvr>
-    <a:masterClrMapping/>
-  </p:clrMapOvr>
-  <p:timing>
-    <p:tnLst>
-      <p:par>
-        <p:cTn id="1" dur="indefinite" restart="never" nodeType="tmRoot"/>
-      </p:par>
-    </p:tnLst>
-  </p:timing>
-</p:sld>
-</file>
-
-<file path=ppt/slides/slide7.xml><?xml version="1.0" encoding="utf-8"?>
 <p:sld xmlns:a="http://schemas.openxmlformats.org/drawingml/2006/main" xmlns:r="http://schemas.openxmlformats.org/officeDocument/2006/relationships" xmlns:p="http://schemas.openxmlformats.org/presentationml/2006/main">
   <p:cSld>
     <p:spTree>
@@ -30682,7 +29015,7 @@
         </p:nvSpPr>
         <p:spPr>
           <a:xfrm>
-            <a:off x="1074000" y="2520460"/>
+            <a:off x="1074000" y="2285999"/>
             <a:ext cx="10044000" cy="5220000"/>
           </a:xfrm>
         </p:spPr>
@@ -30787,7 +29120,7 @@
     </p:spTree>
     <p:extLst>
       <p:ext uri="{BB962C8B-B14F-4D97-AF65-F5344CB8AC3E}">
-        <p14:creationId xmlns:p14="http://schemas.microsoft.com/office/powerpoint/2010/main" val="4077262131"/>
+        <p14:creationId xmlns:p14="http://schemas.microsoft.com/office/powerpoint/2010/main" xmlns="" val="4077262131"/>
       </p:ext>
     </p:extLst>
   </p:cSld>
@@ -30804,7 +29137,7 @@
 </p:sld>
 </file>
 
-<file path=ppt/slides/slide8.xml><?xml version="1.0" encoding="utf-8"?>
+<file path=ppt/slides/slide6.xml><?xml version="1.0" encoding="utf-8"?>
 <p:sld xmlns:a="http://schemas.openxmlformats.org/drawingml/2006/main" xmlns:r="http://schemas.openxmlformats.org/officeDocument/2006/relationships" xmlns:p="http://schemas.openxmlformats.org/presentationml/2006/main">
   <p:cSld>
     <p:spTree>
@@ -30867,7 +29200,7 @@
         </p:nvSpPr>
         <p:spPr>
           <a:xfrm>
-            <a:off x="1130123" y="2520460"/>
+            <a:off x="966000" y="2285999"/>
             <a:ext cx="10260000" cy="5220000"/>
           </a:xfrm>
         </p:spPr>
@@ -30984,7 +29317,7 @@
 </p:sld>
 </file>
 
-<file path=ppt/slides/slide9.xml><?xml version="1.0" encoding="utf-8"?>
+<file path=ppt/slides/slide7.xml><?xml version="1.0" encoding="utf-8"?>
 <p:sld xmlns:a="http://schemas.openxmlformats.org/drawingml/2006/main" xmlns:r="http://schemas.openxmlformats.org/officeDocument/2006/relationships" xmlns:p="http://schemas.openxmlformats.org/presentationml/2006/main">
   <p:cSld>
     <p:spTree>
@@ -31047,7 +29380,7 @@
         </p:nvSpPr>
         <p:spPr>
           <a:xfrm>
-            <a:off x="1153569" y="2546334"/>
+            <a:off x="966000" y="2264980"/>
             <a:ext cx="10260000" cy="5220000"/>
           </a:xfrm>
         </p:spPr>
@@ -31139,9 +29472,618 @@
     </p:spTree>
     <p:extLst>
       <p:ext uri="{BB962C8B-B14F-4D97-AF65-F5344CB8AC3E}">
-        <p14:creationId xmlns:p14="http://schemas.microsoft.com/office/powerpoint/2010/main" val="3715149273"/>
+        <p14:creationId xmlns:p14="http://schemas.microsoft.com/office/powerpoint/2010/main" xmlns="" val="3715149273"/>
       </p:ext>
     </p:extLst>
+  </p:cSld>
+  <p:clrMapOvr>
+    <a:masterClrMapping/>
+  </p:clrMapOvr>
+  <p:timing>
+    <p:tnLst>
+      <p:par>
+        <p:cTn id="1" dur="indefinite" restart="never" nodeType="tmRoot"/>
+      </p:par>
+    </p:tnLst>
+  </p:timing>
+</p:sld>
+</file>
+
+<file path=ppt/slides/slide8.xml><?xml version="1.0" encoding="utf-8"?>
+<p:sld xmlns:a="http://schemas.openxmlformats.org/drawingml/2006/main" xmlns:r="http://schemas.openxmlformats.org/officeDocument/2006/relationships" xmlns:p="http://schemas.openxmlformats.org/presentationml/2006/main">
+  <p:cSld>
+    <p:spTree>
+      <p:nvGrpSpPr>
+        <p:cNvPr id="1" name=""/>
+        <p:cNvGrpSpPr/>
+        <p:nvPr/>
+      </p:nvGrpSpPr>
+      <p:grpSpPr>
+        <a:xfrm>
+          <a:off x="0" y="0"/>
+          <a:ext cx="0" cy="0"/>
+          <a:chOff x="0" y="0"/>
+          <a:chExt cx="0" cy="0"/>
+        </a:xfrm>
+      </p:grpSpPr>
+      <p:sp>
+        <p:nvSpPr>
+          <p:cNvPr id="2" name="標題 1"/>
+          <p:cNvSpPr>
+            <a:spLocks noGrp="1"/>
+          </p:cNvSpPr>
+          <p:nvPr>
+            <p:ph type="title"/>
+          </p:nvPr>
+        </p:nvSpPr>
+        <p:spPr/>
+        <p:txBody>
+          <a:bodyPr/>
+          <a:lstStyle/>
+          <a:p>
+            <a:pPr algn="l"/>
+            <a:r>
+              <a:rPr lang="zh-TW" altLang="en-US" dirty="0" smtClean="0">
+                <a:solidFill>
+                  <a:schemeClr val="tx1"/>
+                </a:solidFill>
+                <a:latin typeface="標楷體" pitchFamily="65" charset="-120"/>
+                <a:ea typeface="標楷體" pitchFamily="65" charset="-120"/>
+              </a:rPr>
+              <a:t>會議紀錄</a:t>
+            </a:r>
+            <a:endParaRPr lang="zh-TW" altLang="en-US" dirty="0">
+              <a:solidFill>
+                <a:schemeClr val="tx1"/>
+              </a:solidFill>
+            </a:endParaRPr>
+          </a:p>
+        </p:txBody>
+      </p:sp>
+      <p:sp>
+        <p:nvSpPr>
+          <p:cNvPr id="3" name="直排文字版面配置區 2"/>
+          <p:cNvSpPr>
+            <a:spLocks noGrp="1"/>
+          </p:cNvSpPr>
+          <p:nvPr>
+            <p:ph type="body" orient="vert" idx="1"/>
+          </p:nvPr>
+        </p:nvSpPr>
+        <p:spPr>
+          <a:xfrm>
+            <a:off x="966000" y="2411792"/>
+            <a:ext cx="10260000" cy="5220000"/>
+          </a:xfrm>
+        </p:spPr>
+        <p:txBody>
+          <a:bodyPr vert="horz">
+            <a:normAutofit/>
+          </a:bodyPr>
+          <a:lstStyle/>
+          <a:p>
+            <a:pPr>
+              <a:buClr>
+                <a:schemeClr val="tx1"/>
+              </a:buClr>
+              <a:buFont typeface="Wingdings" pitchFamily="2" charset="2"/>
+              <a:buChar char="l"/>
+            </a:pPr>
+            <a:r>
+              <a:rPr lang="en-US" altLang="zh-TW" dirty="0" smtClean="0">
+                <a:solidFill>
+                  <a:schemeClr val="tx1"/>
+                </a:solidFill>
+                <a:latin typeface="標楷體" pitchFamily="65" charset="-120"/>
+                <a:ea typeface="標楷體" pitchFamily="65" charset="-120"/>
+              </a:rPr>
+              <a:t>4/7 </a:t>
+            </a:r>
+          </a:p>
+          <a:p>
+            <a:pPr lvl="1">
+              <a:buClrTx/>
+              <a:buFont typeface="Wingdings" pitchFamily="2" charset="2"/>
+              <a:buChar char="Ø"/>
+            </a:pPr>
+            <a:r>
+              <a:rPr lang="zh-TW" altLang="en-US" sz="2400" dirty="0" smtClean="0">
+                <a:solidFill>
+                  <a:schemeClr val="tx1"/>
+                </a:solidFill>
+                <a:latin typeface="標楷體" pitchFamily="65" charset="-120"/>
+                <a:ea typeface="標楷體" pitchFamily="65" charset="-120"/>
+              </a:rPr>
+              <a:t>製作網頁雛形、討論開發動機、平台介紹、平台功能、時程規劃、會議記錄。</a:t>
+            </a:r>
+          </a:p>
+        </p:txBody>
+      </p:sp>
+    </p:spTree>
+  </p:cSld>
+  <p:clrMapOvr>
+    <a:masterClrMapping/>
+  </p:clrMapOvr>
+  <p:timing>
+    <p:tnLst>
+      <p:par>
+        <p:cTn id="1" dur="indefinite" restart="never" nodeType="tmRoot"/>
+      </p:par>
+    </p:tnLst>
+  </p:timing>
+</p:sld>
+</file>
+
+<file path=ppt/slides/slide9.xml><?xml version="1.0" encoding="utf-8"?>
+<p:sld xmlns:a="http://schemas.openxmlformats.org/drawingml/2006/main" xmlns:r="http://schemas.openxmlformats.org/officeDocument/2006/relationships" xmlns:p="http://schemas.openxmlformats.org/presentationml/2006/main">
+  <p:cSld>
+    <p:spTree>
+      <p:nvGrpSpPr>
+        <p:cNvPr id="1" name=""/>
+        <p:cNvGrpSpPr/>
+        <p:nvPr/>
+      </p:nvGrpSpPr>
+      <p:grpSpPr>
+        <a:xfrm>
+          <a:off x="0" y="0"/>
+          <a:ext cx="0" cy="0"/>
+          <a:chOff x="0" y="0"/>
+          <a:chExt cx="0" cy="0"/>
+        </a:xfrm>
+      </p:grpSpPr>
+      <p:sp>
+        <p:nvSpPr>
+          <p:cNvPr id="2" name="標題 1"/>
+          <p:cNvSpPr>
+            <a:spLocks noGrp="1"/>
+          </p:cNvSpPr>
+          <p:nvPr>
+            <p:ph type="title"/>
+          </p:nvPr>
+        </p:nvSpPr>
+        <p:spPr/>
+        <p:txBody>
+          <a:bodyPr>
+            <a:normAutofit/>
+          </a:bodyPr>
+          <a:lstStyle/>
+          <a:p>
+            <a:pPr algn="l"/>
+            <a:r>
+              <a:rPr lang="zh-TW" altLang="en-US" dirty="0" smtClean="0">
+                <a:solidFill>
+                  <a:schemeClr val="tx1"/>
+                </a:solidFill>
+                <a:latin typeface="標楷體" pitchFamily="65" charset="-120"/>
+                <a:ea typeface="標楷體" pitchFamily="65" charset="-120"/>
+              </a:rPr>
+              <a:t>團隊負責</a:t>
+            </a:r>
+            <a:endParaRPr lang="zh-TW" altLang="en-US" dirty="0">
+              <a:solidFill>
+                <a:schemeClr val="tx1"/>
+              </a:solidFill>
+              <a:latin typeface="標楷體" pitchFamily="65" charset="-120"/>
+              <a:ea typeface="標楷體" pitchFamily="65" charset="-120"/>
+            </a:endParaRPr>
+          </a:p>
+        </p:txBody>
+      </p:sp>
+      <p:grpSp>
+        <p:nvGrpSpPr>
+          <p:cNvPr id="12" name="群組 11"/>
+          <p:cNvGrpSpPr/>
+          <p:nvPr/>
+        </p:nvGrpSpPr>
+        <p:grpSpPr>
+          <a:xfrm>
+            <a:off x="1299378" y="2471206"/>
+            <a:ext cx="5636249" cy="2603851"/>
+            <a:chOff x="1299378" y="2471206"/>
+            <a:chExt cx="5636249" cy="2603851"/>
+          </a:xfrm>
+        </p:grpSpPr>
+        <p:sp>
+          <p:nvSpPr>
+            <p:cNvPr id="5" name="文字方塊 4"/>
+            <p:cNvSpPr txBox="1"/>
+            <p:nvPr/>
+          </p:nvSpPr>
+          <p:spPr>
+            <a:xfrm>
+              <a:off x="1299378" y="2826972"/>
+              <a:ext cx="2111475" cy="1261884"/>
+            </a:xfrm>
+            <a:prstGeom prst="rect">
+              <a:avLst/>
+            </a:prstGeom>
+            <a:noFill/>
+          </p:spPr>
+          <p:txBody>
+            <a:bodyPr wrap="none" rtlCol="0">
+              <a:spAutoFit/>
+            </a:bodyPr>
+            <a:lstStyle/>
+            <a:p>
+              <a:pPr lvl="1">
+                <a:buClr>
+                  <a:schemeClr val="tx1"/>
+                </a:buClr>
+                <a:buFont typeface="Wingdings" pitchFamily="2" charset="2"/>
+                <a:buChar char="Ø"/>
+              </a:pPr>
+              <a:r>
+                <a:rPr lang="zh-TW" altLang="en-US" sz="2000" dirty="0" smtClean="0">
+                  <a:latin typeface="標楷體" pitchFamily="65" charset="-120"/>
+                  <a:ea typeface="標楷體" pitchFamily="65" charset="-120"/>
+                </a:rPr>
+                <a:t>珮</a:t>
+              </a:r>
+              <a:r>
+                <a:rPr lang="zh-TW" altLang="en-US" sz="2000" dirty="0">
+                  <a:latin typeface="標楷體" pitchFamily="65" charset="-120"/>
+                  <a:ea typeface="標楷體" pitchFamily="65" charset="-120"/>
+                </a:rPr>
+                <a:t>妤</a:t>
+              </a:r>
+              <a:endParaRPr lang="en-US" altLang="zh-TW" sz="2000" dirty="0">
+                <a:latin typeface="標楷體" pitchFamily="65" charset="-120"/>
+                <a:ea typeface="標楷體" pitchFamily="65" charset="-120"/>
+              </a:endParaRPr>
+            </a:p>
+            <a:p>
+              <a:pPr lvl="2">
+                <a:buClr>
+                  <a:schemeClr val="tx1"/>
+                </a:buClr>
+                <a:buFont typeface="Arial" pitchFamily="34" charset="0"/>
+                <a:buChar char="•"/>
+              </a:pPr>
+              <a:r>
+                <a:rPr lang="zh-TW" altLang="en-US" dirty="0">
+                  <a:latin typeface="標楷體" pitchFamily="65" charset="-120"/>
+                  <a:ea typeface="標楷體" pitchFamily="65" charset="-120"/>
+                </a:rPr>
+                <a:t>動機</a:t>
+              </a:r>
+              <a:endParaRPr lang="en-US" altLang="zh-TW" dirty="0">
+                <a:latin typeface="標楷體" pitchFamily="65" charset="-120"/>
+                <a:ea typeface="標楷體" pitchFamily="65" charset="-120"/>
+              </a:endParaRPr>
+            </a:p>
+            <a:p>
+              <a:pPr lvl="2">
+                <a:buClr>
+                  <a:schemeClr val="tx1"/>
+                </a:buClr>
+                <a:buFont typeface="Arial" pitchFamily="34" charset="0"/>
+                <a:buChar char="•"/>
+              </a:pPr>
+              <a:r>
+                <a:rPr lang="zh-TW" altLang="en-US" dirty="0">
+                  <a:latin typeface="標楷體" pitchFamily="65" charset="-120"/>
+                  <a:ea typeface="標楷體" pitchFamily="65" charset="-120"/>
+                </a:rPr>
+                <a:t>平台介紹</a:t>
+              </a:r>
+              <a:endParaRPr lang="en-US" altLang="zh-TW" dirty="0">
+                <a:latin typeface="標楷體" pitchFamily="65" charset="-120"/>
+                <a:ea typeface="標楷體" pitchFamily="65" charset="-120"/>
+              </a:endParaRPr>
+            </a:p>
+            <a:p>
+              <a:endParaRPr lang="zh-TW" altLang="en-US" sz="2000" dirty="0"/>
+            </a:p>
+          </p:txBody>
+        </p:sp>
+        <p:sp>
+          <p:nvSpPr>
+            <p:cNvPr id="7" name="矩形 6"/>
+            <p:cNvSpPr/>
+            <p:nvPr/>
+          </p:nvSpPr>
+          <p:spPr>
+            <a:xfrm>
+              <a:off x="2970908" y="2833106"/>
+              <a:ext cx="2342964" cy="1231106"/>
+            </a:xfrm>
+            <a:prstGeom prst="rect">
+              <a:avLst/>
+            </a:prstGeom>
+          </p:spPr>
+          <p:txBody>
+            <a:bodyPr wrap="square">
+              <a:spAutoFit/>
+            </a:bodyPr>
+            <a:lstStyle/>
+            <a:p>
+              <a:pPr lvl="1">
+                <a:buClr>
+                  <a:schemeClr val="tx1"/>
+                </a:buClr>
+                <a:buFont typeface="Wingdings" pitchFamily="2" charset="2"/>
+                <a:buChar char="Ø"/>
+              </a:pPr>
+              <a:r>
+                <a:rPr lang="zh-TW" altLang="en-US" sz="2000" dirty="0">
+                  <a:latin typeface="標楷體" pitchFamily="65" charset="-120"/>
+                  <a:ea typeface="標楷體" pitchFamily="65" charset="-120"/>
+                </a:rPr>
+                <a:t>靖倫</a:t>
+              </a:r>
+              <a:endParaRPr lang="en-US" altLang="zh-TW" sz="2000" dirty="0">
+                <a:latin typeface="標楷體" pitchFamily="65" charset="-120"/>
+                <a:ea typeface="標楷體" pitchFamily="65" charset="-120"/>
+              </a:endParaRPr>
+            </a:p>
+            <a:p>
+              <a:pPr lvl="2">
+                <a:buClr>
+                  <a:schemeClr val="tx1"/>
+                </a:buClr>
+                <a:buFont typeface="Arial" pitchFamily="34" charset="0"/>
+                <a:buChar char="•"/>
+              </a:pPr>
+              <a:r>
+                <a:rPr lang="zh-TW" altLang="en-US" dirty="0">
+                  <a:latin typeface="標楷體" pitchFamily="65" charset="-120"/>
+                  <a:ea typeface="標楷體" pitchFamily="65" charset="-120"/>
+                </a:rPr>
+                <a:t>平台功能</a:t>
+              </a:r>
+              <a:endParaRPr lang="en-US" altLang="zh-TW" dirty="0">
+                <a:latin typeface="標楷體" pitchFamily="65" charset="-120"/>
+                <a:ea typeface="標楷體" pitchFamily="65" charset="-120"/>
+              </a:endParaRPr>
+            </a:p>
+            <a:p>
+              <a:pPr lvl="2">
+                <a:buClr>
+                  <a:schemeClr val="tx1"/>
+                </a:buClr>
+                <a:buFont typeface="Arial" pitchFamily="34" charset="0"/>
+                <a:buChar char="•"/>
+              </a:pPr>
+              <a:r>
+                <a:rPr lang="zh-TW" altLang="en-US" dirty="0">
+                  <a:latin typeface="標楷體" pitchFamily="65" charset="-120"/>
+                  <a:ea typeface="標楷體" pitchFamily="65" charset="-120"/>
+                </a:rPr>
+                <a:t>時程規劃</a:t>
+              </a:r>
+              <a:endParaRPr lang="en-US" altLang="zh-TW" dirty="0">
+                <a:latin typeface="標楷體" pitchFamily="65" charset="-120"/>
+                <a:ea typeface="標楷體" pitchFamily="65" charset="-120"/>
+              </a:endParaRPr>
+            </a:p>
+            <a:p>
+              <a:pPr lvl="2">
+                <a:buClr>
+                  <a:schemeClr val="tx1"/>
+                </a:buClr>
+                <a:buFont typeface="Arial" pitchFamily="34" charset="0"/>
+                <a:buChar char="•"/>
+              </a:pPr>
+              <a:r>
+                <a:rPr lang="zh-TW" altLang="en-US" dirty="0">
+                  <a:latin typeface="標楷體" pitchFamily="65" charset="-120"/>
+                  <a:ea typeface="標楷體" pitchFamily="65" charset="-120"/>
+                </a:rPr>
+                <a:t>內容整合</a:t>
+              </a:r>
+              <a:endParaRPr lang="en-US" altLang="zh-TW" dirty="0">
+                <a:latin typeface="標楷體" pitchFamily="65" charset="-120"/>
+                <a:ea typeface="標楷體" pitchFamily="65" charset="-120"/>
+              </a:endParaRPr>
+            </a:p>
+          </p:txBody>
+        </p:sp>
+        <p:sp>
+          <p:nvSpPr>
+            <p:cNvPr id="8" name="矩形 7"/>
+            <p:cNvSpPr/>
+            <p:nvPr/>
+          </p:nvSpPr>
+          <p:spPr>
+            <a:xfrm>
+              <a:off x="1299378" y="2471206"/>
+              <a:ext cx="1401346" cy="400110"/>
+            </a:xfrm>
+            <a:prstGeom prst="rect">
+              <a:avLst/>
+            </a:prstGeom>
+          </p:spPr>
+          <p:txBody>
+            <a:bodyPr wrap="none">
+              <a:spAutoFit/>
+            </a:bodyPr>
+            <a:lstStyle/>
+            <a:p>
+              <a:pPr>
+                <a:buClr>
+                  <a:schemeClr val="tx1"/>
+                </a:buClr>
+                <a:buFont typeface="Wingdings" pitchFamily="2" charset="2"/>
+                <a:buChar char="l"/>
+              </a:pPr>
+              <a:r>
+                <a:rPr lang="zh-TW" altLang="en-US" sz="2000" dirty="0">
+                  <a:latin typeface="標楷體" pitchFamily="65" charset="-120"/>
+                  <a:ea typeface="標楷體" pitchFamily="65" charset="-120"/>
+                </a:rPr>
+                <a:t>文案內容</a:t>
+              </a:r>
+              <a:endParaRPr lang="en-US" altLang="zh-TW" sz="2000" dirty="0">
+                <a:latin typeface="標楷體" pitchFamily="65" charset="-120"/>
+                <a:ea typeface="標楷體" pitchFamily="65" charset="-120"/>
+              </a:endParaRPr>
+            </a:p>
+          </p:txBody>
+        </p:sp>
+        <p:sp>
+          <p:nvSpPr>
+            <p:cNvPr id="9" name="矩形 8"/>
+            <p:cNvSpPr/>
+            <p:nvPr/>
+          </p:nvSpPr>
+          <p:spPr>
+            <a:xfrm>
+              <a:off x="4730140" y="2840538"/>
+              <a:ext cx="2205487" cy="954107"/>
+            </a:xfrm>
+            <a:prstGeom prst="rect">
+              <a:avLst/>
+            </a:prstGeom>
+          </p:spPr>
+          <p:txBody>
+            <a:bodyPr wrap="square">
+              <a:spAutoFit/>
+            </a:bodyPr>
+            <a:lstStyle/>
+            <a:p>
+              <a:pPr lvl="1">
+                <a:buClr>
+                  <a:schemeClr val="tx1"/>
+                </a:buClr>
+                <a:buFont typeface="Wingdings" pitchFamily="2" charset="2"/>
+                <a:buChar char="Ø"/>
+              </a:pPr>
+              <a:r>
+                <a:rPr lang="zh-TW" altLang="en-US" sz="2000" dirty="0">
+                  <a:latin typeface="標楷體" pitchFamily="65" charset="-120"/>
+                  <a:ea typeface="標楷體" pitchFamily="65" charset="-120"/>
+                </a:rPr>
+                <a:t>郁絜</a:t>
+              </a:r>
+              <a:endParaRPr lang="en-US" altLang="zh-TW" sz="2000" dirty="0">
+                <a:latin typeface="標楷體" pitchFamily="65" charset="-120"/>
+                <a:ea typeface="標楷體" pitchFamily="65" charset="-120"/>
+              </a:endParaRPr>
+            </a:p>
+            <a:p>
+              <a:pPr lvl="2">
+                <a:buClr>
+                  <a:schemeClr val="tx1"/>
+                </a:buClr>
+                <a:buFont typeface="Arial" pitchFamily="34" charset="0"/>
+                <a:buChar char="•"/>
+              </a:pPr>
+              <a:r>
+                <a:rPr lang="zh-TW" altLang="en-US" dirty="0">
+                  <a:latin typeface="標楷體" pitchFamily="65" charset="-120"/>
+                  <a:ea typeface="標楷體" pitchFamily="65" charset="-120"/>
+                </a:rPr>
+                <a:t>會議紀錄</a:t>
+              </a:r>
+              <a:endParaRPr lang="en-US" altLang="zh-TW" dirty="0">
+                <a:latin typeface="標楷體" pitchFamily="65" charset="-120"/>
+                <a:ea typeface="標楷體" pitchFamily="65" charset="-120"/>
+              </a:endParaRPr>
+            </a:p>
+            <a:p>
+              <a:pPr lvl="2">
+                <a:buClr>
+                  <a:schemeClr val="tx1"/>
+                </a:buClr>
+                <a:buFont typeface="Arial" pitchFamily="34" charset="0"/>
+                <a:buChar char="•"/>
+              </a:pPr>
+              <a:r>
+                <a:rPr lang="zh-TW" altLang="en-US" dirty="0">
+                  <a:latin typeface="標楷體" pitchFamily="65" charset="-120"/>
+                  <a:ea typeface="標楷體" pitchFamily="65" charset="-120"/>
+                </a:rPr>
+                <a:t>團隊負責</a:t>
+              </a:r>
+              <a:endParaRPr lang="en-US" altLang="zh-TW" sz="2400" dirty="0">
+                <a:latin typeface="標楷體" pitchFamily="65" charset="-120"/>
+                <a:ea typeface="標楷體" pitchFamily="65" charset="-120"/>
+              </a:endParaRPr>
+            </a:p>
+          </p:txBody>
+        </p:sp>
+        <p:sp>
+          <p:nvSpPr>
+            <p:cNvPr id="10" name="矩形 9"/>
+            <p:cNvSpPr/>
+            <p:nvPr/>
+          </p:nvSpPr>
+          <p:spPr>
+            <a:xfrm>
+              <a:off x="1309797" y="4705725"/>
+              <a:ext cx="1752403" cy="369332"/>
+            </a:xfrm>
+            <a:prstGeom prst="rect">
+              <a:avLst/>
+            </a:prstGeom>
+          </p:spPr>
+          <p:txBody>
+            <a:bodyPr wrap="none">
+              <a:spAutoFit/>
+            </a:bodyPr>
+            <a:lstStyle/>
+            <a:p>
+              <a:pPr lvl="1">
+                <a:buClrTx/>
+                <a:buFont typeface="Wingdings" pitchFamily="2" charset="2"/>
+                <a:buChar char="Ø"/>
+              </a:pPr>
+              <a:r>
+                <a:rPr lang="zh-TW" altLang="en-US" dirty="0">
+                  <a:latin typeface="標楷體" pitchFamily="65" charset="-120"/>
+                  <a:ea typeface="標楷體" pitchFamily="65" charset="-120"/>
+                </a:rPr>
+                <a:t>團隊合作</a:t>
+              </a:r>
+              <a:endParaRPr lang="en-US" altLang="zh-TW" dirty="0">
+                <a:latin typeface="標楷體" pitchFamily="65" charset="-120"/>
+                <a:ea typeface="標楷體" pitchFamily="65" charset="-120"/>
+              </a:endParaRPr>
+            </a:p>
+          </p:txBody>
+        </p:sp>
+        <p:sp>
+          <p:nvSpPr>
+            <p:cNvPr id="11" name="矩形 10"/>
+            <p:cNvSpPr/>
+            <p:nvPr/>
+          </p:nvSpPr>
+          <p:spPr>
+            <a:xfrm>
+              <a:off x="1299378" y="4287870"/>
+              <a:ext cx="2170787" cy="400110"/>
+            </a:xfrm>
+            <a:prstGeom prst="rect">
+              <a:avLst/>
+            </a:prstGeom>
+          </p:spPr>
+          <p:txBody>
+            <a:bodyPr wrap="none">
+              <a:spAutoFit/>
+            </a:bodyPr>
+            <a:lstStyle/>
+            <a:p>
+              <a:pPr>
+                <a:buClrTx/>
+                <a:buFont typeface="Wingdings" pitchFamily="2" charset="2"/>
+                <a:buChar char="l"/>
+              </a:pPr>
+              <a:r>
+                <a:rPr lang="zh-TW" altLang="en-US" sz="2000" dirty="0">
+                  <a:latin typeface="標楷體" pitchFamily="65" charset="-120"/>
+                  <a:ea typeface="標楷體" pitchFamily="65" charset="-120"/>
+                </a:rPr>
+                <a:t>網頁、雛形製作</a:t>
+              </a:r>
+              <a:endParaRPr lang="en-US" altLang="zh-TW" sz="2000" dirty="0">
+                <a:latin typeface="標楷體" pitchFamily="65" charset="-120"/>
+                <a:ea typeface="標楷體" pitchFamily="65" charset="-120"/>
+              </a:endParaRPr>
+            </a:p>
+          </p:txBody>
+        </p:sp>
+      </p:grpSp>
+    </p:spTree>
   </p:cSld>
   <p:clrMapOvr>
     <a:masterClrMapping/>
@@ -31383,7 +30325,7 @@
   <a:extraClrSchemeLst/>
   <a:extLst>
     <a:ext uri="{05A4C25C-085E-4340-85A3-A5531E510DB2}">
-      <thm15:themeFamily xmlns:thm15="http://schemas.microsoft.com/office/thememl/2012/main" name="Organic" id="{28CDC826-8792-45C0-861B-85EB3ADEDA33}" vid="{7DAC20F1-423D-49E2-BD0B-50532748BAD0}"/>
+      <thm15:themeFamily xmlns:thm15="http://schemas.microsoft.com/office/thememl/2012/main" xmlns="" name="Organic" id="{28CDC826-8792-45C0-861B-85EB3ADEDA33}" vid="{7DAC20F1-423D-49E2-BD0B-50532748BAD0}"/>
     </a:ext>
   </a:extLst>
 </a:theme>
